--- a/trunk/docs/presentations/OBI tutorial July 2011 ICBO/EuPathDB.pptx
+++ b/trunk/docs/presentations/OBI tutorial July 2011 ICBO/EuPathDB.pptx
@@ -14,18 +14,18 @@
     <p:sldId id="276" r:id="rId5"/>
     <p:sldId id="297" r:id="rId6"/>
     <p:sldId id="274" r:id="rId7"/>
-    <p:sldId id="275" r:id="rId8"/>
-    <p:sldId id="277" r:id="rId9"/>
-    <p:sldId id="304" r:id="rId10"/>
-    <p:sldId id="294" r:id="rId11"/>
-    <p:sldId id="296" r:id="rId12"/>
-    <p:sldId id="292" r:id="rId13"/>
-    <p:sldId id="305" r:id="rId14"/>
-    <p:sldId id="298" r:id="rId15"/>
-    <p:sldId id="306" r:id="rId16"/>
-    <p:sldId id="280" r:id="rId17"/>
-    <p:sldId id="281" r:id="rId18"/>
-    <p:sldId id="283" r:id="rId19"/>
+    <p:sldId id="309" r:id="rId8"/>
+    <p:sldId id="275" r:id="rId9"/>
+    <p:sldId id="277" r:id="rId10"/>
+    <p:sldId id="304" r:id="rId11"/>
+    <p:sldId id="294" r:id="rId12"/>
+    <p:sldId id="296" r:id="rId13"/>
+    <p:sldId id="292" r:id="rId14"/>
+    <p:sldId id="305" r:id="rId15"/>
+    <p:sldId id="298" r:id="rId16"/>
+    <p:sldId id="306" r:id="rId17"/>
+    <p:sldId id="280" r:id="rId18"/>
+    <p:sldId id="310" r:id="rId19"/>
     <p:sldId id="307" r:id="rId20"/>
     <p:sldId id="308" r:id="rId21"/>
     <p:sldId id="295" r:id="rId22"/>
@@ -270,7 +270,7 @@
               <a:pPr>
                 <a:defRPr/>
               </a:pPr>
-              <a:t>7/8/11</a:t>
+              <a:t>7/14/11</a:t>
             </a:fld>
             <a:endParaRPr lang="en-US"/>
           </a:p>
@@ -614,7 +614,94 @@
       </p:grpSpPr>
       <p:sp>
         <p:nvSpPr>
-          <p:cNvPr id="31745" name="Slide Image Placeholder 1"/>
+          <p:cNvPr id="2" name="Slide Image Placeholder 1"/>
+          <p:cNvSpPr>
+            <a:spLocks noGrp="1" noRot="1" noChangeAspect="1"/>
+          </p:cNvSpPr>
+          <p:nvPr>
+            <p:ph type="sldImg"/>
+          </p:nvPr>
+        </p:nvSpPr>
+        <p:spPr/>
+      </p:sp>
+      <p:sp>
+        <p:nvSpPr>
+          <p:cNvPr id="3" name="Notes Placeholder 2"/>
+          <p:cNvSpPr>
+            <a:spLocks noGrp="1"/>
+          </p:cNvSpPr>
+          <p:nvPr>
+            <p:ph type="body" idx="1"/>
+          </p:nvPr>
+        </p:nvSpPr>
+        <p:spPr/>
+        <p:txBody>
+          <a:bodyPr>
+            <a:normAutofit/>
+          </a:bodyPr>
+          <a:lstStyle/>
+          <a:p>
+            <a:endParaRPr lang="en-US" dirty="0"/>
+          </a:p>
+        </p:txBody>
+      </p:sp>
+      <p:sp>
+        <p:nvSpPr>
+          <p:cNvPr id="4" name="Slide Number Placeholder 3"/>
+          <p:cNvSpPr>
+            <a:spLocks noGrp="1"/>
+          </p:cNvSpPr>
+          <p:nvPr>
+            <p:ph type="sldNum" sz="quarter" idx="10"/>
+          </p:nvPr>
+        </p:nvSpPr>
+        <p:spPr/>
+        <p:txBody>
+          <a:bodyPr/>
+          <a:lstStyle/>
+          <a:p>
+            <a:pPr>
+              <a:defRPr/>
+            </a:pPr>
+            <a:fld id="{3A96576D-D51A-4E67-8DA5-9A6D61B288F8}" type="slidenum">
+              <a:rPr lang="en-US" smtClean="0"/>
+              <a:pPr>
+                <a:defRPr/>
+              </a:pPr>
+              <a:t>7</a:t>
+            </a:fld>
+            <a:endParaRPr lang="en-US"/>
+          </a:p>
+        </p:txBody>
+      </p:sp>
+    </p:spTree>
+  </p:cSld>
+  <p:clrMapOvr>
+    <a:masterClrMapping/>
+  </p:clrMapOvr>
+</p:notes>
+</file>
+
+<file path=ppt/notesSlides/notesSlide10.xml><?xml version="1.0" encoding="utf-8"?>
+<p:notes xmlns:a="http://schemas.openxmlformats.org/drawingml/2006/main" xmlns:r="http://schemas.openxmlformats.org/officeDocument/2006/relationships" xmlns:mc="http://schemas.openxmlformats.org/markup-compatibility/2006" xmlns:mv="urn:schemas-microsoft-com:mac:vml" xmlns:p="http://schemas.openxmlformats.org/presentationml/2006/main" mc:Ignorable="mv" mc:PreserveAttributes="mv:*">
+  <p:cSld>
+    <p:spTree>
+      <p:nvGrpSpPr>
+        <p:cNvPr id="1" name=""/>
+        <p:cNvGrpSpPr/>
+        <p:nvPr/>
+      </p:nvGrpSpPr>
+      <p:grpSpPr>
+        <a:xfrm>
+          <a:off x="0" y="0"/>
+          <a:ext cx="0" cy="0"/>
+          <a:chOff x="0" y="0"/>
+          <a:chExt cx="0" cy="0"/>
+        </a:xfrm>
+      </p:grpSpPr>
+      <p:sp>
+        <p:nvSpPr>
+          <p:cNvPr id="27649" name="Slide Image Placeholder 1"/>
           <p:cNvSpPr>
             <a:spLocks noGrp="1" noRot="1" noChangeAspect="1"/>
           </p:cNvSpPr>
@@ -636,7 +723,7 @@
       </p:sp>
       <p:sp>
         <p:nvSpPr>
-          <p:cNvPr id="31746" name="Notes Placeholder 2"/>
+          <p:cNvPr id="27650" name="Notes Placeholder 2"/>
           <p:cNvSpPr>
             <a:spLocks noGrp="1"/>
           </p:cNvSpPr>
@@ -661,25 +748,14 @@
                 <a:latin typeface="Trebuchet MS" pitchFamily="34" charset="0"/>
                 <a:cs typeface="Arial" pitchFamily="34" charset="0"/>
               </a:rPr>
-              <a:t>Completeness of isolate data depending on submitter</a:t>
-            </a:r>
-          </a:p>
-          <a:p>
-            <a:pPr>
-              <a:spcBef>
-                <a:spcPct val="0"/>
-              </a:spcBef>
-            </a:pPr>
-            <a:endParaRPr lang="en-US" sz="1800" smtClean="0">
-              <a:latin typeface="Trebuchet MS" pitchFamily="34" charset="0"/>
-              <a:cs typeface="Arial" pitchFamily="34" charset="0"/>
-            </a:endParaRPr>
+              <a:t>EupathDB, data we want to collect and issues we have now</a:t>
+            </a:r>
           </a:p>
         </p:txBody>
       </p:sp>
       <p:sp>
         <p:nvSpPr>
-          <p:cNvPr id="31747" name="Slide Number Placeholder 3"/>
+          <p:cNvPr id="27651" name="Slide Number Placeholder 3"/>
           <p:cNvSpPr>
             <a:spLocks noGrp="1"/>
           </p:cNvSpPr>
@@ -711,7 +787,7 @@
                 <a:spcPct val="0"/>
               </a:spcAft>
             </a:pPr>
-            <a:fld id="{16460560-CD58-4D29-AD18-A1AA1D75C457}" type="slidenum">
+            <a:fld id="{DFD20FA0-9931-4FA5-9123-F27539B85481}" type="slidenum">
               <a:rPr lang="en-US">
                 <a:cs typeface="Arial" pitchFamily="34" charset="0"/>
               </a:rPr>
@@ -723,7 +799,7 @@
                   <a:spcPct val="0"/>
                 </a:spcAft>
               </a:pPr>
-              <a:t>7</a:t>
+              <a:t>21</a:t>
             </a:fld>
             <a:endParaRPr lang="en-US">
               <a:cs typeface="Arial" pitchFamily="34" charset="0"/>
@@ -758,7 +834,7 @@
       </p:grpSpPr>
       <p:sp>
         <p:nvSpPr>
-          <p:cNvPr id="35841" name="Slide Image Placeholder 1"/>
+          <p:cNvPr id="31745" name="Slide Image Placeholder 1"/>
           <p:cNvSpPr>
             <a:spLocks noGrp="1" noRot="1" noChangeAspect="1"/>
           </p:cNvSpPr>
@@ -780,7 +856,7 @@
       </p:sp>
       <p:sp>
         <p:nvSpPr>
-          <p:cNvPr id="35842" name="Notes Placeholder 2"/>
+          <p:cNvPr id="31746" name="Notes Placeholder 2"/>
           <p:cNvSpPr>
             <a:spLocks noGrp="1"/>
           </p:cNvSpPr>
@@ -794,6 +870,20 @@
         <p:txBody>
           <a:bodyPr/>
           <a:lstStyle/>
+          <a:p>
+            <a:pPr>
+              <a:spcBef>
+                <a:spcPct val="0"/>
+              </a:spcBef>
+            </a:pPr>
+            <a:r>
+              <a:rPr lang="en-US" sz="1800" smtClean="0">
+                <a:latin typeface="Trebuchet MS" pitchFamily="34" charset="0"/>
+                <a:cs typeface="Arial" pitchFamily="34" charset="0"/>
+              </a:rPr>
+              <a:t>Completeness of isolate data depending on submitter</a:t>
+            </a:r>
+          </a:p>
           <a:p>
             <a:pPr>
               <a:spcBef>
@@ -809,7 +899,7 @@
       </p:sp>
       <p:sp>
         <p:nvSpPr>
-          <p:cNvPr id="35843" name="Slide Number Placeholder 3"/>
+          <p:cNvPr id="31747" name="Slide Number Placeholder 3"/>
           <p:cNvSpPr>
             <a:spLocks noGrp="1"/>
           </p:cNvSpPr>
@@ -841,7 +931,7 @@
                 <a:spcPct val="0"/>
               </a:spcAft>
             </a:pPr>
-            <a:fld id="{DF2890E4-8835-4A44-B18F-D80B42908DF6}" type="slidenum">
+            <a:fld id="{16460560-CD58-4D29-AD18-A1AA1D75C457}" type="slidenum">
               <a:rPr lang="en-US">
                 <a:cs typeface="Arial" pitchFamily="34" charset="0"/>
               </a:rPr>
@@ -853,7 +943,7 @@
                   <a:spcPct val="0"/>
                 </a:spcAft>
               </a:pPr>
-              <a:t>10</a:t>
+              <a:t>8</a:t>
             </a:fld>
             <a:endParaRPr lang="en-US">
               <a:cs typeface="Arial" pitchFamily="34" charset="0"/>
@@ -888,7 +978,7 @@
       </p:grpSpPr>
       <p:sp>
         <p:nvSpPr>
-          <p:cNvPr id="39937" name="Slide Image Placeholder 1"/>
+          <p:cNvPr id="35841" name="Slide Image Placeholder 1"/>
           <p:cNvSpPr>
             <a:spLocks noGrp="1" noRot="1" noChangeAspect="1"/>
           </p:cNvSpPr>
@@ -910,7 +1000,7 @@
       </p:sp>
       <p:sp>
         <p:nvSpPr>
-          <p:cNvPr id="39938" name="Notes Placeholder 2"/>
+          <p:cNvPr id="35842" name="Notes Placeholder 2"/>
           <p:cNvSpPr>
             <a:spLocks noGrp="1"/>
           </p:cNvSpPr>
@@ -930,19 +1020,16 @@
                 <a:spcPct val="0"/>
               </a:spcBef>
             </a:pPr>
-            <a:r>
-              <a:rPr lang="en-US" sz="1800" smtClean="0">
-                <a:latin typeface="Trebuchet MS" pitchFamily="34" charset="0"/>
-                <a:cs typeface="Arial" pitchFamily="34" charset="0"/>
-              </a:rPr>
-              <a:t>Process central ontology, process will link the material entities</a:t>
-            </a:r>
+            <a:endParaRPr lang="en-US" sz="1800" smtClean="0">
+              <a:latin typeface="Trebuchet MS" pitchFamily="34" charset="0"/>
+              <a:cs typeface="Arial" pitchFamily="34" charset="0"/>
+            </a:endParaRPr>
           </a:p>
         </p:txBody>
       </p:sp>
       <p:sp>
         <p:nvSpPr>
-          <p:cNvPr id="39939" name="Slide Number Placeholder 3"/>
+          <p:cNvPr id="35843" name="Slide Number Placeholder 3"/>
           <p:cNvSpPr>
             <a:spLocks noGrp="1"/>
           </p:cNvSpPr>
@@ -974,7 +1061,7 @@
                 <a:spcPct val="0"/>
               </a:spcAft>
             </a:pPr>
-            <a:fld id="{3267609E-7A58-4F3F-AD4E-4931CD0318AD}" type="slidenum">
+            <a:fld id="{DF2890E4-8835-4A44-B18F-D80B42908DF6}" type="slidenum">
               <a:rPr lang="en-US">
                 <a:cs typeface="Arial" pitchFamily="34" charset="0"/>
               </a:rPr>
@@ -1021,7 +1108,7 @@
       </p:grpSpPr>
       <p:sp>
         <p:nvSpPr>
-          <p:cNvPr id="59393" name="Slide Image Placeholder 1"/>
+          <p:cNvPr id="39937" name="Slide Image Placeholder 1"/>
           <p:cNvSpPr>
             <a:spLocks noGrp="1" noRot="1" noChangeAspect="1"/>
           </p:cNvSpPr>
@@ -1043,7 +1130,7 @@
       </p:sp>
       <p:sp>
         <p:nvSpPr>
-          <p:cNvPr id="59394" name="Notes Placeholder 2"/>
+          <p:cNvPr id="39938" name="Notes Placeholder 2"/>
           <p:cNvSpPr>
             <a:spLocks noGrp="1"/>
           </p:cNvSpPr>
@@ -1068,151 +1155,14 @@
                 <a:latin typeface="Trebuchet MS" pitchFamily="34" charset="0"/>
                 <a:cs typeface="Arial" pitchFamily="34" charset="0"/>
               </a:rPr>
-              <a:t>Isolate ID: not clear what it refers to</a:t>
-            </a:r>
-          </a:p>
-          <a:p>
-            <a:pPr>
-              <a:spcBef>
-                <a:spcPct val="0"/>
-              </a:spcBef>
-              <a:buFontTx/>
-              <a:buChar char="-"/>
-            </a:pPr>
-            <a:r>
-              <a:rPr lang="en-US" sz="1800" smtClean="0">
-                <a:latin typeface="Trebuchet MS" pitchFamily="34" charset="0"/>
-                <a:cs typeface="Arial" pitchFamily="34" charset="0"/>
-              </a:rPr>
-              <a:t> Specimen id</a:t>
-            </a:r>
-          </a:p>
-          <a:p>
-            <a:pPr>
-              <a:spcBef>
-                <a:spcPct val="0"/>
-              </a:spcBef>
-              <a:buFontTx/>
-              <a:buChar char="-"/>
-            </a:pPr>
-            <a:r>
-              <a:rPr lang="en-US" sz="1800" smtClean="0">
-                <a:latin typeface="Trebuchet MS" pitchFamily="34" charset="0"/>
-                <a:cs typeface="Arial" pitchFamily="34" charset="0"/>
-              </a:rPr>
-              <a:t> target isolate id</a:t>
-            </a:r>
-          </a:p>
-          <a:p>
-            <a:pPr>
-              <a:spcBef>
-                <a:spcPct val="0"/>
-              </a:spcBef>
-              <a:buFontTx/>
-              <a:buChar char="-"/>
-            </a:pPr>
-            <a:r>
-              <a:rPr lang="en-US" sz="1800" smtClean="0">
-                <a:latin typeface="Trebuchet MS" pitchFamily="34" charset="0"/>
-                <a:cs typeface="Arial" pitchFamily="34" charset="0"/>
-              </a:rPr>
-              <a:t> sequence id (which it is in EuPathDB)</a:t>
-            </a:r>
-          </a:p>
-          <a:p>
-            <a:pPr>
-              <a:spcBef>
-                <a:spcPct val="0"/>
-              </a:spcBef>
-            </a:pPr>
-            <a:endParaRPr lang="en-US" sz="1800" smtClean="0">
-              <a:latin typeface="Trebuchet MS" pitchFamily="34" charset="0"/>
-              <a:cs typeface="Arial" pitchFamily="34" charset="0"/>
-            </a:endParaRPr>
-          </a:p>
-          <a:p>
-            <a:pPr>
-              <a:spcBef>
-                <a:spcPct val="0"/>
-              </a:spcBef>
-            </a:pPr>
-            <a:r>
-              <a:rPr lang="en-US" sz="1800" smtClean="0">
-                <a:latin typeface="Trebuchet MS" pitchFamily="34" charset="0"/>
-                <a:cs typeface="Arial" pitchFamily="34" charset="0"/>
-              </a:rPr>
-              <a:t>Sequence description:  (required by GenBank)</a:t>
-            </a:r>
-          </a:p>
-          <a:p>
-            <a:pPr>
-              <a:spcBef>
-                <a:spcPct val="0"/>
-              </a:spcBef>
-              <a:buFontTx/>
-              <a:buChar char="-"/>
-            </a:pPr>
-            <a:r>
-              <a:rPr lang="en-US" sz="1800" smtClean="0">
-                <a:latin typeface="Trebuchet MS" pitchFamily="34" charset="0"/>
-                <a:cs typeface="Arial" pitchFamily="34" charset="0"/>
-              </a:rPr>
-              <a:t> complete sequence</a:t>
-            </a:r>
-          </a:p>
-          <a:p>
-            <a:pPr>
-              <a:spcBef>
-                <a:spcPct val="0"/>
-              </a:spcBef>
-              <a:buFontTx/>
-              <a:buChar char="-"/>
-            </a:pPr>
-            <a:r>
-              <a:rPr lang="en-US" sz="1800" smtClean="0">
-                <a:latin typeface="Trebuchet MS" pitchFamily="34" charset="0"/>
-                <a:cs typeface="Arial" pitchFamily="34" charset="0"/>
-              </a:rPr>
-              <a:t> partial sequence</a:t>
-            </a:r>
-          </a:p>
-          <a:p>
-            <a:pPr>
-              <a:spcBef>
-                <a:spcPct val="0"/>
-              </a:spcBef>
-              <a:buFontTx/>
-              <a:buChar char="-"/>
-            </a:pPr>
-            <a:r>
-              <a:rPr lang="en-US" sz="1800" smtClean="0">
-                <a:latin typeface="Trebuchet MS" pitchFamily="34" charset="0"/>
-                <a:cs typeface="Arial" pitchFamily="34" charset="0"/>
-              </a:rPr>
-              <a:t> partial cds</a:t>
-            </a:r>
-          </a:p>
-          <a:p>
-            <a:pPr>
-              <a:spcBef>
-                <a:spcPct val="0"/>
-              </a:spcBef>
-              <a:buFontTx/>
-              <a:buChar char="-"/>
-            </a:pPr>
-            <a:r>
-              <a:rPr lang="en-US" sz="1800" smtClean="0">
-                <a:latin typeface="Trebuchet MS" pitchFamily="34" charset="0"/>
-                <a:cs typeface="Arial" pitchFamily="34" charset="0"/>
-              </a:rPr>
-              <a:t> unknown </a:t>
+              <a:t>Process central ontology, process will link the material entities</a:t>
             </a:r>
           </a:p>
         </p:txBody>
       </p:sp>
       <p:sp>
         <p:nvSpPr>
-          <p:cNvPr id="59395" name="Slide Number Placeholder 3"/>
+          <p:cNvPr id="39939" name="Slide Number Placeholder 3"/>
           <p:cNvSpPr>
             <a:spLocks noGrp="1"/>
           </p:cNvSpPr>
@@ -1244,7 +1194,7 @@
                 <a:spcPct val="0"/>
               </a:spcAft>
             </a:pPr>
-            <a:fld id="{A6EEFB91-D513-4972-9185-CC369B1FFB09}" type="slidenum">
+            <a:fld id="{3267609E-7A58-4F3F-AD4E-4931CD0318AD}" type="slidenum">
               <a:rPr lang="en-US">
                 <a:cs typeface="Arial" pitchFamily="34" charset="0"/>
               </a:rPr>
@@ -1291,7 +1241,7 @@
       </p:grpSpPr>
       <p:sp>
         <p:nvSpPr>
-          <p:cNvPr id="100354" name="Slide Image Placeholder 1"/>
+          <p:cNvPr id="59393" name="Slide Image Placeholder 1"/>
           <p:cNvSpPr>
             <a:spLocks noGrp="1" noRot="1" noChangeAspect="1"/>
           </p:cNvSpPr>
@@ -1313,7 +1263,7 @@
       </p:sp>
       <p:sp>
         <p:nvSpPr>
-          <p:cNvPr id="100355" name="Notes Placeholder 2"/>
+          <p:cNvPr id="59394" name="Notes Placeholder 2"/>
           <p:cNvSpPr>
             <a:spLocks noGrp="1"/>
           </p:cNvSpPr>
@@ -1334,7 +1284,10 @@
               </a:spcBef>
             </a:pPr>
             <a:r>
-              <a:rPr lang="en-US" smtClean="0"/>
+              <a:rPr lang="en-US" sz="1800" smtClean="0">
+                <a:latin typeface="Trebuchet MS" pitchFamily="34" charset="0"/>
+                <a:cs typeface="Arial" pitchFamily="34" charset="0"/>
+              </a:rPr>
               <a:t>Isolate ID: not clear what it refers to</a:t>
             </a:r>
           </a:p>
@@ -1347,7 +1300,10 @@
               <a:buChar char="-"/>
             </a:pPr>
             <a:r>
-              <a:rPr lang="en-US" smtClean="0"/>
+              <a:rPr lang="en-US" sz="1800" smtClean="0">
+                <a:latin typeface="Trebuchet MS" pitchFamily="34" charset="0"/>
+                <a:cs typeface="Arial" pitchFamily="34" charset="0"/>
+              </a:rPr>
               <a:t> Specimen id</a:t>
             </a:r>
           </a:p>
@@ -1360,7 +1316,10 @@
               <a:buChar char="-"/>
             </a:pPr>
             <a:r>
-              <a:rPr lang="en-US" smtClean="0"/>
+              <a:rPr lang="en-US" sz="1800" smtClean="0">
+                <a:latin typeface="Trebuchet MS" pitchFamily="34" charset="0"/>
+                <a:cs typeface="Arial" pitchFamily="34" charset="0"/>
+              </a:rPr>
               <a:t> target isolate id</a:t>
             </a:r>
           </a:p>
@@ -1373,7 +1332,10 @@
               <a:buChar char="-"/>
             </a:pPr>
             <a:r>
-              <a:rPr lang="en-US" smtClean="0"/>
+              <a:rPr lang="en-US" sz="1800" smtClean="0">
+                <a:latin typeface="Trebuchet MS" pitchFamily="34" charset="0"/>
+                <a:cs typeface="Arial" pitchFamily="34" charset="0"/>
+              </a:rPr>
               <a:t> sequence id (which it is in EuPathDB)</a:t>
             </a:r>
           </a:p>
@@ -1383,7 +1345,10 @@
                 <a:spcPct val="0"/>
               </a:spcBef>
             </a:pPr>
-            <a:endParaRPr lang="en-US" smtClean="0"/>
+            <a:endParaRPr lang="en-US" sz="1800" smtClean="0">
+              <a:latin typeface="Trebuchet MS" pitchFamily="34" charset="0"/>
+              <a:cs typeface="Arial" pitchFamily="34" charset="0"/>
+            </a:endParaRPr>
           </a:p>
           <a:p>
             <a:pPr>
@@ -1392,7 +1357,10 @@
               </a:spcBef>
             </a:pPr>
             <a:r>
-              <a:rPr lang="en-US" smtClean="0"/>
+              <a:rPr lang="en-US" sz="1800" smtClean="0">
+                <a:latin typeface="Trebuchet MS" pitchFamily="34" charset="0"/>
+                <a:cs typeface="Arial" pitchFamily="34" charset="0"/>
+              </a:rPr>
               <a:t>Sequence description:  (required by GenBank)</a:t>
             </a:r>
           </a:p>
@@ -1405,7 +1373,10 @@
               <a:buChar char="-"/>
             </a:pPr>
             <a:r>
-              <a:rPr lang="en-US" smtClean="0"/>
+              <a:rPr lang="en-US" sz="1800" smtClean="0">
+                <a:latin typeface="Trebuchet MS" pitchFamily="34" charset="0"/>
+                <a:cs typeface="Arial" pitchFamily="34" charset="0"/>
+              </a:rPr>
               <a:t> complete sequence</a:t>
             </a:r>
           </a:p>
@@ -1418,7 +1389,10 @@
               <a:buChar char="-"/>
             </a:pPr>
             <a:r>
-              <a:rPr lang="en-US" smtClean="0"/>
+              <a:rPr lang="en-US" sz="1800" smtClean="0">
+                <a:latin typeface="Trebuchet MS" pitchFamily="34" charset="0"/>
+                <a:cs typeface="Arial" pitchFamily="34" charset="0"/>
+              </a:rPr>
               <a:t> partial sequence</a:t>
             </a:r>
           </a:p>
@@ -1431,7 +1405,10 @@
               <a:buChar char="-"/>
             </a:pPr>
             <a:r>
-              <a:rPr lang="en-US" smtClean="0"/>
+              <a:rPr lang="en-US" sz="1800" smtClean="0">
+                <a:latin typeface="Trebuchet MS" pitchFamily="34" charset="0"/>
+                <a:cs typeface="Arial" pitchFamily="34" charset="0"/>
+              </a:rPr>
               <a:t> partial cds</a:t>
             </a:r>
           </a:p>
@@ -1444,7 +1421,10 @@
               <a:buChar char="-"/>
             </a:pPr>
             <a:r>
-              <a:rPr lang="en-US" smtClean="0"/>
+              <a:rPr lang="en-US" sz="1800" smtClean="0">
+                <a:latin typeface="Trebuchet MS" pitchFamily="34" charset="0"/>
+                <a:cs typeface="Arial" pitchFamily="34" charset="0"/>
+              </a:rPr>
               <a:t> unknown </a:t>
             </a:r>
           </a:p>
@@ -1452,42 +1432,54 @@
       </p:sp>
       <p:sp>
         <p:nvSpPr>
-          <p:cNvPr id="100356" name="Slide Number Placeholder 3"/>
-          <p:cNvSpPr txBox="1">
+          <p:cNvPr id="59395" name="Slide Number Placeholder 3"/>
+          <p:cNvSpPr>
             <a:spLocks noGrp="1"/>
           </p:cNvSpPr>
-          <p:nvPr/>
+          <p:nvPr>
+            <p:ph type="sldNum" sz="quarter" idx="5"/>
+          </p:nvPr>
         </p:nvSpPr>
         <p:spPr bwMode="auto">
-          <a:xfrm>
-            <a:off x="3884613" y="8685213"/>
-            <a:ext cx="2971800" cy="457200"/>
-          </a:xfrm>
-          <a:prstGeom prst="rect">
-            <a:avLst/>
-          </a:prstGeom>
           <a:noFill/>
-          <a:ln w="9525">
-            <a:noFill/>
+          <a:ln>
             <a:miter lim="800000"/>
             <a:headEnd/>
             <a:tailEnd/>
           </a:ln>
         </p:spPr>
         <p:txBody>
-          <a:bodyPr anchor="b"/>
+          <a:bodyPr wrap="square" numCol="1" anchorCtr="0" compatLnSpc="1">
+            <a:prstTxWarp prst="textNoShape">
+              <a:avLst/>
+            </a:prstTxWarp>
+          </a:bodyPr>
           <a:lstStyle/>
           <a:p>
-            <a:pPr algn="r"/>
-            <a:fld id="{3EECA5BA-BDBD-4A0F-8F7B-DDF2F148BFF0}" type="slidenum">
-              <a:rPr lang="en-US" sz="1200">
-                <a:latin typeface="Calibri" pitchFamily="34" charset="0"/>
-              </a:rPr>
-              <a:pPr algn="r"/>
-              <a:t>14</a:t>
+            <a:pPr fontAlgn="base">
+              <a:spcBef>
+                <a:spcPct val="0"/>
+              </a:spcBef>
+              <a:spcAft>
+                <a:spcPct val="0"/>
+              </a:spcAft>
+            </a:pPr>
+            <a:fld id="{A6EEFB91-D513-4972-9185-CC369B1FFB09}" type="slidenum">
+              <a:rPr lang="en-US">
+                <a:cs typeface="Arial" pitchFamily="34" charset="0"/>
+              </a:rPr>
+              <a:pPr fontAlgn="base">
+                <a:spcBef>
+                  <a:spcPct val="0"/>
+                </a:spcBef>
+                <a:spcAft>
+                  <a:spcPct val="0"/>
+                </a:spcAft>
+              </a:pPr>
+              <a:t>13</a:t>
             </a:fld>
-            <a:endParaRPr lang="en-US" sz="1200">
-              <a:latin typeface="Calibri" pitchFamily="34" charset="0"/>
+            <a:endParaRPr lang="en-US">
+              <a:cs typeface="Arial" pitchFamily="34" charset="0"/>
             </a:endParaRPr>
           </a:p>
         </p:txBody>
@@ -1519,7 +1511,7 @@
       </p:grpSpPr>
       <p:sp>
         <p:nvSpPr>
-          <p:cNvPr id="65537" name="Slide Image Placeholder 1"/>
+          <p:cNvPr id="100354" name="Slide Image Placeholder 1"/>
           <p:cNvSpPr>
             <a:spLocks noGrp="1" noRot="1" noChangeAspect="1"/>
           </p:cNvSpPr>
@@ -1541,7 +1533,7 @@
       </p:sp>
       <p:sp>
         <p:nvSpPr>
-          <p:cNvPr id="65538" name="Notes Placeholder 2"/>
+          <p:cNvPr id="100355" name="Notes Placeholder 2"/>
           <p:cNvSpPr>
             <a:spLocks noGrp="1"/>
           </p:cNvSpPr>
@@ -1562,11 +1554,47 @@
               </a:spcBef>
             </a:pPr>
             <a:r>
-              <a:rPr lang="en-US" sz="1800" smtClean="0">
-                <a:latin typeface="Trebuchet MS" pitchFamily="34" charset="0"/>
-                <a:cs typeface="Arial" pitchFamily="34" charset="0"/>
-              </a:rPr>
-              <a:t>Would like to linkEvidence code to OBI assay</a:t>
+              <a:rPr lang="en-US" smtClean="0"/>
+              <a:t>Isolate ID: not clear what it refers to</a:t>
+            </a:r>
+          </a:p>
+          <a:p>
+            <a:pPr>
+              <a:spcBef>
+                <a:spcPct val="0"/>
+              </a:spcBef>
+              <a:buFontTx/>
+              <a:buChar char="-"/>
+            </a:pPr>
+            <a:r>
+              <a:rPr lang="en-US" smtClean="0"/>
+              <a:t> Specimen id</a:t>
+            </a:r>
+          </a:p>
+          <a:p>
+            <a:pPr>
+              <a:spcBef>
+                <a:spcPct val="0"/>
+              </a:spcBef>
+              <a:buFontTx/>
+              <a:buChar char="-"/>
+            </a:pPr>
+            <a:r>
+              <a:rPr lang="en-US" smtClean="0"/>
+              <a:t> target isolate id</a:t>
+            </a:r>
+          </a:p>
+          <a:p>
+            <a:pPr>
+              <a:spcBef>
+                <a:spcPct val="0"/>
+              </a:spcBef>
+              <a:buFontTx/>
+              <a:buChar char="-"/>
+            </a:pPr>
+            <a:r>
+              <a:rPr lang="en-US" smtClean="0"/>
+              <a:t> sequence id (which it is in EuPathDB)</a:t>
             </a:r>
           </a:p>
           <a:p>
@@ -1575,13 +1603,7 @@
                 <a:spcPct val="0"/>
               </a:spcBef>
             </a:pPr>
-            <a:r>
-              <a:rPr lang="en-US" sz="1800" smtClean="0">
-                <a:latin typeface="Century Schoolbook" pitchFamily="18" charset="0"/>
-                <a:cs typeface="Arial" pitchFamily="34" charset="0"/>
-              </a:rPr>
-              <a:t>Question:</a:t>
-            </a:r>
+            <a:endParaRPr lang="en-US" smtClean="0"/>
           </a:p>
           <a:p>
             <a:pPr>
@@ -1590,11 +1612,8 @@
               </a:spcBef>
             </a:pPr>
             <a:r>
-              <a:rPr lang="en-US" sz="1800" smtClean="0">
-                <a:latin typeface="Century Schoolbook" pitchFamily="18" charset="0"/>
-                <a:cs typeface="Arial" pitchFamily="34" charset="0"/>
-              </a:rPr>
-              <a:t>What relation should use to link the quality </a:t>
+              <a:rPr lang="en-US" smtClean="0"/>
+              <a:t>Sequence description:  (required by GenBank)</a:t>
             </a:r>
           </a:p>
           <a:p>
@@ -1602,13 +1621,12 @@
               <a:spcBef>
                 <a:spcPct val="0"/>
               </a:spcBef>
+              <a:buFontTx/>
+              <a:buChar char="-"/>
             </a:pPr>
             <a:r>
-              <a:rPr lang="en-US" sz="1800" smtClean="0">
-                <a:latin typeface="Century Schoolbook" pitchFamily="18" charset="0"/>
-                <a:cs typeface="Arial" pitchFamily="34" charset="0"/>
-              </a:rPr>
-              <a:t>(PATO: organismal quality) such as: </a:t>
+              <a:rPr lang="en-US" smtClean="0"/>
+              <a:t> complete sequence</a:t>
             </a:r>
           </a:p>
           <a:p>
@@ -1616,13 +1634,12 @@
               <a:spcBef>
                 <a:spcPct val="0"/>
               </a:spcBef>
+              <a:buFontTx/>
+              <a:buChar char="-"/>
             </a:pPr>
             <a:r>
-              <a:rPr lang="en-US" sz="1800" smtClean="0">
-                <a:latin typeface="Century Schoolbook" pitchFamily="18" charset="0"/>
-                <a:cs typeface="Arial" pitchFamily="34" charset="0"/>
-              </a:rPr>
-              <a:t>PATO: lethal to biological process such as </a:t>
+              <a:rPr lang="en-US" smtClean="0"/>
+              <a:t> partial sequence</a:t>
             </a:r>
           </a:p>
           <a:p>
@@ -1630,13 +1647,12 @@
               <a:spcBef>
                 <a:spcPct val="0"/>
               </a:spcBef>
+              <a:buFontTx/>
+              <a:buChar char="-"/>
             </a:pPr>
             <a:r>
-              <a:rPr lang="en-US" sz="1800" smtClean="0">
-                <a:latin typeface="Century Schoolbook" pitchFamily="18" charset="0"/>
-                <a:cs typeface="Arial" pitchFamily="34" charset="0"/>
-              </a:rPr>
-              <a:t>GO: growth  </a:t>
+              <a:rPr lang="en-US" smtClean="0"/>
+              <a:t> partial cds</a:t>
             </a:r>
           </a:p>
           <a:p>
@@ -1644,82 +1660,54 @@
               <a:spcBef>
                 <a:spcPct val="0"/>
               </a:spcBef>
+              <a:buFontTx/>
+              <a:buChar char="-"/>
             </a:pPr>
             <a:r>
-              <a:rPr lang="en-US" sz="1800" smtClean="0">
-                <a:latin typeface="Arial Unicode MS" pitchFamily="34" charset="-128"/>
-                <a:cs typeface="Arial" pitchFamily="34" charset="0"/>
-              </a:rPr>
-              <a:t>We think would be great. One barrier we've run into that could be an issue here, is the range and domain of using qualities as defined though BFO and RO. I don't think they can currently be applied to processes and functions. We would love to see a solution and make use of it. </a:t>
-            </a:r>
-            <a:endParaRPr lang="en-US" sz="1800" smtClean="0">
-              <a:latin typeface="Century Schoolbook" pitchFamily="18" charset="0"/>
-              <a:cs typeface="Arial" pitchFamily="34" charset="0"/>
-            </a:endParaRPr>
-          </a:p>
-          <a:p>
-            <a:pPr>
-              <a:spcBef>
-                <a:spcPct val="0"/>
-              </a:spcBef>
-            </a:pPr>
-            <a:endParaRPr lang="en-US" sz="1800" smtClean="0">
-              <a:latin typeface="Trebuchet MS" pitchFamily="34" charset="0"/>
-              <a:cs typeface="Arial" pitchFamily="34" charset="0"/>
-            </a:endParaRPr>
+              <a:rPr lang="en-US" smtClean="0"/>
+              <a:t> unknown </a:t>
+            </a:r>
           </a:p>
         </p:txBody>
       </p:sp>
       <p:sp>
         <p:nvSpPr>
-          <p:cNvPr id="65539" name="Slide Number Placeholder 3"/>
-          <p:cNvSpPr>
+          <p:cNvPr id="100356" name="Slide Number Placeholder 3"/>
+          <p:cNvSpPr txBox="1">
             <a:spLocks noGrp="1"/>
           </p:cNvSpPr>
-          <p:nvPr>
-            <p:ph type="sldNum" sz="quarter" idx="5"/>
-          </p:nvPr>
+          <p:nvPr/>
         </p:nvSpPr>
         <p:spPr bwMode="auto">
+          <a:xfrm>
+            <a:off x="3884613" y="8685213"/>
+            <a:ext cx="2971800" cy="457200"/>
+          </a:xfrm>
+          <a:prstGeom prst="rect">
+            <a:avLst/>
+          </a:prstGeom>
           <a:noFill/>
-          <a:ln>
+          <a:ln w="9525">
+            <a:noFill/>
             <a:miter lim="800000"/>
             <a:headEnd/>
             <a:tailEnd/>
           </a:ln>
         </p:spPr>
         <p:txBody>
-          <a:bodyPr wrap="square" numCol="1" anchorCtr="0" compatLnSpc="1">
-            <a:prstTxWarp prst="textNoShape">
-              <a:avLst/>
-            </a:prstTxWarp>
-          </a:bodyPr>
+          <a:bodyPr anchor="b"/>
           <a:lstStyle/>
           <a:p>
-            <a:pPr fontAlgn="base">
-              <a:spcBef>
-                <a:spcPct val="0"/>
-              </a:spcBef>
-              <a:spcAft>
-                <a:spcPct val="0"/>
-              </a:spcAft>
-            </a:pPr>
-            <a:fld id="{75FC2FE0-C1F7-4909-8583-8DD02EBF22C6}" type="slidenum">
-              <a:rPr lang="en-US">
-                <a:cs typeface="Arial" pitchFamily="34" charset="0"/>
-              </a:rPr>
-              <a:pPr fontAlgn="base">
-                <a:spcBef>
-                  <a:spcPct val="0"/>
-                </a:spcBef>
-                <a:spcAft>
-                  <a:spcPct val="0"/>
-                </a:spcAft>
-              </a:pPr>
-              <a:t>18</a:t>
+            <a:pPr algn="r"/>
+            <a:fld id="{3EECA5BA-BDBD-4A0F-8F7B-DDF2F148BFF0}" type="slidenum">
+              <a:rPr lang="en-US" sz="1200">
+                <a:latin typeface="Calibri" pitchFamily="34" charset="0"/>
+              </a:rPr>
+              <a:pPr algn="r"/>
+              <a:t>15</a:t>
             </a:fld>
-            <a:endParaRPr lang="en-US">
-              <a:cs typeface="Arial" pitchFamily="34" charset="0"/>
+            <a:endParaRPr lang="en-US" sz="1200">
+              <a:latin typeface="Calibri" pitchFamily="34" charset="0"/>
             </a:endParaRPr>
           </a:p>
         </p:txBody>
@@ -1779,13 +1767,298 @@
           <a:lstStyle/>
           <a:p>
             <a:r>
-              <a:rPr lang="en-US" dirty="0" smtClean="0"/>
-              <a:t>Around</a:t>
-            </a:r>
-            <a:r>
-              <a:rPr lang="en-US" baseline="0" dirty="0" smtClean="0"/>
-              <a:t> 300 terms, parasite lifecycle stage, where it takes place, vector and host of specific parasite, etc.</a:t>
-            </a:r>
+              <a:rPr lang="en-US" sz="1200" kern="1200" dirty="0" smtClean="0">
+                <a:solidFill>
+                  <a:schemeClr val="tx1"/>
+                </a:solidFill>
+                <a:latin typeface="+mn-lt"/>
+                <a:ea typeface="+mn-ea"/>
+                <a:cs typeface="+mn-cs"/>
+              </a:rPr>
+              <a:t>identifying novel intervention targets</a:t>
+            </a:r>
+          </a:p>
+          <a:p>
+            <a:r>
+              <a:rPr lang="en-US" sz="1200" kern="1200" dirty="0" smtClean="0">
+                <a:solidFill>
+                  <a:schemeClr val="tx1"/>
+                </a:solidFill>
+                <a:latin typeface="+mn-lt"/>
+                <a:ea typeface="+mn-ea"/>
+                <a:cs typeface="+mn-cs"/>
+              </a:rPr>
+              <a:t>localization of a parasite within its host at each lifecycle stage</a:t>
+            </a:r>
+          </a:p>
+          <a:p>
+            <a:r>
+              <a:rPr lang="en-US" sz="1200" kern="1200" dirty="0" smtClean="0">
+                <a:solidFill>
+                  <a:schemeClr val="tx1"/>
+                </a:solidFill>
+                <a:latin typeface="+mn-lt"/>
+                <a:ea typeface="+mn-ea"/>
+                <a:cs typeface="+mn-cs"/>
+              </a:rPr>
+              <a:t>host and vector information of parasites </a:t>
+            </a:r>
+          </a:p>
+          <a:p>
+            <a:r>
+              <a:rPr lang="en-US" sz="1200" kern="1200" dirty="0" smtClean="0">
+                <a:solidFill>
+                  <a:schemeClr val="tx1"/>
+                </a:solidFill>
+                <a:latin typeface="+mn-lt"/>
+                <a:ea typeface="+mn-ea"/>
+                <a:cs typeface="+mn-cs"/>
+              </a:rPr>
+              <a:t>several parasitic organism genomes, namely </a:t>
+            </a:r>
+            <a:r>
+              <a:rPr lang="en-US" sz="1200" i="1" kern="1200" dirty="0" err="1" smtClean="0">
+                <a:solidFill>
+                  <a:schemeClr val="tx1"/>
+                </a:solidFill>
+                <a:latin typeface="+mn-lt"/>
+                <a:ea typeface="+mn-ea"/>
+                <a:cs typeface="+mn-cs"/>
+              </a:rPr>
+              <a:t>Trypanosoma</a:t>
+            </a:r>
+            <a:r>
+              <a:rPr lang="en-US" sz="1200" i="1" kern="1200" dirty="0" smtClean="0">
+                <a:solidFill>
+                  <a:schemeClr val="tx1"/>
+                </a:solidFill>
+                <a:latin typeface="+mn-lt"/>
+                <a:ea typeface="+mn-ea"/>
+                <a:cs typeface="+mn-cs"/>
+              </a:rPr>
+              <a:t> </a:t>
+            </a:r>
+            <a:r>
+              <a:rPr lang="en-US" sz="1200" i="1" kern="1200" dirty="0" err="1" smtClean="0">
+                <a:solidFill>
+                  <a:schemeClr val="tx1"/>
+                </a:solidFill>
+                <a:latin typeface="+mn-lt"/>
+                <a:ea typeface="+mn-ea"/>
+                <a:cs typeface="+mn-cs"/>
+              </a:rPr>
+              <a:t>brucei</a:t>
+            </a:r>
+            <a:r>
+              <a:rPr lang="en-US" sz="1200" kern="1200" dirty="0" smtClean="0">
+                <a:solidFill>
+                  <a:schemeClr val="tx1"/>
+                </a:solidFill>
+                <a:latin typeface="+mn-lt"/>
+                <a:ea typeface="+mn-ea"/>
+                <a:cs typeface="+mn-cs"/>
+              </a:rPr>
+              <a:t>, </a:t>
+            </a:r>
+            <a:r>
+              <a:rPr lang="en-US" sz="1200" i="1" kern="1200" dirty="0" err="1" smtClean="0">
+                <a:solidFill>
+                  <a:schemeClr val="tx1"/>
+                </a:solidFill>
+                <a:latin typeface="+mn-lt"/>
+                <a:ea typeface="+mn-ea"/>
+                <a:cs typeface="+mn-cs"/>
+              </a:rPr>
+              <a:t>Trypanosoma</a:t>
+            </a:r>
+            <a:r>
+              <a:rPr lang="en-US" sz="1200" i="1" kern="1200" dirty="0" smtClean="0">
+                <a:solidFill>
+                  <a:schemeClr val="tx1"/>
+                </a:solidFill>
+                <a:latin typeface="+mn-lt"/>
+                <a:ea typeface="+mn-ea"/>
+                <a:cs typeface="+mn-cs"/>
+              </a:rPr>
+              <a:t> </a:t>
+            </a:r>
+            <a:r>
+              <a:rPr lang="en-US" sz="1200" i="1" kern="1200" dirty="0" err="1" smtClean="0">
+                <a:solidFill>
+                  <a:schemeClr val="tx1"/>
+                </a:solidFill>
+                <a:latin typeface="+mn-lt"/>
+                <a:ea typeface="+mn-ea"/>
+                <a:cs typeface="+mn-cs"/>
+              </a:rPr>
+              <a:t>cruzi</a:t>
+            </a:r>
+            <a:r>
+              <a:rPr lang="en-US" sz="1200" kern="1200" dirty="0" smtClean="0">
+                <a:solidFill>
+                  <a:schemeClr val="tx1"/>
+                </a:solidFill>
+                <a:latin typeface="+mn-lt"/>
+                <a:ea typeface="+mn-ea"/>
+                <a:cs typeface="+mn-cs"/>
+              </a:rPr>
+              <a:t>, </a:t>
+            </a:r>
+            <a:r>
+              <a:rPr lang="en-US" sz="1200" i="1" kern="1200" dirty="0" err="1" smtClean="0">
+                <a:solidFill>
+                  <a:schemeClr val="tx1"/>
+                </a:solidFill>
+                <a:latin typeface="+mn-lt"/>
+                <a:ea typeface="+mn-ea"/>
+                <a:cs typeface="+mn-cs"/>
+              </a:rPr>
+              <a:t>Leishmania</a:t>
+            </a:r>
+            <a:r>
+              <a:rPr lang="en-US" sz="1200" i="1" kern="1200" dirty="0" smtClean="0">
+                <a:solidFill>
+                  <a:schemeClr val="tx1"/>
+                </a:solidFill>
+                <a:latin typeface="+mn-lt"/>
+                <a:ea typeface="+mn-ea"/>
+                <a:cs typeface="+mn-cs"/>
+              </a:rPr>
+              <a:t> major</a:t>
+            </a:r>
+            <a:r>
+              <a:rPr lang="en-US" sz="1200" kern="1200" dirty="0" smtClean="0">
+                <a:solidFill>
+                  <a:schemeClr val="tx1"/>
+                </a:solidFill>
+                <a:latin typeface="+mn-lt"/>
+                <a:ea typeface="+mn-ea"/>
+                <a:cs typeface="+mn-cs"/>
+              </a:rPr>
+              <a:t>, </a:t>
+            </a:r>
+            <a:r>
+              <a:rPr lang="en-US" sz="1200" i="1" kern="1200" dirty="0" smtClean="0">
+                <a:solidFill>
+                  <a:schemeClr val="tx1"/>
+                </a:solidFill>
+                <a:latin typeface="+mn-lt"/>
+                <a:ea typeface="+mn-ea"/>
+                <a:cs typeface="+mn-cs"/>
+              </a:rPr>
+              <a:t>Plasmodium </a:t>
+            </a:r>
+            <a:r>
+              <a:rPr lang="en-US" sz="1200" i="1" kern="1200" dirty="0" err="1" smtClean="0">
+                <a:solidFill>
+                  <a:schemeClr val="tx1"/>
+                </a:solidFill>
+                <a:latin typeface="+mn-lt"/>
+                <a:ea typeface="+mn-ea"/>
+                <a:cs typeface="+mn-cs"/>
+              </a:rPr>
+              <a:t>falciparum</a:t>
+            </a:r>
+            <a:r>
+              <a:rPr lang="en-US" sz="1200" kern="1200" dirty="0" smtClean="0">
+                <a:solidFill>
+                  <a:schemeClr val="tx1"/>
+                </a:solidFill>
+                <a:latin typeface="+mn-lt"/>
+                <a:ea typeface="+mn-ea"/>
+                <a:cs typeface="+mn-cs"/>
+              </a:rPr>
+              <a:t>, and </a:t>
+            </a:r>
+            <a:r>
+              <a:rPr lang="en-US" sz="1200" i="1" kern="1200" dirty="0" err="1" smtClean="0">
+                <a:solidFill>
+                  <a:schemeClr val="tx1"/>
+                </a:solidFill>
+                <a:latin typeface="+mn-lt"/>
+                <a:ea typeface="+mn-ea"/>
+                <a:cs typeface="+mn-cs"/>
+              </a:rPr>
+              <a:t>Schistosoma</a:t>
+            </a:r>
+            <a:r>
+              <a:rPr lang="en-US" sz="1200" i="1" kern="1200" dirty="0" smtClean="0">
+                <a:solidFill>
+                  <a:schemeClr val="tx1"/>
+                </a:solidFill>
+                <a:latin typeface="+mn-lt"/>
+                <a:ea typeface="+mn-ea"/>
+                <a:cs typeface="+mn-cs"/>
+              </a:rPr>
+              <a:t> </a:t>
+            </a:r>
+            <a:r>
+              <a:rPr lang="en-US" sz="1200" i="1" kern="1200" dirty="0" err="1" smtClean="0">
+                <a:solidFill>
+                  <a:schemeClr val="tx1"/>
+                </a:solidFill>
+                <a:latin typeface="+mn-lt"/>
+                <a:ea typeface="+mn-ea"/>
+                <a:cs typeface="+mn-cs"/>
+              </a:rPr>
+              <a:t>mansoni</a:t>
+            </a:r>
+            <a:r>
+              <a:rPr lang="en-US" sz="1200" kern="1200" dirty="0" smtClean="0">
+                <a:solidFill>
+                  <a:schemeClr val="tx1"/>
+                </a:solidFill>
+                <a:latin typeface="+mn-lt"/>
+                <a:ea typeface="+mn-ea"/>
+                <a:cs typeface="+mn-cs"/>
+              </a:rPr>
+              <a:t>.</a:t>
+            </a:r>
+          </a:p>
+          <a:p>
+            <a:r>
+              <a:rPr lang="en-US" sz="1200" kern="1200" dirty="0" smtClean="0">
+                <a:solidFill>
+                  <a:schemeClr val="tx1"/>
+                </a:solidFill>
+                <a:latin typeface="+mn-lt"/>
+                <a:ea typeface="+mn-ea"/>
+                <a:cs typeface="+mn-cs"/>
+              </a:rPr>
+              <a:t>Since the majority of experiments carried out in parasitic organisms are done in a single lifecycle stage, it is important to annotate phenotype data with this information to enable users to analyze the data appropriately.</a:t>
+            </a:r>
+          </a:p>
+          <a:p>
+            <a:pPr marL="0" marR="0" indent="0" algn="l" defTabSz="914400" rtl="0" eaLnBrk="1" fontAlgn="base" latinLnBrk="0" hangingPunct="1">
+              <a:lnSpc>
+                <a:spcPct val="100000"/>
+              </a:lnSpc>
+              <a:spcBef>
+                <a:spcPct val="30000"/>
+              </a:spcBef>
+              <a:spcAft>
+                <a:spcPct val="0"/>
+              </a:spcAft>
+              <a:buClrTx/>
+              <a:buSzTx/>
+              <a:buFontTx/>
+              <a:buNone/>
+              <a:tabLst/>
+              <a:defRPr/>
+            </a:pPr>
+            <a:r>
+              <a:rPr lang="en-US" sz="1200" kern="1200" dirty="0" smtClean="0">
+                <a:solidFill>
+                  <a:schemeClr val="tx1"/>
+                </a:solidFill>
+                <a:latin typeface="+mn-lt"/>
+                <a:ea typeface="+mn-ea"/>
+                <a:cs typeface="+mn-cs"/>
+              </a:rPr>
+              <a:t>lethal during bloodstream stage</a:t>
+            </a:r>
+          </a:p>
+          <a:p>
             <a:endParaRPr lang="en-US" dirty="0"/>
           </a:p>
         </p:txBody>
@@ -1813,7 +2086,7 @@
               <a:pPr>
                 <a:defRPr/>
               </a:pPr>
-              <a:t>19</a:t>
+              <a:t>17</a:t>
             </a:fld>
             <a:endParaRPr lang="en-US"/>
           </a:p>
@@ -1846,7 +2119,7 @@
       </p:grpSpPr>
       <p:sp>
         <p:nvSpPr>
-          <p:cNvPr id="27649" name="Slide Image Placeholder 1"/>
+          <p:cNvPr id="2" name="Slide Image Placeholder 1"/>
           <p:cNvSpPr>
             <a:spLocks noGrp="1" noRot="1" noChangeAspect="1"/>
           </p:cNvSpPr>
@@ -1854,21 +2127,11 @@
             <p:ph type="sldImg"/>
           </p:nvPr>
         </p:nvSpPr>
-        <p:spPr bwMode="auto">
-          <a:noFill/>
-          <a:ln>
-            <a:solidFill>
-              <a:srgbClr val="000000"/>
-            </a:solidFill>
-            <a:miter lim="800000"/>
-            <a:headEnd/>
-            <a:tailEnd/>
-          </a:ln>
-        </p:spPr>
-      </p:sp>
-      <p:sp>
-        <p:nvSpPr>
-          <p:cNvPr id="27650" name="Notes Placeholder 2"/>
+        <p:spPr/>
+      </p:sp>
+      <p:sp>
+        <p:nvSpPr>
+          <p:cNvPr id="3" name="Notes Placeholder 2"/>
           <p:cNvSpPr>
             <a:spLocks noGrp="1"/>
           </p:cNvSpPr>
@@ -1876,79 +2139,944 @@
             <p:ph type="body" idx="1"/>
           </p:nvPr>
         </p:nvSpPr>
-        <p:spPr bwMode="auto">
-          <a:noFill/>
-        </p:spPr>
+        <p:spPr/>
         <p:txBody>
-          <a:bodyPr/>
+          <a:bodyPr>
+            <a:normAutofit fontScale="92500"/>
+          </a:bodyPr>
           <a:lstStyle/>
           <a:p>
-            <a:pPr>
+            <a:pPr marL="0" marR="0" indent="0" algn="l" defTabSz="914400" rtl="0" eaLnBrk="1" fontAlgn="base" latinLnBrk="0" hangingPunct="1">
+              <a:lnSpc>
+                <a:spcPct val="100000"/>
+              </a:lnSpc>
               <a:spcBef>
+                <a:spcPct val="30000"/>
+              </a:spcBef>
+              <a:spcAft>
                 <a:spcPct val="0"/>
+              </a:spcAft>
+              <a:buClrTx/>
+              <a:buSzTx/>
+              <a:buFontTx/>
+              <a:buNone/>
+              <a:tabLst/>
+              <a:defRPr/>
+            </a:pPr>
+            <a:r>
+              <a:rPr lang="en-US" dirty="0" smtClean="0"/>
+              <a:t>There are many types of parasites, and each one has variations to its life cycle. There are, however, similarities among the life cycles of all parasites. The one thing that all parasites have in common is that they are opportunistic organisms that live off the blood of other living organisms. Parasites are dangerous for two reasons. The first is that they can infiltrate the host to the point of consuming all of the body's food, clogging vessels or organs and killing the host, and the other is that they can pass deadly diseases to host organisms.</a:t>
+            </a:r>
+            <a:r>
+              <a:rPr lang="en-US" sz="1200" u="none" strike="noStrike" kern="1200" dirty="0" smtClean="0">
+                <a:solidFill>
+                  <a:schemeClr val="tx1"/>
+                </a:solidFill>
+                <a:latin typeface="+mn-lt"/>
+                <a:ea typeface="+mn-ea"/>
+                <a:cs typeface="+mn-cs"/>
+              </a:rPr>
+              <a:t/>
+            </a:r>
+            <a:br>
+              <a:rPr lang="en-US" sz="1200" u="none" strike="noStrike" kern="1200" dirty="0" smtClean="0">
+                <a:solidFill>
+                  <a:schemeClr val="tx1"/>
+                </a:solidFill>
+                <a:latin typeface="+mn-lt"/>
+                <a:ea typeface="+mn-ea"/>
+                <a:cs typeface="+mn-cs"/>
+              </a:rPr>
+            </a:br>
+            <a:r>
+              <a:rPr lang="en-US" sz="1200" u="none" strike="noStrike" kern="1200" dirty="0" smtClean="0">
+                <a:solidFill>
+                  <a:schemeClr val="tx1"/>
+                </a:solidFill>
+                <a:latin typeface="+mn-lt"/>
+                <a:ea typeface="+mn-ea"/>
+                <a:cs typeface="+mn-cs"/>
+              </a:rPr>
+              <a:t>Read more: </a:t>
+            </a:r>
+            <a:r>
+              <a:rPr lang="en-US" sz="1200" u="none" strike="noStrike" kern="1200" dirty="0" smtClean="0">
+                <a:solidFill>
+                  <a:schemeClr val="tx1"/>
+                </a:solidFill>
+                <a:latin typeface="+mn-lt"/>
+                <a:ea typeface="+mn-ea"/>
+                <a:cs typeface="+mn-cs"/>
+                <a:hlinkClick r:id="rId3"/>
+              </a:rPr>
+              <a:t>Life Cycle of a Parasite | eHow.com</a:t>
+            </a:r>
+            <a:r>
+              <a:rPr lang="en-US" sz="1200" u="none" strike="noStrike" kern="1200" dirty="0" smtClean="0">
+                <a:solidFill>
+                  <a:schemeClr val="tx1"/>
+                </a:solidFill>
+                <a:latin typeface="+mn-lt"/>
+                <a:ea typeface="+mn-ea"/>
+                <a:cs typeface="+mn-cs"/>
+              </a:rPr>
+              <a:t> </a:t>
+            </a:r>
+            <a:r>
+              <a:rPr lang="en-US" sz="1200" u="none" strike="noStrike" kern="1200" dirty="0" smtClean="0">
+                <a:solidFill>
+                  <a:schemeClr val="tx1"/>
+                </a:solidFill>
+                <a:latin typeface="+mn-lt"/>
+                <a:ea typeface="+mn-ea"/>
+                <a:cs typeface="+mn-cs"/>
+                <a:hlinkClick r:id="rId3"/>
+              </a:rPr>
+              <a:t>http://www.ehow.com/about_5339802_life-cycle-parasite.html#ixzz1S1N345mM</a:t>
+            </a:r>
+            <a:endParaRPr lang="en-US" sz="1200" u="none" strike="noStrike" kern="1200" dirty="0" smtClean="0">
+              <a:solidFill>
+                <a:schemeClr val="tx1"/>
+              </a:solidFill>
+              <a:latin typeface="+mn-lt"/>
+              <a:ea typeface="+mn-ea"/>
+              <a:cs typeface="+mn-cs"/>
+            </a:endParaRPr>
+          </a:p>
+          <a:p>
+            <a:pPr marL="0" marR="0" indent="0" algn="l" defTabSz="914400" rtl="0" eaLnBrk="1" fontAlgn="base" latinLnBrk="0" hangingPunct="1">
+              <a:lnSpc>
+                <a:spcPct val="100000"/>
+              </a:lnSpc>
+              <a:spcBef>
+                <a:spcPct val="30000"/>
               </a:spcBef>
+              <a:spcAft>
+                <a:spcPct val="0"/>
+              </a:spcAft>
+              <a:buClrTx/>
+              <a:buSzTx/>
+              <a:buFontTx/>
+              <a:buNone/>
+              <a:tabLst/>
+              <a:defRPr/>
             </a:pPr>
-            <a:r>
-              <a:rPr lang="en-US" sz="1800" smtClean="0">
-                <a:latin typeface="Trebuchet MS" pitchFamily="34" charset="0"/>
-                <a:cs typeface="Arial" pitchFamily="34" charset="0"/>
-              </a:rPr>
-              <a:t>EupathDB, data we want to collect and issues we have now</a:t>
-            </a:r>
+            <a:endParaRPr lang="en-US" sz="1200" u="none" strike="noStrike" kern="1200" dirty="0" smtClean="0">
+              <a:solidFill>
+                <a:schemeClr val="tx1"/>
+              </a:solidFill>
+              <a:latin typeface="+mn-lt"/>
+              <a:ea typeface="+mn-ea"/>
+              <a:cs typeface="+mn-cs"/>
+            </a:endParaRPr>
+          </a:p>
+          <a:p>
+            <a:pPr marL="0" marR="0" indent="0" algn="l" defTabSz="914400" rtl="0" eaLnBrk="1" fontAlgn="base" latinLnBrk="0" hangingPunct="1">
+              <a:lnSpc>
+                <a:spcPct val="100000"/>
+              </a:lnSpc>
+              <a:spcBef>
+                <a:spcPct val="30000"/>
+              </a:spcBef>
+              <a:spcAft>
+                <a:spcPct val="0"/>
+              </a:spcAft>
+              <a:buClrTx/>
+              <a:buSzTx/>
+              <a:buFontTx/>
+              <a:buNone/>
+              <a:tabLst/>
+              <a:defRPr/>
+            </a:pPr>
+            <a:r>
+              <a:rPr lang="en-US" sz="1200" u="none" strike="noStrike" kern="1200" dirty="0" smtClean="0">
+                <a:solidFill>
+                  <a:schemeClr val="tx1"/>
+                </a:solidFill>
+                <a:latin typeface="+mn-lt"/>
+                <a:ea typeface="+mn-ea"/>
+                <a:cs typeface="+mn-cs"/>
+              </a:rPr>
+              <a:t>http://www.dpd.cdc.gov/dpdx/HTML/TrypanosomiasisAfrican.htm</a:t>
+            </a:r>
+          </a:p>
+          <a:p>
+            <a:pPr marL="0" marR="0" indent="0" algn="l" defTabSz="914400" rtl="0" eaLnBrk="1" fontAlgn="base" latinLnBrk="0" hangingPunct="1">
+              <a:lnSpc>
+                <a:spcPct val="100000"/>
+              </a:lnSpc>
+              <a:spcBef>
+                <a:spcPct val="30000"/>
+              </a:spcBef>
+              <a:spcAft>
+                <a:spcPct val="0"/>
+              </a:spcAft>
+              <a:buClrTx/>
+              <a:buSzTx/>
+              <a:buFontTx/>
+              <a:buNone/>
+              <a:tabLst/>
+              <a:defRPr/>
+            </a:pPr>
+            <a:r>
+              <a:rPr lang="en-US" dirty="0" smtClean="0"/>
+              <a:t>During a blood meal on the mammalian host, an infected tsetse fly (genus </a:t>
+            </a:r>
+            <a:r>
+              <a:rPr lang="en-US" i="1" dirty="0" err="1" smtClean="0"/>
+              <a:t>Glossina</a:t>
+            </a:r>
+            <a:r>
+              <a:rPr lang="en-US" dirty="0" smtClean="0"/>
+              <a:t>) injects </a:t>
+            </a:r>
+            <a:r>
+              <a:rPr lang="en-US" dirty="0" err="1" smtClean="0"/>
+              <a:t>metacyclic</a:t>
+            </a:r>
+            <a:r>
+              <a:rPr lang="en-US" dirty="0" smtClean="0"/>
+              <a:t> </a:t>
+            </a:r>
+            <a:r>
+              <a:rPr lang="en-US" dirty="0" err="1" smtClean="0"/>
+              <a:t>trypomastigotes</a:t>
+            </a:r>
+            <a:r>
+              <a:rPr lang="en-US" dirty="0" smtClean="0"/>
+              <a:t> into skin tissue.  The parasites enter the lymphatic system and pass into the bloodstream (1) .  Inside the host, they transform into bloodstream </a:t>
+            </a:r>
+            <a:r>
+              <a:rPr lang="en-US" dirty="0" err="1" smtClean="0"/>
+              <a:t>trypomastigotes</a:t>
+            </a:r>
+            <a:r>
+              <a:rPr lang="en-US" dirty="0" smtClean="0"/>
+              <a:t>  (2), are carried to other sites throughout the body, reach other blood fluids (e.g., lymph, spinal fluid), and continue the replication by binary fission (3).  The entire life cycle of African Trypanosomes is represented by extracellular stages.  The tsetse fly becomes infected with bloodstream </a:t>
+            </a:r>
+            <a:r>
+              <a:rPr lang="en-US" dirty="0" err="1" smtClean="0"/>
+              <a:t>trypomastigotes</a:t>
+            </a:r>
+            <a:r>
+              <a:rPr lang="en-US" dirty="0" smtClean="0"/>
+              <a:t> when taking a blood meal on an infected mammalian host (4,5).  In the fly’s </a:t>
+            </a:r>
+            <a:r>
+              <a:rPr lang="en-US" dirty="0" err="1" smtClean="0"/>
+              <a:t>midgut</a:t>
+            </a:r>
+            <a:r>
+              <a:rPr lang="en-US" dirty="0" smtClean="0"/>
+              <a:t>, the parasites transform into </a:t>
+            </a:r>
+            <a:r>
+              <a:rPr lang="en-US" dirty="0" err="1" smtClean="0"/>
+              <a:t>procyclic</a:t>
+            </a:r>
+            <a:r>
+              <a:rPr lang="en-US" dirty="0" smtClean="0"/>
+              <a:t> </a:t>
+            </a:r>
+            <a:r>
+              <a:rPr lang="en-US" dirty="0" err="1" smtClean="0"/>
+              <a:t>trypomastigotes</a:t>
+            </a:r>
+            <a:r>
+              <a:rPr lang="en-US" dirty="0" smtClean="0"/>
+              <a:t>, multiply by binary fission (6), leave the </a:t>
+            </a:r>
+            <a:r>
+              <a:rPr lang="en-US" dirty="0" err="1" smtClean="0"/>
+              <a:t>midgut</a:t>
+            </a:r>
+            <a:r>
+              <a:rPr lang="en-US" dirty="0" smtClean="0"/>
+              <a:t>, and transform into </a:t>
+            </a:r>
+            <a:r>
+              <a:rPr lang="en-US" dirty="0" err="1" smtClean="0"/>
+              <a:t>epimastigotes</a:t>
+            </a:r>
+            <a:r>
+              <a:rPr lang="en-US" dirty="0" smtClean="0"/>
+              <a:t> (7).  The </a:t>
+            </a:r>
+            <a:r>
+              <a:rPr lang="en-US" dirty="0" err="1" smtClean="0"/>
+              <a:t>epimastigotes</a:t>
+            </a:r>
+            <a:r>
+              <a:rPr lang="en-US" dirty="0" smtClean="0"/>
+              <a:t> reach the fly’s salivary glands and continue multiplication by binary fission (8).  The cycle in the fly takes approximately 3 weeks.  Humans are the main reservoir for </a:t>
+            </a:r>
+            <a:r>
+              <a:rPr lang="en-US" i="1" dirty="0" err="1" smtClean="0"/>
+              <a:t>Trypanosoma</a:t>
+            </a:r>
+            <a:r>
+              <a:rPr lang="en-US" i="1" dirty="0" smtClean="0"/>
+              <a:t> </a:t>
+            </a:r>
+            <a:r>
+              <a:rPr lang="en-US" i="1" dirty="0" err="1" smtClean="0"/>
+              <a:t>brucei</a:t>
+            </a:r>
+            <a:r>
+              <a:rPr lang="en-US" i="1" dirty="0" smtClean="0"/>
+              <a:t> </a:t>
+            </a:r>
+            <a:r>
+              <a:rPr lang="en-US" i="1" dirty="0" err="1" smtClean="0"/>
+              <a:t>gambiense</a:t>
+            </a:r>
+            <a:r>
+              <a:rPr lang="en-US" dirty="0" smtClean="0"/>
+              <a:t>, but this species can also be found in animals.  Wild game animals are the main reservoir of </a:t>
+            </a:r>
+            <a:r>
+              <a:rPr lang="en-US" i="1" dirty="0" smtClean="0"/>
+              <a:t>T. b. </a:t>
+            </a:r>
+            <a:r>
+              <a:rPr lang="en-US" i="1" dirty="0" err="1" smtClean="0"/>
+              <a:t>rhodesiense</a:t>
+            </a:r>
+            <a:r>
+              <a:rPr lang="en-US" dirty="0" smtClean="0"/>
+              <a:t>.</a:t>
+            </a:r>
+          </a:p>
+          <a:p>
+            <a:pPr marL="0" marR="0" indent="0" algn="l" defTabSz="914400" rtl="0" eaLnBrk="1" fontAlgn="base" latinLnBrk="0" hangingPunct="1">
+              <a:lnSpc>
+                <a:spcPct val="100000"/>
+              </a:lnSpc>
+              <a:spcBef>
+                <a:spcPct val="30000"/>
+              </a:spcBef>
+              <a:spcAft>
+                <a:spcPct val="0"/>
+              </a:spcAft>
+              <a:buClrTx/>
+              <a:buSzTx/>
+              <a:buFontTx/>
+              <a:buNone/>
+              <a:tabLst/>
+              <a:defRPr/>
+            </a:pPr>
+            <a:endParaRPr lang="en-US" sz="1200" u="none" strike="noStrike" kern="1200" dirty="0" smtClean="0">
+              <a:solidFill>
+                <a:schemeClr val="tx1"/>
+              </a:solidFill>
+              <a:latin typeface="+mn-lt"/>
+              <a:ea typeface="+mn-ea"/>
+              <a:cs typeface="+mn-cs"/>
+            </a:endParaRPr>
+          </a:p>
+          <a:p>
+            <a:pPr marL="0" marR="0" indent="0" algn="l" defTabSz="914400" rtl="0" eaLnBrk="1" fontAlgn="base" latinLnBrk="0" hangingPunct="1">
+              <a:lnSpc>
+                <a:spcPct val="100000"/>
+              </a:lnSpc>
+              <a:spcBef>
+                <a:spcPct val="30000"/>
+              </a:spcBef>
+              <a:spcAft>
+                <a:spcPct val="0"/>
+              </a:spcAft>
+              <a:buClrTx/>
+              <a:buSzTx/>
+              <a:buFontTx/>
+              <a:buNone/>
+              <a:tabLst/>
+              <a:defRPr/>
+            </a:pPr>
+            <a:r>
+              <a:rPr lang="en-US" sz="1200" kern="1200" dirty="0" smtClean="0">
+                <a:solidFill>
+                  <a:schemeClr val="tx1"/>
+                </a:solidFill>
+                <a:latin typeface="+mn-lt"/>
+                <a:ea typeface="+mn-ea"/>
+                <a:cs typeface="+mn-cs"/>
+              </a:rPr>
+              <a:t>To illustrate the complexity of parasite lifecycle stages we consider </a:t>
+            </a:r>
+            <a:r>
+              <a:rPr lang="en-US" sz="1200" kern="1200" dirty="0" err="1" smtClean="0">
+                <a:solidFill>
+                  <a:schemeClr val="tx1"/>
+                </a:solidFill>
+                <a:latin typeface="+mn-lt"/>
+                <a:ea typeface="+mn-ea"/>
+                <a:cs typeface="+mn-cs"/>
+              </a:rPr>
+              <a:t>the</a:t>
+            </a:r>
+            <a:r>
+              <a:rPr lang="en-US" sz="1200" i="1" kern="1200" dirty="0" err="1" smtClean="0">
+                <a:solidFill>
+                  <a:schemeClr val="tx1"/>
+                </a:solidFill>
+                <a:latin typeface="+mn-lt"/>
+                <a:ea typeface="+mn-ea"/>
+                <a:cs typeface="+mn-cs"/>
+              </a:rPr>
+              <a:t>Trypanosoma</a:t>
+            </a:r>
+            <a:r>
+              <a:rPr lang="en-US" sz="1200" i="1" kern="1200" dirty="0" smtClean="0">
+                <a:solidFill>
+                  <a:schemeClr val="tx1"/>
+                </a:solidFill>
+                <a:latin typeface="+mn-lt"/>
+                <a:ea typeface="+mn-ea"/>
+                <a:cs typeface="+mn-cs"/>
+              </a:rPr>
+              <a:t> </a:t>
+            </a:r>
+            <a:r>
+              <a:rPr lang="en-US" sz="1200" i="1" kern="1200" dirty="0" err="1" smtClean="0">
+                <a:solidFill>
+                  <a:schemeClr val="tx1"/>
+                </a:solidFill>
+                <a:latin typeface="+mn-lt"/>
+                <a:ea typeface="+mn-ea"/>
+                <a:cs typeface="+mn-cs"/>
+              </a:rPr>
+              <a:t>cruzi</a:t>
+            </a:r>
+            <a:r>
+              <a:rPr lang="en-US" sz="1200" kern="1200" dirty="0" err="1" smtClean="0">
+                <a:solidFill>
+                  <a:schemeClr val="tx1"/>
+                </a:solidFill>
+                <a:latin typeface="+mn-lt"/>
+                <a:ea typeface="+mn-ea"/>
+                <a:cs typeface="+mn-cs"/>
+              </a:rPr>
+              <a:t>parasite</a:t>
+            </a:r>
+            <a:r>
+              <a:rPr lang="en-US" sz="1200" kern="1200" dirty="0" smtClean="0">
+                <a:solidFill>
+                  <a:schemeClr val="tx1"/>
+                </a:solidFill>
+                <a:latin typeface="+mn-lt"/>
+                <a:ea typeface="+mn-ea"/>
+                <a:cs typeface="+mn-cs"/>
+              </a:rPr>
+              <a:t>, which has three stages, namely </a:t>
+            </a:r>
+            <a:r>
+              <a:rPr lang="en-US" sz="1200" kern="1200" dirty="0" err="1" smtClean="0">
+                <a:solidFill>
+                  <a:schemeClr val="tx1"/>
+                </a:solidFill>
+                <a:latin typeface="+mn-lt"/>
+                <a:ea typeface="+mn-ea"/>
+                <a:cs typeface="+mn-cs"/>
+              </a:rPr>
+              <a:t>amastigote</a:t>
+            </a:r>
+            <a:r>
+              <a:rPr lang="en-US" sz="1200" kern="1200" dirty="0" smtClean="0">
+                <a:solidFill>
+                  <a:schemeClr val="tx1"/>
+                </a:solidFill>
+                <a:latin typeface="+mn-lt"/>
+                <a:ea typeface="+mn-ea"/>
+                <a:cs typeface="+mn-cs"/>
+              </a:rPr>
+              <a:t>, </a:t>
+            </a:r>
+            <a:r>
+              <a:rPr lang="en-US" sz="1200" kern="1200" dirty="0" err="1" smtClean="0">
+                <a:solidFill>
+                  <a:schemeClr val="tx1"/>
+                </a:solidFill>
+                <a:latin typeface="+mn-lt"/>
+                <a:ea typeface="+mn-ea"/>
+                <a:cs typeface="+mn-cs"/>
+              </a:rPr>
+              <a:t>epimastigote</a:t>
+            </a:r>
+            <a:r>
+              <a:rPr lang="en-US" sz="1200" kern="1200" dirty="0" smtClean="0">
+                <a:solidFill>
+                  <a:schemeClr val="tx1"/>
+                </a:solidFill>
+                <a:latin typeface="+mn-lt"/>
+                <a:ea typeface="+mn-ea"/>
+                <a:cs typeface="+mn-cs"/>
+              </a:rPr>
+              <a:t>, and </a:t>
+            </a:r>
+            <a:r>
+              <a:rPr lang="en-US" sz="1200" kern="1200" dirty="0" err="1" smtClean="0">
+                <a:solidFill>
+                  <a:schemeClr val="tx1"/>
+                </a:solidFill>
+                <a:latin typeface="+mn-lt"/>
+                <a:ea typeface="+mn-ea"/>
+                <a:cs typeface="+mn-cs"/>
+              </a:rPr>
+              <a:t>trypomastigote</a:t>
+            </a:r>
+            <a:r>
+              <a:rPr lang="en-US" sz="1200" kern="1200" dirty="0" smtClean="0">
+                <a:solidFill>
+                  <a:schemeClr val="tx1"/>
+                </a:solidFill>
+                <a:latin typeface="+mn-lt"/>
+                <a:ea typeface="+mn-ea"/>
+                <a:cs typeface="+mn-cs"/>
+              </a:rPr>
+              <a:t>.  The </a:t>
+            </a:r>
+            <a:r>
+              <a:rPr lang="en-US" sz="1200" kern="1200" dirty="0" err="1" smtClean="0">
+                <a:solidFill>
+                  <a:schemeClr val="tx1"/>
+                </a:solidFill>
+                <a:latin typeface="+mn-lt"/>
+                <a:ea typeface="+mn-ea"/>
+                <a:cs typeface="+mn-cs"/>
+              </a:rPr>
+              <a:t>amastigote</a:t>
+            </a:r>
+            <a:r>
+              <a:rPr lang="en-US" sz="1200" kern="1200" dirty="0" smtClean="0">
+                <a:solidFill>
+                  <a:schemeClr val="tx1"/>
+                </a:solidFill>
+                <a:latin typeface="+mn-lt"/>
+                <a:ea typeface="+mn-ea"/>
+                <a:cs typeface="+mn-cs"/>
+              </a:rPr>
+              <a:t> is an intracellular form that is found in humans/vertebrate hosts of the parasite, the </a:t>
+            </a:r>
+            <a:r>
+              <a:rPr lang="en-US" sz="1200" kern="1200" dirty="0" err="1" smtClean="0">
+                <a:solidFill>
+                  <a:schemeClr val="tx1"/>
+                </a:solidFill>
+                <a:latin typeface="+mn-lt"/>
+                <a:ea typeface="+mn-ea"/>
+                <a:cs typeface="+mn-cs"/>
+              </a:rPr>
+              <a:t>epimastigote</a:t>
+            </a:r>
+            <a:r>
+              <a:rPr lang="en-US" sz="1200" kern="1200" dirty="0" smtClean="0">
+                <a:solidFill>
+                  <a:schemeClr val="tx1"/>
+                </a:solidFill>
+                <a:latin typeface="+mn-lt"/>
+                <a:ea typeface="+mn-ea"/>
+                <a:cs typeface="+mn-cs"/>
+              </a:rPr>
+              <a:t> is found in the </a:t>
+            </a:r>
+            <a:r>
+              <a:rPr lang="en-US" sz="1200" kern="1200" dirty="0" err="1" smtClean="0">
+                <a:solidFill>
+                  <a:schemeClr val="tx1"/>
+                </a:solidFill>
+                <a:latin typeface="+mn-lt"/>
+                <a:ea typeface="+mn-ea"/>
+                <a:cs typeface="+mn-cs"/>
+              </a:rPr>
+              <a:t>midgut</a:t>
+            </a:r>
+            <a:r>
+              <a:rPr lang="en-US" sz="1200" kern="1200" dirty="0" smtClean="0">
+                <a:solidFill>
+                  <a:schemeClr val="tx1"/>
+                </a:solidFill>
+                <a:latin typeface="+mn-lt"/>
+                <a:ea typeface="+mn-ea"/>
+                <a:cs typeface="+mn-cs"/>
+              </a:rPr>
+              <a:t> of an insect vector and the </a:t>
+            </a:r>
+            <a:r>
+              <a:rPr lang="en-US" sz="1200" kern="1200" dirty="0" err="1" smtClean="0">
+                <a:solidFill>
+                  <a:schemeClr val="tx1"/>
+                </a:solidFill>
+                <a:latin typeface="+mn-lt"/>
+                <a:ea typeface="+mn-ea"/>
+                <a:cs typeface="+mn-cs"/>
+              </a:rPr>
+              <a:t>trypomastigote</a:t>
+            </a:r>
+            <a:r>
+              <a:rPr lang="en-US" sz="1200" kern="1200" dirty="0" smtClean="0">
+                <a:solidFill>
+                  <a:schemeClr val="tx1"/>
+                </a:solidFill>
+                <a:latin typeface="+mn-lt"/>
+                <a:ea typeface="+mn-ea"/>
+                <a:cs typeface="+mn-cs"/>
+              </a:rPr>
+              <a:t> is found in the bloodstream of a vertebrate host.  Further, the similar lifecycle stage in different organisms may have different locations and vectors.  For example, the </a:t>
+            </a:r>
+            <a:r>
+              <a:rPr lang="en-US" sz="1200" kern="1200" dirty="0" err="1" smtClean="0">
+                <a:solidFill>
+                  <a:schemeClr val="tx1"/>
+                </a:solidFill>
+                <a:latin typeface="+mn-lt"/>
+                <a:ea typeface="+mn-ea"/>
+                <a:cs typeface="+mn-cs"/>
+              </a:rPr>
+              <a:t>epimastigote</a:t>
+            </a:r>
+            <a:r>
+              <a:rPr lang="en-US" sz="1200" kern="1200" dirty="0" smtClean="0">
+                <a:solidFill>
+                  <a:schemeClr val="tx1"/>
+                </a:solidFill>
+                <a:latin typeface="+mn-lt"/>
+                <a:ea typeface="+mn-ea"/>
+                <a:cs typeface="+mn-cs"/>
+              </a:rPr>
+              <a:t> stage of </a:t>
+            </a:r>
+            <a:r>
+              <a:rPr lang="en-US" sz="1200" i="1" kern="1200" dirty="0" smtClean="0">
+                <a:solidFill>
+                  <a:schemeClr val="tx1"/>
+                </a:solidFill>
+                <a:latin typeface="+mn-lt"/>
+                <a:ea typeface="+mn-ea"/>
+                <a:cs typeface="+mn-cs"/>
+              </a:rPr>
+              <a:t>T. </a:t>
+            </a:r>
+            <a:r>
+              <a:rPr lang="en-US" sz="1200" i="1" kern="1200" dirty="0" err="1" smtClean="0">
+                <a:solidFill>
+                  <a:schemeClr val="tx1"/>
+                </a:solidFill>
+                <a:latin typeface="+mn-lt"/>
+                <a:ea typeface="+mn-ea"/>
+                <a:cs typeface="+mn-cs"/>
+              </a:rPr>
+              <a:t>cruzi</a:t>
+            </a:r>
+            <a:r>
+              <a:rPr lang="en-US" sz="1200" kern="1200" dirty="0" smtClean="0">
+                <a:solidFill>
+                  <a:schemeClr val="tx1"/>
+                </a:solidFill>
+                <a:latin typeface="+mn-lt"/>
+                <a:ea typeface="+mn-ea"/>
+                <a:cs typeface="+mn-cs"/>
+              </a:rPr>
+              <a:t> occurs in the </a:t>
+            </a:r>
+            <a:r>
+              <a:rPr lang="en-US" sz="1200" kern="1200" dirty="0" err="1" smtClean="0">
+                <a:solidFill>
+                  <a:schemeClr val="tx1"/>
+                </a:solidFill>
+                <a:latin typeface="+mn-lt"/>
+                <a:ea typeface="+mn-ea"/>
+                <a:cs typeface="+mn-cs"/>
+              </a:rPr>
+              <a:t>midgut</a:t>
+            </a:r>
+            <a:r>
+              <a:rPr lang="en-US" sz="1200" kern="1200" dirty="0" smtClean="0">
+                <a:solidFill>
+                  <a:schemeClr val="tx1"/>
+                </a:solidFill>
+                <a:latin typeface="+mn-lt"/>
+                <a:ea typeface="+mn-ea"/>
+                <a:cs typeface="+mn-cs"/>
+              </a:rPr>
+              <a:t> of the </a:t>
+            </a:r>
+            <a:r>
+              <a:rPr lang="en-US" sz="1200" kern="1200" dirty="0" err="1" smtClean="0">
+                <a:solidFill>
+                  <a:schemeClr val="tx1"/>
+                </a:solidFill>
+                <a:latin typeface="+mn-lt"/>
+                <a:ea typeface="+mn-ea"/>
+                <a:cs typeface="+mn-cs"/>
+              </a:rPr>
+              <a:t>triatomine</a:t>
+            </a:r>
+            <a:r>
+              <a:rPr lang="en-US" sz="1200" kern="1200" dirty="0" smtClean="0">
+                <a:solidFill>
+                  <a:schemeClr val="tx1"/>
+                </a:solidFill>
+                <a:latin typeface="+mn-lt"/>
+                <a:ea typeface="+mn-ea"/>
+                <a:cs typeface="+mn-cs"/>
+              </a:rPr>
+              <a:t> kissing bug, but in </a:t>
+            </a:r>
+            <a:r>
+              <a:rPr lang="en-US" sz="1200" i="1" kern="1200" dirty="0" smtClean="0">
+                <a:solidFill>
+                  <a:schemeClr val="tx1"/>
+                </a:solidFill>
+                <a:latin typeface="+mn-lt"/>
+                <a:ea typeface="+mn-ea"/>
+                <a:cs typeface="+mn-cs"/>
+              </a:rPr>
+              <a:t>T. </a:t>
+            </a:r>
+            <a:r>
+              <a:rPr lang="en-US" sz="1200" i="1" kern="1200" dirty="0" err="1" smtClean="0">
+                <a:solidFill>
+                  <a:schemeClr val="tx1"/>
+                </a:solidFill>
+                <a:latin typeface="+mn-lt"/>
+                <a:ea typeface="+mn-ea"/>
+                <a:cs typeface="+mn-cs"/>
+              </a:rPr>
+              <a:t>brucei</a:t>
+            </a:r>
+            <a:r>
+              <a:rPr lang="en-US" sz="1200" kern="1200" dirty="0" smtClean="0">
+                <a:solidFill>
+                  <a:schemeClr val="tx1"/>
+                </a:solidFill>
+                <a:latin typeface="+mn-lt"/>
+                <a:ea typeface="+mn-ea"/>
+                <a:cs typeface="+mn-cs"/>
+              </a:rPr>
+              <a:t> it occurs in the salivary gland of the tsetse fly, </a:t>
+            </a:r>
+            <a:r>
+              <a:rPr lang="en-US" sz="1200" i="1" kern="1200" dirty="0" err="1" smtClean="0">
+                <a:solidFill>
+                  <a:schemeClr val="tx1"/>
+                </a:solidFill>
+                <a:latin typeface="+mn-lt"/>
+                <a:ea typeface="+mn-ea"/>
+                <a:cs typeface="+mn-cs"/>
+              </a:rPr>
+              <a:t>Glossina</a:t>
+            </a:r>
+            <a:r>
+              <a:rPr lang="en-US" sz="1200" i="1" kern="1200" dirty="0" smtClean="0">
+                <a:solidFill>
+                  <a:schemeClr val="tx1"/>
+                </a:solidFill>
+                <a:latin typeface="+mn-lt"/>
+                <a:ea typeface="+mn-ea"/>
+                <a:cs typeface="+mn-cs"/>
+              </a:rPr>
+              <a:t> </a:t>
+            </a:r>
+            <a:r>
+              <a:rPr lang="en-US" sz="1200" i="1" kern="1200" dirty="0" err="1" smtClean="0">
+                <a:solidFill>
+                  <a:schemeClr val="tx1"/>
+                </a:solidFill>
+                <a:latin typeface="+mn-lt"/>
+                <a:ea typeface="+mn-ea"/>
+                <a:cs typeface="+mn-cs"/>
+              </a:rPr>
+              <a:t>morsitans</a:t>
+            </a:r>
+            <a:r>
+              <a:rPr lang="en-US" sz="1200" kern="1200" dirty="0" smtClean="0">
+                <a:solidFill>
+                  <a:schemeClr val="tx1"/>
+                </a:solidFill>
+                <a:latin typeface="+mn-lt"/>
+                <a:ea typeface="+mn-ea"/>
+                <a:cs typeface="+mn-cs"/>
+              </a:rPr>
+              <a:t>.  </a:t>
+            </a:r>
+          </a:p>
+          <a:p>
+            <a:pPr marL="0" marR="0" indent="0" algn="l" defTabSz="914400" rtl="0" eaLnBrk="1" fontAlgn="base" latinLnBrk="0" hangingPunct="1">
+              <a:lnSpc>
+                <a:spcPct val="100000"/>
+              </a:lnSpc>
+              <a:spcBef>
+                <a:spcPct val="30000"/>
+              </a:spcBef>
+              <a:spcAft>
+                <a:spcPct val="0"/>
+              </a:spcAft>
+              <a:buClrTx/>
+              <a:buSzTx/>
+              <a:buFontTx/>
+              <a:buNone/>
+              <a:tabLst/>
+              <a:defRPr/>
+            </a:pPr>
+            <a:endParaRPr lang="en-US" sz="1200" kern="1200" dirty="0" smtClean="0">
+              <a:solidFill>
+                <a:schemeClr val="tx1"/>
+              </a:solidFill>
+              <a:latin typeface="+mn-lt"/>
+              <a:ea typeface="+mn-ea"/>
+              <a:cs typeface="+mn-cs"/>
+            </a:endParaRPr>
+          </a:p>
+          <a:p>
+            <a:pPr marL="0" marR="0" indent="0" algn="l" defTabSz="914400" rtl="0" eaLnBrk="1" fontAlgn="base" latinLnBrk="0" hangingPunct="1">
+              <a:lnSpc>
+                <a:spcPct val="100000"/>
+              </a:lnSpc>
+              <a:spcBef>
+                <a:spcPct val="30000"/>
+              </a:spcBef>
+              <a:spcAft>
+                <a:spcPct val="0"/>
+              </a:spcAft>
+              <a:buClrTx/>
+              <a:buSzTx/>
+              <a:buFontTx/>
+              <a:buNone/>
+              <a:tabLst/>
+              <a:defRPr/>
+            </a:pPr>
+            <a:endParaRPr lang="en-US" sz="1200" u="none" strike="noStrike" kern="1200" dirty="0" smtClean="0">
+              <a:solidFill>
+                <a:schemeClr val="tx1"/>
+              </a:solidFill>
+              <a:latin typeface="+mn-lt"/>
+              <a:ea typeface="+mn-ea"/>
+              <a:cs typeface="+mn-cs"/>
+            </a:endParaRPr>
           </a:p>
         </p:txBody>
       </p:sp>
       <p:sp>
         <p:nvSpPr>
-          <p:cNvPr id="27651" name="Slide Number Placeholder 3"/>
+          <p:cNvPr id="4" name="Slide Number Placeholder 3"/>
           <p:cNvSpPr>
             <a:spLocks noGrp="1"/>
           </p:cNvSpPr>
           <p:nvPr>
-            <p:ph type="sldNum" sz="quarter" idx="5"/>
+            <p:ph type="sldNum" sz="quarter" idx="10"/>
           </p:nvPr>
         </p:nvSpPr>
-        <p:spPr bwMode="auto">
-          <a:noFill/>
-          <a:ln>
-            <a:miter lim="800000"/>
-            <a:headEnd/>
-            <a:tailEnd/>
-          </a:ln>
-        </p:spPr>
+        <p:spPr/>
         <p:txBody>
-          <a:bodyPr wrap="square" numCol="1" anchorCtr="0" compatLnSpc="1">
-            <a:prstTxWarp prst="textNoShape">
-              <a:avLst/>
-            </a:prstTxWarp>
+          <a:bodyPr/>
+          <a:lstStyle/>
+          <a:p>
+            <a:pPr>
+              <a:defRPr/>
+            </a:pPr>
+            <a:fld id="{3A96576D-D51A-4E67-8DA5-9A6D61B288F8}" type="slidenum">
+              <a:rPr lang="en-US" smtClean="0"/>
+              <a:pPr>
+                <a:defRPr/>
+              </a:pPr>
+              <a:t>18</a:t>
+            </a:fld>
+            <a:endParaRPr lang="en-US"/>
+          </a:p>
+        </p:txBody>
+      </p:sp>
+    </p:spTree>
+  </p:cSld>
+  <p:clrMapOvr>
+    <a:masterClrMapping/>
+  </p:clrMapOvr>
+</p:notes>
+</file>
+
+<file path=ppt/notesSlides/notesSlide9.xml><?xml version="1.0" encoding="utf-8"?>
+<p:notes xmlns:a="http://schemas.openxmlformats.org/drawingml/2006/main" xmlns:r="http://schemas.openxmlformats.org/officeDocument/2006/relationships" xmlns:mc="http://schemas.openxmlformats.org/markup-compatibility/2006" xmlns:mv="urn:schemas-microsoft-com:mac:vml" xmlns:p="http://schemas.openxmlformats.org/presentationml/2006/main" mc:Ignorable="mv" mc:PreserveAttributes="mv:*">
+  <p:cSld>
+    <p:spTree>
+      <p:nvGrpSpPr>
+        <p:cNvPr id="1" name=""/>
+        <p:cNvGrpSpPr/>
+        <p:nvPr/>
+      </p:nvGrpSpPr>
+      <p:grpSpPr>
+        <a:xfrm>
+          <a:off x="0" y="0"/>
+          <a:ext cx="0" cy="0"/>
+          <a:chOff x="0" y="0"/>
+          <a:chExt cx="0" cy="0"/>
+        </a:xfrm>
+      </p:grpSpPr>
+      <p:sp>
+        <p:nvSpPr>
+          <p:cNvPr id="2" name="Slide Image Placeholder 1"/>
+          <p:cNvSpPr>
+            <a:spLocks noGrp="1" noRot="1" noChangeAspect="1"/>
+          </p:cNvSpPr>
+          <p:nvPr>
+            <p:ph type="sldImg"/>
+          </p:nvPr>
+        </p:nvSpPr>
+        <p:spPr/>
+      </p:sp>
+      <p:sp>
+        <p:nvSpPr>
+          <p:cNvPr id="3" name="Notes Placeholder 2"/>
+          <p:cNvSpPr>
+            <a:spLocks noGrp="1"/>
+          </p:cNvSpPr>
+          <p:nvPr>
+            <p:ph type="body" idx="1"/>
+          </p:nvPr>
+        </p:nvSpPr>
+        <p:spPr/>
+        <p:txBody>
+          <a:bodyPr>
+            <a:normAutofit/>
           </a:bodyPr>
           <a:lstStyle/>
           <a:p>
-            <a:pPr fontAlgn="base">
-              <a:spcBef>
-                <a:spcPct val="0"/>
-              </a:spcBef>
-              <a:spcAft>
-                <a:spcPct val="0"/>
-              </a:spcAft>
+            <a:r>
+              <a:rPr lang="en-US" dirty="0" smtClean="0"/>
+              <a:t>Around</a:t>
+            </a:r>
+            <a:r>
+              <a:rPr lang="en-US" baseline="0" dirty="0" smtClean="0"/>
+              <a:t> 300 terms, parasite lifecycle stage, where it takes place, vector and host of specific parasite, etc.</a:t>
+            </a:r>
+            <a:endParaRPr lang="en-US" dirty="0"/>
+          </a:p>
+        </p:txBody>
+      </p:sp>
+      <p:sp>
+        <p:nvSpPr>
+          <p:cNvPr id="4" name="Slide Number Placeholder 3"/>
+          <p:cNvSpPr>
+            <a:spLocks noGrp="1"/>
+          </p:cNvSpPr>
+          <p:nvPr>
+            <p:ph type="sldNum" sz="quarter" idx="10"/>
+          </p:nvPr>
+        </p:nvSpPr>
+        <p:spPr/>
+        <p:txBody>
+          <a:bodyPr/>
+          <a:lstStyle/>
+          <a:p>
+            <a:pPr>
+              <a:defRPr/>
             </a:pPr>
-            <a:fld id="{DFD20FA0-9931-4FA5-9123-F27539B85481}" type="slidenum">
-              <a:rPr lang="en-US">
-                <a:cs typeface="Arial" pitchFamily="34" charset="0"/>
-              </a:rPr>
-              <a:pPr fontAlgn="base">
-                <a:spcBef>
-                  <a:spcPct val="0"/>
-                </a:spcBef>
-                <a:spcAft>
-                  <a:spcPct val="0"/>
-                </a:spcAft>
+            <a:fld id="{3A96576D-D51A-4E67-8DA5-9A6D61B288F8}" type="slidenum">
+              <a:rPr lang="en-US" smtClean="0"/>
+              <a:pPr>
+                <a:defRPr/>
               </a:pPr>
-              <a:t>21</a:t>
+              <a:t>19</a:t>
             </a:fld>
-            <a:endParaRPr lang="en-US">
-              <a:cs typeface="Arial" pitchFamily="34" charset="0"/>
-            </a:endParaRPr>
+            <a:endParaRPr lang="en-US"/>
           </a:p>
         </p:txBody>
       </p:sp>
@@ -3002,7 +4130,7 @@
               <a:pPr>
                 <a:defRPr/>
               </a:pPr>
-              <a:t>7/8/11</a:t>
+              <a:t>7/14/11</a:t>
             </a:fld>
             <a:endParaRPr lang="en-US"/>
           </a:p>
@@ -3567,7 +4695,7 @@
               <a:pPr>
                 <a:defRPr/>
               </a:pPr>
-              <a:t>7/8/11</a:t>
+              <a:t>7/14/11</a:t>
             </a:fld>
             <a:endParaRPr lang="en-US"/>
           </a:p>
@@ -3812,7 +4940,7 @@
               <a:pPr>
                 <a:defRPr/>
               </a:pPr>
-              <a:t>7/8/11</a:t>
+              <a:t>7/14/11</a:t>
             </a:fld>
             <a:endParaRPr lang="en-US"/>
           </a:p>
@@ -4511,27 +5639,7 @@
                 <a:latin typeface="Arial" pitchFamily="34" charset="0"/>
                 <a:cs typeface="Arial" pitchFamily="34" charset="0"/>
               </a:rPr>
-              <a:t>University of Pennsylvania</a:t>
-            </a:r>
-            <a:r>
-              <a:rPr lang="en-US" b="0" dirty="0" smtClean="0">
-                <a:solidFill>
-                  <a:schemeClr val="tx1"/>
-                </a:solidFill>
-                <a:latin typeface="Arial" pitchFamily="34" charset="0"/>
-                <a:cs typeface="Arial" pitchFamily="34" charset="0"/>
-              </a:rPr>
-              <a:t> Perelman School </a:t>
-            </a:r>
-            <a:r>
-              <a:rPr lang="en-US" b="0" dirty="0" smtClean="0">
-                <a:solidFill>
-                  <a:schemeClr val="tx1"/>
-                </a:solidFill>
-                <a:latin typeface="Arial" pitchFamily="34" charset="0"/>
-                <a:cs typeface="Arial" pitchFamily="34" charset="0"/>
-              </a:rPr>
-              <a:t>of Medicine</a:t>
+              <a:t>University of Pennsylvania Perelman School of Medicine</a:t>
             </a:r>
           </a:p>
           <a:p>
@@ -4597,6 +5705,130 @@
             <p:ph type="title"/>
           </p:nvPr>
         </p:nvSpPr>
+        <p:spPr/>
+        <p:txBody>
+          <a:bodyPr/>
+          <a:lstStyle/>
+          <a:p>
+            <a:r>
+              <a:rPr lang="en-US" dirty="0" smtClean="0"/>
+              <a:t>Ontology Based Model</a:t>
+            </a:r>
+            <a:endParaRPr lang="en-US" dirty="0"/>
+          </a:p>
+        </p:txBody>
+      </p:sp>
+      <p:sp>
+        <p:nvSpPr>
+          <p:cNvPr id="3" name="Content Placeholder 2"/>
+          <p:cNvSpPr>
+            <a:spLocks noGrp="1"/>
+          </p:cNvSpPr>
+          <p:nvPr>
+            <p:ph sz="quarter" idx="1"/>
+          </p:nvPr>
+        </p:nvSpPr>
+        <p:spPr/>
+        <p:txBody>
+          <a:bodyPr/>
+          <a:lstStyle/>
+          <a:p>
+            <a:r>
+              <a:rPr lang="en-US" dirty="0" smtClean="0">
+                <a:latin typeface="Century Schoolbook" pitchFamily="18" charset="0"/>
+              </a:rPr>
+              <a:t>Identify ontology parent classes of data or information</a:t>
+            </a:r>
+          </a:p>
+          <a:p>
+            <a:pPr>
+              <a:buNone/>
+            </a:pPr>
+            <a:endParaRPr lang="en-US" dirty="0" smtClean="0">
+              <a:latin typeface="Century Schoolbook" pitchFamily="18" charset="0"/>
+            </a:endParaRPr>
+          </a:p>
+          <a:p>
+            <a:r>
+              <a:rPr lang="en-US" dirty="0" smtClean="0">
+                <a:latin typeface="Century Schoolbook" pitchFamily="18" charset="0"/>
+              </a:rPr>
+              <a:t>Apply the ontology defined relations to reveal the interconnection of data or information collected</a:t>
+            </a:r>
+          </a:p>
+        </p:txBody>
+      </p:sp>
+      <p:sp>
+        <p:nvSpPr>
+          <p:cNvPr id="4" name="Slide Number Placeholder 3"/>
+          <p:cNvSpPr>
+            <a:spLocks noGrp="1"/>
+          </p:cNvSpPr>
+          <p:nvPr>
+            <p:ph type="sldNum" sz="quarter" idx="11"/>
+          </p:nvPr>
+        </p:nvSpPr>
+        <p:spPr/>
+        <p:txBody>
+          <a:bodyPr/>
+          <a:lstStyle/>
+          <a:p>
+            <a:pPr>
+              <a:defRPr/>
+            </a:pPr>
+            <a:fld id="{C6587C3C-6210-43A2-897D-BAD9F5F0EE9E}" type="slidenum">
+              <a:rPr lang="en-US" smtClean="0"/>
+              <a:pPr>
+                <a:defRPr/>
+              </a:pPr>
+              <a:t>10</a:t>
+            </a:fld>
+            <a:endParaRPr lang="en-US"/>
+          </a:p>
+        </p:txBody>
+      </p:sp>
+    </p:spTree>
+  </p:cSld>
+  <p:clrMapOvr>
+    <a:masterClrMapping/>
+  </p:clrMapOvr>
+  <p:timing>
+    <p:tnLst>
+      <p:par>
+        <p:cTn id="1" dur="indefinite" restart="never" nodeType="tmRoot"/>
+      </p:par>
+    </p:tnLst>
+  </p:timing>
+</p:sld>
+</file>
+
+<file path=ppt/slides/slide11.xml><?xml version="1.0" encoding="utf-8"?>
+<p:sld xmlns:a="http://schemas.openxmlformats.org/drawingml/2006/main" xmlns:r="http://schemas.openxmlformats.org/officeDocument/2006/relationships" xmlns:mc="http://schemas.openxmlformats.org/markup-compatibility/2006" xmlns:mv="urn:schemas-microsoft-com:mac:vml" xmlns:p="http://schemas.openxmlformats.org/presentationml/2006/main" mc:Ignorable="mv" mc:PreserveAttributes="mv:*">
+  <p:cSld>
+    <p:spTree>
+      <p:nvGrpSpPr>
+        <p:cNvPr id="1" name=""/>
+        <p:cNvGrpSpPr/>
+        <p:nvPr/>
+      </p:nvGrpSpPr>
+      <p:grpSpPr>
+        <a:xfrm>
+          <a:off x="0" y="0"/>
+          <a:ext cx="0" cy="0"/>
+          <a:chOff x="0" y="0"/>
+          <a:chExt cx="0" cy="0"/>
+        </a:xfrm>
+      </p:grpSpPr>
+      <p:sp>
+        <p:nvSpPr>
+          <p:cNvPr id="2" name="Title 1"/>
+          <p:cNvSpPr>
+            <a:spLocks noGrp="1"/>
+          </p:cNvSpPr>
+          <p:nvPr>
+            <p:ph type="title"/>
+          </p:nvPr>
+        </p:nvSpPr>
         <p:spPr>
           <a:xfrm>
             <a:off x="457200" y="274638"/>
@@ -4671,7 +5903,7 @@
                   <a:spcPct val="0"/>
                 </a:spcAft>
               </a:pPr>
-              <a:t>10</a:t>
+              <a:t>11</a:t>
             </a:fld>
             <a:endParaRPr lang="en-US">
               <a:latin typeface="Century Schoolbook" pitchFamily="18" charset="0"/>
@@ -4944,27 +6176,7 @@
                 <a:latin typeface="Arial" charset="0"/>
                 <a:ea typeface="ＭＳ Ｐゴシック" pitchFamily="34" charset="-128"/>
               </a:rPr>
-              <a:t>is_a</a:t>
-            </a:r>
-            <a:r>
-              <a:rPr lang="en-US" sz="1600" dirty="0" smtClean="0">
-                <a:solidFill>
-                  <a:schemeClr val="tx1"/>
-                </a:solidFill>
-                <a:latin typeface="Arial" charset="0"/>
-                <a:ea typeface="ＭＳ Ｐゴシック" pitchFamily="34" charset="-128"/>
-              </a:rPr>
-              <a:t> </a:t>
-            </a:r>
-            <a:r>
-              <a:rPr lang="en-US" sz="1600" dirty="0" err="1" smtClean="0">
-                <a:solidFill>
-                  <a:schemeClr val="tx1"/>
-                </a:solidFill>
-                <a:latin typeface="Arial" charset="0"/>
-                <a:ea typeface="ＭＳ Ｐゴシック" pitchFamily="34" charset="-128"/>
-              </a:rPr>
-              <a:t>occurrent</a:t>
+              <a:t>is_aoccurrent</a:t>
             </a:r>
             <a:endParaRPr lang="en-US" sz="1600" dirty="0">
               <a:solidFill>
@@ -5740,7 +6952,7 @@
 </p:sld>
 </file>
 
-<file path=ppt/slides/slide11.xml><?xml version="1.0" encoding="utf-8"?>
+<file path=ppt/slides/slide12.xml><?xml version="1.0" encoding="utf-8"?>
 <p:sld xmlns:a="http://schemas.openxmlformats.org/drawingml/2006/main" xmlns:r="http://schemas.openxmlformats.org/officeDocument/2006/relationships" xmlns:mc="http://schemas.openxmlformats.org/markup-compatibility/2006" xmlns:mv="urn:schemas-microsoft-com:mac:vml" xmlns:p="http://schemas.openxmlformats.org/presentationml/2006/main" mc:Ignorable="mv" mc:PreserveAttributes="mv:*">
   <p:cSld>
     <p:spTree>
@@ -5833,7 +7045,7 @@
                   <a:spcPct val="0"/>
                 </a:spcAft>
               </a:pPr>
-              <a:t>11</a:t>
+              <a:t>12</a:t>
             </a:fld>
             <a:endParaRPr lang="en-US">
               <a:latin typeface="Century Schoolbook" pitchFamily="18" charset="0"/>
@@ -6337,7 +7549,7 @@
         <p:spPr bwMode="auto">
           <a:xfrm>
             <a:off x="6249988" y="4808538"/>
-            <a:ext cx="1598612" cy="830262"/>
+            <a:ext cx="1507043" cy="830997"/>
           </a:xfrm>
           <a:prstGeom prst="rect">
             <a:avLst/>
@@ -6359,7 +7571,7 @@
           <a:lstStyle/>
           <a:p>
             <a:r>
-              <a:rPr lang="en-US" sz="1600" b="1">
+              <a:rPr lang="en-US" sz="1600" b="1" dirty="0">
                 <a:solidFill>
                   <a:srgbClr val="C00000"/>
                 </a:solidFill>
@@ -6370,7 +7582,7 @@
           </a:p>
           <a:p>
             <a:r>
-              <a:rPr lang="en-US" sz="1600" b="1">
+              <a:rPr lang="en-US" sz="1600" b="1" dirty="0">
                 <a:solidFill>
                   <a:srgbClr val="C00000"/>
                 </a:solidFill>
@@ -6378,16 +7590,31 @@
               </a:rPr>
               <a:t>(Sequencing</a:t>
             </a:r>
-          </a:p>
-          <a:p>
-            <a:r>
-              <a:rPr lang="en-US" sz="1600" b="1">
+            <a:endParaRPr lang="en-US" sz="1600" b="1" dirty="0" smtClean="0">
+              <a:solidFill>
+                <a:srgbClr val="C00000"/>
+              </a:solidFill>
+              <a:latin typeface="Century Schoolbook" pitchFamily="18" charset="0"/>
+            </a:endParaRPr>
+          </a:p>
+          <a:p>
+            <a:r>
+              <a:rPr lang="en-US" sz="1600" b="1" dirty="0" smtClean="0">
                 <a:solidFill>
                   <a:srgbClr val="C00000"/>
                 </a:solidFill>
                 <a:latin typeface="Century Schoolbook" pitchFamily="18" charset="0"/>
               </a:rPr>
-              <a:t>Typed Assay)</a:t>
+              <a:t> </a:t>
+            </a:r>
+            <a:r>
+              <a:rPr lang="en-US" sz="1600" b="1" dirty="0">
+                <a:solidFill>
+                  <a:srgbClr val="C00000"/>
+                </a:solidFill>
+                <a:latin typeface="Century Schoolbook" pitchFamily="18" charset="0"/>
+              </a:rPr>
+              <a:t>Assay)</a:t>
             </a:r>
           </a:p>
         </p:txBody>
@@ -9823,7 +11050,7 @@
 </p:sld>
 </file>
 
-<file path=ppt/slides/slide12.xml><?xml version="1.0" encoding="utf-8"?>
+<file path=ppt/slides/slide13.xml><?xml version="1.0" encoding="utf-8"?>
 <p:sld xmlns:a="http://schemas.openxmlformats.org/drawingml/2006/main" xmlns:r="http://schemas.openxmlformats.org/officeDocument/2006/relationships" xmlns:mc="http://schemas.openxmlformats.org/markup-compatibility/2006" xmlns:mv="urn:schemas-microsoft-com:mac:vml" xmlns:p="http://schemas.openxmlformats.org/presentationml/2006/main" mc:Ignorable="mv" mc:PreserveAttributes="mv:*">
   <p:cSld>
     <p:spTree>
@@ -9957,7 +11184,7 @@
                   <a:spcPct val="0"/>
                 </a:spcAft>
               </a:pPr>
-              <a:t>12</a:t>
+              <a:t>13</a:t>
             </a:fld>
             <a:endParaRPr lang="en-US">
               <a:latin typeface="Century Schoolbook" pitchFamily="18" charset="0"/>
@@ -10001,7 +11228,7 @@
 </p:sld>
 </file>
 
-<file path=ppt/slides/slide13.xml><?xml version="1.0" encoding="utf-8"?>
+<file path=ppt/slides/slide14.xml><?xml version="1.0" encoding="utf-8"?>
 <p:sld xmlns:a="http://schemas.openxmlformats.org/drawingml/2006/main" xmlns:r="http://schemas.openxmlformats.org/officeDocument/2006/relationships" xmlns:mc="http://schemas.openxmlformats.org/markup-compatibility/2006" xmlns:mv="urn:schemas-microsoft-com:mac:vml" xmlns:p="http://schemas.openxmlformats.org/presentationml/2006/main" mc:Ignorable="mv" mc:PreserveAttributes="mv:*">
   <p:cSld>
     <p:spTree>
@@ -10116,7 +11343,7 @@
               <a:pPr>
                 <a:defRPr/>
               </a:pPr>
-              <a:t>13</a:t>
+              <a:t>14</a:t>
             </a:fld>
             <a:endParaRPr lang="en-US"/>
           </a:p>
@@ -10137,7 +11364,7 @@
 </p:sld>
 </file>
 
-<file path=ppt/slides/slide14.xml><?xml version="1.0" encoding="utf-8"?>
+<file path=ppt/slides/slide15.xml><?xml version="1.0" encoding="utf-8"?>
 <p:sld xmlns:a="http://schemas.openxmlformats.org/drawingml/2006/main" xmlns:r="http://schemas.openxmlformats.org/officeDocument/2006/relationships" xmlns:mc="http://schemas.openxmlformats.org/markup-compatibility/2006" xmlns:mv="urn:schemas-microsoft-com:mac:vml" xmlns:p="http://schemas.openxmlformats.org/presentationml/2006/main" mc:Ignorable="mv" mc:PreserveAttributes="mv:*">
   <p:cSld>
     <p:spTree>
@@ -10227,7 +11454,7 @@
                 <a:latin typeface="Century Schoolbook" pitchFamily="18" charset="0"/>
               </a:rPr>
               <a:pPr algn="ctr"/>
-              <a:t>14</a:t>
+              <a:t>15</a:t>
             </a:fld>
             <a:endParaRPr lang="en-US" sz="1400" b="1">
               <a:solidFill>
@@ -10273,163 +11500,6 @@
 </p:sld>
 </file>
 
-<file path=ppt/slides/slide15.xml><?xml version="1.0" encoding="utf-8"?>
-<p:sld xmlns:a="http://schemas.openxmlformats.org/drawingml/2006/main" xmlns:r="http://schemas.openxmlformats.org/officeDocument/2006/relationships" xmlns:mc="http://schemas.openxmlformats.org/markup-compatibility/2006" xmlns:mv="urn:schemas-microsoft-com:mac:vml" xmlns:p="http://schemas.openxmlformats.org/presentationml/2006/main" mc:Ignorable="mv" mc:PreserveAttributes="mv:*">
-  <p:cSld>
-    <p:spTree>
-      <p:nvGrpSpPr>
-        <p:cNvPr id="1" name=""/>
-        <p:cNvGrpSpPr/>
-        <p:nvPr/>
-      </p:nvGrpSpPr>
-      <p:grpSpPr>
-        <a:xfrm>
-          <a:off x="0" y="0"/>
-          <a:ext cx="0" cy="0"/>
-          <a:chOff x="0" y="0"/>
-          <a:chExt cx="0" cy="0"/>
-        </a:xfrm>
-      </p:grpSpPr>
-      <p:sp>
-        <p:nvSpPr>
-          <p:cNvPr id="2" name="Title 1"/>
-          <p:cNvSpPr>
-            <a:spLocks noGrp="1"/>
-          </p:cNvSpPr>
-          <p:nvPr>
-            <p:ph type="title"/>
-          </p:nvPr>
-        </p:nvSpPr>
-        <p:spPr>
-          <a:xfrm>
-            <a:off x="457200" y="274638"/>
-            <a:ext cx="7467600" cy="715962"/>
-          </a:xfrm>
-        </p:spPr>
-        <p:txBody>
-          <a:bodyPr>
-            <a:normAutofit fontScale="90000"/>
-          </a:bodyPr>
-          <a:lstStyle/>
-          <a:p>
-            <a:r>
-              <a:rPr lang="en-US" dirty="0" smtClean="0"/>
-              <a:t>Reduce User’s Efforts in Submission using </a:t>
-            </a:r>
-            <a:r>
-              <a:rPr lang="en-US" dirty="0" smtClean="0"/>
-              <a:t>Restrictions </a:t>
-            </a:r>
-            <a:r>
-              <a:rPr lang="en-US" dirty="0" smtClean="0"/>
-              <a:t>Defined in Ontology</a:t>
-            </a:r>
-            <a:endParaRPr lang="en-US" dirty="0"/>
-          </a:p>
-        </p:txBody>
-      </p:sp>
-      <p:sp>
-        <p:nvSpPr>
-          <p:cNvPr id="3" name="Content Placeholder 2"/>
-          <p:cNvSpPr>
-            <a:spLocks noGrp="1"/>
-          </p:cNvSpPr>
-          <p:nvPr>
-            <p:ph sz="quarter" idx="1"/>
-          </p:nvPr>
-        </p:nvSpPr>
-        <p:spPr/>
-        <p:txBody>
-          <a:bodyPr/>
-          <a:lstStyle/>
-          <a:p>
-            <a:r>
-              <a:rPr lang="en-US" dirty="0" smtClean="0"/>
-              <a:t>Limit </a:t>
-            </a:r>
-            <a:r>
-              <a:rPr lang="en-US" dirty="0" smtClean="0"/>
-              <a:t>ontology terms used in annotation based on the restrictions of terms</a:t>
-            </a:r>
-          </a:p>
-          <a:p>
-            <a:r>
-              <a:rPr lang="en-US" dirty="0" smtClean="0"/>
-              <a:t>Example:</a:t>
-            </a:r>
-          </a:p>
-          <a:p>
-            <a:pPr lvl="1"/>
-            <a:r>
-              <a:rPr lang="en-US" dirty="0" smtClean="0"/>
-              <a:t>Ontology for Parasite Lifecycle (OPL) used in the annotation of Gene Manipulation and Phenotype </a:t>
-            </a:r>
-            <a:r>
-              <a:rPr lang="en-US" dirty="0" smtClean="0"/>
-              <a:t>Data</a:t>
-            </a:r>
-          </a:p>
-          <a:p>
-            <a:pPr lvl="2"/>
-            <a:r>
-              <a:rPr lang="en-US" dirty="0" smtClean="0"/>
-              <a:t>Project with Omar </a:t>
-            </a:r>
-            <a:r>
-              <a:rPr lang="en-US" dirty="0" err="1" smtClean="0"/>
-              <a:t>Harb</a:t>
-            </a:r>
-            <a:r>
-              <a:rPr lang="en-US" dirty="0" smtClean="0"/>
-              <a:t> and Chris Stoeckert</a:t>
-            </a:r>
-          </a:p>
-        </p:txBody>
-      </p:sp>
-      <p:sp>
-        <p:nvSpPr>
-          <p:cNvPr id="4" name="Slide Number Placeholder 3"/>
-          <p:cNvSpPr>
-            <a:spLocks noGrp="1"/>
-          </p:cNvSpPr>
-          <p:nvPr>
-            <p:ph type="sldNum" sz="quarter" idx="11"/>
-          </p:nvPr>
-        </p:nvSpPr>
-        <p:spPr/>
-        <p:txBody>
-          <a:bodyPr/>
-          <a:lstStyle/>
-          <a:p>
-            <a:pPr>
-              <a:defRPr/>
-            </a:pPr>
-            <a:fld id="{C6587C3C-6210-43A2-897D-BAD9F5F0EE9E}" type="slidenum">
-              <a:rPr lang="en-US" smtClean="0"/>
-              <a:pPr>
-                <a:defRPr/>
-              </a:pPr>
-              <a:t>15</a:t>
-            </a:fld>
-            <a:endParaRPr lang="en-US"/>
-          </a:p>
-        </p:txBody>
-      </p:sp>
-    </p:spTree>
-  </p:cSld>
-  <p:clrMapOvr>
-    <a:masterClrMapping/>
-  </p:clrMapOvr>
-  <p:timing>
-    <p:tnLst>
-      <p:par>
-        <p:cTn id="1" dur="indefinite" restart="never" nodeType="tmRoot"/>
-      </p:par>
-    </p:tnLst>
-  </p:timing>
-</p:sld>
-</file>
-
 <file path=ppt/slides/slide16.xml><?xml version="1.0" encoding="utf-8"?>
 <p:sld xmlns:a="http://schemas.openxmlformats.org/drawingml/2006/main" xmlns:r="http://schemas.openxmlformats.org/officeDocument/2006/relationships" xmlns:mc="http://schemas.openxmlformats.org/markup-compatibility/2006" xmlns:mv="urn:schemas-microsoft-com:mac:vml" xmlns:p="http://schemas.openxmlformats.org/presentationml/2006/main" mc:Ignorable="mv" mc:PreserveAttributes="mv:*">
   <p:cSld>
@@ -10459,34 +11529,27 @@
         </p:nvSpPr>
         <p:spPr>
           <a:xfrm>
-            <a:off x="76200" y="304800"/>
-            <a:ext cx="8763000" cy="715963"/>
+            <a:off x="457200" y="274638"/>
+            <a:ext cx="7467600" cy="715962"/>
           </a:xfrm>
         </p:spPr>
         <p:txBody>
-          <a:bodyPr wrap="square" lIns="91440" tIns="45720" rIns="91440" bIns="45720" numCol="1" anchorCtr="0" compatLnSpc="1">
-            <a:prstTxWarp prst="textNoShape">
-              <a:avLst/>
-            </a:prstTxWarp>
+          <a:bodyPr>
             <a:normAutofit fontScale="90000"/>
           </a:bodyPr>
           <a:lstStyle/>
           <a:p>
             <a:r>
-              <a:rPr lang="en-US" smtClean="0">
-                <a:solidFill>
-                  <a:srgbClr val="595959"/>
-                </a:solidFill>
-                <a:latin typeface="Helvetica"/>
-              </a:rPr>
-              <a:t>Genetic Manipulation and Phenotype Submission Form</a:t>
-            </a:r>
+              <a:rPr lang="en-US" dirty="0" smtClean="0"/>
+              <a:t>Reduce User’s Efforts in Submission using Restrictions Defined in Ontology</a:t>
+            </a:r>
+            <a:endParaRPr lang="en-US" dirty="0"/>
           </a:p>
         </p:txBody>
       </p:sp>
       <p:sp>
         <p:nvSpPr>
-          <p:cNvPr id="60418" name="Content Placeholder 2"/>
+          <p:cNvPr id="3" name="Content Placeholder 2"/>
           <p:cNvSpPr>
             <a:spLocks noGrp="1"/>
           </p:cNvSpPr>
@@ -10494,101 +11557,49 @@
             <p:ph sz="quarter" idx="1"/>
           </p:nvPr>
         </p:nvSpPr>
-        <p:spPr>
-          <a:xfrm>
-            <a:off x="457200" y="1143000"/>
-            <a:ext cx="7467600" cy="5330825"/>
-          </a:xfrm>
-        </p:spPr>
+        <p:spPr/>
         <p:txBody>
           <a:bodyPr/>
           <a:lstStyle/>
           <a:p>
             <a:r>
-              <a:rPr lang="en-US" smtClean="0">
-                <a:latin typeface="Century Schoolbook" pitchFamily="18" charset="0"/>
-              </a:rPr>
-              <a:t>Genetic Manipulation </a:t>
+              <a:rPr lang="en-US" dirty="0" smtClean="0"/>
+              <a:t>Limit ontology terms used in annotation based on the restrictions of terms</a:t>
+            </a:r>
+          </a:p>
+          <a:p>
+            <a:r>
+              <a:rPr lang="en-US" dirty="0" smtClean="0"/>
+              <a:t>Example:</a:t>
             </a:r>
           </a:p>
           <a:p>
             <a:pPr lvl="1"/>
             <a:r>
-              <a:rPr lang="en-US" smtClean="0">
-                <a:latin typeface="Century Schoolbook" pitchFamily="18" charset="0"/>
-              </a:rPr>
-              <a:t>Mutation method including selective marker, report if available</a:t>
-            </a:r>
-          </a:p>
-          <a:p>
-            <a:pPr lvl="1"/>
-            <a:r>
-              <a:rPr lang="en-US" smtClean="0">
-                <a:latin typeface="Century Schoolbook" pitchFamily="18" charset="0"/>
-              </a:rPr>
-              <a:t>Mutation type (effect on gene function)</a:t>
-            </a:r>
-          </a:p>
-          <a:p>
-            <a:pPr lvl="1"/>
-            <a:endParaRPr lang="en-US" smtClean="0">
-              <a:latin typeface="Century Schoolbook" pitchFamily="18" charset="0"/>
-            </a:endParaRPr>
-          </a:p>
-          <a:p>
-            <a:r>
-              <a:rPr lang="en-US" smtClean="0">
-                <a:latin typeface="Century Schoolbook" pitchFamily="18" charset="0"/>
-              </a:rPr>
-              <a:t>Phenotype data – impact of genetic manipulation on four possible observed features:</a:t>
-            </a:r>
-          </a:p>
-          <a:p>
-            <a:pPr lvl="1"/>
-            <a:r>
-              <a:rPr lang="en-US" smtClean="0">
-                <a:latin typeface="Century Schoolbook" pitchFamily="18" charset="0"/>
-              </a:rPr>
-              <a:t>Quality of the organism</a:t>
-            </a:r>
-          </a:p>
-          <a:p>
-            <a:pPr lvl="1"/>
-            <a:r>
-              <a:rPr lang="en-US" smtClean="0">
-                <a:latin typeface="Century Schoolbook" pitchFamily="18" charset="0"/>
-              </a:rPr>
-              <a:t>Cellular location of gene product</a:t>
-            </a:r>
-          </a:p>
-          <a:p>
-            <a:pPr lvl="1"/>
-            <a:r>
-              <a:rPr lang="en-US" smtClean="0">
-                <a:latin typeface="Century Schoolbook" pitchFamily="18" charset="0"/>
-              </a:rPr>
-              <a:t>Molecular function of gene product</a:t>
-            </a:r>
-          </a:p>
-          <a:p>
-            <a:pPr lvl="1"/>
-            <a:r>
-              <a:rPr lang="en-US" smtClean="0">
-                <a:latin typeface="Century Schoolbook" pitchFamily="18" charset="0"/>
-              </a:rPr>
-              <a:t>Biological process of gene product </a:t>
-            </a:r>
-          </a:p>
-          <a:p>
-            <a:endParaRPr lang="en-US" smtClean="0">
-              <a:latin typeface="Century Schoolbook" pitchFamily="18" charset="0"/>
-            </a:endParaRPr>
+              <a:rPr lang="en-US" dirty="0" smtClean="0"/>
+              <a:t>Ontology for Parasite Lifecycle (OPL) used in the annotation of Gene Manipulation and Phenotype Data</a:t>
+            </a:r>
+          </a:p>
+          <a:p>
+            <a:pPr lvl="2"/>
+            <a:r>
+              <a:rPr lang="en-US" dirty="0" smtClean="0"/>
+              <a:t>Project with Omar </a:t>
+            </a:r>
+            <a:r>
+              <a:rPr lang="en-US" dirty="0" err="1" smtClean="0"/>
+              <a:t>Harb</a:t>
+            </a:r>
+            <a:r>
+              <a:rPr lang="en-US" dirty="0" smtClean="0"/>
+              <a:t> and Chris Stoeckert</a:t>
+            </a:r>
           </a:p>
         </p:txBody>
       </p:sp>
       <p:sp>
         <p:nvSpPr>
-          <p:cNvPr id="60419" name="Slide Number Placeholder 3"/>
+          <p:cNvPr id="4" name="Slide Number Placeholder 3"/>
           <p:cNvSpPr>
             <a:spLocks noGrp="1"/>
           </p:cNvSpPr>
@@ -10596,49 +11607,22 @@
             <p:ph type="sldNum" sz="quarter" idx="11"/>
           </p:nvPr>
         </p:nvSpPr>
-        <p:spPr bwMode="auto">
-          <a:noFill/>
-          <a:ln>
-            <a:miter lim="800000"/>
-            <a:headEnd/>
-            <a:tailEnd/>
-          </a:ln>
-        </p:spPr>
+        <p:spPr/>
         <p:txBody>
-          <a:bodyPr wrap="square" lIns="91440" tIns="45720" rIns="91440" bIns="45720" numCol="1" anchorCtr="0" compatLnSpc="1">
-            <a:prstTxWarp prst="textNoShape">
-              <a:avLst/>
-            </a:prstTxWarp>
-          </a:bodyPr>
+          <a:bodyPr/>
           <a:lstStyle/>
           <a:p>
-            <a:pPr fontAlgn="base">
-              <a:spcBef>
-                <a:spcPct val="0"/>
-              </a:spcBef>
-              <a:spcAft>
-                <a:spcPct val="0"/>
-              </a:spcAft>
+            <a:pPr>
+              <a:defRPr/>
             </a:pPr>
-            <a:fld id="{E30609C8-3460-4A5A-8F4B-77DEB4666211}" type="slidenum">
-              <a:rPr lang="en-US">
-                <a:latin typeface="Century Schoolbook" pitchFamily="18" charset="0"/>
-                <a:cs typeface="Arial" pitchFamily="34" charset="0"/>
-              </a:rPr>
-              <a:pPr fontAlgn="base">
-                <a:spcBef>
-                  <a:spcPct val="0"/>
-                </a:spcBef>
-                <a:spcAft>
-                  <a:spcPct val="0"/>
-                </a:spcAft>
+            <a:fld id="{C6587C3C-6210-43A2-897D-BAD9F5F0EE9E}" type="slidenum">
+              <a:rPr lang="en-US" smtClean="0"/>
+              <a:pPr>
+                <a:defRPr/>
               </a:pPr>
               <a:t>16</a:t>
             </a:fld>
-            <a:endParaRPr lang="en-US">
-              <a:latin typeface="Century Schoolbook" pitchFamily="18" charset="0"/>
-              <a:cs typeface="Arial" pitchFamily="34" charset="0"/>
-            </a:endParaRPr>
+            <a:endParaRPr lang="en-US"/>
           </a:p>
         </p:txBody>
       </p:sp>
@@ -10686,33 +11670,161 @@
         </p:nvSpPr>
         <p:spPr>
           <a:xfrm>
-            <a:off x="457200" y="274638"/>
-            <a:ext cx="7848600" cy="868362"/>
+            <a:off x="76200" y="304800"/>
+            <a:ext cx="8763000" cy="715963"/>
           </a:xfrm>
         </p:spPr>
         <p:txBody>
-          <a:bodyPr>
+          <a:bodyPr wrap="square" lIns="91440" tIns="45720" rIns="91440" bIns="45720" numCol="1" anchorCtr="0" compatLnSpc="1">
+            <a:prstTxWarp prst="textNoShape">
+              <a:avLst/>
+            </a:prstTxWarp>
             <a:normAutofit fontScale="90000"/>
           </a:bodyPr>
           <a:lstStyle/>
           <a:p>
-            <a:pPr fontAlgn="auto">
-              <a:spcAft>
-                <a:spcPts val="0"/>
-              </a:spcAft>
-              <a:defRPr/>
+            <a:r>
+              <a:rPr lang="en-US" smtClean="0">
+                <a:solidFill>
+                  <a:srgbClr val="595959"/>
+                </a:solidFill>
+                <a:latin typeface="Helvetica"/>
+              </a:rPr>
+              <a:t>Genetic Manipulation and Phenotype Submission Form</a:t>
+            </a:r>
+          </a:p>
+        </p:txBody>
+      </p:sp>
+      <p:sp>
+        <p:nvSpPr>
+          <p:cNvPr id="60418" name="Content Placeholder 2"/>
+          <p:cNvSpPr>
+            <a:spLocks noGrp="1"/>
+          </p:cNvSpPr>
+          <p:nvPr>
+            <p:ph sz="quarter" idx="1"/>
+          </p:nvPr>
+        </p:nvSpPr>
+        <p:spPr>
+          <a:xfrm>
+            <a:off x="457200" y="1143000"/>
+            <a:ext cx="7467600" cy="5330825"/>
+          </a:xfrm>
+        </p:spPr>
+        <p:txBody>
+          <a:bodyPr/>
+          <a:lstStyle/>
+          <a:p>
+            <a:r>
+              <a:rPr lang="en-US" dirty="0" smtClean="0">
+                <a:latin typeface="Century Schoolbook" pitchFamily="18" charset="0"/>
+              </a:rPr>
+              <a:t>Genetic Manipulation </a:t>
+            </a:r>
+          </a:p>
+          <a:p>
+            <a:pPr lvl="1"/>
+            <a:r>
+              <a:rPr lang="en-US" dirty="0" smtClean="0">
+                <a:latin typeface="Century Schoolbook" pitchFamily="18" charset="0"/>
+              </a:rPr>
+              <a:t>Mutation method</a:t>
+            </a:r>
+          </a:p>
+          <a:p>
+            <a:pPr lvl="1"/>
+            <a:r>
+              <a:rPr lang="en-US" dirty="0" smtClean="0">
+                <a:latin typeface="Century Schoolbook" pitchFamily="18" charset="0"/>
+              </a:rPr>
+              <a:t>Mutation type (effect on gene function)</a:t>
+            </a:r>
+          </a:p>
+          <a:p>
+            <a:r>
+              <a:rPr lang="en-US" dirty="0" smtClean="0">
+                <a:latin typeface="Century Schoolbook" pitchFamily="18" charset="0"/>
+              </a:rPr>
+              <a:t>Phenotype data – impact of genetic manipulation on four possible observed features:</a:t>
+            </a:r>
+          </a:p>
+          <a:p>
+            <a:pPr lvl="1"/>
+            <a:r>
+              <a:rPr lang="en-US" dirty="0" smtClean="0">
+                <a:latin typeface="Century Schoolbook" pitchFamily="18" charset="0"/>
+              </a:rPr>
+              <a:t>Quality of the organism</a:t>
+            </a:r>
+          </a:p>
+          <a:p>
+            <a:pPr lvl="1"/>
+            <a:r>
+              <a:rPr lang="en-US" dirty="0" smtClean="0">
+                <a:latin typeface="Century Schoolbook" pitchFamily="18" charset="0"/>
+              </a:rPr>
+              <a:t>Cellular location of gene product</a:t>
+            </a:r>
+          </a:p>
+          <a:p>
+            <a:pPr lvl="1"/>
+            <a:r>
+              <a:rPr lang="en-US" dirty="0" smtClean="0">
+                <a:latin typeface="Century Schoolbook" pitchFamily="18" charset="0"/>
+              </a:rPr>
+              <a:t>Molecular function of gene product</a:t>
+            </a:r>
+          </a:p>
+          <a:p>
+            <a:pPr lvl="1"/>
+            <a:r>
+              <a:rPr lang="en-US" dirty="0" smtClean="0">
+                <a:latin typeface="Century Schoolbook" pitchFamily="18" charset="0"/>
+              </a:rPr>
+              <a:t>Biological process of gene product </a:t>
+            </a:r>
+          </a:p>
+          <a:p>
+            <a:r>
+              <a:rPr lang="en-US" dirty="0" smtClean="0">
+                <a:latin typeface="Century Schoolbook" pitchFamily="18" charset="0"/>
+              </a:rPr>
+              <a:t>Lifecycle stage: phenotype observed generally associated with a specific parasite lifecycle stage</a:t>
+            </a:r>
+          </a:p>
+          <a:p>
+            <a:pPr>
+              <a:buNone/>
             </a:pPr>
             <a:r>
-              <a:rPr lang="en-US" dirty="0" smtClean="0"/>
-              <a:t>Ontology-based Representation of Genetic Manipulation with Resulting Phenotype Data</a:t>
-            </a:r>
-            <a:endParaRPr lang="en-US" dirty="0"/>
+              <a:rPr lang="en-US" dirty="0" smtClean="0">
+                <a:latin typeface="Century Schoolbook" pitchFamily="18" charset="0"/>
+              </a:rPr>
+              <a:t>	(</a:t>
+            </a:r>
+            <a:r>
+              <a:rPr lang="en-US" dirty="0" err="1" smtClean="0">
+                <a:latin typeface="Century Schoolbook" pitchFamily="18" charset="0"/>
+              </a:rPr>
+              <a:t>eg</a:t>
+            </a:r>
+            <a:r>
+              <a:rPr lang="en-US" dirty="0" smtClean="0">
+                <a:latin typeface="Century Schoolbook" pitchFamily="18" charset="0"/>
+              </a:rPr>
+              <a:t>. lethal during bloodstream stage)</a:t>
+            </a:r>
+          </a:p>
+          <a:p>
+            <a:endParaRPr lang="en-US" dirty="0" smtClean="0">
+              <a:latin typeface="Century Schoolbook" pitchFamily="18" charset="0"/>
+            </a:endParaRPr>
           </a:p>
         </p:txBody>
       </p:sp>
       <p:sp>
         <p:nvSpPr>
-          <p:cNvPr id="61442" name="Slide Number Placeholder 3"/>
+          <p:cNvPr id="60419" name="Slide Number Placeholder 3"/>
           <p:cNvSpPr>
             <a:spLocks noGrp="1"/>
           </p:cNvSpPr>
@@ -10744,7 +11856,7 @@
                 <a:spcPct val="0"/>
               </a:spcAft>
             </a:pPr>
-            <a:fld id="{35A5F343-43E9-4B52-93AD-8F9CB715FA23}" type="slidenum">
+            <a:fld id="{E30609C8-3460-4A5A-8F4B-77DEB4666211}" type="slidenum">
               <a:rPr lang="en-US">
                 <a:latin typeface="Century Schoolbook" pitchFamily="18" charset="0"/>
                 <a:cs typeface="Arial" pitchFamily="34" charset="0"/>
@@ -10763,197 +11875,6 @@
               <a:latin typeface="Century Schoolbook" pitchFamily="18" charset="0"/>
               <a:cs typeface="Arial" pitchFamily="34" charset="0"/>
             </a:endParaRPr>
-          </a:p>
-        </p:txBody>
-      </p:sp>
-      <p:pic>
-        <p:nvPicPr>
-          <p:cNvPr id="61443" name="Content Placeholder 8" descr="ICBO-phenotype-v2.jpeg"/>
-          <p:cNvPicPr>
-            <a:picLocks noGrp="1" noChangeAspect="1"/>
-          </p:cNvPicPr>
-          <p:nvPr>
-            <p:ph sz="quarter" idx="1"/>
-          </p:nvPr>
-        </p:nvPicPr>
-        <p:blipFill>
-          <a:blip r:embed="rId2"/>
-          <a:srcRect/>
-          <a:stretch>
-            <a:fillRect/>
-          </a:stretch>
-        </p:blipFill>
-        <p:spPr>
-          <a:xfrm>
-            <a:off x="609600" y="1752600"/>
-            <a:ext cx="7620000" cy="3887788"/>
-          </a:xfrm>
-        </p:spPr>
-      </p:pic>
-      <p:sp>
-        <p:nvSpPr>
-          <p:cNvPr id="61444" name="TextBox 4"/>
-          <p:cNvSpPr txBox="1">
-            <a:spLocks noChangeArrowheads="1"/>
-          </p:cNvSpPr>
-          <p:nvPr/>
-        </p:nvSpPr>
-        <p:spPr bwMode="auto">
-          <a:xfrm>
-            <a:off x="533400" y="5867400"/>
-            <a:ext cx="7251700" cy="738188"/>
-          </a:xfrm>
-          <a:prstGeom prst="rect">
-            <a:avLst/>
-          </a:prstGeom>
-          <a:noFill/>
-          <a:ln w="9525">
-            <a:noFill/>
-            <a:miter lim="800000"/>
-            <a:headEnd/>
-            <a:tailEnd/>
-          </a:ln>
-        </p:spPr>
-        <p:txBody>
-          <a:bodyPr wrap="none">
-            <a:spAutoFit/>
-          </a:bodyPr>
-          <a:lstStyle/>
-          <a:p>
-            <a:r>
-              <a:rPr lang="en-US" sz="1400">
-                <a:latin typeface="Century Schoolbook" pitchFamily="18" charset="0"/>
-              </a:rPr>
-              <a:t>The data collected in the submission form are in the bold font. </a:t>
-            </a:r>
-          </a:p>
-          <a:p>
-            <a:r>
-              <a:rPr lang="en-US" sz="1400">
-                <a:latin typeface="Century Schoolbook" pitchFamily="18" charset="0"/>
-              </a:rPr>
-              <a:t>The fields require ontology terms are in thick border box.</a:t>
-            </a:r>
-          </a:p>
-          <a:p>
-            <a:r>
-              <a:rPr lang="en-US" sz="1400">
-                <a:latin typeface="Century Schoolbook" pitchFamily="18" charset="0"/>
-              </a:rPr>
-              <a:t>Ontology for Parasite Lifecycle (OPL) will be used in the annotation of life cycle stage</a:t>
-            </a:r>
-          </a:p>
-        </p:txBody>
-      </p:sp>
-      <p:sp>
-        <p:nvSpPr>
-          <p:cNvPr id="61445" name="TextBox 5"/>
-          <p:cNvSpPr txBox="1">
-            <a:spLocks noChangeArrowheads="1"/>
-          </p:cNvSpPr>
-          <p:nvPr/>
-        </p:nvSpPr>
-        <p:spPr bwMode="auto">
-          <a:xfrm>
-            <a:off x="1143000" y="2344738"/>
-            <a:ext cx="1514475" cy="246062"/>
-          </a:xfrm>
-          <a:prstGeom prst="rect">
-            <a:avLst/>
-          </a:prstGeom>
-          <a:noFill/>
-          <a:ln w="9525">
-            <a:noFill/>
-            <a:miter lim="800000"/>
-            <a:headEnd/>
-            <a:tailEnd/>
-          </a:ln>
-        </p:spPr>
-        <p:txBody>
-          <a:bodyPr wrap="none">
-            <a:spAutoFit/>
-          </a:bodyPr>
-          <a:lstStyle/>
-          <a:p>
-            <a:r>
-              <a:rPr lang="en-US" sz="1000"/>
-              <a:t>Use OPL for annotation</a:t>
-            </a:r>
-          </a:p>
-        </p:txBody>
-      </p:sp>
-      <p:cxnSp>
-        <p:nvCxnSpPr>
-          <p:cNvPr id="8" name="Straight Arrow Connector 7"/>
-          <p:cNvCxnSpPr/>
-          <p:nvPr/>
-        </p:nvCxnSpPr>
-        <p:spPr>
-          <a:xfrm>
-            <a:off x="2590800" y="2460625"/>
-            <a:ext cx="381000" cy="1588"/>
-          </a:xfrm>
-          <a:prstGeom prst="straightConnector1">
-            <a:avLst/>
-          </a:prstGeom>
-          <a:ln>
-            <a:solidFill>
-              <a:schemeClr val="tx1"/>
-            </a:solidFill>
-            <a:tailEnd type="arrow"/>
-          </a:ln>
-        </p:spPr>
-        <p:style>
-          <a:lnRef idx="1">
-            <a:schemeClr val="accent1"/>
-          </a:lnRef>
-          <a:fillRef idx="0">
-            <a:schemeClr val="accent1"/>
-          </a:fillRef>
-          <a:effectRef idx="0">
-            <a:schemeClr val="accent1"/>
-          </a:effectRef>
-          <a:fontRef idx="minor">
-            <a:schemeClr val="tx1"/>
-          </a:fontRef>
-        </p:style>
-      </p:cxnSp>
-      <p:sp>
-        <p:nvSpPr>
-          <p:cNvPr id="9" name="Rectangle 8"/>
-          <p:cNvSpPr/>
-          <p:nvPr/>
-        </p:nvSpPr>
-        <p:spPr>
-          <a:xfrm>
-            <a:off x="1190919" y="2238865"/>
-            <a:ext cx="3505200" cy="457200"/>
-          </a:xfrm>
-          <a:prstGeom prst="rect">
-            <a:avLst/>
-          </a:prstGeom>
-          <a:noFill/>
-        </p:spPr>
-        <p:style>
-          <a:lnRef idx="2">
-            <a:schemeClr val="accent1"/>
-          </a:lnRef>
-          <a:fillRef idx="1">
-            <a:schemeClr val="lt1"/>
-          </a:fillRef>
-          <a:effectRef idx="0">
-            <a:schemeClr val="accent1"/>
-          </a:effectRef>
-          <a:fontRef idx="minor">
-            <a:schemeClr val="dk1"/>
-          </a:fontRef>
-        </p:style>
-        <p:txBody>
-          <a:bodyPr rtlCol="0" anchor="ctr"/>
-          <a:lstStyle/>
-          <a:p>
-            <a:pPr algn="ctr"/>
-            <a:endParaRPr lang="en-US"/>
           </a:p>
         </p:txBody>
       </p:sp>
@@ -11001,26 +11922,93 @@
         </p:nvSpPr>
         <p:spPr/>
         <p:txBody>
+          <a:bodyPr>
+            <a:normAutofit/>
+          </a:bodyPr>
+          <a:lstStyle/>
+          <a:p>
+            <a:r>
+              <a:rPr lang="en-US" dirty="0" smtClean="0"/>
+              <a:t>Parasite Lifecycle Stage</a:t>
+            </a:r>
+            <a:endParaRPr lang="en-US" dirty="0"/>
+          </a:p>
+        </p:txBody>
+      </p:sp>
+      <p:sp>
+        <p:nvSpPr>
+          <p:cNvPr id="3" name="Content Placeholder 2"/>
+          <p:cNvSpPr>
+            <a:spLocks noGrp="1"/>
+          </p:cNvSpPr>
+          <p:nvPr>
+            <p:ph sz="quarter" idx="1"/>
+          </p:nvPr>
+        </p:nvSpPr>
+        <p:spPr/>
+        <p:txBody>
           <a:bodyPr/>
           <a:lstStyle/>
           <a:p>
-            <a:pPr fontAlgn="auto">
-              <a:spcAft>
-                <a:spcPts val="0"/>
-              </a:spcAft>
-              <a:defRPr/>
-            </a:pPr>
-            <a:r>
-              <a:rPr lang="en-US" dirty="0" smtClean="0"/>
-              <a:t>Phenotype Section</a:t>
-            </a:r>
+            <a:r>
+              <a:rPr lang="en-US" sz="1800" dirty="0" smtClean="0"/>
+              <a:t>Complexity</a:t>
+            </a:r>
+            <a:r>
+              <a:rPr lang="en-US" sz="1800" dirty="0" smtClean="0"/>
+              <a:t> – parasites </a:t>
+            </a:r>
+            <a:r>
+              <a:rPr lang="en-US" sz="1800" dirty="0" smtClean="0"/>
+              <a:t>may have multiple hosts and lifecycle stages which differ between</a:t>
+            </a:r>
+            <a:r>
+              <a:rPr lang="en-US" sz="1800" dirty="0" smtClean="0"/>
+              <a:t> parasite species</a:t>
+            </a:r>
+          </a:p>
+          <a:p>
+            <a:r>
+              <a:rPr lang="en-US" sz="1800" dirty="0" smtClean="0"/>
+              <a:t>Example: </a:t>
+            </a:r>
+            <a:r>
+              <a:rPr lang="en-US" sz="1800" i="1" dirty="0" err="1" smtClean="0"/>
+              <a:t>Trypanosoma</a:t>
+            </a:r>
+            <a:r>
+              <a:rPr lang="en-US" sz="1800" i="1" dirty="0" smtClean="0"/>
+              <a:t> </a:t>
+            </a:r>
+            <a:r>
+              <a:rPr lang="en-US" sz="1800" i="1" dirty="0" err="1" smtClean="0"/>
+              <a:t>brucei</a:t>
+            </a:r>
+            <a:r>
+              <a:rPr lang="en-US" sz="1800" i="1" dirty="0" smtClean="0"/>
+              <a:t> </a:t>
+            </a:r>
+            <a:r>
+              <a:rPr lang="en-US" sz="1800" dirty="0" smtClean="0"/>
+              <a:t>(</a:t>
+            </a:r>
+            <a:r>
+              <a:rPr lang="en-US" sz="1800" dirty="0" smtClean="0"/>
+              <a:t>causes </a:t>
+            </a:r>
+            <a:r>
+              <a:rPr lang="en-US" sz="1800" dirty="0" smtClean="0"/>
+              <a:t>African sleeping sickness)</a:t>
+            </a:r>
+          </a:p>
+          <a:p>
             <a:endParaRPr lang="en-US" dirty="0"/>
           </a:p>
         </p:txBody>
       </p:sp>
       <p:sp>
         <p:nvSpPr>
-          <p:cNvPr id="64514" name="Slide Number Placeholder 3"/>
+          <p:cNvPr id="4" name="Slide Number Placeholder 3"/>
           <p:cNvSpPr>
             <a:spLocks noGrp="1"/>
           </p:cNvSpPr>
@@ -11028,746 +12016,253 @@
             <p:ph type="sldNum" sz="quarter" idx="11"/>
           </p:nvPr>
         </p:nvSpPr>
-        <p:spPr bwMode="auto">
-          <a:noFill/>
-          <a:ln>
-            <a:miter lim="800000"/>
-            <a:headEnd/>
-            <a:tailEnd/>
-          </a:ln>
-        </p:spPr>
+        <p:spPr/>
         <p:txBody>
-          <a:bodyPr wrap="square" lIns="91440" tIns="45720" rIns="91440" bIns="45720" numCol="1" anchorCtr="0" compatLnSpc="1">
-            <a:prstTxWarp prst="textNoShape">
-              <a:avLst/>
-            </a:prstTxWarp>
-          </a:bodyPr>
+          <a:bodyPr/>
           <a:lstStyle/>
           <a:p>
-            <a:pPr fontAlgn="base">
-              <a:spcBef>
-                <a:spcPct val="0"/>
-              </a:spcBef>
-              <a:spcAft>
-                <a:spcPct val="0"/>
-              </a:spcAft>
+            <a:pPr>
+              <a:defRPr/>
             </a:pPr>
-            <a:fld id="{C17A5BFB-E16F-43FA-B342-75D31E8833D4}" type="slidenum">
-              <a:rPr lang="en-US">
-                <a:latin typeface="Century Schoolbook" pitchFamily="18" charset="0"/>
-                <a:cs typeface="Arial" pitchFamily="34" charset="0"/>
-              </a:rPr>
-              <a:pPr fontAlgn="base">
-                <a:spcBef>
-                  <a:spcPct val="0"/>
-                </a:spcBef>
-                <a:spcAft>
-                  <a:spcPct val="0"/>
-                </a:spcAft>
+            <a:fld id="{C6587C3C-6210-43A2-897D-BAD9F5F0EE9E}" type="slidenum">
+              <a:rPr lang="en-US" smtClean="0"/>
+              <a:pPr>
+                <a:defRPr/>
               </a:pPr>
               <a:t>18</a:t>
             </a:fld>
-            <a:endParaRPr lang="en-US">
-              <a:latin typeface="Century Schoolbook" pitchFamily="18" charset="0"/>
-              <a:cs typeface="Arial" pitchFamily="34" charset="0"/>
-            </a:endParaRPr>
+            <a:endParaRPr lang="en-US"/>
           </a:p>
         </p:txBody>
       </p:sp>
-      <p:pic>
-        <p:nvPicPr>
-          <p:cNvPr id="64515" name="Picture 2"/>
-          <p:cNvPicPr>
-            <a:picLocks noChangeAspect="1" noChangeArrowheads="1"/>
-          </p:cNvPicPr>
+      <p:grpSp>
+        <p:nvGrpSpPr>
+          <p:cNvPr id="19" name="Group 18"/>
+          <p:cNvGrpSpPr/>
           <p:nvPr/>
-        </p:nvPicPr>
-        <p:blipFill>
-          <a:blip r:embed="rId3"/>
-          <a:srcRect/>
-          <a:stretch>
-            <a:fillRect/>
-          </a:stretch>
-        </p:blipFill>
-        <p:spPr bwMode="auto">
+        </p:nvGrpSpPr>
+        <p:grpSpPr>
           <a:xfrm>
-            <a:off x="762000" y="1219200"/>
-            <a:ext cx="4667250" cy="5105400"/>
+            <a:off x="1066800" y="2333625"/>
+            <a:ext cx="5715000" cy="4143375"/>
+            <a:chOff x="1066800" y="2181225"/>
+            <a:chExt cx="5715000" cy="4143375"/>
           </a:xfrm>
-          <a:prstGeom prst="rect">
-            <a:avLst/>
-          </a:prstGeom>
-          <a:noFill/>
-          <a:ln w="9525">
+        </p:grpSpPr>
+        <p:pic>
+          <p:nvPicPr>
+            <p:cNvPr id="147460" name="Picture 4"/>
+            <p:cNvPicPr>
+              <a:picLocks noChangeAspect="1" noChangeArrowheads="1"/>
+            </p:cNvPicPr>
+            <p:nvPr/>
+          </p:nvPicPr>
+          <p:blipFill>
+            <a:blip r:embed="rId3"/>
+            <a:srcRect/>
+            <a:stretch>
+              <a:fillRect/>
+            </a:stretch>
+          </p:blipFill>
+          <p:spPr bwMode="auto">
+            <a:xfrm>
+              <a:off x="1076325" y="2181225"/>
+              <a:ext cx="5705475" cy="4143375"/>
+            </a:xfrm>
+            <a:prstGeom prst="rect">
+              <a:avLst/>
+            </a:prstGeom>
             <a:noFill/>
-            <a:miter lim="800000"/>
-            <a:headEnd/>
-            <a:tailEnd/>
-          </a:ln>
-        </p:spPr>
-      </p:pic>
-      <p:sp>
-        <p:nvSpPr>
-          <p:cNvPr id="6" name="Rectangle 5"/>
-          <p:cNvSpPr/>
-          <p:nvPr/>
-        </p:nvSpPr>
-        <p:spPr>
-          <a:xfrm>
-            <a:off x="762000" y="2209800"/>
-            <a:ext cx="4648200" cy="1447800"/>
-          </a:xfrm>
-          <a:prstGeom prst="rect">
-            <a:avLst/>
-          </a:prstGeom>
-          <a:noFill/>
-          <a:ln w="3175">
-            <a:solidFill>
+            <a:ln w="9525">
+              <a:noFill/>
+              <a:miter lim="800000"/>
+              <a:headEnd/>
+              <a:tailEnd/>
+            </a:ln>
+            <a:effectLst/>
+          </p:spPr>
+        </p:pic>
+        <p:cxnSp>
+          <p:nvCxnSpPr>
+            <p:cNvPr id="9" name="Straight Connector 8"/>
+            <p:cNvCxnSpPr/>
+            <p:nvPr/>
+          </p:nvCxnSpPr>
+          <p:spPr>
+            <a:xfrm>
+              <a:off x="1219200" y="2514600"/>
+              <a:ext cx="609600" cy="1588"/>
+            </a:xfrm>
+            <a:prstGeom prst="line">
+              <a:avLst/>
+            </a:prstGeom>
+            <a:ln>
+              <a:solidFill>
+                <a:srgbClr val="C00000"/>
+              </a:solidFill>
+            </a:ln>
+          </p:spPr>
+          <p:style>
+            <a:lnRef idx="1">
               <a:schemeClr val="accent1"/>
-            </a:solidFill>
-          </a:ln>
-        </p:spPr>
-        <p:style>
-          <a:lnRef idx="2">
-            <a:schemeClr val="accent1">
-              <a:shade val="50000"/>
-            </a:schemeClr>
-          </a:lnRef>
-          <a:fillRef idx="1">
-            <a:schemeClr val="accent1"/>
-          </a:fillRef>
-          <a:effectRef idx="0">
-            <a:schemeClr val="accent1"/>
-          </a:effectRef>
-          <a:fontRef idx="minor">
-            <a:schemeClr val="lt1"/>
-          </a:fontRef>
-        </p:style>
-        <p:txBody>
-          <a:bodyPr anchor="ctr"/>
-          <a:lstStyle/>
-          <a:p>
-            <a:pPr algn="ctr" fontAlgn="auto">
-              <a:spcBef>
-                <a:spcPts val="0"/>
-              </a:spcBef>
-              <a:spcAft>
-                <a:spcPts val="0"/>
-              </a:spcAft>
-              <a:defRPr/>
-            </a:pPr>
-            <a:endParaRPr lang="en-US"/>
-          </a:p>
-        </p:txBody>
-      </p:sp>
-      <p:sp>
-        <p:nvSpPr>
-          <p:cNvPr id="7" name="Rectangle 6"/>
-          <p:cNvSpPr/>
-          <p:nvPr/>
-        </p:nvSpPr>
-        <p:spPr>
-          <a:xfrm>
-            <a:off x="762000" y="3733800"/>
-            <a:ext cx="4648200" cy="2590800"/>
-          </a:xfrm>
-          <a:prstGeom prst="rect">
-            <a:avLst/>
-          </a:prstGeom>
-          <a:noFill/>
-          <a:ln w="3175">
-            <a:solidFill>
+            </a:lnRef>
+            <a:fillRef idx="0">
               <a:schemeClr val="accent1"/>
-            </a:solidFill>
-          </a:ln>
-        </p:spPr>
-        <p:style>
-          <a:lnRef idx="2">
-            <a:schemeClr val="accent1">
-              <a:shade val="50000"/>
-            </a:schemeClr>
-          </a:lnRef>
-          <a:fillRef idx="1">
-            <a:schemeClr val="accent1"/>
-          </a:fillRef>
-          <a:effectRef idx="0">
-            <a:schemeClr val="accent1"/>
-          </a:effectRef>
-          <a:fontRef idx="minor">
-            <a:schemeClr val="lt1"/>
-          </a:fontRef>
-        </p:style>
-        <p:txBody>
-          <a:bodyPr anchor="ctr"/>
-          <a:lstStyle/>
-          <a:p>
-            <a:pPr algn="ctr" fontAlgn="auto">
-              <a:spcBef>
-                <a:spcPts val="0"/>
-              </a:spcBef>
-              <a:spcAft>
-                <a:spcPts val="0"/>
-              </a:spcAft>
-              <a:defRPr/>
-            </a:pPr>
-            <a:endParaRPr lang="en-US"/>
-          </a:p>
-        </p:txBody>
-      </p:sp>
-      <p:sp>
-        <p:nvSpPr>
-          <p:cNvPr id="64518" name="TextBox 7"/>
-          <p:cNvSpPr txBox="1">
-            <a:spLocks noChangeArrowheads="1"/>
-          </p:cNvSpPr>
-          <p:nvPr/>
-        </p:nvSpPr>
-        <p:spPr bwMode="auto">
-          <a:xfrm>
-            <a:off x="5562600" y="2133600"/>
-            <a:ext cx="1158875" cy="244475"/>
-          </a:xfrm>
-          <a:prstGeom prst="rect">
-            <a:avLst/>
-          </a:prstGeom>
-          <a:noFill/>
-          <a:ln w="9525">
-            <a:noFill/>
-            <a:miter lim="800000"/>
-            <a:headEnd/>
-            <a:tailEnd/>
-          </a:ln>
-        </p:spPr>
-        <p:txBody>
-          <a:bodyPr wrap="none">
-            <a:spAutoFit/>
-          </a:bodyPr>
-          <a:lstStyle/>
-          <a:p>
-            <a:r>
-              <a:rPr lang="en-US" sz="1000">
-                <a:latin typeface="Century Schoolbook" pitchFamily="18" charset="0"/>
-              </a:rPr>
-              <a:t>Cellular location</a:t>
-            </a:r>
-          </a:p>
-        </p:txBody>
-      </p:sp>
-      <p:cxnSp>
-        <p:nvCxnSpPr>
-          <p:cNvPr id="12" name="Straight Arrow Connector 11"/>
-          <p:cNvCxnSpPr/>
-          <p:nvPr/>
-        </p:nvCxnSpPr>
-        <p:spPr>
-          <a:xfrm rot="10800000">
-            <a:off x="5410200" y="2284413"/>
-            <a:ext cx="228600" cy="1587"/>
-          </a:xfrm>
-          <a:prstGeom prst="straightConnector1">
-            <a:avLst/>
-          </a:prstGeom>
-          <a:ln>
-            <a:solidFill>
+            </a:fillRef>
+            <a:effectRef idx="0">
+              <a:schemeClr val="accent1"/>
+            </a:effectRef>
+            <a:fontRef idx="minor">
               <a:schemeClr val="tx1"/>
-            </a:solidFill>
-            <a:tailEnd type="arrow"/>
-          </a:ln>
-        </p:spPr>
-        <p:style>
-          <a:lnRef idx="1">
-            <a:schemeClr val="accent1"/>
-          </a:lnRef>
-          <a:fillRef idx="0">
-            <a:schemeClr val="accent1"/>
-          </a:fillRef>
-          <a:effectRef idx="0">
-            <a:schemeClr val="accent1"/>
-          </a:effectRef>
-          <a:fontRef idx="minor">
-            <a:schemeClr val="tx1"/>
-          </a:fontRef>
-        </p:style>
-      </p:cxnSp>
-      <p:cxnSp>
-        <p:nvCxnSpPr>
-          <p:cNvPr id="13" name="Straight Arrow Connector 12"/>
-          <p:cNvCxnSpPr/>
-          <p:nvPr/>
-        </p:nvCxnSpPr>
-        <p:spPr>
-          <a:xfrm rot="10800000">
-            <a:off x="5410200" y="3810000"/>
-            <a:ext cx="228600" cy="1588"/>
-          </a:xfrm>
-          <a:prstGeom prst="straightConnector1">
-            <a:avLst/>
-          </a:prstGeom>
-          <a:ln>
-            <a:solidFill>
+            </a:fontRef>
+          </p:style>
+        </p:cxnSp>
+        <p:cxnSp>
+          <p:nvCxnSpPr>
+            <p:cNvPr id="11" name="Straight Connector 10"/>
+            <p:cNvCxnSpPr/>
+            <p:nvPr/>
+          </p:nvCxnSpPr>
+          <p:spPr>
+            <a:xfrm flipV="1">
+              <a:off x="1066800" y="4209854"/>
+              <a:ext cx="1066799" cy="1"/>
+            </a:xfrm>
+            <a:prstGeom prst="line">
+              <a:avLst/>
+            </a:prstGeom>
+            <a:ln>
+              <a:solidFill>
+                <a:srgbClr val="C00000"/>
+              </a:solidFill>
+            </a:ln>
+          </p:spPr>
+          <p:style>
+            <a:lnRef idx="1">
+              <a:schemeClr val="accent1"/>
+            </a:lnRef>
+            <a:fillRef idx="0">
+              <a:schemeClr val="accent1"/>
+            </a:fillRef>
+            <a:effectRef idx="0">
+              <a:schemeClr val="accent1"/>
+            </a:effectRef>
+            <a:fontRef idx="minor">
               <a:schemeClr val="tx1"/>
-            </a:solidFill>
-            <a:tailEnd type="arrow"/>
-          </a:ln>
-        </p:spPr>
-        <p:style>
-          <a:lnRef idx="1">
-            <a:schemeClr val="accent1"/>
-          </a:lnRef>
-          <a:fillRef idx="0">
-            <a:schemeClr val="accent1"/>
-          </a:fillRef>
-          <a:effectRef idx="0">
-            <a:schemeClr val="accent1"/>
-          </a:effectRef>
-          <a:fontRef idx="minor">
-            <a:schemeClr val="tx1"/>
-          </a:fontRef>
-        </p:style>
-      </p:cxnSp>
-      <p:sp>
-        <p:nvSpPr>
-          <p:cNvPr id="64521" name="TextBox 13"/>
-          <p:cNvSpPr txBox="1">
-            <a:spLocks noChangeArrowheads="1"/>
-          </p:cNvSpPr>
-          <p:nvPr/>
-        </p:nvSpPr>
-        <p:spPr bwMode="auto">
-          <a:xfrm>
-            <a:off x="5562600" y="3657600"/>
-            <a:ext cx="1223963" cy="244475"/>
-          </a:xfrm>
-          <a:prstGeom prst="rect">
-            <a:avLst/>
-          </a:prstGeom>
-          <a:noFill/>
-          <a:ln w="9525">
-            <a:noFill/>
-            <a:miter lim="800000"/>
-            <a:headEnd/>
-            <a:tailEnd/>
-          </a:ln>
-        </p:spPr>
-        <p:txBody>
-          <a:bodyPr wrap="none">
-            <a:spAutoFit/>
-          </a:bodyPr>
-          <a:lstStyle/>
-          <a:p>
-            <a:r>
-              <a:rPr lang="en-US" sz="1000">
-                <a:latin typeface="Century Schoolbook" pitchFamily="18" charset="0"/>
-              </a:rPr>
-              <a:t>Biological process</a:t>
-            </a:r>
-          </a:p>
-        </p:txBody>
-      </p:sp>
-      <p:sp>
-        <p:nvSpPr>
-          <p:cNvPr id="64522" name="TextBox 14"/>
-          <p:cNvSpPr txBox="1">
-            <a:spLocks noChangeArrowheads="1"/>
-          </p:cNvSpPr>
-          <p:nvPr/>
-        </p:nvSpPr>
-        <p:spPr bwMode="auto">
-          <a:xfrm>
-            <a:off x="5410200" y="4724400"/>
-            <a:ext cx="184150" cy="274638"/>
-          </a:xfrm>
-          <a:prstGeom prst="rect">
-            <a:avLst/>
-          </a:prstGeom>
-          <a:noFill/>
-          <a:ln w="9525">
-            <a:noFill/>
-            <a:miter lim="800000"/>
-            <a:headEnd/>
-            <a:tailEnd/>
-          </a:ln>
-        </p:spPr>
-        <p:txBody>
-          <a:bodyPr wrap="none">
-            <a:spAutoFit/>
-          </a:bodyPr>
-          <a:lstStyle/>
-          <a:p>
-            <a:endParaRPr lang="en-US" sz="1200">
-              <a:latin typeface="Century Schoolbook" pitchFamily="18" charset="0"/>
-            </a:endParaRPr>
-          </a:p>
-        </p:txBody>
-      </p:sp>
-      <p:sp>
-        <p:nvSpPr>
-          <p:cNvPr id="64523" name="Text Box 1035"/>
-          <p:cNvSpPr txBox="1">
-            <a:spLocks noChangeArrowheads="1"/>
-          </p:cNvSpPr>
-          <p:nvPr/>
-        </p:nvSpPr>
-        <p:spPr bwMode="auto">
-          <a:xfrm>
-            <a:off x="7385050" y="2093913"/>
-            <a:ext cx="539750" cy="366712"/>
-          </a:xfrm>
-          <a:prstGeom prst="rect">
-            <a:avLst/>
-          </a:prstGeom>
-          <a:noFill/>
-          <a:ln w="9525">
-            <a:noFill/>
-            <a:miter lim="800000"/>
-            <a:headEnd/>
-            <a:tailEnd/>
-          </a:ln>
-          <a:effectLst/>
-        </p:spPr>
-        <p:txBody>
-          <a:bodyPr wrap="none">
-            <a:spAutoFit/>
-          </a:bodyPr>
-          <a:lstStyle/>
-          <a:p>
-            <a:r>
-              <a:rPr lang="en-US" b="1">
-                <a:solidFill>
-                  <a:schemeClr val="accent1"/>
-                </a:solidFill>
-              </a:rPr>
-              <a:t>GO</a:t>
-            </a:r>
-          </a:p>
-        </p:txBody>
-      </p:sp>
-      <p:sp>
-        <p:nvSpPr>
-          <p:cNvPr id="64524" name="Text Box 1036"/>
-          <p:cNvSpPr txBox="1">
-            <a:spLocks noChangeArrowheads="1"/>
-          </p:cNvSpPr>
-          <p:nvPr/>
-        </p:nvSpPr>
-        <p:spPr bwMode="auto">
-          <a:xfrm>
-            <a:off x="7391400" y="2322513"/>
-            <a:ext cx="590550" cy="366712"/>
-          </a:xfrm>
-          <a:prstGeom prst="rect">
-            <a:avLst/>
-          </a:prstGeom>
-          <a:noFill/>
-          <a:ln w="9525">
-            <a:noFill/>
-            <a:miter lim="800000"/>
-            <a:headEnd/>
-            <a:tailEnd/>
-          </a:ln>
-          <a:effectLst/>
-        </p:spPr>
-        <p:txBody>
-          <a:bodyPr wrap="none">
-            <a:spAutoFit/>
-          </a:bodyPr>
-          <a:lstStyle/>
-          <a:p>
-            <a:r>
-              <a:rPr lang="en-US" b="1">
-                <a:solidFill>
-                  <a:schemeClr val="accent1"/>
-                </a:solidFill>
-              </a:rPr>
-              <a:t>OBI</a:t>
-            </a:r>
-          </a:p>
-        </p:txBody>
-      </p:sp>
-      <p:sp>
-        <p:nvSpPr>
-          <p:cNvPr id="64525" name="Text Box 1037"/>
-          <p:cNvSpPr txBox="1">
-            <a:spLocks noChangeArrowheads="1"/>
-          </p:cNvSpPr>
-          <p:nvPr/>
-        </p:nvSpPr>
-        <p:spPr bwMode="auto">
-          <a:xfrm>
-            <a:off x="6975475" y="2651125"/>
-            <a:ext cx="1558925" cy="581025"/>
-          </a:xfrm>
-          <a:prstGeom prst="rect">
-            <a:avLst/>
-          </a:prstGeom>
-          <a:noFill/>
-          <a:ln w="9525">
-            <a:noFill/>
-            <a:miter lim="800000"/>
-            <a:headEnd/>
-            <a:tailEnd/>
-          </a:ln>
-          <a:effectLst/>
-        </p:spPr>
-        <p:txBody>
-          <a:bodyPr wrap="none">
-            <a:spAutoFit/>
-          </a:bodyPr>
-          <a:lstStyle/>
-          <a:p>
-            <a:r>
-              <a:rPr lang="en-US" sz="1600"/>
-              <a:t>Will link to</a:t>
-            </a:r>
-          </a:p>
-          <a:p>
-            <a:r>
-              <a:rPr lang="en-US" sz="1600"/>
-              <a:t>Evidence Code</a:t>
-            </a:r>
-          </a:p>
-        </p:txBody>
-      </p:sp>
-      <p:sp>
-        <p:nvSpPr>
-          <p:cNvPr id="64526" name="Text Box 1038"/>
-          <p:cNvSpPr txBox="1">
-            <a:spLocks noChangeArrowheads="1"/>
-          </p:cNvSpPr>
-          <p:nvPr/>
-        </p:nvSpPr>
-        <p:spPr bwMode="auto">
-          <a:xfrm>
-            <a:off x="4114800" y="1843088"/>
-            <a:ext cx="3968750" cy="366712"/>
-          </a:xfrm>
-          <a:prstGeom prst="rect">
-            <a:avLst/>
-          </a:prstGeom>
-          <a:noFill/>
-          <a:ln w="9525">
-            <a:noFill/>
-            <a:miter lim="800000"/>
-            <a:headEnd/>
-            <a:tailEnd/>
-          </a:ln>
-          <a:effectLst/>
-        </p:spPr>
-        <p:txBody>
-          <a:bodyPr wrap="none">
-            <a:spAutoFit/>
-          </a:bodyPr>
-          <a:lstStyle/>
-          <a:p>
-            <a:r>
-              <a:rPr lang="en-US">
-                <a:solidFill>
-                  <a:schemeClr val="accent1"/>
-                </a:solidFill>
-              </a:rPr>
-              <a:t>Ontology for Parasite Lifecycle (</a:t>
-            </a:r>
-            <a:r>
-              <a:rPr lang="en-US" b="1">
-                <a:solidFill>
-                  <a:schemeClr val="accent1"/>
-                </a:solidFill>
-              </a:rPr>
-              <a:t>OPL</a:t>
-            </a:r>
-            <a:r>
-              <a:rPr lang="en-US">
-                <a:solidFill>
-                  <a:schemeClr val="accent1"/>
-                </a:solidFill>
-              </a:rPr>
-              <a:t>)</a:t>
-            </a:r>
-          </a:p>
-        </p:txBody>
-      </p:sp>
-      <p:sp>
-        <p:nvSpPr>
-          <p:cNvPr id="64527" name="Text Box 1039"/>
-          <p:cNvSpPr txBox="1">
-            <a:spLocks noChangeArrowheads="1"/>
-          </p:cNvSpPr>
-          <p:nvPr/>
-        </p:nvSpPr>
-        <p:spPr bwMode="auto">
-          <a:xfrm>
-            <a:off x="7467600" y="3671888"/>
-            <a:ext cx="539750" cy="366712"/>
-          </a:xfrm>
-          <a:prstGeom prst="rect">
-            <a:avLst/>
-          </a:prstGeom>
-          <a:noFill/>
-          <a:ln w="9525">
-            <a:noFill/>
-            <a:miter lim="800000"/>
-            <a:headEnd/>
-            <a:tailEnd/>
-          </a:ln>
-          <a:effectLst/>
-        </p:spPr>
-        <p:txBody>
-          <a:bodyPr wrap="none">
-            <a:spAutoFit/>
-          </a:bodyPr>
-          <a:lstStyle/>
-          <a:p>
-            <a:r>
-              <a:rPr lang="en-US" b="1">
-                <a:solidFill>
-                  <a:schemeClr val="accent1"/>
-                </a:solidFill>
-              </a:rPr>
-              <a:t>GO</a:t>
-            </a:r>
-          </a:p>
-        </p:txBody>
-      </p:sp>
-      <p:sp>
-        <p:nvSpPr>
-          <p:cNvPr id="64528" name="Text Box 1040"/>
-          <p:cNvSpPr txBox="1">
-            <a:spLocks noChangeArrowheads="1"/>
-          </p:cNvSpPr>
-          <p:nvPr/>
-        </p:nvSpPr>
-        <p:spPr bwMode="auto">
-          <a:xfrm>
-            <a:off x="7467600" y="3900488"/>
-            <a:ext cx="819150" cy="366712"/>
-          </a:xfrm>
-          <a:prstGeom prst="rect">
-            <a:avLst/>
-          </a:prstGeom>
-          <a:noFill/>
-          <a:ln w="9525">
-            <a:noFill/>
-            <a:miter lim="800000"/>
-            <a:headEnd/>
-            <a:tailEnd/>
-          </a:ln>
-          <a:effectLst/>
-        </p:spPr>
-        <p:txBody>
-          <a:bodyPr wrap="none">
-            <a:spAutoFit/>
-          </a:bodyPr>
-          <a:lstStyle/>
-          <a:p>
-            <a:r>
-              <a:rPr lang="en-US" b="1">
-                <a:solidFill>
-                  <a:schemeClr val="accent1"/>
-                </a:solidFill>
-              </a:rPr>
-              <a:t>PATO</a:t>
-            </a:r>
-          </a:p>
-        </p:txBody>
-      </p:sp>
-      <p:sp>
-        <p:nvSpPr>
-          <p:cNvPr id="64529" name="Text Box 1041"/>
-          <p:cNvSpPr txBox="1">
-            <a:spLocks noChangeArrowheads="1"/>
-          </p:cNvSpPr>
-          <p:nvPr/>
-        </p:nvSpPr>
-        <p:spPr bwMode="auto">
-          <a:xfrm>
-            <a:off x="7486650" y="4738688"/>
-            <a:ext cx="590550" cy="366712"/>
-          </a:xfrm>
-          <a:prstGeom prst="rect">
-            <a:avLst/>
-          </a:prstGeom>
-          <a:noFill/>
-          <a:ln w="9525">
-            <a:noFill/>
-            <a:miter lim="800000"/>
-            <a:headEnd/>
-            <a:tailEnd/>
-          </a:ln>
-          <a:effectLst/>
-        </p:spPr>
-        <p:txBody>
-          <a:bodyPr wrap="none">
-            <a:spAutoFit/>
-          </a:bodyPr>
-          <a:lstStyle/>
-          <a:p>
-            <a:r>
-              <a:rPr lang="en-US" b="1">
-                <a:solidFill>
-                  <a:schemeClr val="accent1"/>
-                </a:solidFill>
-              </a:rPr>
-              <a:t>OBI</a:t>
-            </a:r>
-          </a:p>
-        </p:txBody>
-      </p:sp>
-      <p:sp>
-        <p:nvSpPr>
-          <p:cNvPr id="19" name="Rectangle 18"/>
-          <p:cNvSpPr/>
-          <p:nvPr/>
-        </p:nvSpPr>
-        <p:spPr>
-          <a:xfrm>
-            <a:off x="752573" y="1952919"/>
-            <a:ext cx="2438400" cy="132762"/>
-          </a:xfrm>
-          <a:prstGeom prst="rect">
-            <a:avLst/>
-          </a:prstGeom>
-          <a:noFill/>
-          <a:ln>
-            <a:solidFill>
-              <a:srgbClr val="C00000"/>
-            </a:solidFill>
-          </a:ln>
-        </p:spPr>
-        <p:style>
-          <a:lnRef idx="2">
-            <a:schemeClr val="accent1"/>
-          </a:lnRef>
-          <a:fillRef idx="1">
-            <a:schemeClr val="lt1"/>
-          </a:fillRef>
-          <a:effectRef idx="0">
-            <a:schemeClr val="accent1"/>
-          </a:effectRef>
-          <a:fontRef idx="minor">
-            <a:schemeClr val="dk1"/>
-          </a:fontRef>
-        </p:style>
-        <p:txBody>
-          <a:bodyPr rtlCol="0" anchor="ctr"/>
-          <a:lstStyle/>
-          <a:p>
-            <a:pPr algn="ctr"/>
-            <a:endParaRPr lang="en-US"/>
-          </a:p>
-        </p:txBody>
-      </p:sp>
+            </a:fontRef>
+          </p:style>
+        </p:cxnSp>
+        <p:cxnSp>
+          <p:nvCxnSpPr>
+            <p:cNvPr id="14" name="Straight Connector 13"/>
+            <p:cNvCxnSpPr/>
+            <p:nvPr/>
+          </p:nvCxnSpPr>
+          <p:spPr>
+            <a:xfrm>
+              <a:off x="1066800" y="5429838"/>
+              <a:ext cx="1295400" cy="1588"/>
+            </a:xfrm>
+            <a:prstGeom prst="line">
+              <a:avLst/>
+            </a:prstGeom>
+            <a:ln>
+              <a:solidFill>
+                <a:srgbClr val="C00000"/>
+              </a:solidFill>
+            </a:ln>
+          </p:spPr>
+          <p:style>
+            <a:lnRef idx="1">
+              <a:schemeClr val="accent1"/>
+            </a:lnRef>
+            <a:fillRef idx="0">
+              <a:schemeClr val="accent1"/>
+            </a:fillRef>
+            <a:effectRef idx="0">
+              <a:schemeClr val="accent1"/>
+            </a:effectRef>
+            <a:fontRef idx="minor">
+              <a:schemeClr val="tx1"/>
+            </a:fontRef>
+          </p:style>
+        </p:cxnSp>
+        <p:cxnSp>
+          <p:nvCxnSpPr>
+            <p:cNvPr id="16" name="Straight Connector 15"/>
+            <p:cNvCxnSpPr/>
+            <p:nvPr/>
+          </p:nvCxnSpPr>
+          <p:spPr>
+            <a:xfrm>
+              <a:off x="5791200" y="2648146"/>
+              <a:ext cx="457200" cy="1588"/>
+            </a:xfrm>
+            <a:prstGeom prst="line">
+              <a:avLst/>
+            </a:prstGeom>
+            <a:ln>
+              <a:solidFill>
+                <a:srgbClr val="C00000"/>
+              </a:solidFill>
+            </a:ln>
+          </p:spPr>
+          <p:style>
+            <a:lnRef idx="1">
+              <a:schemeClr val="accent1"/>
+            </a:lnRef>
+            <a:fillRef idx="0">
+              <a:schemeClr val="accent1"/>
+            </a:fillRef>
+            <a:effectRef idx="0">
+              <a:schemeClr val="accent1"/>
+            </a:effectRef>
+            <a:fontRef idx="minor">
+              <a:schemeClr val="tx1"/>
+            </a:fontRef>
+          </p:style>
+        </p:cxnSp>
+        <p:cxnSp>
+          <p:nvCxnSpPr>
+            <p:cNvPr id="18" name="Straight Connector 17"/>
+            <p:cNvCxnSpPr/>
+            <p:nvPr/>
+          </p:nvCxnSpPr>
+          <p:spPr>
+            <a:xfrm>
+              <a:off x="5429054" y="2762054"/>
+              <a:ext cx="685800" cy="1588"/>
+            </a:xfrm>
+            <a:prstGeom prst="line">
+              <a:avLst/>
+            </a:prstGeom>
+            <a:ln>
+              <a:solidFill>
+                <a:srgbClr val="C00000"/>
+              </a:solidFill>
+            </a:ln>
+          </p:spPr>
+          <p:style>
+            <a:lnRef idx="1">
+              <a:schemeClr val="accent1"/>
+            </a:lnRef>
+            <a:fillRef idx="0">
+              <a:schemeClr val="accent1"/>
+            </a:fillRef>
+            <a:effectRef idx="0">
+              <a:schemeClr val="accent1"/>
+            </a:effectRef>
+            <a:fontRef idx="minor">
+              <a:schemeClr val="tx1"/>
+            </a:fontRef>
+          </p:style>
+        </p:cxnSp>
+      </p:grpSp>
     </p:spTree>
   </p:cSld>
   <p:clrMapOvr>
     <a:masterClrMapping/>
   </p:clrMapOvr>
-  <p:timing>
-    <p:tnLst>
-      <p:par>
-        <p:cTn id="1" dur="indefinite" restart="never" nodeType="tmRoot"/>
-      </p:par>
-    </p:tnLst>
-  </p:timing>
 </p:sld>
 </file>
 
@@ -11801,37 +12296,69 @@
         <p:spPr/>
         <p:txBody>
           <a:bodyPr>
-            <a:normAutofit/>
+            <a:normAutofit fontScale="90000"/>
           </a:bodyPr>
           <a:lstStyle/>
           <a:p>
             <a:r>
-              <a:rPr lang="en-US" sz="2000" dirty="0" smtClean="0"/>
+              <a:rPr lang="en-US" sz="2400" dirty="0" smtClean="0"/>
               <a:t>OPL: </a:t>
             </a:r>
             <a:r>
-              <a:rPr lang="en-US" sz="2000" dirty="0" err="1" smtClean="0"/>
+              <a:rPr lang="en-US" sz="2000" b="0" dirty="0" err="1" smtClean="0"/>
               <a:t>Priti</a:t>
             </a:r>
             <a:r>
-              <a:rPr lang="en-US" sz="2000" dirty="0" smtClean="0"/>
-              <a:t> Parikh,</a:t>
-            </a:r>
-            <a:r>
-              <a:rPr lang="en-US" sz="2000" dirty="0" smtClean="0"/>
+              <a:rPr lang="en-US" sz="2000" b="0" dirty="0" smtClean="0"/>
+              <a:t> Parikh, </a:t>
+            </a:r>
+            <a:r>
+              <a:rPr lang="en-US" sz="2000" b="0" dirty="0" err="1" smtClean="0"/>
+              <a:t>Jie</a:t>
+            </a:r>
+            <a:r>
+              <a:rPr lang="en-US" sz="2000" b="0" dirty="0" smtClean="0"/>
               <a:t> </a:t>
             </a:r>
             <a:r>
+              <a:rPr lang="en-US" sz="2000" b="0" dirty="0" err="1" smtClean="0"/>
+              <a:t>Zheng</a:t>
+            </a:r>
+            <a:r>
               <a:rPr lang="en-US" sz="2000" b="0" dirty="0" smtClean="0"/>
-              <a:t>Flora Logan, </a:t>
+              <a:t>, Flora Logan-</a:t>
             </a:r>
             <a:r>
               <a:rPr lang="en-US" sz="2000" b="0" dirty="0" err="1" smtClean="0"/>
-              <a:t>Kitsos</a:t>
+              <a:t>Klumper</a:t>
             </a:r>
             <a:r>
               <a:rPr lang="en-US" sz="2000" b="0" dirty="0" smtClean="0"/>
-              <a:t> Louis, </a:t>
+              <a:t>, Christos Louis, Christian </a:t>
+            </a:r>
+            <a:r>
+              <a:rPr lang="en-US" sz="2000" b="0" dirty="0" err="1" smtClean="0"/>
+              <a:t>Stoeckert</a:t>
+            </a:r>
+            <a:r>
+              <a:rPr lang="en-US" sz="2000" b="0" dirty="0" smtClean="0"/>
+              <a:t>, </a:t>
+            </a:r>
+            <a:r>
+              <a:rPr lang="en-US" sz="2000" b="0" dirty="0" err="1" smtClean="0"/>
+              <a:t>Amit</a:t>
+            </a:r>
+            <a:r>
+              <a:rPr lang="en-US" sz="2000" b="0" dirty="0" smtClean="0"/>
+              <a:t> </a:t>
+            </a:r>
+            <a:r>
+              <a:rPr lang="en-US" sz="2000" b="0" dirty="0" err="1" smtClean="0"/>
+              <a:t>Sheth</a:t>
+            </a:r>
+            <a:r>
+              <a:rPr lang="en-US" sz="2000" b="0" dirty="0" smtClean="0"/>
+              <a:t>, and </a:t>
             </a:r>
             <a:r>
               <a:rPr lang="en-US" sz="2000" b="0" dirty="0" err="1" smtClean="0"/>
@@ -11839,63 +12366,11 @@
             </a:r>
             <a:r>
               <a:rPr lang="en-US" sz="2000" b="0" dirty="0" smtClean="0"/>
-              <a:t> </a:t>
+              <a:t> S. </a:t>
             </a:r>
             <a:r>
               <a:rPr lang="en-US" sz="2000" b="0" dirty="0" err="1" smtClean="0"/>
               <a:t>Sahoo</a:t>
-            </a:r>
-            <a:r>
-              <a:rPr lang="en-US" sz="2000" b="0" dirty="0" smtClean="0"/>
-              <a:t>, Chris Stoeckert, </a:t>
-            </a:r>
-            <a:r>
-              <a:rPr lang="en-US" sz="2000" b="0" dirty="0" err="1" smtClean="0"/>
-              <a:t>Pantelis</a:t>
-            </a:r>
-            <a:r>
-              <a:rPr lang="en-US" sz="2000" b="0" dirty="0" smtClean="0"/>
-              <a:t> </a:t>
-            </a:r>
-            <a:r>
-              <a:rPr lang="en-US" sz="2000" b="0" dirty="0" err="1" smtClean="0"/>
-              <a:t>Topalis</a:t>
-            </a:r>
-            <a:r>
-              <a:rPr lang="en-US" sz="2000" b="0" dirty="0" smtClean="0"/>
-              <a:t>, </a:t>
-            </a:r>
-            <a:r>
-              <a:rPr lang="en-US" sz="2000" b="0" dirty="0" err="1" smtClean="0"/>
-              <a:t>Jie</a:t>
-            </a:r>
-            <a:r>
-              <a:rPr lang="en-US" sz="2000" b="0" dirty="0" smtClean="0"/>
-              <a:t> </a:t>
-            </a:r>
-            <a:r>
-              <a:rPr lang="en-US" sz="2000" b="0" dirty="0" err="1" smtClean="0"/>
-              <a:t>Zheng</a:t>
-            </a:r>
-            <a:r>
-              <a:rPr lang="en-US" sz="2000" b="0" dirty="0" smtClean="0"/>
-              <a:t>, </a:t>
-            </a:r>
-            <a:r>
-              <a:rPr lang="en-US" sz="2000" b="0" dirty="0" err="1" smtClean="0"/>
-              <a:t>Amit</a:t>
-            </a:r>
-            <a:r>
-              <a:rPr lang="en-US" sz="2000" b="0" dirty="0" smtClean="0"/>
-              <a:t> </a:t>
-            </a:r>
-            <a:r>
-              <a:rPr lang="en-US" sz="2000" b="0" dirty="0" err="1" smtClean="0"/>
-              <a:t>Sheth</a:t>
-            </a:r>
-            <a:r>
-              <a:rPr lang="en-US" sz="2000" b="0" dirty="0" smtClean="0"/>
-              <a:t> </a:t>
             </a:r>
             <a:endParaRPr lang="en-US" sz="2000" b="0" dirty="0"/>
           </a:p>
@@ -12031,23 +12506,11 @@
           <a:p>
             <a:r>
               <a:rPr lang="en-US" dirty="0" smtClean="0"/>
-              <a:t>Issues</a:t>
+              <a:t>Issues Associated with Data </a:t>
             </a:r>
             <a:r>
               <a:rPr lang="en-US" dirty="0" smtClean="0"/>
-              <a:t> </a:t>
-            </a:r>
-            <a:r>
-              <a:rPr lang="en-US" dirty="0" smtClean="0"/>
-              <a:t>associated with</a:t>
-            </a:r>
-            <a:r>
-              <a:rPr lang="en-US" dirty="0" smtClean="0"/>
-              <a:t> </a:t>
-            </a:r>
-            <a:r>
-              <a:rPr lang="en-US" dirty="0" smtClean="0"/>
-              <a:t>Data Collection</a:t>
+              <a:t>Collection</a:t>
             </a:r>
             <a:endParaRPr lang="en-US" dirty="0"/>
           </a:p>
@@ -12076,17 +12539,8 @@
           <a:p>
             <a:r>
               <a:rPr lang="en-US" dirty="0" smtClean="0"/>
-              <a:t>Difficulty in data integration,</a:t>
-            </a:r>
-            <a:r>
-              <a:rPr lang="en-US" dirty="0" smtClean="0"/>
-              <a:t> requires </a:t>
-            </a:r>
-            <a:r>
-              <a:rPr lang="en-US" dirty="0" smtClean="0"/>
-              <a:t>human intervention</a:t>
-            </a:r>
-            <a:endParaRPr lang="en-US" dirty="0" smtClean="0"/>
+              <a:t>Difficulty in data integration, requires human intervention</a:t>
+            </a:r>
           </a:p>
           <a:p>
             <a:r>
@@ -12353,43 +12807,7 @@
               <a:rPr lang="en-US" sz="2800" dirty="0" smtClean="0">
                 <a:latin typeface="Century Schoolbook" pitchFamily="18" charset="0"/>
               </a:rPr>
-              <a:t>How to </a:t>
-            </a:r>
-            <a:r>
-              <a:rPr lang="en-US" sz="2800" dirty="0" smtClean="0">
-                <a:latin typeface="Century Schoolbook" pitchFamily="18" charset="0"/>
-              </a:rPr>
-              <a:t>design </a:t>
-            </a:r>
-            <a:r>
-              <a:rPr lang="en-US" sz="2800" dirty="0" smtClean="0">
-                <a:latin typeface="Century Schoolbook" pitchFamily="18" charset="0"/>
-              </a:rPr>
-              <a:t>a data collection </a:t>
-            </a:r>
-            <a:r>
-              <a:rPr lang="en-US" sz="2800" dirty="0" smtClean="0">
-                <a:latin typeface="Century Schoolbook" pitchFamily="18" charset="0"/>
-              </a:rPr>
-              <a:t>form </a:t>
-            </a:r>
-            <a:r>
-              <a:rPr lang="en-US" sz="2800" dirty="0" smtClean="0">
-                <a:latin typeface="Century Schoolbook" pitchFamily="18" charset="0"/>
-              </a:rPr>
-              <a:t>based on</a:t>
-            </a:r>
-            <a:r>
-              <a:rPr lang="en-US" sz="2800" dirty="0" smtClean="0">
-                <a:latin typeface="Century Schoolbook" pitchFamily="18" charset="0"/>
-              </a:rPr>
-              <a:t> an ontology </a:t>
-            </a:r>
-            <a:r>
-              <a:rPr lang="en-US" sz="2800" dirty="0" smtClean="0">
-                <a:latin typeface="Century Schoolbook" pitchFamily="18" charset="0"/>
-              </a:rPr>
-              <a:t>model </a:t>
+              <a:t>How to design a data collection form based on an ontology model </a:t>
             </a:r>
           </a:p>
           <a:p>
@@ -13128,25 +13546,7 @@
               <a:rPr lang="en-US" dirty="0" smtClean="0">
                 <a:cs typeface="Arial" pitchFamily="34" charset="0"/>
               </a:rPr>
-              <a:t>Example:</a:t>
-            </a:r>
-            <a:r>
-              <a:rPr lang="en-US" dirty="0" smtClean="0">
-                <a:cs typeface="Arial" pitchFamily="34" charset="0"/>
-              </a:rPr>
-              <a:t> Form to collect sequence data and information on </a:t>
-            </a:r>
-            <a:r>
-              <a:rPr lang="en-US" dirty="0" smtClean="0">
-                <a:cs typeface="Arial" pitchFamily="34" charset="0"/>
-              </a:rPr>
-              <a:t>i</a:t>
-            </a:r>
-            <a:r>
-              <a:rPr lang="en-US" dirty="0" smtClean="0">
-                <a:cs typeface="Arial" pitchFamily="34" charset="0"/>
-              </a:rPr>
-              <a:t>solates of pathogens</a:t>
+              <a:t>Example: Form to collect sequence data and information on isolates of pathogens</a:t>
             </a:r>
           </a:p>
           <a:p>
@@ -13167,15 +13567,7 @@
             <a:pPr lvl="1"/>
             <a:r>
               <a:rPr lang="en-US" dirty="0" smtClean="0"/>
-              <a:t>Example: Use of the Ontology for Parasite Lifecycle (OPL) in the annotation of Gene Manipulation and </a:t>
-            </a:r>
-            <a:r>
-              <a:rPr lang="en-US" dirty="0" smtClean="0"/>
-              <a:t>Phenotype of Parasites </a:t>
-            </a:r>
-            <a:r>
-              <a:rPr lang="en-US" dirty="0" smtClean="0"/>
-              <a:t>submission form</a:t>
+              <a:t>Example: Use of the Ontology for Parasite Lifecycle (OPL) in the annotation of Gene Manipulation and Phenotype of Parasites submission form</a:t>
             </a:r>
           </a:p>
           <a:p>
@@ -13384,19 +13776,7 @@
               <a:rPr lang="en-US" dirty="0" smtClean="0">
                 <a:latin typeface="Century Schoolbook" pitchFamily="18" charset="0"/>
               </a:rPr>
-              <a:t>Identify the data or information </a:t>
-            </a:r>
-            <a:r>
-              <a:rPr lang="en-US" dirty="0" smtClean="0">
-                <a:latin typeface="Century Schoolbook" pitchFamily="18" charset="0"/>
-              </a:rPr>
-              <a:t>needed </a:t>
-            </a:r>
-            <a:r>
-              <a:rPr lang="en-US" dirty="0" smtClean="0">
-                <a:latin typeface="Century Schoolbook" pitchFamily="18" charset="0"/>
-              </a:rPr>
-              <a:t>to be collected</a:t>
+              <a:t>Identify the data or information needed to be collected</a:t>
             </a:r>
           </a:p>
           <a:p>
@@ -13421,13 +13801,7 @@
               <a:rPr lang="en-US" dirty="0" smtClean="0">
                 <a:latin typeface="Century Schoolbook" pitchFamily="18" charset="0"/>
               </a:rPr>
-              <a:t>Isolate submission form</a:t>
-            </a:r>
-            <a:r>
-              <a:rPr lang="en-US" dirty="0" smtClean="0">
-                <a:latin typeface="Century Schoolbook" pitchFamily="18" charset="0"/>
-              </a:rPr>
-              <a:t> for </a:t>
+              <a:t>Isolate submission form for </a:t>
             </a:r>
             <a:r>
               <a:rPr lang="en-US" dirty="0" err="1" smtClean="0">
@@ -13459,9 +13833,6 @@
               </a:rPr>
               <a:t> and Chris Stoeckert</a:t>
             </a:r>
-            <a:endParaRPr lang="en-US" dirty="0" smtClean="0">
-              <a:latin typeface="Century Schoolbook" pitchFamily="18" charset="0"/>
-            </a:endParaRPr>
           </a:p>
         </p:txBody>
       </p:sp>
@@ -13623,7 +13994,6 @@
               <a:rPr lang="en-US" sz="2000" dirty="0" smtClean="0"/>
               <a:t>protozoan parasite genomic and functional genomic data</a:t>
             </a:r>
-            <a:endParaRPr lang="en-US" sz="2000" dirty="0" smtClean="0"/>
           </a:p>
           <a:p>
             <a:pPr marL="274320" indent="-274320" fontAlgn="auto">
@@ -13636,15 +14006,7 @@
             </a:pPr>
             <a:r>
               <a:rPr lang="en-US" sz="2000" dirty="0" smtClean="0"/>
-              <a:t>Mission is</a:t>
-            </a:r>
-            <a:r>
-              <a:rPr lang="en-US" sz="2000" dirty="0" smtClean="0"/>
-              <a:t> </a:t>
-            </a:r>
-            <a:r>
-              <a:rPr lang="en-US" sz="2000" dirty="0" smtClean="0"/>
-              <a:t>to enable researchers worldwide to identify and prioritize candidate targets for further research in the lab, field and clinic. </a:t>
+              <a:t>Mission is to enable researchers worldwide to identify and prioritize candidate targets for further research in the lab, field and clinic. </a:t>
             </a:r>
           </a:p>
         </p:txBody>
@@ -13859,15 +14221,9 @@
           <a:bodyPr/>
           <a:lstStyle/>
           <a:p>
-            <a:pPr fontAlgn="auto">
-              <a:spcAft>
-                <a:spcPts val="0"/>
-              </a:spcAft>
-              <a:defRPr/>
-            </a:pPr>
             <a:r>
               <a:rPr lang="en-US" dirty="0" smtClean="0"/>
-              <a:t>Current Issues of Isolate Data</a:t>
+              <a:t>Isolate Data</a:t>
             </a:r>
             <a:endParaRPr lang="en-US" dirty="0"/>
           </a:p>
@@ -13883,174 +14239,118 @@
             <p:ph sz="quarter" idx="1"/>
           </p:nvPr>
         </p:nvSpPr>
-        <p:spPr>
-          <a:xfrm>
-            <a:off x="457200" y="1143000"/>
-            <a:ext cx="7467600" cy="5486400"/>
-          </a:xfrm>
-        </p:spPr>
+        <p:spPr/>
         <p:txBody>
-          <a:bodyPr>
-            <a:normAutofit/>
-          </a:bodyPr>
+          <a:bodyPr/>
           <a:lstStyle/>
           <a:p>
-            <a:pPr marL="273050" lvl="1">
-              <a:lnSpc>
-                <a:spcPct val="90000"/>
-              </a:lnSpc>
-              <a:spcBef>
-                <a:spcPts val="600"/>
-              </a:spcBef>
-              <a:spcAft>
-                <a:spcPts val="300"/>
-              </a:spcAft>
-              <a:buSzPct val="70000"/>
-              <a:buFont typeface="Wingdings" pitchFamily="2" charset="2"/>
-              <a:buChar char=""/>
-            </a:pPr>
-            <a:r>
-              <a:rPr lang="en-US" sz="2800" dirty="0" smtClean="0"/>
-              <a:t>Need to import and integrate datasets from </a:t>
-            </a:r>
-            <a:r>
-              <a:rPr lang="en-US" sz="2800" dirty="0" err="1" smtClean="0"/>
-              <a:t>GenBank</a:t>
-            </a:r>
-            <a:endParaRPr lang="en-US" sz="2800" dirty="0" smtClean="0"/>
-          </a:p>
-          <a:p>
-            <a:pPr lvl="1">
-              <a:lnSpc>
-                <a:spcPct val="90000"/>
-              </a:lnSpc>
-              <a:spcAft>
-                <a:spcPts val="300"/>
-              </a:spcAft>
-              <a:buSzPct val="100000"/>
-            </a:pPr>
-            <a:r>
-              <a:rPr lang="en-US" sz="2400" dirty="0" err="1" smtClean="0"/>
-              <a:t>GenBank</a:t>
-            </a:r>
-            <a:r>
-              <a:rPr lang="en-US" sz="2400" dirty="0" smtClean="0"/>
+            <a:r>
+              <a:rPr lang="en-US" dirty="0" smtClean="0"/>
+              <a:t>Isolate:</a:t>
+            </a:r>
+            <a:r>
+              <a:rPr lang="en-US" dirty="0" smtClean="0"/>
+              <a:t> microorganisms </a:t>
+            </a:r>
+            <a:r>
+              <a:rPr lang="en-US" dirty="0" smtClean="0"/>
+              <a:t>(</a:t>
+            </a:r>
+            <a:r>
+              <a:rPr lang="en-US" dirty="0" smtClean="0"/>
+              <a:t>parasites) </a:t>
+            </a:r>
+            <a:r>
+              <a:rPr lang="en-US" dirty="0" smtClean="0"/>
+              <a:t>isolated from</a:t>
+            </a:r>
+            <a:r>
+              <a:rPr lang="en-US" dirty="0" smtClean="0"/>
               <a:t> </a:t>
             </a:r>
             <a:r>
-              <a:rPr lang="en-US" sz="2400" dirty="0" smtClean="0"/>
-              <a:t>does </a:t>
-            </a:r>
-            <a:r>
-              <a:rPr lang="en-US" sz="2400" dirty="0" smtClean="0"/>
-              <a:t>not specify needed metadata for isolates</a:t>
-            </a:r>
-          </a:p>
-          <a:p>
-            <a:pPr>
-              <a:lnSpc>
-                <a:spcPct val="90000"/>
-              </a:lnSpc>
-              <a:spcAft>
-                <a:spcPts val="300"/>
-              </a:spcAft>
-            </a:pPr>
-            <a:r>
-              <a:rPr lang="en-US" sz="2800" dirty="0" smtClean="0"/>
-              <a:t>Manual </a:t>
-            </a:r>
-            <a:r>
-              <a:rPr lang="en-US" sz="2800" dirty="0" err="1" smtClean="0"/>
-              <a:t>curation</a:t>
-            </a:r>
-            <a:r>
-              <a:rPr lang="en-US" sz="2800" dirty="0" smtClean="0"/>
-              <a:t> required</a:t>
-            </a:r>
-          </a:p>
-          <a:p>
-            <a:pPr lvl="1">
-              <a:lnSpc>
-                <a:spcPct val="90000"/>
-              </a:lnSpc>
-              <a:spcAft>
-                <a:spcPts val="300"/>
-              </a:spcAft>
-            </a:pPr>
-            <a:r>
-              <a:rPr lang="en-US" sz="2400" dirty="0" smtClean="0"/>
-              <a:t>Harmonize: enable host queries: Human-&gt; Homo sapiens</a:t>
-            </a:r>
-          </a:p>
-          <a:p>
-            <a:pPr lvl="1">
-              <a:lnSpc>
-                <a:spcPct val="90000"/>
-              </a:lnSpc>
-              <a:spcAft>
-                <a:spcPts val="300"/>
-              </a:spcAft>
-            </a:pPr>
-            <a:r>
-              <a:rPr lang="en-US" sz="2400" dirty="0" err="1" smtClean="0"/>
-              <a:t>Deconvolute</a:t>
-            </a:r>
-            <a:r>
-              <a:rPr lang="en-US" sz="2400" dirty="0" smtClean="0"/>
-              <a:t> descriptions in free text: isolated from storm waters, isolated from Homo sapiens patient infected with HIV</a:t>
-            </a:r>
-            <a:endParaRPr lang="en-US" sz="2400" dirty="0" smtClean="0"/>
-          </a:p>
-          <a:p>
-            <a:pPr lvl="1">
-              <a:lnSpc>
-                <a:spcPct val="90000"/>
-              </a:lnSpc>
-              <a:spcAft>
-                <a:spcPts val="300"/>
-              </a:spcAft>
-              <a:buNone/>
-            </a:pPr>
-            <a:endParaRPr lang="en-US" sz="2400" dirty="0" smtClean="0"/>
-          </a:p>
-          <a:p>
-            <a:pPr lvl="1">
-              <a:lnSpc>
-                <a:spcPct val="90000"/>
-              </a:lnSpc>
-              <a:spcAft>
-                <a:spcPts val="300"/>
-              </a:spcAft>
-            </a:pPr>
-            <a:endParaRPr lang="en-US" dirty="0" smtClean="0"/>
-          </a:p>
-          <a:p>
-            <a:pPr lvl="1">
-              <a:lnSpc>
-                <a:spcPct val="90000"/>
-              </a:lnSpc>
-              <a:spcAft>
-                <a:spcPts val="300"/>
-              </a:spcAft>
-            </a:pPr>
-            <a:endParaRPr lang="en-US" dirty="0" smtClean="0"/>
-          </a:p>
-          <a:p>
-            <a:pPr marL="640080" lvl="1" indent="-274320" fontAlgn="auto">
-              <a:spcAft>
-                <a:spcPts val="0"/>
-              </a:spcAft>
-              <a:buFont typeface="Wingdings 2"/>
-              <a:buChar char=""/>
-              <a:defRPr/>
-            </a:pPr>
-            <a:endParaRPr lang="en-US" dirty="0" smtClean="0"/>
+              <a:rPr lang="en-US" dirty="0" smtClean="0"/>
+              <a:t>an</a:t>
+            </a:r>
+            <a:r>
+              <a:rPr lang="en-US" dirty="0" smtClean="0"/>
+              <a:t> environmental source (e.g</a:t>
+            </a:r>
+            <a:r>
+              <a:rPr lang="en-US" dirty="0" smtClean="0"/>
+              <a:t>.</a:t>
+            </a:r>
+            <a:r>
+              <a:rPr lang="en-US" dirty="0" smtClean="0"/>
+              <a:t> </a:t>
+            </a:r>
+            <a:r>
+              <a:rPr lang="en-US" dirty="0" smtClean="0"/>
+              <a:t>pool</a:t>
+            </a:r>
+            <a:r>
+              <a:rPr lang="en-US" dirty="0" smtClean="0"/>
+              <a:t>) </a:t>
+            </a:r>
+            <a:r>
+              <a:rPr lang="en-US" dirty="0" smtClean="0"/>
+              <a:t>or host material (</a:t>
+            </a:r>
+            <a:r>
+              <a:rPr lang="en-US" dirty="0" smtClean="0"/>
+              <a:t>e.g</a:t>
+            </a:r>
+            <a:r>
+              <a:rPr lang="en-US" dirty="0" smtClean="0"/>
+              <a:t>. human blood)</a:t>
+            </a:r>
+          </a:p>
+          <a:p>
+            <a:r>
+              <a:rPr lang="en-US" dirty="0" smtClean="0"/>
+              <a:t>The</a:t>
+            </a:r>
+            <a:r>
+              <a:rPr lang="en-US" dirty="0" smtClean="0"/>
+              <a:t> genetic characteristics </a:t>
+            </a:r>
+            <a:r>
+              <a:rPr lang="en-US" dirty="0" smtClean="0"/>
+              <a:t>of</a:t>
+            </a:r>
+            <a:r>
+              <a:rPr lang="en-US" dirty="0" smtClean="0"/>
+              <a:t> an isolate </a:t>
+            </a:r>
+            <a:r>
+              <a:rPr lang="en-US" dirty="0" smtClean="0"/>
+              <a:t>can be </a:t>
+            </a:r>
+            <a:r>
+              <a:rPr lang="en-US" dirty="0" smtClean="0"/>
+              <a:t>identified </a:t>
+            </a:r>
+            <a:r>
+              <a:rPr lang="en-US" dirty="0" smtClean="0"/>
+              <a:t>through a</a:t>
+            </a:r>
+            <a:r>
+              <a:rPr lang="en-US" dirty="0" smtClean="0"/>
+              <a:t> </a:t>
+            </a:r>
+            <a:r>
+              <a:rPr lang="en-US" dirty="0" smtClean="0"/>
+              <a:t>genotyping assay</a:t>
+            </a:r>
+          </a:p>
+          <a:p>
+            <a:endParaRPr lang="en-US" dirty="0"/>
           </a:p>
         </p:txBody>
       </p:sp>
       <p:sp>
         <p:nvSpPr>
-          <p:cNvPr id="30723" name="Slide Number Placeholder 3"/>
+          <p:cNvPr id="4" name="Slide Number Placeholder 3"/>
           <p:cNvSpPr>
             <a:spLocks noGrp="1"/>
           </p:cNvSpPr>
@@ -14058,48 +14358,560 @@
             <p:ph type="sldNum" sz="quarter" idx="11"/>
           </p:nvPr>
         </p:nvSpPr>
+        <p:spPr/>
+        <p:txBody>
+          <a:bodyPr/>
+          <a:lstStyle/>
+          <a:p>
+            <a:pPr>
+              <a:defRPr/>
+            </a:pPr>
+            <a:fld id="{C6587C3C-6210-43A2-897D-BAD9F5F0EE9E}" type="slidenum">
+              <a:rPr lang="en-US" smtClean="0"/>
+              <a:pPr>
+                <a:defRPr/>
+              </a:pPr>
+              <a:t>7</a:t>
+            </a:fld>
+            <a:endParaRPr lang="en-US"/>
+          </a:p>
+        </p:txBody>
+      </p:sp>
+      <p:pic>
+        <p:nvPicPr>
+          <p:cNvPr id="134147" name="Picture 3"/>
+          <p:cNvPicPr>
+            <a:picLocks noChangeAspect="1" noChangeArrowheads="1"/>
+          </p:cNvPicPr>
+          <p:nvPr/>
+        </p:nvPicPr>
+        <p:blipFill>
+          <a:blip r:embed="rId3"/>
+          <a:srcRect/>
+          <a:stretch>
+            <a:fillRect/>
+          </a:stretch>
+        </p:blipFill>
         <p:spPr bwMode="auto">
+          <a:xfrm>
+            <a:off x="838200" y="3276600"/>
+            <a:ext cx="2133600" cy="1600200"/>
+          </a:xfrm>
+          <a:prstGeom prst="rect">
+            <a:avLst/>
+          </a:prstGeom>
           <a:noFill/>
-          <a:ln>
+          <a:ln w="9525">
+            <a:noFill/>
             <a:miter lim="800000"/>
             <a:headEnd/>
             <a:tailEnd/>
           </a:ln>
+          <a:effectLst/>
+        </p:spPr>
+      </p:pic>
+      <p:pic>
+        <p:nvPicPr>
+          <p:cNvPr id="134148" name="Picture 4"/>
+          <p:cNvPicPr>
+            <a:picLocks noChangeAspect="1" noChangeArrowheads="1"/>
+          </p:cNvPicPr>
+          <p:nvPr/>
+        </p:nvPicPr>
+        <p:blipFill>
+          <a:blip r:embed="rId4"/>
+          <a:srcRect/>
+          <a:stretch>
+            <a:fillRect/>
+          </a:stretch>
+        </p:blipFill>
+        <p:spPr bwMode="auto">
+          <a:xfrm>
+            <a:off x="4251579" y="3371850"/>
+            <a:ext cx="730377" cy="1352550"/>
+          </a:xfrm>
+          <a:prstGeom prst="rect">
+            <a:avLst/>
+          </a:prstGeom>
+          <a:noFill/>
+          <a:ln w="9525">
+            <a:noFill/>
+            <a:miter lim="800000"/>
+            <a:headEnd/>
+            <a:tailEnd/>
+          </a:ln>
+          <a:effectLst/>
+        </p:spPr>
+      </p:pic>
+      <p:pic>
+        <p:nvPicPr>
+          <p:cNvPr id="134150" name="Picture 6" descr="http://www.id.yamagata-u.ac.jp/CLRE/img/biochem_gif/3130.jpg"/>
+          <p:cNvPicPr>
+            <a:picLocks noChangeAspect="1" noChangeArrowheads="1"/>
+          </p:cNvPicPr>
+          <p:nvPr/>
+        </p:nvPicPr>
+        <p:blipFill>
+          <a:blip r:embed="rId5"/>
+          <a:srcRect/>
+          <a:stretch>
+            <a:fillRect/>
+          </a:stretch>
+        </p:blipFill>
+        <p:spPr bwMode="auto">
+          <a:xfrm>
+            <a:off x="6324600" y="3276600"/>
+            <a:ext cx="2057400" cy="1544261"/>
+          </a:xfrm>
+          <a:prstGeom prst="rect">
+            <a:avLst/>
+          </a:prstGeom>
+          <a:noFill/>
+        </p:spPr>
+      </p:pic>
+      <p:pic>
+        <p:nvPicPr>
+          <p:cNvPr id="134152" name="Picture 8" descr="http://snhs-plin.barry.edu/Research/Sequencing.jpg"/>
+          <p:cNvPicPr>
+            <a:picLocks noChangeAspect="1" noChangeArrowheads="1"/>
+          </p:cNvPicPr>
+          <p:nvPr/>
+        </p:nvPicPr>
+        <p:blipFill>
+          <a:blip r:embed="rId6"/>
+          <a:srcRect/>
+          <a:stretch>
+            <a:fillRect/>
+          </a:stretch>
+        </p:blipFill>
+        <p:spPr bwMode="auto">
+          <a:xfrm>
+            <a:off x="5181600" y="5257800"/>
+            <a:ext cx="2667000" cy="1413510"/>
+          </a:xfrm>
+          <a:prstGeom prst="rect">
+            <a:avLst/>
+          </a:prstGeom>
+          <a:noFill/>
+        </p:spPr>
+      </p:pic>
+      <p:cxnSp>
+        <p:nvCxnSpPr>
+          <p:cNvPr id="11" name="Straight Arrow Connector 10"/>
+          <p:cNvCxnSpPr/>
+          <p:nvPr/>
+        </p:nvCxnSpPr>
+        <p:spPr>
+          <a:xfrm>
+            <a:off x="3086492" y="4038600"/>
+            <a:ext cx="1066800" cy="1588"/>
+          </a:xfrm>
+          <a:prstGeom prst="straightConnector1">
+            <a:avLst/>
+          </a:prstGeom>
+          <a:ln w="28575">
+            <a:tailEnd type="arrow"/>
+          </a:ln>
+        </p:spPr>
+        <p:style>
+          <a:lnRef idx="1">
+            <a:schemeClr val="accent1"/>
+          </a:lnRef>
+          <a:fillRef idx="0">
+            <a:schemeClr val="accent1"/>
+          </a:fillRef>
+          <a:effectRef idx="0">
+            <a:schemeClr val="accent1"/>
+          </a:effectRef>
+          <a:fontRef idx="minor">
+            <a:schemeClr val="tx1"/>
+          </a:fontRef>
+        </p:style>
+      </p:cxnSp>
+      <p:sp>
+        <p:nvSpPr>
+          <p:cNvPr id="13" name="TextBox 12"/>
+          <p:cNvSpPr txBox="1"/>
+          <p:nvPr/>
+        </p:nvSpPr>
+        <p:spPr>
+          <a:xfrm>
+            <a:off x="3185597" y="5029200"/>
+            <a:ext cx="1005403" cy="369332"/>
+          </a:xfrm>
+          <a:prstGeom prst="rect">
+            <a:avLst/>
+          </a:prstGeom>
+          <a:noFill/>
         </p:spPr>
         <p:txBody>
-          <a:bodyPr wrap="square" lIns="91440" tIns="45720" rIns="91440" bIns="45720" numCol="1" anchorCtr="0" compatLnSpc="1">
-            <a:prstTxWarp prst="textNoShape">
-              <a:avLst/>
-            </a:prstTxWarp>
+          <a:bodyPr wrap="none" rtlCol="0">
+            <a:spAutoFit/>
           </a:bodyPr>
           <a:lstStyle/>
           <a:p>
-            <a:pPr fontAlgn="base">
-              <a:spcBef>
-                <a:spcPct val="0"/>
-              </a:spcBef>
-              <a:spcAft>
-                <a:spcPct val="0"/>
-              </a:spcAft>
-            </a:pPr>
-            <a:fld id="{49264A22-523C-4138-8308-890CB70F00D2}" type="slidenum">
-              <a:rPr lang="en-US">
-                <a:latin typeface="Century Schoolbook" pitchFamily="18" charset="0"/>
-                <a:cs typeface="Arial" pitchFamily="34" charset="0"/>
-              </a:rPr>
-              <a:pPr fontAlgn="base">
-                <a:spcBef>
-                  <a:spcPct val="0"/>
-                </a:spcBef>
-                <a:spcAft>
-                  <a:spcPct val="0"/>
-                </a:spcAft>
-              </a:pPr>
-              <a:t>7</a:t>
-            </a:fld>
-            <a:endParaRPr lang="en-US">
-              <a:latin typeface="Century Schoolbook" pitchFamily="18" charset="0"/>
-              <a:cs typeface="Arial" pitchFamily="34" charset="0"/>
+            <a:r>
+              <a:rPr lang="en-US" dirty="0" smtClean="0"/>
+              <a:t>parasite</a:t>
+            </a:r>
+            <a:endParaRPr lang="en-US" dirty="0"/>
+          </a:p>
+        </p:txBody>
+      </p:sp>
+      <p:cxnSp>
+        <p:nvCxnSpPr>
+          <p:cNvPr id="15" name="Straight Arrow Connector 14"/>
+          <p:cNvCxnSpPr/>
+          <p:nvPr/>
+        </p:nvCxnSpPr>
+        <p:spPr>
+          <a:xfrm flipV="1">
+            <a:off x="3733800" y="4343400"/>
+            <a:ext cx="838200" cy="685800"/>
+          </a:xfrm>
+          <a:prstGeom prst="straightConnector1">
+            <a:avLst/>
+          </a:prstGeom>
+          <a:ln w="28575">
+            <a:solidFill>
+              <a:srgbClr val="C00000"/>
+            </a:solidFill>
+            <a:tailEnd type="arrow"/>
+          </a:ln>
+        </p:spPr>
+        <p:style>
+          <a:lnRef idx="1">
+            <a:schemeClr val="accent1"/>
+          </a:lnRef>
+          <a:fillRef idx="0">
+            <a:schemeClr val="accent1"/>
+          </a:fillRef>
+          <a:effectRef idx="0">
+            <a:schemeClr val="accent1"/>
+          </a:effectRef>
+          <a:fontRef idx="minor">
+            <a:schemeClr val="tx1"/>
+          </a:fontRef>
+        </p:style>
+      </p:cxnSp>
+      <p:sp>
+        <p:nvSpPr>
+          <p:cNvPr id="16" name="TextBox 15"/>
+          <p:cNvSpPr txBox="1"/>
+          <p:nvPr/>
+        </p:nvSpPr>
+        <p:spPr>
+          <a:xfrm>
+            <a:off x="3048000" y="3352800"/>
+            <a:ext cx="1172116" cy="646331"/>
+          </a:xfrm>
+          <a:prstGeom prst="rect">
+            <a:avLst/>
+          </a:prstGeom>
+          <a:noFill/>
+        </p:spPr>
+        <p:txBody>
+          <a:bodyPr wrap="none" rtlCol="0">
+            <a:spAutoFit/>
+          </a:bodyPr>
+          <a:lstStyle/>
+          <a:p>
+            <a:pPr algn="ctr"/>
+            <a:r>
+              <a:rPr lang="en-US" dirty="0" smtClean="0"/>
+              <a:t>collect </a:t>
+            </a:r>
+          </a:p>
+          <a:p>
+            <a:pPr algn="ctr"/>
+            <a:r>
+              <a:rPr lang="en-US" dirty="0" smtClean="0"/>
+              <a:t>specimen</a:t>
+            </a:r>
+            <a:endParaRPr lang="en-US" dirty="0"/>
+          </a:p>
+        </p:txBody>
+      </p:sp>
+      <p:cxnSp>
+        <p:nvCxnSpPr>
+          <p:cNvPr id="23" name="Straight Arrow Connector 22"/>
+          <p:cNvCxnSpPr/>
+          <p:nvPr/>
+        </p:nvCxnSpPr>
+        <p:spPr>
+          <a:xfrm>
+            <a:off x="5077119" y="4038600"/>
+            <a:ext cx="1066800" cy="1588"/>
+          </a:xfrm>
+          <a:prstGeom prst="straightConnector1">
+            <a:avLst/>
+          </a:prstGeom>
+          <a:ln w="28575">
+            <a:tailEnd type="arrow"/>
+          </a:ln>
+        </p:spPr>
+        <p:style>
+          <a:lnRef idx="1">
+            <a:schemeClr val="accent1"/>
+          </a:lnRef>
+          <a:fillRef idx="0">
+            <a:schemeClr val="accent1"/>
+          </a:fillRef>
+          <a:effectRef idx="0">
+            <a:schemeClr val="accent1"/>
+          </a:effectRef>
+          <a:fontRef idx="minor">
+            <a:schemeClr val="tx1"/>
+          </a:fontRef>
+        </p:style>
+      </p:cxnSp>
+      <p:sp>
+        <p:nvSpPr>
+          <p:cNvPr id="25" name="TextBox 24"/>
+          <p:cNvSpPr txBox="1"/>
+          <p:nvPr/>
+        </p:nvSpPr>
+        <p:spPr>
+          <a:xfrm>
+            <a:off x="4953000" y="3352800"/>
+            <a:ext cx="1415772" cy="646331"/>
+          </a:xfrm>
+          <a:prstGeom prst="rect">
+            <a:avLst/>
+          </a:prstGeom>
+          <a:noFill/>
+        </p:spPr>
+        <p:txBody>
+          <a:bodyPr wrap="none" rtlCol="0">
+            <a:spAutoFit/>
+          </a:bodyPr>
+          <a:lstStyle/>
+          <a:p>
+            <a:pPr algn="ctr"/>
+            <a:r>
+              <a:rPr lang="en-US" dirty="0" smtClean="0"/>
+              <a:t>Sequencing</a:t>
+            </a:r>
+          </a:p>
+          <a:p>
+            <a:pPr algn="ctr"/>
+            <a:r>
+              <a:rPr lang="en-US" dirty="0" smtClean="0"/>
+              <a:t> </a:t>
+            </a:r>
+            <a:r>
+              <a:rPr lang="en-US" dirty="0" smtClean="0"/>
+              <a:t>assay</a:t>
+            </a:r>
+            <a:endParaRPr lang="en-US" dirty="0"/>
+          </a:p>
+        </p:txBody>
+      </p:sp>
+      <p:cxnSp>
+        <p:nvCxnSpPr>
+          <p:cNvPr id="27" name="Straight Arrow Connector 26"/>
+          <p:cNvCxnSpPr/>
+          <p:nvPr/>
+        </p:nvCxnSpPr>
+        <p:spPr>
+          <a:xfrm rot="10800000" flipV="1">
+            <a:off x="6705600" y="4876800"/>
+            <a:ext cx="533400" cy="304800"/>
+          </a:xfrm>
+          <a:prstGeom prst="straightConnector1">
+            <a:avLst/>
+          </a:prstGeom>
+          <a:ln w="28575">
+            <a:tailEnd type="arrow"/>
+          </a:ln>
+        </p:spPr>
+        <p:style>
+          <a:lnRef idx="1">
+            <a:schemeClr val="accent1"/>
+          </a:lnRef>
+          <a:fillRef idx="0">
+            <a:schemeClr val="accent1"/>
+          </a:fillRef>
+          <a:effectRef idx="0">
+            <a:schemeClr val="accent1"/>
+          </a:effectRef>
+          <a:fontRef idx="minor">
+            <a:schemeClr val="tx1"/>
+          </a:fontRef>
+        </p:style>
+      </p:cxnSp>
+      <p:sp>
+        <p:nvSpPr>
+          <p:cNvPr id="28" name="TextBox 27"/>
+          <p:cNvSpPr txBox="1"/>
+          <p:nvPr/>
+        </p:nvSpPr>
+        <p:spPr>
+          <a:xfrm>
+            <a:off x="1295400" y="5477470"/>
+            <a:ext cx="3581400" cy="1200329"/>
+          </a:xfrm>
+          <a:prstGeom prst="rect">
+            <a:avLst/>
+          </a:prstGeom>
+          <a:noFill/>
+        </p:spPr>
+        <p:txBody>
+          <a:bodyPr wrap="square" rtlCol="0">
+            <a:spAutoFit/>
+          </a:bodyPr>
+          <a:lstStyle/>
+          <a:p>
+            <a:r>
+              <a:rPr lang="en-US" dirty="0" smtClean="0">
+                <a:solidFill>
+                  <a:schemeClr val="accent1">
+                    <a:lumMod val="60000"/>
+                    <a:lumOff val="40000"/>
+                  </a:schemeClr>
+                </a:solidFill>
+              </a:rPr>
+              <a:t>Which </a:t>
+            </a:r>
+            <a:r>
+              <a:rPr lang="en-US" dirty="0" smtClean="0">
+                <a:solidFill>
+                  <a:schemeClr val="accent1">
+                    <a:lumMod val="60000"/>
+                    <a:lumOff val="40000"/>
+                  </a:schemeClr>
+                </a:solidFill>
+              </a:rPr>
+              <a:t>type of parasite</a:t>
+            </a:r>
+            <a:r>
+              <a:rPr lang="en-US" dirty="0" smtClean="0">
+                <a:solidFill>
+                  <a:schemeClr val="accent1">
+                    <a:lumMod val="60000"/>
+                    <a:lumOff val="40000"/>
+                  </a:schemeClr>
+                </a:solidFill>
+              </a:rPr>
+              <a:t> </a:t>
+            </a:r>
+            <a:r>
+              <a:rPr lang="en-US" dirty="0" smtClean="0">
+                <a:solidFill>
+                  <a:schemeClr val="accent1">
+                    <a:lumMod val="60000"/>
+                    <a:lumOff val="40000"/>
+                  </a:schemeClr>
+                </a:solidFill>
+              </a:rPr>
+              <a:t>(</a:t>
+            </a:r>
+            <a:r>
+              <a:rPr lang="en-US" dirty="0" smtClean="0">
+                <a:solidFill>
+                  <a:schemeClr val="accent1">
+                    <a:lumMod val="60000"/>
+                    <a:lumOff val="40000"/>
+                  </a:schemeClr>
+                </a:solidFill>
+              </a:rPr>
+              <a:t>e.g</a:t>
+            </a:r>
+            <a:r>
+              <a:rPr lang="en-US" dirty="0" smtClean="0">
+                <a:solidFill>
+                  <a:schemeClr val="accent1">
+                    <a:lumMod val="60000"/>
+                    <a:lumOff val="40000"/>
+                  </a:schemeClr>
+                </a:solidFill>
+              </a:rPr>
+              <a:t>. species, subtype, strain, genotype</a:t>
+            </a:r>
+            <a:r>
+              <a:rPr lang="en-US" dirty="0" smtClean="0">
+                <a:solidFill>
+                  <a:schemeClr val="accent1">
+                    <a:lumMod val="60000"/>
+                    <a:lumOff val="40000"/>
+                  </a:schemeClr>
+                </a:solidFill>
+              </a:rPr>
+              <a:t>)</a:t>
+            </a:r>
+            <a:r>
+              <a:rPr lang="en-US" dirty="0" smtClean="0">
+                <a:solidFill>
+                  <a:schemeClr val="accent1">
+                    <a:lumMod val="60000"/>
+                    <a:lumOff val="40000"/>
+                  </a:schemeClr>
+                </a:solidFill>
+              </a:rPr>
+              <a:t> was</a:t>
+            </a:r>
+            <a:r>
+              <a:rPr lang="en-US" dirty="0" smtClean="0">
+                <a:solidFill>
+                  <a:schemeClr val="accent1">
+                    <a:lumMod val="60000"/>
+                    <a:lumOff val="40000"/>
+                  </a:schemeClr>
+                </a:solidFill>
+              </a:rPr>
+              <a:t> </a:t>
+            </a:r>
+            <a:r>
+              <a:rPr lang="en-US" dirty="0" smtClean="0">
+                <a:solidFill>
+                  <a:schemeClr val="accent1">
+                    <a:lumMod val="60000"/>
+                    <a:lumOff val="40000"/>
+                  </a:schemeClr>
+                </a:solidFill>
+              </a:rPr>
+              <a:t>in </a:t>
+            </a:r>
+            <a:r>
+              <a:rPr lang="en-US" smtClean="0">
+                <a:solidFill>
+                  <a:schemeClr val="accent1">
+                    <a:lumMod val="60000"/>
+                    <a:lumOff val="40000"/>
+                  </a:schemeClr>
+                </a:solidFill>
+              </a:rPr>
+              <a:t>the</a:t>
+            </a:r>
+            <a:r>
+              <a:rPr lang="en-US" smtClean="0">
+                <a:solidFill>
+                  <a:schemeClr val="accent1">
+                    <a:lumMod val="60000"/>
+                    <a:lumOff val="40000"/>
+                  </a:schemeClr>
+                </a:solidFill>
+              </a:rPr>
+              <a:t> isolate specimen</a:t>
+            </a:r>
+            <a:r>
+              <a:rPr lang="en-US" dirty="0" smtClean="0">
+                <a:solidFill>
+                  <a:schemeClr val="accent1">
+                    <a:lumMod val="60000"/>
+                    <a:lumOff val="40000"/>
+                  </a:schemeClr>
+                </a:solidFill>
+              </a:rPr>
+              <a:t>?</a:t>
+            </a:r>
+            <a:endParaRPr lang="en-US" dirty="0">
+              <a:solidFill>
+                <a:schemeClr val="accent1">
+                  <a:lumMod val="60000"/>
+                  <a:lumOff val="40000"/>
+                </a:schemeClr>
+              </a:solidFill>
             </a:endParaRPr>
           </a:p>
         </p:txBody>
@@ -14109,13 +14921,6 @@
   <p:clrMapOvr>
     <a:masterClrMapping/>
   </p:clrMapOvr>
-  <p:timing>
-    <p:tnLst>
-      <p:par>
-        <p:cTn id="1" dur="indefinite" restart="never" nodeType="tmRoot"/>
-      </p:par>
-    </p:tnLst>
-  </p:timing>
 </p:sld>
 </file>
 
@@ -14159,7 +14964,7 @@
             </a:pPr>
             <a:r>
               <a:rPr lang="en-US" dirty="0" smtClean="0"/>
-              <a:t>Isolate Submission Form</a:t>
+              <a:t>Current Issues of Isolate Data</a:t>
             </a:r>
             <a:endParaRPr lang="en-US" dirty="0"/>
           </a:p>
@@ -14167,7 +14972,7 @@
       </p:sp>
       <p:sp>
         <p:nvSpPr>
-          <p:cNvPr id="3075" name="Content Placeholder 2"/>
+          <p:cNvPr id="3" name="Content Placeholder 2"/>
           <p:cNvSpPr>
             <a:spLocks noGrp="1"/>
           </p:cNvSpPr>
@@ -14177,71 +14982,163 @@
         </p:nvSpPr>
         <p:spPr>
           <a:xfrm>
-            <a:off x="304800" y="1676400"/>
-            <a:ext cx="3886200" cy="4267200"/>
+            <a:off x="457200" y="1143000"/>
+            <a:ext cx="7467600" cy="5486400"/>
           </a:xfrm>
         </p:spPr>
         <p:txBody>
-          <a:bodyPr/>
+          <a:bodyPr>
+            <a:normAutofit/>
+          </a:bodyPr>
           <a:lstStyle/>
           <a:p>
-            <a:r>
-              <a:rPr lang="en-US" dirty="0" smtClean="0">
-                <a:latin typeface="Century Schoolbook" pitchFamily="18" charset="0"/>
-              </a:rPr>
-              <a:t>Isolate information</a:t>
-            </a:r>
-          </a:p>
-          <a:p>
-            <a:pPr lvl="1"/>
-            <a:r>
-              <a:rPr lang="en-US" dirty="0" smtClean="0">
-                <a:latin typeface="Century Schoolbook" pitchFamily="18" charset="0"/>
-              </a:rPr>
-              <a:t>Target isolate information</a:t>
-            </a:r>
-          </a:p>
-          <a:p>
-            <a:pPr lvl="1"/>
-            <a:r>
-              <a:rPr lang="en-US" dirty="0" smtClean="0">
-                <a:latin typeface="Century Schoolbook" pitchFamily="18" charset="0"/>
-              </a:rPr>
-              <a:t>Geographic location</a:t>
-            </a:r>
-          </a:p>
-          <a:p>
-            <a:pPr lvl="1"/>
-            <a:r>
-              <a:rPr lang="en-US" dirty="0" smtClean="0">
-                <a:latin typeface="Century Schoolbook" pitchFamily="18" charset="0"/>
-              </a:rPr>
-              <a:t>Source organism samples information</a:t>
-            </a:r>
-          </a:p>
-          <a:p>
-            <a:pPr lvl="1"/>
-            <a:r>
-              <a:rPr lang="en-US" dirty="0" smtClean="0">
-                <a:latin typeface="Century Schoolbook" pitchFamily="18" charset="0"/>
-              </a:rPr>
-              <a:t>or Environmental samples information</a:t>
-            </a:r>
-          </a:p>
-          <a:p>
-            <a:pPr lvl="1"/>
-            <a:r>
-              <a:rPr lang="en-US" dirty="0" smtClean="0">
-                <a:latin typeface="Century Schoolbook" pitchFamily="18" charset="0"/>
-              </a:rPr>
-              <a:t>Sequence information </a:t>
-            </a:r>
+            <a:pPr marL="273050" lvl="1">
+              <a:lnSpc>
+                <a:spcPct val="90000"/>
+              </a:lnSpc>
+              <a:spcBef>
+                <a:spcPts val="600"/>
+              </a:spcBef>
+              <a:spcAft>
+                <a:spcPts val="300"/>
+              </a:spcAft>
+              <a:buSzPct val="70000"/>
+              <a:buFont typeface="Wingdings" pitchFamily="2" charset="2"/>
+              <a:buChar char=""/>
+            </a:pPr>
+            <a:r>
+              <a:rPr lang="en-US" sz="2800" dirty="0" smtClean="0"/>
+              <a:t>Need to import and integrate datasets from </a:t>
+            </a:r>
+            <a:r>
+              <a:rPr lang="en-US" sz="2800" dirty="0" err="1" smtClean="0"/>
+              <a:t>GenBank</a:t>
+            </a:r>
+            <a:endParaRPr lang="en-US" sz="2800" dirty="0" smtClean="0"/>
+          </a:p>
+          <a:p>
+            <a:pPr lvl="1">
+              <a:lnSpc>
+                <a:spcPct val="90000"/>
+              </a:lnSpc>
+              <a:spcAft>
+                <a:spcPts val="300"/>
+              </a:spcAft>
+              <a:buSzPct val="100000"/>
+            </a:pPr>
+            <a:r>
+              <a:rPr lang="en-US" sz="2400" dirty="0" err="1" smtClean="0"/>
+              <a:t>GenBank</a:t>
+            </a:r>
+            <a:r>
+              <a:rPr lang="en-US" sz="2400" dirty="0" smtClean="0"/>
+              <a:t>does not specify needed metadata for isolates</a:t>
+            </a:r>
+          </a:p>
+          <a:p>
+            <a:pPr>
+              <a:lnSpc>
+                <a:spcPct val="90000"/>
+              </a:lnSpc>
+              <a:spcAft>
+                <a:spcPts val="300"/>
+              </a:spcAft>
+            </a:pPr>
+            <a:r>
+              <a:rPr lang="en-US" sz="2800" dirty="0" smtClean="0"/>
+              <a:t>Manual </a:t>
+            </a:r>
+            <a:r>
+              <a:rPr lang="en-US" sz="2800" dirty="0" err="1" smtClean="0"/>
+              <a:t>curation</a:t>
+            </a:r>
+            <a:r>
+              <a:rPr lang="en-US" sz="2800" dirty="0" smtClean="0"/>
+              <a:t> required</a:t>
+            </a:r>
+          </a:p>
+          <a:p>
+            <a:pPr lvl="1">
+              <a:lnSpc>
+                <a:spcPct val="90000"/>
+              </a:lnSpc>
+              <a:spcAft>
+                <a:spcPts val="300"/>
+              </a:spcAft>
+            </a:pPr>
+            <a:r>
+              <a:rPr lang="en-US" sz="2400" dirty="0" smtClean="0"/>
+              <a:t>Harmonize: enable host queries: Human-&gt; Homo sapiens</a:t>
+            </a:r>
+          </a:p>
+          <a:p>
+            <a:pPr lvl="1">
+              <a:lnSpc>
+                <a:spcPct val="90000"/>
+              </a:lnSpc>
+              <a:spcAft>
+                <a:spcPts val="300"/>
+              </a:spcAft>
+            </a:pPr>
+            <a:r>
+              <a:rPr lang="en-US" sz="2400" dirty="0" err="1" smtClean="0"/>
+              <a:t>Deconvolute</a:t>
+            </a:r>
+            <a:r>
+              <a:rPr lang="en-US" sz="2400" dirty="0" smtClean="0"/>
+              <a:t> descriptions in free text: isolated from storm waters, isolated from Homo sapiens patient infected with HIV</a:t>
+            </a:r>
+          </a:p>
+          <a:p>
+            <a:pPr lvl="1">
+              <a:lnSpc>
+                <a:spcPct val="90000"/>
+              </a:lnSpc>
+              <a:spcAft>
+                <a:spcPts val="300"/>
+              </a:spcAft>
+              <a:buNone/>
+            </a:pPr>
+            <a:endParaRPr lang="en-US" sz="2400" dirty="0" smtClean="0"/>
+          </a:p>
+          <a:p>
+            <a:pPr lvl="1">
+              <a:lnSpc>
+                <a:spcPct val="90000"/>
+              </a:lnSpc>
+              <a:spcAft>
+                <a:spcPts val="300"/>
+              </a:spcAft>
+            </a:pPr>
+            <a:endParaRPr lang="en-US" dirty="0" smtClean="0"/>
+          </a:p>
+          <a:p>
+            <a:pPr lvl="1">
+              <a:lnSpc>
+                <a:spcPct val="90000"/>
+              </a:lnSpc>
+              <a:spcAft>
+                <a:spcPts val="300"/>
+              </a:spcAft>
+            </a:pPr>
+            <a:endParaRPr lang="en-US" dirty="0" smtClean="0"/>
+          </a:p>
+          <a:p>
+            <a:pPr marL="640080" lvl="1" indent="-274320" fontAlgn="auto">
+              <a:spcAft>
+                <a:spcPts val="0"/>
+              </a:spcAft>
+              <a:buFont typeface="Wingdings 2"/>
+              <a:buChar char=""/>
+              <a:defRPr/>
+            </a:pPr>
+            <a:endParaRPr lang="en-US" dirty="0" smtClean="0"/>
           </a:p>
         </p:txBody>
       </p:sp>
       <p:sp>
         <p:nvSpPr>
-          <p:cNvPr id="3076" name="Slide Number Placeholder 3"/>
+          <p:cNvPr id="30723" name="Slide Number Placeholder 3"/>
           <p:cNvSpPr>
             <a:spLocks noGrp="1"/>
           </p:cNvSpPr>
@@ -14273,7 +15170,7 @@
                 <a:spcPct val="0"/>
               </a:spcAft>
             </a:pPr>
-            <a:fld id="{D55337FF-43F5-4B95-A813-0CAFE5C30D2C}" type="slidenum">
+            <a:fld id="{49264A22-523C-4138-8308-890CB70F00D2}" type="slidenum">
               <a:rPr lang="en-US">
                 <a:latin typeface="Century Schoolbook" pitchFamily="18" charset="0"/>
                 <a:cs typeface="Arial" pitchFamily="34" charset="0"/>
@@ -14292,58 +15189,6 @@
               <a:latin typeface="Century Schoolbook" pitchFamily="18" charset="0"/>
               <a:cs typeface="Arial" pitchFamily="34" charset="0"/>
             </a:endParaRPr>
-          </a:p>
-        </p:txBody>
-      </p:sp>
-      <p:graphicFrame>
-        <p:nvGraphicFramePr>
-          <p:cNvPr id="3073" name="Object 1"/>
-          <p:cNvGraphicFramePr>
-            <a:graphicFrameLocks noChangeAspect="1"/>
-          </p:cNvGraphicFramePr>
-          <p:nvPr/>
-        </p:nvGraphicFramePr>
-        <p:xfrm>
-          <a:off x="3886200" y="1539875"/>
-          <a:ext cx="4572000" cy="3946525"/>
-        </p:xfrm>
-        <a:graphic>
-          <a:graphicData uri="http://schemas.openxmlformats.org/presentationml/2006/ole">
-            <p:oleObj spid="_x0000_s3073" name="Worksheet" r:id="rId3" imgW="5448300" imgH="3263900" progId="Excel.Sheet.12">
-              <p:embed/>
-            </p:oleObj>
-          </a:graphicData>
-        </a:graphic>
-      </p:graphicFrame>
-      <p:sp>
-        <p:nvSpPr>
-          <p:cNvPr id="6" name="TextBox 5"/>
-          <p:cNvSpPr txBox="1"/>
-          <p:nvPr/>
-        </p:nvSpPr>
-        <p:spPr>
-          <a:xfrm>
-            <a:off x="533400" y="5867400"/>
-            <a:ext cx="7582525" cy="461665"/>
-          </a:xfrm>
-          <a:prstGeom prst="rect">
-            <a:avLst/>
-          </a:prstGeom>
-          <a:noFill/>
-        </p:spPr>
-        <p:txBody>
-          <a:bodyPr wrap="none" rtlCol="0">
-            <a:spAutoFit/>
-          </a:bodyPr>
-          <a:lstStyle/>
-          <a:p>
-            <a:pPr marL="0" lvl="1"/>
-            <a:r>
-              <a:rPr lang="en-US" sz="2400" dirty="0" smtClean="0">
-                <a:latin typeface="Century Schoolbook" pitchFamily="18" charset="0"/>
-              </a:rPr>
-              <a:t>These data are important for parasite epidemiology.</a:t>
-            </a:r>
           </a:p>
         </p:txBody>
       </p:sp>
@@ -14394,9 +15239,15 @@
           <a:bodyPr/>
           <a:lstStyle/>
           <a:p>
+            <a:pPr fontAlgn="auto">
+              <a:spcAft>
+                <a:spcPts val="0"/>
+              </a:spcAft>
+              <a:defRPr/>
+            </a:pPr>
             <a:r>
               <a:rPr lang="en-US" dirty="0" smtClean="0"/>
-              <a:t>Ontology Based Model</a:t>
+              <a:t>Isolate Submission Form</a:t>
             </a:r>
             <a:endParaRPr lang="en-US" dirty="0"/>
           </a:p>
@@ -14404,7 +15255,7 @@
       </p:sp>
       <p:sp>
         <p:nvSpPr>
-          <p:cNvPr id="3" name="Content Placeholder 2"/>
+          <p:cNvPr id="3075" name="Content Placeholder 2"/>
           <p:cNvSpPr>
             <a:spLocks noGrp="1"/>
           </p:cNvSpPr>
@@ -14412,7 +15263,12 @@
             <p:ph sz="quarter" idx="1"/>
           </p:nvPr>
         </p:nvSpPr>
-        <p:spPr/>
+        <p:spPr>
+          <a:xfrm>
+            <a:off x="304800" y="1676400"/>
+            <a:ext cx="3886200" cy="4267200"/>
+          </a:xfrm>
+        </p:spPr>
         <p:txBody>
           <a:bodyPr/>
           <a:lstStyle/>
@@ -14421,30 +15277,59 @@
               <a:rPr lang="en-US" dirty="0" smtClean="0">
                 <a:latin typeface="Century Schoolbook" pitchFamily="18" charset="0"/>
               </a:rPr>
-              <a:t>Identify ontology parent classes of data or information</a:t>
-            </a:r>
-          </a:p>
-          <a:p>
-            <a:pPr>
-              <a:buNone/>
-            </a:pPr>
-            <a:endParaRPr lang="en-US" dirty="0" smtClean="0">
-              <a:latin typeface="Century Schoolbook" pitchFamily="18" charset="0"/>
-            </a:endParaRPr>
-          </a:p>
-          <a:p>
+              <a:t>Isolate information</a:t>
+            </a:r>
+          </a:p>
+          <a:p>
+            <a:pPr lvl="1"/>
             <a:r>
               <a:rPr lang="en-US" dirty="0" smtClean="0">
                 <a:latin typeface="Century Schoolbook" pitchFamily="18" charset="0"/>
               </a:rPr>
-              <a:t>Apply the ontology defined relations to reveal the interconnection of data or information collected</a:t>
+              <a:t>Target isolate information</a:t>
+            </a:r>
+          </a:p>
+          <a:p>
+            <a:pPr lvl="1"/>
+            <a:r>
+              <a:rPr lang="en-US" dirty="0" smtClean="0">
+                <a:latin typeface="Century Schoolbook" pitchFamily="18" charset="0"/>
+              </a:rPr>
+              <a:t>Geographic location</a:t>
+            </a:r>
+          </a:p>
+          <a:p>
+            <a:pPr lvl="1"/>
+            <a:r>
+              <a:rPr lang="en-US" dirty="0" smtClean="0">
+                <a:latin typeface="Century Schoolbook" pitchFamily="18" charset="0"/>
+              </a:rPr>
+              <a:t>Source organism samples information</a:t>
+            </a:r>
+          </a:p>
+          <a:p>
+            <a:pPr lvl="1"/>
+            <a:r>
+              <a:rPr lang="en-US" dirty="0" smtClean="0">
+                <a:latin typeface="Century Schoolbook" pitchFamily="18" charset="0"/>
+              </a:rPr>
+              <a:t>or Environmental samples information</a:t>
+            </a:r>
+          </a:p>
+          <a:p>
+            <a:pPr lvl="1"/>
+            <a:r>
+              <a:rPr lang="en-US" dirty="0" smtClean="0">
+                <a:latin typeface="Century Schoolbook" pitchFamily="18" charset="0"/>
+              </a:rPr>
+              <a:t>Sequence information </a:t>
             </a:r>
           </a:p>
         </p:txBody>
       </p:sp>
       <p:sp>
         <p:nvSpPr>
-          <p:cNvPr id="4" name="Slide Number Placeholder 3"/>
+          <p:cNvPr id="3076" name="Slide Number Placeholder 3"/>
           <p:cNvSpPr>
             <a:spLocks noGrp="1"/>
           </p:cNvSpPr>
@@ -14452,22 +15337,101 @@
             <p:ph type="sldNum" sz="quarter" idx="11"/>
           </p:nvPr>
         </p:nvSpPr>
-        <p:spPr/>
+        <p:spPr bwMode="auto">
+          <a:noFill/>
+          <a:ln>
+            <a:miter lim="800000"/>
+            <a:headEnd/>
+            <a:tailEnd/>
+          </a:ln>
+        </p:spPr>
         <p:txBody>
-          <a:bodyPr/>
+          <a:bodyPr wrap="square" lIns="91440" tIns="45720" rIns="91440" bIns="45720" numCol="1" anchorCtr="0" compatLnSpc="1">
+            <a:prstTxWarp prst="textNoShape">
+              <a:avLst/>
+            </a:prstTxWarp>
+          </a:bodyPr>
           <a:lstStyle/>
           <a:p>
-            <a:pPr>
-              <a:defRPr/>
+            <a:pPr fontAlgn="base">
+              <a:spcBef>
+                <a:spcPct val="0"/>
+              </a:spcBef>
+              <a:spcAft>
+                <a:spcPct val="0"/>
+              </a:spcAft>
             </a:pPr>
-            <a:fld id="{C6587C3C-6210-43A2-897D-BAD9F5F0EE9E}" type="slidenum">
-              <a:rPr lang="en-US" smtClean="0"/>
-              <a:pPr>
-                <a:defRPr/>
+            <a:fld id="{D55337FF-43F5-4B95-A813-0CAFE5C30D2C}" type="slidenum">
+              <a:rPr lang="en-US">
+                <a:latin typeface="Century Schoolbook" pitchFamily="18" charset="0"/>
+                <a:cs typeface="Arial" pitchFamily="34" charset="0"/>
+              </a:rPr>
+              <a:pPr fontAlgn="base">
+                <a:spcBef>
+                  <a:spcPct val="0"/>
+                </a:spcBef>
+                <a:spcAft>
+                  <a:spcPct val="0"/>
+                </a:spcAft>
               </a:pPr>
               <a:t>9</a:t>
             </a:fld>
-            <a:endParaRPr lang="en-US"/>
+            <a:endParaRPr lang="en-US">
+              <a:latin typeface="Century Schoolbook" pitchFamily="18" charset="0"/>
+              <a:cs typeface="Arial" pitchFamily="34" charset="0"/>
+            </a:endParaRPr>
+          </a:p>
+        </p:txBody>
+      </p:sp>
+      <p:graphicFrame>
+        <p:nvGraphicFramePr>
+          <p:cNvPr id="3073" name="Object 1"/>
+          <p:cNvGraphicFramePr>
+            <a:graphicFrameLocks noChangeAspect="1"/>
+          </p:cNvGraphicFramePr>
+          <p:nvPr/>
+        </p:nvGraphicFramePr>
+        <p:xfrm>
+          <a:off x="3886200" y="1539875"/>
+          <a:ext cx="4572000" cy="3946525"/>
+        </p:xfrm>
+        <a:graphic>
+          <a:graphicData uri="http://schemas.openxmlformats.org/presentationml/2006/ole">
+            <p:oleObj spid="_x0000_s3073" name="Worksheet" r:id="rId3" imgW="5448300" imgH="3263900" progId="Excel.Sheet.12">
+              <p:embed/>
+            </p:oleObj>
+          </a:graphicData>
+        </a:graphic>
+      </p:graphicFrame>
+      <p:sp>
+        <p:nvSpPr>
+          <p:cNvPr id="6" name="TextBox 5"/>
+          <p:cNvSpPr txBox="1"/>
+          <p:nvPr/>
+        </p:nvSpPr>
+        <p:spPr>
+          <a:xfrm>
+            <a:off x="533400" y="5867400"/>
+            <a:ext cx="7582525" cy="461665"/>
+          </a:xfrm>
+          <a:prstGeom prst="rect">
+            <a:avLst/>
+          </a:prstGeom>
+          <a:noFill/>
+        </p:spPr>
+        <p:txBody>
+          <a:bodyPr wrap="none" rtlCol="0">
+            <a:spAutoFit/>
+          </a:bodyPr>
+          <a:lstStyle/>
+          <a:p>
+            <a:pPr marL="0" lvl="1"/>
+            <a:r>
+              <a:rPr lang="en-US" sz="2400" dirty="0" smtClean="0">
+                <a:latin typeface="Century Schoolbook" pitchFamily="18" charset="0"/>
+              </a:rPr>
+              <a:t>These data are important for parasite epidemiology.</a:t>
+            </a:r>
           </a:p>
         </p:txBody>
       </p:sp>

--- a/trunk/docs/presentations/OBI tutorial July 2011 ICBO/EuPathDB.pptx
+++ b/trunk/docs/presentations/OBI tutorial July 2011 ICBO/EuPathDB.pptx
@@ -1,6 +1,6 @@
 
 <file path=ppt/presentation.xml><?xml version="1.0" encoding="utf-8"?>
-<p:presentation xmlns:a="http://schemas.openxmlformats.org/drawingml/2006/main" xmlns:r="http://schemas.openxmlformats.org/officeDocument/2006/relationships" xmlns:mc="http://schemas.openxmlformats.org/markup-compatibility/2006" xmlns:mv="urn:schemas-microsoft-com:mac:vml" xmlns:p="http://schemas.openxmlformats.org/presentationml/2006/main" mc:Ignorable="mv" mc:PreserveAttributes="mv:*" showSpecialPlsOnTitleSld="0" saveSubsetFonts="1">
+<p:presentation xmlns:a="http://schemas.openxmlformats.org/drawingml/2006/main" xmlns:r="http://schemas.openxmlformats.org/officeDocument/2006/relationships" xmlns:p="http://schemas.openxmlformats.org/presentationml/2006/main" showSpecialPlsOnTitleSld="0" saveSubsetFonts="1">
   <p:sldMasterIdLst>
     <p:sldMasterId id="2147483960" r:id="rId1"/>
   </p:sldMasterIdLst>
@@ -162,7 +162,7 @@
 </file>
 
 <file path=ppt/notesMasters/notesMaster1.xml><?xml version="1.0" encoding="utf-8"?>
-<p:notesMaster xmlns:a="http://schemas.openxmlformats.org/drawingml/2006/main" xmlns:r="http://schemas.openxmlformats.org/officeDocument/2006/relationships" xmlns:mc="http://schemas.openxmlformats.org/markup-compatibility/2006" xmlns:mv="urn:schemas-microsoft-com:mac:vml" xmlns:p="http://schemas.openxmlformats.org/presentationml/2006/main" mc:Ignorable="mv" mc:PreserveAttributes="mv:*">
+<p:notesMaster xmlns:a="http://schemas.openxmlformats.org/drawingml/2006/main" xmlns:r="http://schemas.openxmlformats.org/officeDocument/2006/relationships" xmlns:p="http://schemas.openxmlformats.org/presentationml/2006/main">
   <p:cSld>
     <p:bg>
       <p:bgRef idx="1001">
@@ -270,7 +270,7 @@
               <a:pPr>
                 <a:defRPr/>
               </a:pPr>
-              <a:t>7/14/11</a:t>
+              <a:t>7/21/2011</a:t>
             </a:fld>
             <a:endParaRPr lang="en-US"/>
           </a:p>
@@ -596,7 +596,7 @@
 </file>
 
 <file path=ppt/notesSlides/notesSlide1.xml><?xml version="1.0" encoding="utf-8"?>
-<p:notes xmlns:a="http://schemas.openxmlformats.org/drawingml/2006/main" xmlns:r="http://schemas.openxmlformats.org/officeDocument/2006/relationships" xmlns:mc="http://schemas.openxmlformats.org/markup-compatibility/2006" xmlns:mv="urn:schemas-microsoft-com:mac:vml" xmlns:p="http://schemas.openxmlformats.org/presentationml/2006/main" mc:Ignorable="mv" mc:PreserveAttributes="mv:*">
+<p:notes xmlns:a="http://schemas.openxmlformats.org/drawingml/2006/main" xmlns:r="http://schemas.openxmlformats.org/officeDocument/2006/relationships" xmlns:p="http://schemas.openxmlformats.org/presentationml/2006/main">
   <p:cSld>
     <p:spTree>
       <p:nvGrpSpPr>
@@ -683,7 +683,7 @@
 </file>
 
 <file path=ppt/notesSlides/notesSlide10.xml><?xml version="1.0" encoding="utf-8"?>
-<p:notes xmlns:a="http://schemas.openxmlformats.org/drawingml/2006/main" xmlns:r="http://schemas.openxmlformats.org/officeDocument/2006/relationships" xmlns:mc="http://schemas.openxmlformats.org/markup-compatibility/2006" xmlns:mv="urn:schemas-microsoft-com:mac:vml" xmlns:p="http://schemas.openxmlformats.org/presentationml/2006/main" mc:Ignorable="mv" mc:PreserveAttributes="mv:*">
+<p:notes xmlns:a="http://schemas.openxmlformats.org/drawingml/2006/main" xmlns:r="http://schemas.openxmlformats.org/officeDocument/2006/relationships" xmlns:p="http://schemas.openxmlformats.org/presentationml/2006/main">
   <p:cSld>
     <p:spTree>
       <p:nvGrpSpPr>
@@ -816,7 +816,7 @@
 </file>
 
 <file path=ppt/notesSlides/notesSlide2.xml><?xml version="1.0" encoding="utf-8"?>
-<p:notes xmlns:a="http://schemas.openxmlformats.org/drawingml/2006/main" xmlns:r="http://schemas.openxmlformats.org/officeDocument/2006/relationships" xmlns:mc="http://schemas.openxmlformats.org/markup-compatibility/2006" xmlns:mv="urn:schemas-microsoft-com:mac:vml" xmlns:p="http://schemas.openxmlformats.org/presentationml/2006/main" mc:Ignorable="mv" mc:PreserveAttributes="mv:*">
+<p:notes xmlns:a="http://schemas.openxmlformats.org/drawingml/2006/main" xmlns:r="http://schemas.openxmlformats.org/officeDocument/2006/relationships" xmlns:p="http://schemas.openxmlformats.org/presentationml/2006/main">
   <p:cSld>
     <p:spTree>
       <p:nvGrpSpPr>
@@ -960,7 +960,7 @@
 </file>
 
 <file path=ppt/notesSlides/notesSlide3.xml><?xml version="1.0" encoding="utf-8"?>
-<p:notes xmlns:a="http://schemas.openxmlformats.org/drawingml/2006/main" xmlns:r="http://schemas.openxmlformats.org/officeDocument/2006/relationships" xmlns:mc="http://schemas.openxmlformats.org/markup-compatibility/2006" xmlns:mv="urn:schemas-microsoft-com:mac:vml" xmlns:p="http://schemas.openxmlformats.org/presentationml/2006/main" mc:Ignorable="mv" mc:PreserveAttributes="mv:*">
+<p:notes xmlns:a="http://schemas.openxmlformats.org/drawingml/2006/main" xmlns:r="http://schemas.openxmlformats.org/officeDocument/2006/relationships" xmlns:p="http://schemas.openxmlformats.org/presentationml/2006/main">
   <p:cSld>
     <p:spTree>
       <p:nvGrpSpPr>
@@ -1090,7 +1090,7 @@
 </file>
 
 <file path=ppt/notesSlides/notesSlide4.xml><?xml version="1.0" encoding="utf-8"?>
-<p:notes xmlns:a="http://schemas.openxmlformats.org/drawingml/2006/main" xmlns:r="http://schemas.openxmlformats.org/officeDocument/2006/relationships" xmlns:mc="http://schemas.openxmlformats.org/markup-compatibility/2006" xmlns:mv="urn:schemas-microsoft-com:mac:vml" xmlns:p="http://schemas.openxmlformats.org/presentationml/2006/main" mc:Ignorable="mv" mc:PreserveAttributes="mv:*">
+<p:notes xmlns:a="http://schemas.openxmlformats.org/drawingml/2006/main" xmlns:r="http://schemas.openxmlformats.org/officeDocument/2006/relationships" xmlns:p="http://schemas.openxmlformats.org/presentationml/2006/main">
   <p:cSld>
     <p:spTree>
       <p:nvGrpSpPr>
@@ -1223,7 +1223,7 @@
 </file>
 
 <file path=ppt/notesSlides/notesSlide5.xml><?xml version="1.0" encoding="utf-8"?>
-<p:notes xmlns:a="http://schemas.openxmlformats.org/drawingml/2006/main" xmlns:r="http://schemas.openxmlformats.org/officeDocument/2006/relationships" xmlns:mc="http://schemas.openxmlformats.org/markup-compatibility/2006" xmlns:mv="urn:schemas-microsoft-com:mac:vml" xmlns:p="http://schemas.openxmlformats.org/presentationml/2006/main" mc:Ignorable="mv" mc:PreserveAttributes="mv:*">
+<p:notes xmlns:a="http://schemas.openxmlformats.org/drawingml/2006/main" xmlns:r="http://schemas.openxmlformats.org/officeDocument/2006/relationships" xmlns:p="http://schemas.openxmlformats.org/presentationml/2006/main">
   <p:cSld>
     <p:spTree>
       <p:nvGrpSpPr>
@@ -1493,7 +1493,7 @@
 </file>
 
 <file path=ppt/notesSlides/notesSlide6.xml><?xml version="1.0" encoding="utf-8"?>
-<p:notes xmlns:a="http://schemas.openxmlformats.org/drawingml/2006/main" xmlns:r="http://schemas.openxmlformats.org/officeDocument/2006/relationships" xmlns:mc="http://schemas.openxmlformats.org/markup-compatibility/2006" xmlns:mv="urn:schemas-microsoft-com:mac:vml" xmlns:p="http://schemas.openxmlformats.org/presentationml/2006/main" mc:Ignorable="mv" mc:PreserveAttributes="mv:*">
+<p:notes xmlns:a="http://schemas.openxmlformats.org/drawingml/2006/main" xmlns:r="http://schemas.openxmlformats.org/officeDocument/2006/relationships" xmlns:p="http://schemas.openxmlformats.org/presentationml/2006/main">
   <p:cSld>
     <p:spTree>
       <p:nvGrpSpPr>
@@ -1721,7 +1721,7 @@
 </file>
 
 <file path=ppt/notesSlides/notesSlide7.xml><?xml version="1.0" encoding="utf-8"?>
-<p:notes xmlns:a="http://schemas.openxmlformats.org/drawingml/2006/main" xmlns:r="http://schemas.openxmlformats.org/officeDocument/2006/relationships" xmlns:mc="http://schemas.openxmlformats.org/markup-compatibility/2006" xmlns:mv="urn:schemas-microsoft-com:mac:vml" xmlns:p="http://schemas.openxmlformats.org/presentationml/2006/main" mc:Ignorable="mv" mc:PreserveAttributes="mv:*">
+<p:notes xmlns:a="http://schemas.openxmlformats.org/drawingml/2006/main" xmlns:r="http://schemas.openxmlformats.org/officeDocument/2006/relationships" xmlns:p="http://schemas.openxmlformats.org/presentationml/2006/main">
   <p:cSld>
     <p:spTree>
       <p:nvGrpSpPr>
@@ -1825,7 +1825,51 @@
                 <a:ea typeface="+mn-ea"/>
                 <a:cs typeface="+mn-cs"/>
               </a:rPr>
-              <a:t>Trypanosoma</a:t>
+              <a:t>Trypanosomabrucei</a:t>
+            </a:r>
+            <a:r>
+              <a:rPr lang="en-US" sz="1200" kern="1200" dirty="0" smtClean="0">
+                <a:solidFill>
+                  <a:schemeClr val="tx1"/>
+                </a:solidFill>
+                <a:latin typeface="+mn-lt"/>
+                <a:ea typeface="+mn-ea"/>
+                <a:cs typeface="+mn-cs"/>
+              </a:rPr>
+              <a:t>, </a:t>
+            </a:r>
+            <a:r>
+              <a:rPr lang="en-US" sz="1200" i="1" kern="1200" dirty="0" err="1" smtClean="0">
+                <a:solidFill>
+                  <a:schemeClr val="tx1"/>
+                </a:solidFill>
+                <a:latin typeface="+mn-lt"/>
+                <a:ea typeface="+mn-ea"/>
+                <a:cs typeface="+mn-cs"/>
+              </a:rPr>
+              <a:t>Trypanosomacruzi</a:t>
+            </a:r>
+            <a:r>
+              <a:rPr lang="en-US" sz="1200" kern="1200" dirty="0" smtClean="0">
+                <a:solidFill>
+                  <a:schemeClr val="tx1"/>
+                </a:solidFill>
+                <a:latin typeface="+mn-lt"/>
+                <a:ea typeface="+mn-ea"/>
+                <a:cs typeface="+mn-cs"/>
+              </a:rPr>
+              <a:t>, </a:t>
+            </a:r>
+            <a:r>
+              <a:rPr lang="en-US" sz="1200" i="1" kern="1200" dirty="0" err="1" smtClean="0">
+                <a:solidFill>
+                  <a:schemeClr val="tx1"/>
+                </a:solidFill>
+                <a:latin typeface="+mn-lt"/>
+                <a:ea typeface="+mn-ea"/>
+                <a:cs typeface="+mn-cs"/>
+              </a:rPr>
+              <a:t>Leishmania</a:t>
             </a:r>
             <a:r>
               <a:rPr lang="en-US" sz="1200" i="1" kern="1200" dirty="0" smtClean="0">
@@ -1836,7 +1880,29 @@
                 <a:ea typeface="+mn-ea"/>
                 <a:cs typeface="+mn-cs"/>
               </a:rPr>
-              <a:t> </a:t>
+              <a:t> major</a:t>
+            </a:r>
+            <a:r>
+              <a:rPr lang="en-US" sz="1200" kern="1200" dirty="0" smtClean="0">
+                <a:solidFill>
+                  <a:schemeClr val="tx1"/>
+                </a:solidFill>
+                <a:latin typeface="+mn-lt"/>
+                <a:ea typeface="+mn-ea"/>
+                <a:cs typeface="+mn-cs"/>
+              </a:rPr>
+              <a:t>, </a:t>
+            </a:r>
+            <a:r>
+              <a:rPr lang="en-US" sz="1200" i="1" kern="1200" dirty="0" smtClean="0">
+                <a:solidFill>
+                  <a:schemeClr val="tx1"/>
+                </a:solidFill>
+                <a:latin typeface="+mn-lt"/>
+                <a:ea typeface="+mn-ea"/>
+                <a:cs typeface="+mn-cs"/>
+              </a:rPr>
+              <a:t>Plasmodium </a:t>
             </a:r>
             <a:r>
               <a:rPr lang="en-US" sz="1200" i="1" kern="1200" dirty="0" err="1" smtClean="0">
@@ -1847,7 +1913,7 @@
                 <a:ea typeface="+mn-ea"/>
                 <a:cs typeface="+mn-cs"/>
               </a:rPr>
-              <a:t>brucei</a:t>
+              <a:t>falciparum</a:t>
             </a:r>
             <a:r>
               <a:rPr lang="en-US" sz="1200" kern="1200" dirty="0" smtClean="0">
@@ -1858,7 +1924,7 @@
                 <a:ea typeface="+mn-ea"/>
                 <a:cs typeface="+mn-cs"/>
               </a:rPr>
-              <a:t>, </a:t>
+              <a:t>, and </a:t>
             </a:r>
             <a:r>
               <a:rPr lang="en-US" sz="1200" i="1" kern="1200" dirty="0" err="1" smtClean="0">
@@ -1869,139 +1935,7 @@
                 <a:ea typeface="+mn-ea"/>
                 <a:cs typeface="+mn-cs"/>
               </a:rPr>
-              <a:t>Trypanosoma</a:t>
-            </a:r>
-            <a:r>
-              <a:rPr lang="en-US" sz="1200" i="1" kern="1200" dirty="0" smtClean="0">
-                <a:solidFill>
-                  <a:schemeClr val="tx1"/>
-                </a:solidFill>
-                <a:latin typeface="+mn-lt"/>
-                <a:ea typeface="+mn-ea"/>
-                <a:cs typeface="+mn-cs"/>
-              </a:rPr>
-              <a:t> </a:t>
-            </a:r>
-            <a:r>
-              <a:rPr lang="en-US" sz="1200" i="1" kern="1200" dirty="0" err="1" smtClean="0">
-                <a:solidFill>
-                  <a:schemeClr val="tx1"/>
-                </a:solidFill>
-                <a:latin typeface="+mn-lt"/>
-                <a:ea typeface="+mn-ea"/>
-                <a:cs typeface="+mn-cs"/>
-              </a:rPr>
-              <a:t>cruzi</a:t>
-            </a:r>
-            <a:r>
-              <a:rPr lang="en-US" sz="1200" kern="1200" dirty="0" smtClean="0">
-                <a:solidFill>
-                  <a:schemeClr val="tx1"/>
-                </a:solidFill>
-                <a:latin typeface="+mn-lt"/>
-                <a:ea typeface="+mn-ea"/>
-                <a:cs typeface="+mn-cs"/>
-              </a:rPr>
-              <a:t>, </a:t>
-            </a:r>
-            <a:r>
-              <a:rPr lang="en-US" sz="1200" i="1" kern="1200" dirty="0" err="1" smtClean="0">
-                <a:solidFill>
-                  <a:schemeClr val="tx1"/>
-                </a:solidFill>
-                <a:latin typeface="+mn-lt"/>
-                <a:ea typeface="+mn-ea"/>
-                <a:cs typeface="+mn-cs"/>
-              </a:rPr>
-              <a:t>Leishmania</a:t>
-            </a:r>
-            <a:r>
-              <a:rPr lang="en-US" sz="1200" i="1" kern="1200" dirty="0" smtClean="0">
-                <a:solidFill>
-                  <a:schemeClr val="tx1"/>
-                </a:solidFill>
-                <a:latin typeface="+mn-lt"/>
-                <a:ea typeface="+mn-ea"/>
-                <a:cs typeface="+mn-cs"/>
-              </a:rPr>
-              <a:t> major</a:t>
-            </a:r>
-            <a:r>
-              <a:rPr lang="en-US" sz="1200" kern="1200" dirty="0" smtClean="0">
-                <a:solidFill>
-                  <a:schemeClr val="tx1"/>
-                </a:solidFill>
-                <a:latin typeface="+mn-lt"/>
-                <a:ea typeface="+mn-ea"/>
-                <a:cs typeface="+mn-cs"/>
-              </a:rPr>
-              <a:t>, </a:t>
-            </a:r>
-            <a:r>
-              <a:rPr lang="en-US" sz="1200" i="1" kern="1200" dirty="0" smtClean="0">
-                <a:solidFill>
-                  <a:schemeClr val="tx1"/>
-                </a:solidFill>
-                <a:latin typeface="+mn-lt"/>
-                <a:ea typeface="+mn-ea"/>
-                <a:cs typeface="+mn-cs"/>
-              </a:rPr>
-              <a:t>Plasmodium </a:t>
-            </a:r>
-            <a:r>
-              <a:rPr lang="en-US" sz="1200" i="1" kern="1200" dirty="0" err="1" smtClean="0">
-                <a:solidFill>
-                  <a:schemeClr val="tx1"/>
-                </a:solidFill>
-                <a:latin typeface="+mn-lt"/>
-                <a:ea typeface="+mn-ea"/>
-                <a:cs typeface="+mn-cs"/>
-              </a:rPr>
-              <a:t>falciparum</a:t>
-            </a:r>
-            <a:r>
-              <a:rPr lang="en-US" sz="1200" kern="1200" dirty="0" smtClean="0">
-                <a:solidFill>
-                  <a:schemeClr val="tx1"/>
-                </a:solidFill>
-                <a:latin typeface="+mn-lt"/>
-                <a:ea typeface="+mn-ea"/>
-                <a:cs typeface="+mn-cs"/>
-              </a:rPr>
-              <a:t>, and </a:t>
-            </a:r>
-            <a:r>
-              <a:rPr lang="en-US" sz="1200" i="1" kern="1200" dirty="0" err="1" smtClean="0">
-                <a:solidFill>
-                  <a:schemeClr val="tx1"/>
-                </a:solidFill>
-                <a:latin typeface="+mn-lt"/>
-                <a:ea typeface="+mn-ea"/>
-                <a:cs typeface="+mn-cs"/>
-              </a:rPr>
-              <a:t>Schistosoma</a:t>
-            </a:r>
-            <a:r>
-              <a:rPr lang="en-US" sz="1200" i="1" kern="1200" dirty="0" smtClean="0">
-                <a:solidFill>
-                  <a:schemeClr val="tx1"/>
-                </a:solidFill>
-                <a:latin typeface="+mn-lt"/>
-                <a:ea typeface="+mn-ea"/>
-                <a:cs typeface="+mn-cs"/>
-              </a:rPr>
-              <a:t> </a:t>
-            </a:r>
-            <a:r>
-              <a:rPr lang="en-US" sz="1200" i="1" kern="1200" dirty="0" err="1" smtClean="0">
-                <a:solidFill>
-                  <a:schemeClr val="tx1"/>
-                </a:solidFill>
-                <a:latin typeface="+mn-lt"/>
-                <a:ea typeface="+mn-ea"/>
-                <a:cs typeface="+mn-cs"/>
-              </a:rPr>
-              <a:t>mansoni</a:t>
+              <a:t>Schistosomamansoni</a:t>
             </a:r>
             <a:r>
               <a:rPr lang="en-US" sz="1200" kern="1200" dirty="0" smtClean="0">
@@ -2101,7 +2035,7 @@
 </file>
 
 <file path=ppt/notesSlides/notesSlide8.xml><?xml version="1.0" encoding="utf-8"?>
-<p:notes xmlns:a="http://schemas.openxmlformats.org/drawingml/2006/main" xmlns:r="http://schemas.openxmlformats.org/officeDocument/2006/relationships" xmlns:mc="http://schemas.openxmlformats.org/markup-compatibility/2006" xmlns:mv="urn:schemas-microsoft-com:mac:vml" xmlns:p="http://schemas.openxmlformats.org/presentationml/2006/main" mc:Ignorable="mv" mc:PreserveAttributes="mv:*">
+<p:notes xmlns:a="http://schemas.openxmlformats.org/drawingml/2006/main" xmlns:r="http://schemas.openxmlformats.org/officeDocument/2006/relationships" xmlns:p="http://schemas.openxmlformats.org/presentationml/2006/main">
   <p:cSld>
     <p:spTree>
       <p:nvGrpSpPr>
@@ -2209,30 +2143,7 @@
                 <a:cs typeface="+mn-cs"/>
                 <a:hlinkClick r:id="rId3"/>
               </a:rPr>
-              <a:t>Life Cycle of a Parasite | eHow.com</a:t>
-            </a:r>
-            <a:r>
-              <a:rPr lang="en-US" sz="1200" u="none" strike="noStrike" kern="1200" dirty="0" smtClean="0">
-                <a:solidFill>
-                  <a:schemeClr val="tx1"/>
-                </a:solidFill>
-                <a:latin typeface="+mn-lt"/>
-                <a:ea typeface="+mn-ea"/>
-                <a:cs typeface="+mn-cs"/>
-              </a:rPr>
-              <a:t> </a:t>
-            </a:r>
-            <a:r>
-              <a:rPr lang="en-US" sz="1200" u="none" strike="noStrike" kern="1200" dirty="0" smtClean="0">
-                <a:solidFill>
-                  <a:schemeClr val="tx1"/>
-                </a:solidFill>
-                <a:latin typeface="+mn-lt"/>
-                <a:ea typeface="+mn-ea"/>
-                <a:cs typeface="+mn-cs"/>
-                <a:hlinkClick r:id="rId3"/>
-              </a:rPr>
-              <a:t>http://www.ehow.com/about_5339802_life-cycle-parasite.html#ixzz1S1N345mM</a:t>
+              <a:t>Life Cycle of a Parasite | eHow.comhttp://www.ehow.com/about_5339802_life-cycle-parasite.html#ixzz1S1N345mM</a:t>
             </a:r>
             <a:endParaRPr lang="en-US" sz="1200" u="none" strike="noStrike" kern="1200" dirty="0" smtClean="0">
               <a:solidFill>
@@ -2332,11 +2243,11 @@
             </a:r>
             <a:r>
               <a:rPr lang="en-US" dirty="0" err="1" smtClean="0"/>
-              <a:t>metacyclic</a:t>
+              <a:t>metacyclictrypomastigotes</a:t>
             </a:r>
             <a:r>
               <a:rPr lang="en-US" dirty="0" smtClean="0"/>
-              <a:t> </a:t>
+              <a:t> into skin tissue.  The parasites enter the lymphatic system and pass into the bloodstream (1) .  Inside the host, they transform into bloodstream </a:t>
             </a:r>
             <a:r>
               <a:rPr lang="en-US" dirty="0" err="1" smtClean="0"/>
@@ -2344,7 +2255,7 @@
             </a:r>
             <a:r>
               <a:rPr lang="en-US" dirty="0" smtClean="0"/>
-              <a:t> into skin tissue.  The parasites enter the lymphatic system and pass into the bloodstream (1) .  Inside the host, they transform into bloodstream </a:t>
+              <a:t>  (2), are carried to other sites throughout the body, reach other blood fluids (e.g., lymph, spinal fluid), and continue the replication by binary fission (3).  The entire life cycle of African Trypanosomes is represented by extracellular stages.  The tsetse fly becomes infected with bloodstream </a:t>
             </a:r>
             <a:r>
               <a:rPr lang="en-US" dirty="0" err="1" smtClean="0"/>
@@ -2352,14 +2263,6 @@
             </a:r>
             <a:r>
               <a:rPr lang="en-US" dirty="0" smtClean="0"/>
-              <a:t>  (2), are carried to other sites throughout the body, reach other blood fluids (e.g., lymph, spinal fluid), and continue the replication by binary fission (3).  The entire life cycle of African Trypanosomes is represented by extracellular stages.  The tsetse fly becomes infected with bloodstream </a:t>
-            </a:r>
-            <a:r>
-              <a:rPr lang="en-US" dirty="0" err="1" smtClean="0"/>
-              <a:t>trypomastigotes</a:t>
-            </a:r>
-            <a:r>
-              <a:rPr lang="en-US" dirty="0" smtClean="0"/>
               <a:t> when taking a blood meal on an infected mammalian host (4,5).  In the fly’s </a:t>
             </a:r>
             <a:r>
@@ -2372,15 +2275,7 @@
             </a:r>
             <a:r>
               <a:rPr lang="en-US" dirty="0" err="1" smtClean="0"/>
-              <a:t>procyclic</a:t>
-            </a:r>
-            <a:r>
-              <a:rPr lang="en-US" dirty="0" smtClean="0"/>
-              <a:t> </a:t>
-            </a:r>
-            <a:r>
-              <a:rPr lang="en-US" dirty="0" err="1" smtClean="0"/>
-              <a:t>trypomastigotes</a:t>
+              <a:t>procyclictrypomastigotes</a:t>
             </a:r>
             <a:r>
               <a:rPr lang="en-US" dirty="0" smtClean="0"/>
@@ -2412,23 +2307,7 @@
             </a:r>
             <a:r>
               <a:rPr lang="en-US" i="1" dirty="0" err="1" smtClean="0"/>
-              <a:t>Trypanosoma</a:t>
-            </a:r>
-            <a:r>
-              <a:rPr lang="en-US" i="1" dirty="0" smtClean="0"/>
-              <a:t> </a:t>
-            </a:r>
-            <a:r>
-              <a:rPr lang="en-US" i="1" dirty="0" err="1" smtClean="0"/>
-              <a:t>brucei</a:t>
-            </a:r>
-            <a:r>
-              <a:rPr lang="en-US" i="1" dirty="0" smtClean="0"/>
-              <a:t> </a:t>
-            </a:r>
-            <a:r>
-              <a:rPr lang="en-US" i="1" dirty="0" err="1" smtClean="0"/>
-              <a:t>gambiense</a:t>
+              <a:t>Trypanosomabruceigambiense</a:t>
             </a:r>
             <a:r>
               <a:rPr lang="en-US" dirty="0" smtClean="0"/>
@@ -2523,7 +2402,205 @@
                 <a:ea typeface="+mn-ea"/>
                 <a:cs typeface="+mn-cs"/>
               </a:rPr>
-              <a:t>Trypanosoma</a:t>
+              <a:t>Trypanosomacruzi</a:t>
+            </a:r>
+            <a:r>
+              <a:rPr lang="en-US" sz="1200" kern="1200" dirty="0" err="1" smtClean="0">
+                <a:solidFill>
+                  <a:schemeClr val="tx1"/>
+                </a:solidFill>
+                <a:latin typeface="+mn-lt"/>
+                <a:ea typeface="+mn-ea"/>
+                <a:cs typeface="+mn-cs"/>
+              </a:rPr>
+              <a:t>parasite</a:t>
+            </a:r>
+            <a:r>
+              <a:rPr lang="en-US" sz="1200" kern="1200" dirty="0" smtClean="0">
+                <a:solidFill>
+                  <a:schemeClr val="tx1"/>
+                </a:solidFill>
+                <a:latin typeface="+mn-lt"/>
+                <a:ea typeface="+mn-ea"/>
+                <a:cs typeface="+mn-cs"/>
+              </a:rPr>
+              <a:t>, which has three stages, namely </a:t>
+            </a:r>
+            <a:r>
+              <a:rPr lang="en-US" sz="1200" kern="1200" dirty="0" err="1" smtClean="0">
+                <a:solidFill>
+                  <a:schemeClr val="tx1"/>
+                </a:solidFill>
+                <a:latin typeface="+mn-lt"/>
+                <a:ea typeface="+mn-ea"/>
+                <a:cs typeface="+mn-cs"/>
+              </a:rPr>
+              <a:t>amastigote</a:t>
+            </a:r>
+            <a:r>
+              <a:rPr lang="en-US" sz="1200" kern="1200" dirty="0" smtClean="0">
+                <a:solidFill>
+                  <a:schemeClr val="tx1"/>
+                </a:solidFill>
+                <a:latin typeface="+mn-lt"/>
+                <a:ea typeface="+mn-ea"/>
+                <a:cs typeface="+mn-cs"/>
+              </a:rPr>
+              <a:t>, </a:t>
+            </a:r>
+            <a:r>
+              <a:rPr lang="en-US" sz="1200" kern="1200" dirty="0" err="1" smtClean="0">
+                <a:solidFill>
+                  <a:schemeClr val="tx1"/>
+                </a:solidFill>
+                <a:latin typeface="+mn-lt"/>
+                <a:ea typeface="+mn-ea"/>
+                <a:cs typeface="+mn-cs"/>
+              </a:rPr>
+              <a:t>epimastigote</a:t>
+            </a:r>
+            <a:r>
+              <a:rPr lang="en-US" sz="1200" kern="1200" dirty="0" smtClean="0">
+                <a:solidFill>
+                  <a:schemeClr val="tx1"/>
+                </a:solidFill>
+                <a:latin typeface="+mn-lt"/>
+                <a:ea typeface="+mn-ea"/>
+                <a:cs typeface="+mn-cs"/>
+              </a:rPr>
+              <a:t>, and </a:t>
+            </a:r>
+            <a:r>
+              <a:rPr lang="en-US" sz="1200" kern="1200" dirty="0" err="1" smtClean="0">
+                <a:solidFill>
+                  <a:schemeClr val="tx1"/>
+                </a:solidFill>
+                <a:latin typeface="+mn-lt"/>
+                <a:ea typeface="+mn-ea"/>
+                <a:cs typeface="+mn-cs"/>
+              </a:rPr>
+              <a:t>trypomastigote</a:t>
+            </a:r>
+            <a:r>
+              <a:rPr lang="en-US" sz="1200" kern="1200" dirty="0" smtClean="0">
+                <a:solidFill>
+                  <a:schemeClr val="tx1"/>
+                </a:solidFill>
+                <a:latin typeface="+mn-lt"/>
+                <a:ea typeface="+mn-ea"/>
+                <a:cs typeface="+mn-cs"/>
+              </a:rPr>
+              <a:t>.  The </a:t>
+            </a:r>
+            <a:r>
+              <a:rPr lang="en-US" sz="1200" kern="1200" dirty="0" err="1" smtClean="0">
+                <a:solidFill>
+                  <a:schemeClr val="tx1"/>
+                </a:solidFill>
+                <a:latin typeface="+mn-lt"/>
+                <a:ea typeface="+mn-ea"/>
+                <a:cs typeface="+mn-cs"/>
+              </a:rPr>
+              <a:t>amastigote</a:t>
+            </a:r>
+            <a:r>
+              <a:rPr lang="en-US" sz="1200" kern="1200" dirty="0" smtClean="0">
+                <a:solidFill>
+                  <a:schemeClr val="tx1"/>
+                </a:solidFill>
+                <a:latin typeface="+mn-lt"/>
+                <a:ea typeface="+mn-ea"/>
+                <a:cs typeface="+mn-cs"/>
+              </a:rPr>
+              <a:t> is an intracellular form that is found in humans/vertebrate hosts of the parasite, the </a:t>
+            </a:r>
+            <a:r>
+              <a:rPr lang="en-US" sz="1200" kern="1200" dirty="0" err="1" smtClean="0">
+                <a:solidFill>
+                  <a:schemeClr val="tx1"/>
+                </a:solidFill>
+                <a:latin typeface="+mn-lt"/>
+                <a:ea typeface="+mn-ea"/>
+                <a:cs typeface="+mn-cs"/>
+              </a:rPr>
+              <a:t>epimastigote</a:t>
+            </a:r>
+            <a:r>
+              <a:rPr lang="en-US" sz="1200" kern="1200" dirty="0" smtClean="0">
+                <a:solidFill>
+                  <a:schemeClr val="tx1"/>
+                </a:solidFill>
+                <a:latin typeface="+mn-lt"/>
+                <a:ea typeface="+mn-ea"/>
+                <a:cs typeface="+mn-cs"/>
+              </a:rPr>
+              <a:t> is found in the </a:t>
+            </a:r>
+            <a:r>
+              <a:rPr lang="en-US" sz="1200" kern="1200" dirty="0" err="1" smtClean="0">
+                <a:solidFill>
+                  <a:schemeClr val="tx1"/>
+                </a:solidFill>
+                <a:latin typeface="+mn-lt"/>
+                <a:ea typeface="+mn-ea"/>
+                <a:cs typeface="+mn-cs"/>
+              </a:rPr>
+              <a:t>midgut</a:t>
+            </a:r>
+            <a:r>
+              <a:rPr lang="en-US" sz="1200" kern="1200" dirty="0" smtClean="0">
+                <a:solidFill>
+                  <a:schemeClr val="tx1"/>
+                </a:solidFill>
+                <a:latin typeface="+mn-lt"/>
+                <a:ea typeface="+mn-ea"/>
+                <a:cs typeface="+mn-cs"/>
+              </a:rPr>
+              <a:t> of an insect vector and the </a:t>
+            </a:r>
+            <a:r>
+              <a:rPr lang="en-US" sz="1200" kern="1200" dirty="0" err="1" smtClean="0">
+                <a:solidFill>
+                  <a:schemeClr val="tx1"/>
+                </a:solidFill>
+                <a:latin typeface="+mn-lt"/>
+                <a:ea typeface="+mn-ea"/>
+                <a:cs typeface="+mn-cs"/>
+              </a:rPr>
+              <a:t>trypomastigote</a:t>
+            </a:r>
+            <a:r>
+              <a:rPr lang="en-US" sz="1200" kern="1200" dirty="0" smtClean="0">
+                <a:solidFill>
+                  <a:schemeClr val="tx1"/>
+                </a:solidFill>
+                <a:latin typeface="+mn-lt"/>
+                <a:ea typeface="+mn-ea"/>
+                <a:cs typeface="+mn-cs"/>
+              </a:rPr>
+              <a:t> is found in the bloodstream of a vertebrate host.  Further, the similar lifecycle stage in different organisms may have different locations and vectors.  For example, the </a:t>
+            </a:r>
+            <a:r>
+              <a:rPr lang="en-US" sz="1200" kern="1200" dirty="0" err="1" smtClean="0">
+                <a:solidFill>
+                  <a:schemeClr val="tx1"/>
+                </a:solidFill>
+                <a:latin typeface="+mn-lt"/>
+                <a:ea typeface="+mn-ea"/>
+                <a:cs typeface="+mn-cs"/>
+              </a:rPr>
+              <a:t>epimastigote</a:t>
+            </a:r>
+            <a:r>
+              <a:rPr lang="en-US" sz="1200" kern="1200" dirty="0" smtClean="0">
+                <a:solidFill>
+                  <a:schemeClr val="tx1"/>
+                </a:solidFill>
+                <a:latin typeface="+mn-lt"/>
+                <a:ea typeface="+mn-ea"/>
+                <a:cs typeface="+mn-cs"/>
+              </a:rPr>
+              <a:t> stage of </a:t>
             </a:r>
             <a:r>
               <a:rPr lang="en-US" sz="1200" i="1" kern="1200" dirty="0" smtClean="0">
@@ -2534,7 +2611,7 @@
                 <a:ea typeface="+mn-ea"/>
                 <a:cs typeface="+mn-cs"/>
               </a:rPr>
-              <a:t> </a:t>
+              <a:t>T. </a:t>
             </a:r>
             <a:r>
               <a:rPr lang="en-US" sz="1200" i="1" kern="1200" dirty="0" err="1" smtClean="0">
@@ -2548,6 +2625,17 @@
               <a:t>cruzi</a:t>
             </a:r>
             <a:r>
+              <a:rPr lang="en-US" sz="1200" kern="1200" dirty="0" smtClean="0">
+                <a:solidFill>
+                  <a:schemeClr val="tx1"/>
+                </a:solidFill>
+                <a:latin typeface="+mn-lt"/>
+                <a:ea typeface="+mn-ea"/>
+                <a:cs typeface="+mn-cs"/>
+              </a:rPr>
+              <a:t> occurs in the </a:t>
+            </a:r>
+            <a:r>
               <a:rPr lang="en-US" sz="1200" kern="1200" dirty="0" err="1" smtClean="0">
                 <a:solidFill>
                   <a:schemeClr val="tx1"/>
@@ -2556,7 +2644,7 @@
                 <a:ea typeface="+mn-ea"/>
                 <a:cs typeface="+mn-cs"/>
               </a:rPr>
-              <a:t>parasite</a:t>
+              <a:t>midgut</a:t>
             </a:r>
             <a:r>
               <a:rPr lang="en-US" sz="1200" kern="1200" dirty="0" smtClean="0">
@@ -2567,7 +2655,7 @@
                 <a:ea typeface="+mn-ea"/>
                 <a:cs typeface="+mn-cs"/>
               </a:rPr>
-              <a:t>, which has three stages, namely </a:t>
+              <a:t> of the </a:t>
             </a:r>
             <a:r>
               <a:rPr lang="en-US" sz="1200" kern="1200" dirty="0" err="1" smtClean="0">
@@ -2578,7 +2666,7 @@
                 <a:ea typeface="+mn-ea"/>
                 <a:cs typeface="+mn-cs"/>
               </a:rPr>
-              <a:t>amastigote</a:t>
+              <a:t>triatomine</a:t>
             </a:r>
             <a:r>
               <a:rPr lang="en-US" sz="1200" kern="1200" dirty="0" smtClean="0">
@@ -2589,10 +2677,10 @@
                 <a:ea typeface="+mn-ea"/>
                 <a:cs typeface="+mn-cs"/>
               </a:rPr>
-              <a:t>, </a:t>
-            </a:r>
-            <a:r>
-              <a:rPr lang="en-US" sz="1200" kern="1200" dirty="0" err="1" smtClean="0">
+              <a:t> kissing bug, but in </a:t>
+            </a:r>
+            <a:r>
+              <a:rPr lang="en-US" sz="1200" i="1" kern="1200" dirty="0" smtClean="0">
                 <a:solidFill>
                   <a:schemeClr val="tx1"/>
                 </a:solidFill>
@@ -2600,7 +2688,18 @@
                 <a:ea typeface="+mn-ea"/>
                 <a:cs typeface="+mn-cs"/>
               </a:rPr>
-              <a:t>epimastigote</a:t>
+              <a:t>T. </a:t>
+            </a:r>
+            <a:r>
+              <a:rPr lang="en-US" sz="1200" i="1" kern="1200" dirty="0" err="1" smtClean="0">
+                <a:solidFill>
+                  <a:schemeClr val="tx1"/>
+                </a:solidFill>
+                <a:latin typeface="+mn-lt"/>
+                <a:ea typeface="+mn-ea"/>
+                <a:cs typeface="+mn-cs"/>
+              </a:rPr>
+              <a:t>brucei</a:t>
             </a:r>
             <a:r>
               <a:rPr lang="en-US" sz="1200" kern="1200" dirty="0" smtClean="0">
@@ -2611,150 +2710,7 @@
                 <a:ea typeface="+mn-ea"/>
                 <a:cs typeface="+mn-cs"/>
               </a:rPr>
-              <a:t>, and </a:t>
-            </a:r>
-            <a:r>
-              <a:rPr lang="en-US" sz="1200" kern="1200" dirty="0" err="1" smtClean="0">
-                <a:solidFill>
-                  <a:schemeClr val="tx1"/>
-                </a:solidFill>
-                <a:latin typeface="+mn-lt"/>
-                <a:ea typeface="+mn-ea"/>
-                <a:cs typeface="+mn-cs"/>
-              </a:rPr>
-              <a:t>trypomastigote</a:t>
-            </a:r>
-            <a:r>
-              <a:rPr lang="en-US" sz="1200" kern="1200" dirty="0" smtClean="0">
-                <a:solidFill>
-                  <a:schemeClr val="tx1"/>
-                </a:solidFill>
-                <a:latin typeface="+mn-lt"/>
-                <a:ea typeface="+mn-ea"/>
-                <a:cs typeface="+mn-cs"/>
-              </a:rPr>
-              <a:t>.  The </a:t>
-            </a:r>
-            <a:r>
-              <a:rPr lang="en-US" sz="1200" kern="1200" dirty="0" err="1" smtClean="0">
-                <a:solidFill>
-                  <a:schemeClr val="tx1"/>
-                </a:solidFill>
-                <a:latin typeface="+mn-lt"/>
-                <a:ea typeface="+mn-ea"/>
-                <a:cs typeface="+mn-cs"/>
-              </a:rPr>
-              <a:t>amastigote</a:t>
-            </a:r>
-            <a:r>
-              <a:rPr lang="en-US" sz="1200" kern="1200" dirty="0" smtClean="0">
-                <a:solidFill>
-                  <a:schemeClr val="tx1"/>
-                </a:solidFill>
-                <a:latin typeface="+mn-lt"/>
-                <a:ea typeface="+mn-ea"/>
-                <a:cs typeface="+mn-cs"/>
-              </a:rPr>
-              <a:t> is an intracellular form that is found in humans/vertebrate hosts of the parasite, the </a:t>
-            </a:r>
-            <a:r>
-              <a:rPr lang="en-US" sz="1200" kern="1200" dirty="0" err="1" smtClean="0">
-                <a:solidFill>
-                  <a:schemeClr val="tx1"/>
-                </a:solidFill>
-                <a:latin typeface="+mn-lt"/>
-                <a:ea typeface="+mn-ea"/>
-                <a:cs typeface="+mn-cs"/>
-              </a:rPr>
-              <a:t>epimastigote</a:t>
-            </a:r>
-            <a:r>
-              <a:rPr lang="en-US" sz="1200" kern="1200" dirty="0" smtClean="0">
-                <a:solidFill>
-                  <a:schemeClr val="tx1"/>
-                </a:solidFill>
-                <a:latin typeface="+mn-lt"/>
-                <a:ea typeface="+mn-ea"/>
-                <a:cs typeface="+mn-cs"/>
-              </a:rPr>
-              <a:t> is found in the </a:t>
-            </a:r>
-            <a:r>
-              <a:rPr lang="en-US" sz="1200" kern="1200" dirty="0" err="1" smtClean="0">
-                <a:solidFill>
-                  <a:schemeClr val="tx1"/>
-                </a:solidFill>
-                <a:latin typeface="+mn-lt"/>
-                <a:ea typeface="+mn-ea"/>
-                <a:cs typeface="+mn-cs"/>
-              </a:rPr>
-              <a:t>midgut</a:t>
-            </a:r>
-            <a:r>
-              <a:rPr lang="en-US" sz="1200" kern="1200" dirty="0" smtClean="0">
-                <a:solidFill>
-                  <a:schemeClr val="tx1"/>
-                </a:solidFill>
-                <a:latin typeface="+mn-lt"/>
-                <a:ea typeface="+mn-ea"/>
-                <a:cs typeface="+mn-cs"/>
-              </a:rPr>
-              <a:t> of an insect vector and the </a:t>
-            </a:r>
-            <a:r>
-              <a:rPr lang="en-US" sz="1200" kern="1200" dirty="0" err="1" smtClean="0">
-                <a:solidFill>
-                  <a:schemeClr val="tx1"/>
-                </a:solidFill>
-                <a:latin typeface="+mn-lt"/>
-                <a:ea typeface="+mn-ea"/>
-                <a:cs typeface="+mn-cs"/>
-              </a:rPr>
-              <a:t>trypomastigote</a:t>
-            </a:r>
-            <a:r>
-              <a:rPr lang="en-US" sz="1200" kern="1200" dirty="0" smtClean="0">
-                <a:solidFill>
-                  <a:schemeClr val="tx1"/>
-                </a:solidFill>
-                <a:latin typeface="+mn-lt"/>
-                <a:ea typeface="+mn-ea"/>
-                <a:cs typeface="+mn-cs"/>
-              </a:rPr>
-              <a:t> is found in the bloodstream of a vertebrate host.  Further, the similar lifecycle stage in different organisms may have different locations and vectors.  For example, the </a:t>
-            </a:r>
-            <a:r>
-              <a:rPr lang="en-US" sz="1200" kern="1200" dirty="0" err="1" smtClean="0">
-                <a:solidFill>
-                  <a:schemeClr val="tx1"/>
-                </a:solidFill>
-                <a:latin typeface="+mn-lt"/>
-                <a:ea typeface="+mn-ea"/>
-                <a:cs typeface="+mn-cs"/>
-              </a:rPr>
-              <a:t>epimastigote</a:t>
-            </a:r>
-            <a:r>
-              <a:rPr lang="en-US" sz="1200" kern="1200" dirty="0" smtClean="0">
-                <a:solidFill>
-                  <a:schemeClr val="tx1"/>
-                </a:solidFill>
-                <a:latin typeface="+mn-lt"/>
-                <a:ea typeface="+mn-ea"/>
-                <a:cs typeface="+mn-cs"/>
-              </a:rPr>
-              <a:t> stage of </a:t>
-            </a:r>
-            <a:r>
-              <a:rPr lang="en-US" sz="1200" i="1" kern="1200" dirty="0" smtClean="0">
-                <a:solidFill>
-                  <a:schemeClr val="tx1"/>
-                </a:solidFill>
-                <a:latin typeface="+mn-lt"/>
-                <a:ea typeface="+mn-ea"/>
-                <a:cs typeface="+mn-cs"/>
-              </a:rPr>
-              <a:t>T. </a:t>
+              <a:t> it occurs in the salivary gland of the tsetse fly, </a:t>
             </a:r>
             <a:r>
               <a:rPr lang="en-US" sz="1200" i="1" kern="1200" dirty="0" err="1" smtClean="0">
@@ -2765,128 +2721,7 @@
                 <a:ea typeface="+mn-ea"/>
                 <a:cs typeface="+mn-cs"/>
               </a:rPr>
-              <a:t>cruzi</a:t>
-            </a:r>
-            <a:r>
-              <a:rPr lang="en-US" sz="1200" kern="1200" dirty="0" smtClean="0">
-                <a:solidFill>
-                  <a:schemeClr val="tx1"/>
-                </a:solidFill>
-                <a:latin typeface="+mn-lt"/>
-                <a:ea typeface="+mn-ea"/>
-                <a:cs typeface="+mn-cs"/>
-              </a:rPr>
-              <a:t> occurs in the </a:t>
-            </a:r>
-            <a:r>
-              <a:rPr lang="en-US" sz="1200" kern="1200" dirty="0" err="1" smtClean="0">
-                <a:solidFill>
-                  <a:schemeClr val="tx1"/>
-                </a:solidFill>
-                <a:latin typeface="+mn-lt"/>
-                <a:ea typeface="+mn-ea"/>
-                <a:cs typeface="+mn-cs"/>
-              </a:rPr>
-              <a:t>midgut</a:t>
-            </a:r>
-            <a:r>
-              <a:rPr lang="en-US" sz="1200" kern="1200" dirty="0" smtClean="0">
-                <a:solidFill>
-                  <a:schemeClr val="tx1"/>
-                </a:solidFill>
-                <a:latin typeface="+mn-lt"/>
-                <a:ea typeface="+mn-ea"/>
-                <a:cs typeface="+mn-cs"/>
-              </a:rPr>
-              <a:t> of the </a:t>
-            </a:r>
-            <a:r>
-              <a:rPr lang="en-US" sz="1200" kern="1200" dirty="0" err="1" smtClean="0">
-                <a:solidFill>
-                  <a:schemeClr val="tx1"/>
-                </a:solidFill>
-                <a:latin typeface="+mn-lt"/>
-                <a:ea typeface="+mn-ea"/>
-                <a:cs typeface="+mn-cs"/>
-              </a:rPr>
-              <a:t>triatomine</a:t>
-            </a:r>
-            <a:r>
-              <a:rPr lang="en-US" sz="1200" kern="1200" dirty="0" smtClean="0">
-                <a:solidFill>
-                  <a:schemeClr val="tx1"/>
-                </a:solidFill>
-                <a:latin typeface="+mn-lt"/>
-                <a:ea typeface="+mn-ea"/>
-                <a:cs typeface="+mn-cs"/>
-              </a:rPr>
-              <a:t> kissing bug, but in </a:t>
-            </a:r>
-            <a:r>
-              <a:rPr lang="en-US" sz="1200" i="1" kern="1200" dirty="0" smtClean="0">
-                <a:solidFill>
-                  <a:schemeClr val="tx1"/>
-                </a:solidFill>
-                <a:latin typeface="+mn-lt"/>
-                <a:ea typeface="+mn-ea"/>
-                <a:cs typeface="+mn-cs"/>
-              </a:rPr>
-              <a:t>T. </a:t>
-            </a:r>
-            <a:r>
-              <a:rPr lang="en-US" sz="1200" i="1" kern="1200" dirty="0" err="1" smtClean="0">
-                <a:solidFill>
-                  <a:schemeClr val="tx1"/>
-                </a:solidFill>
-                <a:latin typeface="+mn-lt"/>
-                <a:ea typeface="+mn-ea"/>
-                <a:cs typeface="+mn-cs"/>
-              </a:rPr>
-              <a:t>brucei</a:t>
-            </a:r>
-            <a:r>
-              <a:rPr lang="en-US" sz="1200" kern="1200" dirty="0" smtClean="0">
-                <a:solidFill>
-                  <a:schemeClr val="tx1"/>
-                </a:solidFill>
-                <a:latin typeface="+mn-lt"/>
-                <a:ea typeface="+mn-ea"/>
-                <a:cs typeface="+mn-cs"/>
-              </a:rPr>
-              <a:t> it occurs in the salivary gland of the tsetse fly, </a:t>
-            </a:r>
-            <a:r>
-              <a:rPr lang="en-US" sz="1200" i="1" kern="1200" dirty="0" err="1" smtClean="0">
-                <a:solidFill>
-                  <a:schemeClr val="tx1"/>
-                </a:solidFill>
-                <a:latin typeface="+mn-lt"/>
-                <a:ea typeface="+mn-ea"/>
-                <a:cs typeface="+mn-cs"/>
-              </a:rPr>
-              <a:t>Glossina</a:t>
-            </a:r>
-            <a:r>
-              <a:rPr lang="en-US" sz="1200" i="1" kern="1200" dirty="0" smtClean="0">
-                <a:solidFill>
-                  <a:schemeClr val="tx1"/>
-                </a:solidFill>
-                <a:latin typeface="+mn-lt"/>
-                <a:ea typeface="+mn-ea"/>
-                <a:cs typeface="+mn-cs"/>
-              </a:rPr>
-              <a:t> </a:t>
-            </a:r>
-            <a:r>
-              <a:rPr lang="en-US" sz="1200" i="1" kern="1200" dirty="0" err="1" smtClean="0">
-                <a:solidFill>
-                  <a:schemeClr val="tx1"/>
-                </a:solidFill>
-                <a:latin typeface="+mn-lt"/>
-                <a:ea typeface="+mn-ea"/>
-                <a:cs typeface="+mn-cs"/>
-              </a:rPr>
-              <a:t>morsitans</a:t>
+              <a:t>Glossinamorsitans</a:t>
             </a:r>
             <a:r>
               <a:rPr lang="en-US" sz="1200" kern="1200" dirty="0" smtClean="0">
@@ -2994,7 +2829,7 @@
 </file>
 
 <file path=ppt/notesSlides/notesSlide9.xml><?xml version="1.0" encoding="utf-8"?>
-<p:notes xmlns:a="http://schemas.openxmlformats.org/drawingml/2006/main" xmlns:r="http://schemas.openxmlformats.org/officeDocument/2006/relationships" xmlns:mc="http://schemas.openxmlformats.org/markup-compatibility/2006" xmlns:mv="urn:schemas-microsoft-com:mac:vml" xmlns:p="http://schemas.openxmlformats.org/presentationml/2006/main" mc:Ignorable="mv" mc:PreserveAttributes="mv:*">
+<p:notes xmlns:a="http://schemas.openxmlformats.org/drawingml/2006/main" xmlns:r="http://schemas.openxmlformats.org/officeDocument/2006/relationships" xmlns:p="http://schemas.openxmlformats.org/presentationml/2006/main">
   <p:cSld>
     <p:spTree>
       <p:nvGrpSpPr>
@@ -3089,7 +2924,7 @@
 </file>
 
 <file path=ppt/slideLayouts/slideLayout1.xml><?xml version="1.0" encoding="utf-8"?>
-<p:sldLayout xmlns:a="http://schemas.openxmlformats.org/drawingml/2006/main" xmlns:r="http://schemas.openxmlformats.org/officeDocument/2006/relationships" xmlns:mc="http://schemas.openxmlformats.org/markup-compatibility/2006" xmlns:mv="urn:schemas-microsoft-com:mac:vml" xmlns:p="http://schemas.openxmlformats.org/presentationml/2006/main" mc:Ignorable="mv" mc:PreserveAttributes="mv:*" type="title" preserve="1">
+<p:sldLayout xmlns:a="http://schemas.openxmlformats.org/drawingml/2006/main" xmlns:r="http://schemas.openxmlformats.org/officeDocument/2006/relationships" xmlns:p="http://schemas.openxmlformats.org/presentationml/2006/main" type="title" preserve="1">
   <p:cSld name="Title Slide">
     <p:spTree>
       <p:nvGrpSpPr>
@@ -4130,7 +3965,7 @@
               <a:pPr>
                 <a:defRPr/>
               </a:pPr>
-              <a:t>7/14/11</a:t>
+              <a:t>7/21/2011</a:t>
             </a:fld>
             <a:endParaRPr lang="en-US"/>
           </a:p>
@@ -4214,7 +4049,7 @@
 </file>
 
 <file path=ppt/slideLayouts/slideLayout2.xml><?xml version="1.0" encoding="utf-8"?>
-<p:sldLayout xmlns:a="http://schemas.openxmlformats.org/drawingml/2006/main" xmlns:r="http://schemas.openxmlformats.org/officeDocument/2006/relationships" xmlns:mc="http://schemas.openxmlformats.org/markup-compatibility/2006" xmlns:mv="urn:schemas-microsoft-com:mac:vml" xmlns:p="http://schemas.openxmlformats.org/presentationml/2006/main" mc:Ignorable="mv" mc:PreserveAttributes="mv:*" type="obj" preserve="1">
+<p:sldLayout xmlns:a="http://schemas.openxmlformats.org/drawingml/2006/main" xmlns:r="http://schemas.openxmlformats.org/officeDocument/2006/relationships" xmlns:p="http://schemas.openxmlformats.org/presentationml/2006/main" type="obj" preserve="1">
   <p:cSld name="Title and Content">
     <p:spTree>
       <p:nvGrpSpPr>
@@ -4695,7 +4530,7 @@
               <a:pPr>
                 <a:defRPr/>
               </a:pPr>
-              <a:t>7/14/11</a:t>
+              <a:t>7/21/2011</a:t>
             </a:fld>
             <a:endParaRPr lang="en-US"/>
           </a:p>
@@ -4769,7 +4604,7 @@
 </file>
 
 <file path=ppt/slideMasters/slideMaster1.xml><?xml version="1.0" encoding="utf-8"?>
-<p:sldMaster xmlns:a="http://schemas.openxmlformats.org/drawingml/2006/main" xmlns:r="http://schemas.openxmlformats.org/officeDocument/2006/relationships" xmlns:mc="http://schemas.openxmlformats.org/markup-compatibility/2006" xmlns:mv="urn:schemas-microsoft-com:mac:vml" xmlns:p="http://schemas.openxmlformats.org/presentationml/2006/main" mc:Ignorable="mv" mc:PreserveAttributes="mv:*">
+<p:sldMaster xmlns:a="http://schemas.openxmlformats.org/drawingml/2006/main" xmlns:r="http://schemas.openxmlformats.org/officeDocument/2006/relationships" xmlns:p="http://schemas.openxmlformats.org/presentationml/2006/main">
   <p:cSld>
     <p:bg>
       <p:bgRef idx="1001">
@@ -4940,7 +4775,7 @@
               <a:pPr>
                 <a:defRPr/>
               </a:pPr>
-              <a:t>7/14/11</a:t>
+              <a:t>7/21/2011</a:t>
             </a:fld>
             <a:endParaRPr lang="en-US"/>
           </a:p>
@@ -5473,7 +5308,7 @@
 </file>
 
 <file path=ppt/slides/slide1.xml><?xml version="1.0" encoding="utf-8"?>
-<p:sld xmlns:a="http://schemas.openxmlformats.org/drawingml/2006/main" xmlns:r="http://schemas.openxmlformats.org/officeDocument/2006/relationships" xmlns:mc="http://schemas.openxmlformats.org/markup-compatibility/2006" xmlns:mv="urn:schemas-microsoft-com:mac:vml" xmlns:p="http://schemas.openxmlformats.org/presentationml/2006/main" mc:Ignorable="mv" mc:PreserveAttributes="mv:*">
+<p:sld xmlns:a="http://schemas.openxmlformats.org/drawingml/2006/main" xmlns:r="http://schemas.openxmlformats.org/officeDocument/2006/relationships" xmlns:p="http://schemas.openxmlformats.org/presentationml/2006/main">
   <p:cSld>
     <p:spTree>
       <p:nvGrpSpPr>
@@ -5679,7 +5514,7 @@
 </file>
 
 <file path=ppt/slides/slide10.xml><?xml version="1.0" encoding="utf-8"?>
-<p:sld xmlns:a="http://schemas.openxmlformats.org/drawingml/2006/main" xmlns:r="http://schemas.openxmlformats.org/officeDocument/2006/relationships" xmlns:mc="http://schemas.openxmlformats.org/markup-compatibility/2006" xmlns:mv="urn:schemas-microsoft-com:mac:vml" xmlns:p="http://schemas.openxmlformats.org/presentationml/2006/main" mc:Ignorable="mv" mc:PreserveAttributes="mv:*">
+<p:sld xmlns:a="http://schemas.openxmlformats.org/drawingml/2006/main" xmlns:r="http://schemas.openxmlformats.org/officeDocument/2006/relationships" xmlns:p="http://schemas.openxmlformats.org/presentationml/2006/main">
   <p:cSld>
     <p:spTree>
       <p:nvGrpSpPr>
@@ -5803,7 +5638,7 @@
 </file>
 
 <file path=ppt/slides/slide11.xml><?xml version="1.0" encoding="utf-8"?>
-<p:sld xmlns:a="http://schemas.openxmlformats.org/drawingml/2006/main" xmlns:r="http://schemas.openxmlformats.org/officeDocument/2006/relationships" xmlns:mc="http://schemas.openxmlformats.org/markup-compatibility/2006" xmlns:mv="urn:schemas-microsoft-com:mac:vml" xmlns:p="http://schemas.openxmlformats.org/presentationml/2006/main" mc:Ignorable="mv" mc:PreserveAttributes="mv:*">
+<p:sld xmlns:a="http://schemas.openxmlformats.org/drawingml/2006/main" xmlns:r="http://schemas.openxmlformats.org/officeDocument/2006/relationships" xmlns:p="http://schemas.openxmlformats.org/presentationml/2006/main">
   <p:cSld>
     <p:spTree>
       <p:nvGrpSpPr>
@@ -6176,7 +6011,27 @@
                 <a:latin typeface="Arial" charset="0"/>
                 <a:ea typeface="ＭＳ Ｐゴシック" pitchFamily="34" charset="-128"/>
               </a:rPr>
-              <a:t>is_aoccurrent</a:t>
+              <a:t>is_a</a:t>
+            </a:r>
+            <a:r>
+              <a:rPr lang="en-US" sz="1600" dirty="0" smtClean="0">
+                <a:solidFill>
+                  <a:schemeClr val="tx1"/>
+                </a:solidFill>
+                <a:latin typeface="Arial" charset="0"/>
+                <a:ea typeface="ＭＳ Ｐゴシック" pitchFamily="34" charset="-128"/>
+              </a:rPr>
+              <a:t> </a:t>
+            </a:r>
+            <a:r>
+              <a:rPr lang="en-US" sz="1600" dirty="0" err="1" smtClean="0">
+                <a:solidFill>
+                  <a:schemeClr val="tx1"/>
+                </a:solidFill>
+                <a:latin typeface="Arial" charset="0"/>
+                <a:ea typeface="ＭＳ Ｐゴシック" pitchFamily="34" charset="-128"/>
+              </a:rPr>
+              <a:t>occurrent</a:t>
             </a:r>
             <a:endParaRPr lang="en-US" sz="1600" dirty="0">
               <a:solidFill>
@@ -6508,21 +6363,19 @@
           <p:cNvPr id="22" name="Straight Arrow Connector 21"/>
           <p:cNvCxnSpPr>
             <a:cxnSpLocks noChangeShapeType="1"/>
-            <a:stCxn id="7" idx="1"/>
-            <a:endCxn id="5" idx="7"/>
           </p:cNvCxnSpPr>
           <p:nvPr/>
         </p:nvCxnSpPr>
         <p:spPr bwMode="auto">
           <a:xfrm rot="16200000" flipV="1">
-            <a:off x="4371856" y="1005981"/>
+            <a:off x="4371856" y="1010602"/>
             <a:ext cx="1588" cy="4530406"/>
           </a:xfrm>
           <a:prstGeom prst="straightConnector1">
             <a:avLst/>
           </a:prstGeom>
           <a:noFill/>
-          <a:ln w="28575">
+          <a:ln w="19050">
             <a:solidFill>
               <a:schemeClr val="tx1"/>
             </a:solidFill>
@@ -6551,7 +6404,7 @@
             <a:avLst/>
           </a:prstGeom>
           <a:noFill/>
-          <a:ln w="28575">
+          <a:ln w="19050">
             <a:solidFill>
               <a:schemeClr val="tx1"/>
             </a:solidFill>
@@ -6580,7 +6433,7 @@
             <a:avLst/>
           </a:prstGeom>
           <a:noFill/>
-          <a:ln w="28575">
+          <a:ln w="19050">
             <a:solidFill>
               <a:schemeClr val="tx1"/>
             </a:solidFill>
@@ -6609,7 +6462,7 @@
             <a:avLst/>
           </a:prstGeom>
           <a:noFill/>
-          <a:ln w="28575">
+          <a:ln w="19050">
             <a:solidFill>
               <a:schemeClr val="tx1"/>
             </a:solidFill>
@@ -6756,7 +6609,7 @@
           <a:prstGeom prst="straightConnector1">
             <a:avLst/>
           </a:prstGeom>
-          <a:ln w="25400">
+          <a:ln w="19050">
             <a:solidFill>
               <a:schemeClr val="tx1"/>
             </a:solidFill>
@@ -6795,7 +6648,7 @@
           <a:prstGeom prst="straightConnector1">
             <a:avLst/>
           </a:prstGeom>
-          <a:ln w="25400">
+          <a:ln w="19050">
             <a:solidFill>
               <a:schemeClr val="tx1"/>
             </a:solidFill>
@@ -6859,9 +6712,48 @@
           </a:p>
         </p:txBody>
       </p:sp>
+      <p:sp>
+        <p:nvSpPr>
+          <p:cNvPr id="243" name="TextBox 19"/>
+          <p:cNvSpPr txBox="1">
+            <a:spLocks noChangeArrowheads="1"/>
+          </p:cNvSpPr>
+          <p:nvPr/>
+        </p:nvSpPr>
+        <p:spPr bwMode="auto">
+          <a:xfrm rot="21076797">
+            <a:off x="2460510" y="5961596"/>
+            <a:ext cx="984250" cy="366713"/>
+          </a:xfrm>
+          <a:prstGeom prst="rect">
+            <a:avLst/>
+          </a:prstGeom>
+          <a:noFill/>
+          <a:ln w="9525">
+            <a:noFill/>
+            <a:miter lim="800000"/>
+            <a:headEnd/>
+            <a:tailEnd/>
+          </a:ln>
+        </p:spPr>
+        <p:txBody>
+          <a:bodyPr wrap="none">
+            <a:spAutoFit/>
+          </a:bodyPr>
+          <a:lstStyle/>
+          <a:p>
+            <a:r>
+              <a:rPr lang="en-US" dirty="0">
+                <a:latin typeface="Century Schoolbook" pitchFamily="18" charset="0"/>
+              </a:rPr>
+              <a:t>is about</a:t>
+            </a:r>
+          </a:p>
+        </p:txBody>
+      </p:sp>
       <p:cxnSp>
         <p:nvCxnSpPr>
-          <p:cNvPr id="237" name="Straight Arrow Connector 236"/>
+          <p:cNvPr id="28" name="Straight Arrow Connector 27"/>
           <p:cNvCxnSpPr>
             <a:stCxn id="6" idx="3"/>
             <a:endCxn id="10" idx="5"/>
@@ -6876,7 +6768,7 @@
           <a:prstGeom prst="straightConnector1">
             <a:avLst/>
           </a:prstGeom>
-          <a:ln w="25400">
+          <a:ln w="19050">
             <a:solidFill>
               <a:schemeClr val="tx1"/>
             </a:solidFill>
@@ -6898,45 +6790,6 @@
           </a:fontRef>
         </p:style>
       </p:cxnSp>
-      <p:sp>
-        <p:nvSpPr>
-          <p:cNvPr id="243" name="TextBox 19"/>
-          <p:cNvSpPr txBox="1">
-            <a:spLocks noChangeArrowheads="1"/>
-          </p:cNvSpPr>
-          <p:nvPr/>
-        </p:nvSpPr>
-        <p:spPr bwMode="auto">
-          <a:xfrm rot="21076797">
-            <a:off x="2460510" y="5961596"/>
-            <a:ext cx="984250" cy="366713"/>
-          </a:xfrm>
-          <a:prstGeom prst="rect">
-            <a:avLst/>
-          </a:prstGeom>
-          <a:noFill/>
-          <a:ln w="9525">
-            <a:noFill/>
-            <a:miter lim="800000"/>
-            <a:headEnd/>
-            <a:tailEnd/>
-          </a:ln>
-        </p:spPr>
-        <p:txBody>
-          <a:bodyPr wrap="none">
-            <a:spAutoFit/>
-          </a:bodyPr>
-          <a:lstStyle/>
-          <a:p>
-            <a:r>
-              <a:rPr lang="en-US" dirty="0">
-                <a:latin typeface="Century Schoolbook" pitchFamily="18" charset="0"/>
-              </a:rPr>
-              <a:t>is about</a:t>
-            </a:r>
-          </a:p>
-        </p:txBody>
-      </p:sp>
     </p:spTree>
   </p:cSld>
   <p:clrMapOvr>
@@ -6953,7 +6806,7 @@
 </file>
 
 <file path=ppt/slides/slide12.xml><?xml version="1.0" encoding="utf-8"?>
-<p:sld xmlns:a="http://schemas.openxmlformats.org/drawingml/2006/main" xmlns:r="http://schemas.openxmlformats.org/officeDocument/2006/relationships" xmlns:mc="http://schemas.openxmlformats.org/markup-compatibility/2006" xmlns:mv="urn:schemas-microsoft-com:mac:vml" xmlns:p="http://schemas.openxmlformats.org/presentationml/2006/main" mc:Ignorable="mv" mc:PreserveAttributes="mv:*">
+<p:sld xmlns:a="http://schemas.openxmlformats.org/drawingml/2006/main" xmlns:r="http://schemas.openxmlformats.org/officeDocument/2006/relationships" xmlns:p="http://schemas.openxmlformats.org/presentationml/2006/main">
   <p:cSld>
     <p:spTree>
       <p:nvGrpSpPr>
@@ -7598,15 +7451,6 @@
             </a:endParaRPr>
           </a:p>
           <a:p>
-            <a:r>
-              <a:rPr lang="en-US" sz="1600" b="1" dirty="0" smtClean="0">
-                <a:solidFill>
-                  <a:srgbClr val="C00000"/>
-                </a:solidFill>
-                <a:latin typeface="Century Schoolbook" pitchFamily="18" charset="0"/>
-              </a:rPr>
-              <a:t> </a:t>
-            </a:r>
             <a:r>
               <a:rPr lang="en-US" sz="1600" b="1" dirty="0">
                 <a:solidFill>
@@ -11051,7 +10895,7 @@
 </file>
 
 <file path=ppt/slides/slide13.xml><?xml version="1.0" encoding="utf-8"?>
-<p:sld xmlns:a="http://schemas.openxmlformats.org/drawingml/2006/main" xmlns:r="http://schemas.openxmlformats.org/officeDocument/2006/relationships" xmlns:mc="http://schemas.openxmlformats.org/markup-compatibility/2006" xmlns:mv="urn:schemas-microsoft-com:mac:vml" xmlns:p="http://schemas.openxmlformats.org/presentationml/2006/main" mc:Ignorable="mv" mc:PreserveAttributes="mv:*">
+<p:sld xmlns:a="http://schemas.openxmlformats.org/drawingml/2006/main" xmlns:r="http://schemas.openxmlformats.org/officeDocument/2006/relationships" xmlns:p="http://schemas.openxmlformats.org/presentationml/2006/main">
   <p:cSld>
     <p:spTree>
       <p:nvGrpSpPr>
@@ -11108,8 +10952,8 @@
         </p:nvSpPr>
         <p:spPr>
           <a:xfrm>
-            <a:off x="457200" y="5867400"/>
-            <a:ext cx="7467600" cy="838200"/>
+            <a:off x="152400" y="5867400"/>
+            <a:ext cx="8229600" cy="838200"/>
           </a:xfrm>
         </p:spPr>
         <p:txBody>
@@ -11117,19 +10961,37 @@
           <a:lstStyle/>
           <a:p>
             <a:r>
-              <a:rPr lang="en-US" dirty="0" smtClean="0">
+              <a:rPr lang="en-US" sz="2000" dirty="0" smtClean="0">
                 <a:latin typeface="Century Schoolbook" pitchFamily="18" charset="0"/>
-              </a:rPr>
-              <a:t>Support multiple sequences submission to </a:t>
-            </a:r>
-            <a:r>
-              <a:rPr lang="en-US" dirty="0" err="1" smtClean="0">
+                <a:hlinkClick r:id="rId4" action="ppaction://hlinkfile"/>
+              </a:rPr>
+              <a:t>Isolate submission form</a:t>
+            </a:r>
+            <a:endParaRPr lang="en-US" sz="2000" dirty="0" smtClean="0">
+              <a:latin typeface="Century Schoolbook" pitchFamily="18" charset="0"/>
+            </a:endParaRPr>
+          </a:p>
+          <a:p>
+            <a:r>
+              <a:rPr lang="en-US" sz="2000" dirty="0" smtClean="0">
                 <a:latin typeface="Century Schoolbook" pitchFamily="18" charset="0"/>
               </a:rPr>
+              <a:t>Support </a:t>
+            </a:r>
+            <a:r>
+              <a:rPr lang="en-US" sz="2000" dirty="0" smtClean="0">
+                <a:latin typeface="Century Schoolbook" pitchFamily="18" charset="0"/>
+              </a:rPr>
+              <a:t>multiple sequences submission to </a:t>
+            </a:r>
+            <a:r>
+              <a:rPr lang="en-US" sz="2000" dirty="0" err="1" smtClean="0">
+                <a:latin typeface="Century Schoolbook" pitchFamily="18" charset="0"/>
+              </a:rPr>
               <a:t>GenBank</a:t>
             </a:r>
             <a:r>
-              <a:rPr lang="en-US" dirty="0" smtClean="0">
+              <a:rPr lang="en-US" sz="2000" dirty="0" smtClean="0">
                 <a:latin typeface="Century Schoolbook" pitchFamily="18" charset="0"/>
               </a:rPr>
               <a:t> with a parser</a:t>
@@ -11207,7 +11069,7 @@
         </p:xfrm>
         <a:graphic>
           <a:graphicData uri="http://schemas.openxmlformats.org/presentationml/2006/ole">
-            <p:oleObj spid="_x0000_s109568" name="Worksheet" r:id="rId4" imgW="15265400" imgH="7645400" progId="Excel.Sheet.12">
+            <p:oleObj spid="_x0000_s109568" name="Worksheet" r:id="rId5" imgW="15267512" imgH="7652138" progId="Excel.Sheet.12">
               <p:embed/>
             </p:oleObj>
           </a:graphicData>
@@ -11229,7 +11091,7 @@
 </file>
 
 <file path=ppt/slides/slide14.xml><?xml version="1.0" encoding="utf-8"?>
-<p:sld xmlns:a="http://schemas.openxmlformats.org/drawingml/2006/main" xmlns:r="http://schemas.openxmlformats.org/officeDocument/2006/relationships" xmlns:mc="http://schemas.openxmlformats.org/markup-compatibility/2006" xmlns:mv="urn:schemas-microsoft-com:mac:vml" xmlns:p="http://schemas.openxmlformats.org/presentationml/2006/main" mc:Ignorable="mv" mc:PreserveAttributes="mv:*">
+<p:sld xmlns:a="http://schemas.openxmlformats.org/drawingml/2006/main" xmlns:r="http://schemas.openxmlformats.org/officeDocument/2006/relationships" xmlns:p="http://schemas.openxmlformats.org/presentationml/2006/main">
   <p:cSld>
     <p:spTree>
       <p:nvGrpSpPr>
@@ -11365,7 +11227,7 @@
 </file>
 
 <file path=ppt/slides/slide15.xml><?xml version="1.0" encoding="utf-8"?>
-<p:sld xmlns:a="http://schemas.openxmlformats.org/drawingml/2006/main" xmlns:r="http://schemas.openxmlformats.org/officeDocument/2006/relationships" xmlns:mc="http://schemas.openxmlformats.org/markup-compatibility/2006" xmlns:mv="urn:schemas-microsoft-com:mac:vml" xmlns:p="http://schemas.openxmlformats.org/presentationml/2006/main" mc:Ignorable="mv" mc:PreserveAttributes="mv:*">
+<p:sld xmlns:a="http://schemas.openxmlformats.org/drawingml/2006/main" xmlns:r="http://schemas.openxmlformats.org/officeDocument/2006/relationships" xmlns:p="http://schemas.openxmlformats.org/presentationml/2006/main">
   <p:cSld>
     <p:spTree>
       <p:nvGrpSpPr>
@@ -11479,7 +11341,7 @@
         </p:xfrm>
         <a:graphic>
           <a:graphicData uri="http://schemas.openxmlformats.org/presentationml/2006/ole">
-            <p:oleObj spid="_x0000_s110592" name="Worksheet" r:id="rId4" imgW="10795000" imgH="5842000" progId="Excel.Sheet.8">
+            <p:oleObj spid="_x0000_s110592" name="Worksheet" r:id="rId4" imgW="10743840" imgH="5816160" progId="Excel.Sheet.8">
               <p:embed/>
             </p:oleObj>
           </a:graphicData>
@@ -11501,7 +11363,7 @@
 </file>
 
 <file path=ppt/slides/slide16.xml><?xml version="1.0" encoding="utf-8"?>
-<p:sld xmlns:a="http://schemas.openxmlformats.org/drawingml/2006/main" xmlns:r="http://schemas.openxmlformats.org/officeDocument/2006/relationships" xmlns:mc="http://schemas.openxmlformats.org/markup-compatibility/2006" xmlns:mv="urn:schemas-microsoft-com:mac:vml" xmlns:p="http://schemas.openxmlformats.org/presentationml/2006/main" mc:Ignorable="mv" mc:PreserveAttributes="mv:*">
+<p:sld xmlns:a="http://schemas.openxmlformats.org/drawingml/2006/main" xmlns:r="http://schemas.openxmlformats.org/officeDocument/2006/relationships" xmlns:p="http://schemas.openxmlformats.org/presentationml/2006/main">
   <p:cSld>
     <p:spTree>
       <p:nvGrpSpPr>
@@ -11642,7 +11504,7 @@
 </file>
 
 <file path=ppt/slides/slide17.xml><?xml version="1.0" encoding="utf-8"?>
-<p:sld xmlns:a="http://schemas.openxmlformats.org/drawingml/2006/main" xmlns:r="http://schemas.openxmlformats.org/officeDocument/2006/relationships" xmlns:mc="http://schemas.openxmlformats.org/markup-compatibility/2006" xmlns:mv="urn:schemas-microsoft-com:mac:vml" xmlns:p="http://schemas.openxmlformats.org/presentationml/2006/main" mc:Ignorable="mv" mc:PreserveAttributes="mv:*">
+<p:sld xmlns:a="http://schemas.openxmlformats.org/drawingml/2006/main" xmlns:r="http://schemas.openxmlformats.org/officeDocument/2006/relationships" xmlns:p="http://schemas.openxmlformats.org/presentationml/2006/main">
   <p:cSld>
     <p:spTree>
       <p:nvGrpSpPr>
@@ -11894,7 +11756,7 @@
 </file>
 
 <file path=ppt/slides/slide18.xml><?xml version="1.0" encoding="utf-8"?>
-<p:sld xmlns:a="http://schemas.openxmlformats.org/drawingml/2006/main" xmlns:r="http://schemas.openxmlformats.org/officeDocument/2006/relationships" xmlns:mc="http://schemas.openxmlformats.org/markup-compatibility/2006" xmlns:mv="urn:schemas-microsoft-com:mac:vml" xmlns:p="http://schemas.openxmlformats.org/presentationml/2006/main" mc:Ignorable="mv" mc:PreserveAttributes="mv:*">
+<p:sld xmlns:a="http://schemas.openxmlformats.org/drawingml/2006/main" xmlns:r="http://schemas.openxmlformats.org/officeDocument/2006/relationships" xmlns:p="http://schemas.openxmlformats.org/presentationml/2006/main">
   <p:cSld>
     <p:spTree>
       <p:nvGrpSpPr>
@@ -11910,6 +11772,32 @@
           <a:chExt cx="0" cy="0"/>
         </a:xfrm>
       </p:grpSpPr>
+      <p:pic>
+        <p:nvPicPr>
+          <p:cNvPr id="12" name="Picture 12" descr="http://wiki.knoesis.org/images/0/0a/Trypanosoma_cruzi.gif"/>
+          <p:cNvPicPr>
+            <a:picLocks noChangeAspect="1" noChangeArrowheads="1"/>
+          </p:cNvPicPr>
+          <p:nvPr/>
+        </p:nvPicPr>
+        <p:blipFill>
+          <a:blip r:embed="rId3"/>
+          <a:srcRect/>
+          <a:stretch>
+            <a:fillRect/>
+          </a:stretch>
+        </p:blipFill>
+        <p:spPr bwMode="auto">
+          <a:xfrm>
+            <a:off x="4419600" y="2559050"/>
+            <a:ext cx="4343400" cy="3308350"/>
+          </a:xfrm>
+          <a:prstGeom prst="rect">
+            <a:avLst/>
+          </a:prstGeom>
+          <a:noFill/>
+        </p:spPr>
+      </p:pic>
       <p:sp>
         <p:nvSpPr>
           <p:cNvPr id="2" name="Title 1"/>
@@ -11952,19 +11840,7 @@
           <a:p>
             <a:r>
               <a:rPr lang="en-US" sz="1800" dirty="0" smtClean="0"/>
-              <a:t>Complexity</a:t>
-            </a:r>
-            <a:r>
-              <a:rPr lang="en-US" sz="1800" dirty="0" smtClean="0"/>
-              <a:t> – parasites </a:t>
-            </a:r>
-            <a:r>
-              <a:rPr lang="en-US" sz="1800" dirty="0" smtClean="0"/>
-              <a:t>may have multiple hosts and lifecycle stages which differ between</a:t>
-            </a:r>
-            <a:r>
-              <a:rPr lang="en-US" sz="1800" dirty="0" smtClean="0"/>
-              <a:t> parasite species</a:t>
+              <a:t>Complexity – parasites may have multiple hosts and lifecycle stages which differ between parasite species</a:t>
             </a:r>
           </a:p>
           <a:p>
@@ -11974,6 +11850,14 @@
             </a:r>
             <a:r>
               <a:rPr lang="en-US" sz="1800" i="1" dirty="0" err="1" smtClean="0"/>
+              <a:t>Trypanosomabrucei</a:t>
+            </a:r>
+            <a:r>
+              <a:rPr lang="en-US" sz="1800" dirty="0" smtClean="0"/>
+              <a:t>(causes African sleeping sickness), </a:t>
+            </a:r>
+            <a:r>
+              <a:rPr lang="en-US" sz="1800" i="1" dirty="0" err="1" smtClean="0"/>
               <a:t>Trypanosoma</a:t>
             </a:r>
             <a:r>
@@ -11982,23 +11866,19 @@
             </a:r>
             <a:r>
               <a:rPr lang="en-US" sz="1800" i="1" dirty="0" err="1" smtClean="0"/>
-              <a:t>brucei</a:t>
-            </a:r>
-            <a:r>
-              <a:rPr lang="en-US" sz="1800" i="1" dirty="0" smtClean="0"/>
-              <a:t> </a:t>
+              <a:t>cruzi</a:t>
             </a:r>
             <a:r>
               <a:rPr lang="en-US" sz="1800" dirty="0" smtClean="0"/>
-              <a:t>(</a:t>
+              <a:t> (causes </a:t>
+            </a:r>
+            <a:r>
+              <a:rPr lang="en-US" sz="1800" dirty="0" err="1" smtClean="0"/>
+              <a:t>Chagas</a:t>
             </a:r>
             <a:r>
               <a:rPr lang="en-US" sz="1800" dirty="0" smtClean="0"/>
-              <a:t>causes </a:t>
-            </a:r>
-            <a:r>
-              <a:rPr lang="en-US" sz="1800" dirty="0" smtClean="0"/>
-              <a:t>African sleeping sickness)</a:t>
+              <a:t> disease) </a:t>
             </a:r>
           </a:p>
           <a:p>
@@ -12043,8 +11923,8 @@
         </p:nvGrpSpPr>
         <p:grpSpPr>
           <a:xfrm>
-            <a:off x="1066800" y="2333625"/>
-            <a:ext cx="5715000" cy="4143375"/>
+            <a:off x="152400" y="2635250"/>
+            <a:ext cx="4038600" cy="3124200"/>
             <a:chOff x="1066800" y="2181225"/>
             <a:chExt cx="5715000" cy="4143375"/>
           </a:xfrm>
@@ -12058,7 +11938,7 @@
             <p:nvPr/>
           </p:nvPicPr>
           <p:blipFill>
-            <a:blip r:embed="rId3"/>
+            <a:blip r:embed="rId4"/>
             <a:srcRect/>
             <a:stretch>
               <a:fillRect/>
@@ -12258,16 +12138,108 @@
           </p:style>
         </p:cxnSp>
       </p:grpSp>
+      <p:sp>
+        <p:nvSpPr>
+          <p:cNvPr id="13" name="TextBox 24"/>
+          <p:cNvSpPr txBox="1">
+            <a:spLocks noChangeArrowheads="1"/>
+          </p:cNvSpPr>
+          <p:nvPr/>
+        </p:nvSpPr>
+        <p:spPr bwMode="auto">
+          <a:xfrm>
+            <a:off x="920750" y="6034088"/>
+            <a:ext cx="2432050" cy="366712"/>
+          </a:xfrm>
+          <a:prstGeom prst="rect">
+            <a:avLst/>
+          </a:prstGeom>
+          <a:noFill/>
+          <a:ln w="9525">
+            <a:noFill/>
+            <a:miter lim="800000"/>
+            <a:headEnd/>
+            <a:tailEnd/>
+          </a:ln>
+        </p:spPr>
+        <p:txBody>
+          <a:bodyPr wrap="none">
+            <a:spAutoFit/>
+          </a:bodyPr>
+          <a:lstStyle/>
+          <a:p>
+            <a:pPr algn="ctr"/>
+            <a:r>
+              <a:rPr lang="en-US" b="1" i="1" dirty="0" err="1"/>
+              <a:t>Trypanosoma</a:t>
+            </a:r>
+            <a:r>
+              <a:rPr lang="en-US" b="1" i="1" dirty="0"/>
+              <a:t> </a:t>
+            </a:r>
+            <a:r>
+              <a:rPr lang="en-US" b="1" i="1" dirty="0" err="1"/>
+              <a:t>brucei</a:t>
+            </a:r>
+            <a:endParaRPr lang="en-US" b="1" i="1" dirty="0"/>
+          </a:p>
+        </p:txBody>
+      </p:sp>
+      <p:sp>
+        <p:nvSpPr>
+          <p:cNvPr id="15" name="TextBox 24"/>
+          <p:cNvSpPr txBox="1">
+            <a:spLocks noChangeArrowheads="1"/>
+          </p:cNvSpPr>
+          <p:nvPr/>
+        </p:nvSpPr>
+        <p:spPr bwMode="auto">
+          <a:xfrm>
+            <a:off x="5257800" y="6034088"/>
+            <a:ext cx="2279650" cy="366712"/>
+          </a:xfrm>
+          <a:prstGeom prst="rect">
+            <a:avLst/>
+          </a:prstGeom>
+          <a:noFill/>
+          <a:ln w="9525">
+            <a:noFill/>
+            <a:miter lim="800000"/>
+            <a:headEnd/>
+            <a:tailEnd/>
+          </a:ln>
+        </p:spPr>
+        <p:txBody>
+          <a:bodyPr wrap="none">
+            <a:spAutoFit/>
+          </a:bodyPr>
+          <a:lstStyle/>
+          <a:p>
+            <a:pPr algn="ctr"/>
+            <a:r>
+              <a:rPr lang="en-US" b="1" i="1"/>
+              <a:t>Trypanosoma cruzi</a:t>
+            </a:r>
+          </a:p>
+        </p:txBody>
+      </p:sp>
     </p:spTree>
   </p:cSld>
   <p:clrMapOvr>
     <a:masterClrMapping/>
   </p:clrMapOvr>
+  <p:timing>
+    <p:tnLst>
+      <p:par>
+        <p:cTn id="1" dur="indefinite" restart="never" nodeType="tmRoot"/>
+      </p:par>
+    </p:tnLst>
+  </p:timing>
 </p:sld>
 </file>
 
 <file path=ppt/slides/slide19.xml><?xml version="1.0" encoding="utf-8"?>
-<p:sld xmlns:a="http://schemas.openxmlformats.org/drawingml/2006/main" xmlns:r="http://schemas.openxmlformats.org/officeDocument/2006/relationships" xmlns:mc="http://schemas.openxmlformats.org/markup-compatibility/2006" xmlns:mv="urn:schemas-microsoft-com:mac:vml" xmlns:p="http://schemas.openxmlformats.org/presentationml/2006/main" mc:Ignorable="mv" mc:PreserveAttributes="mv:*">
+<p:sld xmlns:a="http://schemas.openxmlformats.org/drawingml/2006/main" xmlns:r="http://schemas.openxmlformats.org/officeDocument/2006/relationships" xmlns:p="http://schemas.openxmlformats.org/presentationml/2006/main">
   <p:cSld>
     <p:spTree>
       <p:nvGrpSpPr>
@@ -12314,15 +12286,7 @@
             </a:r>
             <a:r>
               <a:rPr lang="en-US" sz="2000" b="0" dirty="0" err="1" smtClean="0"/>
-              <a:t>Jie</a:t>
-            </a:r>
-            <a:r>
-              <a:rPr lang="en-US" sz="2000" b="0" dirty="0" smtClean="0"/>
-              <a:t> </a:t>
-            </a:r>
-            <a:r>
-              <a:rPr lang="en-US" sz="2000" b="0" dirty="0" err="1" smtClean="0"/>
-              <a:t>Zheng</a:t>
+              <a:t>JieZheng</a:t>
             </a:r>
             <a:r>
               <a:rPr lang="en-US" sz="2000" b="0" dirty="0" smtClean="0"/>
@@ -12346,15 +12310,7 @@
             </a:r>
             <a:r>
               <a:rPr lang="en-US" sz="2000" b="0" dirty="0" err="1" smtClean="0"/>
-              <a:t>Amit</a:t>
-            </a:r>
-            <a:r>
-              <a:rPr lang="en-US" sz="2000" b="0" dirty="0" smtClean="0"/>
-              <a:t> </a:t>
-            </a:r>
-            <a:r>
-              <a:rPr lang="en-US" sz="2000" b="0" dirty="0" err="1" smtClean="0"/>
-              <a:t>Sheth</a:t>
+              <a:t>AmitSheth</a:t>
             </a:r>
             <a:r>
               <a:rPr lang="en-US" sz="2000" b="0" dirty="0" smtClean="0"/>
@@ -12426,7 +12382,7 @@
       </p:sp>
       <p:pic>
         <p:nvPicPr>
-          <p:cNvPr id="115714" name="Picture 2"/>
+          <p:cNvPr id="136195" name="Picture 3"/>
           <p:cNvPicPr>
             <a:picLocks noChangeAspect="1" noChangeArrowheads="1"/>
           </p:cNvPicPr>
@@ -12441,8 +12397,8 @@
         </p:blipFill>
         <p:spPr bwMode="auto">
           <a:xfrm>
-            <a:off x="457200" y="1066800"/>
-            <a:ext cx="7513637" cy="5534025"/>
+            <a:off x="457200" y="1143000"/>
+            <a:ext cx="7991475" cy="5514975"/>
           </a:xfrm>
           <a:prstGeom prst="rect">
             <a:avLst/>
@@ -12473,7 +12429,7 @@
 </file>
 
 <file path=ppt/slides/slide2.xml><?xml version="1.0" encoding="utf-8"?>
-<p:sld xmlns:a="http://schemas.openxmlformats.org/drawingml/2006/main" xmlns:r="http://schemas.openxmlformats.org/officeDocument/2006/relationships" xmlns:mc="http://schemas.openxmlformats.org/markup-compatibility/2006" xmlns:mv="urn:schemas-microsoft-com:mac:vml" xmlns:p="http://schemas.openxmlformats.org/presentationml/2006/main" mc:Ignorable="mv" mc:PreserveAttributes="mv:*">
+<p:sld xmlns:a="http://schemas.openxmlformats.org/drawingml/2006/main" xmlns:r="http://schemas.openxmlformats.org/officeDocument/2006/relationships" xmlns:p="http://schemas.openxmlformats.org/presentationml/2006/main">
   <p:cSld>
     <p:spTree>
       <p:nvGrpSpPr>
@@ -12506,11 +12462,7 @@
           <a:p>
             <a:r>
               <a:rPr lang="en-US" dirty="0" smtClean="0"/>
-              <a:t>Issues Associated with Data </a:t>
-            </a:r>
-            <a:r>
-              <a:rPr lang="en-US" dirty="0" smtClean="0"/>
-              <a:t>Collection</a:t>
+              <a:t>Issues Associated with Data Collection</a:t>
             </a:r>
             <a:endParaRPr lang="en-US" dirty="0"/>
           </a:p>
@@ -12598,7 +12550,7 @@
 </file>
 
 <file path=ppt/slides/slide20.xml><?xml version="1.0" encoding="utf-8"?>
-<p:sld xmlns:a="http://schemas.openxmlformats.org/drawingml/2006/main" xmlns:r="http://schemas.openxmlformats.org/officeDocument/2006/relationships" xmlns:mc="http://schemas.openxmlformats.org/markup-compatibility/2006" xmlns:mv="urn:schemas-microsoft-com:mac:vml" xmlns:p="http://schemas.openxmlformats.org/presentationml/2006/main" mc:Ignorable="mv" mc:PreserveAttributes="mv:*">
+<p:sld xmlns:a="http://schemas.openxmlformats.org/drawingml/2006/main" xmlns:r="http://schemas.openxmlformats.org/officeDocument/2006/relationships" xmlns:p="http://schemas.openxmlformats.org/presentationml/2006/main">
   <p:cSld>
     <p:spTree>
       <p:nvGrpSpPr>
@@ -12654,7 +12606,11 @@
           <a:p>
             <a:r>
               <a:rPr lang="en-US" dirty="0" smtClean="0"/>
-              <a:t>Over 100 terms -&gt; 5 terms</a:t>
+              <a:t>Over 100 terms -&gt; </a:t>
+            </a:r>
+            <a:r>
+              <a:rPr lang="en-US" dirty="0" smtClean="0"/>
+              <a:t>less than 10 terms</a:t>
             </a:r>
             <a:endParaRPr lang="en-US" dirty="0"/>
           </a:p>
@@ -12691,7 +12647,7 @@
       </p:sp>
       <p:pic>
         <p:nvPicPr>
-          <p:cNvPr id="116738" name="Picture 2"/>
+          <p:cNvPr id="136194" name="Picture 2"/>
           <p:cNvPicPr>
             <a:picLocks noChangeAspect="1" noChangeArrowheads="1"/>
           </p:cNvPicPr>
@@ -12706,8 +12662,8 @@
         </p:blipFill>
         <p:spPr bwMode="auto">
           <a:xfrm>
-            <a:off x="1447800" y="1676400"/>
-            <a:ext cx="5290786" cy="4343400"/>
+            <a:off x="152400" y="2514600"/>
+            <a:ext cx="4283242" cy="3657600"/>
           </a:xfrm>
           <a:prstGeom prst="rect">
             <a:avLst/>
@@ -12722,6 +12678,124 @@
           <a:effectLst/>
         </p:spPr>
       </p:pic>
+      <p:pic>
+        <p:nvPicPr>
+          <p:cNvPr id="136195" name="Picture 3"/>
+          <p:cNvPicPr>
+            <a:picLocks noChangeAspect="1" noChangeArrowheads="1"/>
+          </p:cNvPicPr>
+          <p:nvPr/>
+        </p:nvPicPr>
+        <p:blipFill>
+          <a:blip r:embed="rId3"/>
+          <a:srcRect/>
+          <a:stretch>
+            <a:fillRect/>
+          </a:stretch>
+        </p:blipFill>
+        <p:spPr bwMode="auto">
+          <a:xfrm>
+            <a:off x="4495800" y="2514600"/>
+            <a:ext cx="4150206" cy="3657600"/>
+          </a:xfrm>
+          <a:prstGeom prst="rect">
+            <a:avLst/>
+          </a:prstGeom>
+          <a:noFill/>
+          <a:ln w="9525">
+            <a:noFill/>
+            <a:miter lim="800000"/>
+            <a:headEnd/>
+            <a:tailEnd/>
+          </a:ln>
+          <a:effectLst/>
+        </p:spPr>
+      </p:pic>
+      <p:sp>
+        <p:nvSpPr>
+          <p:cNvPr id="8" name="TextBox 24"/>
+          <p:cNvSpPr txBox="1">
+            <a:spLocks noChangeArrowheads="1"/>
+          </p:cNvSpPr>
+          <p:nvPr/>
+        </p:nvSpPr>
+        <p:spPr bwMode="auto">
+          <a:xfrm>
+            <a:off x="990600" y="1905000"/>
+            <a:ext cx="2432050" cy="366712"/>
+          </a:xfrm>
+          <a:prstGeom prst="rect">
+            <a:avLst/>
+          </a:prstGeom>
+          <a:noFill/>
+          <a:ln w="9525">
+            <a:noFill/>
+            <a:miter lim="800000"/>
+            <a:headEnd/>
+            <a:tailEnd/>
+          </a:ln>
+        </p:spPr>
+        <p:txBody>
+          <a:bodyPr wrap="none">
+            <a:spAutoFit/>
+          </a:bodyPr>
+          <a:lstStyle/>
+          <a:p>
+            <a:pPr algn="ctr"/>
+            <a:r>
+              <a:rPr lang="en-US" b="1" i="1" dirty="0" err="1"/>
+              <a:t>Trypanosoma</a:t>
+            </a:r>
+            <a:r>
+              <a:rPr lang="en-US" b="1" i="1" dirty="0"/>
+              <a:t> </a:t>
+            </a:r>
+            <a:r>
+              <a:rPr lang="en-US" b="1" i="1" dirty="0" err="1"/>
+              <a:t>brucei</a:t>
+            </a:r>
+            <a:endParaRPr lang="en-US" b="1" i="1" dirty="0"/>
+          </a:p>
+        </p:txBody>
+      </p:sp>
+      <p:sp>
+        <p:nvSpPr>
+          <p:cNvPr id="9" name="TextBox 24"/>
+          <p:cNvSpPr txBox="1">
+            <a:spLocks noChangeArrowheads="1"/>
+          </p:cNvSpPr>
+          <p:nvPr/>
+        </p:nvSpPr>
+        <p:spPr bwMode="auto">
+          <a:xfrm>
+            <a:off x="5327650" y="1905000"/>
+            <a:ext cx="2279650" cy="366712"/>
+          </a:xfrm>
+          <a:prstGeom prst="rect">
+            <a:avLst/>
+          </a:prstGeom>
+          <a:noFill/>
+          <a:ln w="9525">
+            <a:noFill/>
+            <a:miter lim="800000"/>
+            <a:headEnd/>
+            <a:tailEnd/>
+          </a:ln>
+        </p:spPr>
+        <p:txBody>
+          <a:bodyPr wrap="none">
+            <a:spAutoFit/>
+          </a:bodyPr>
+          <a:lstStyle/>
+          <a:p>
+            <a:pPr algn="ctr"/>
+            <a:r>
+              <a:rPr lang="en-US" b="1" i="1"/>
+              <a:t>Trypanosoma cruzi</a:t>
+            </a:r>
+          </a:p>
+        </p:txBody>
+      </p:sp>
     </p:spTree>
   </p:cSld>
   <p:clrMapOvr>
@@ -12738,7 +12812,7 @@
 </file>
 
 <file path=ppt/slides/slide21.xml><?xml version="1.0" encoding="utf-8"?>
-<p:sld xmlns:a="http://schemas.openxmlformats.org/drawingml/2006/main" xmlns:r="http://schemas.openxmlformats.org/officeDocument/2006/relationships" xmlns:mc="http://schemas.openxmlformats.org/markup-compatibility/2006" xmlns:mv="urn:schemas-microsoft-com:mac:vml" xmlns:p="http://schemas.openxmlformats.org/presentationml/2006/main" mc:Ignorable="mv" mc:PreserveAttributes="mv:*">
+<p:sld xmlns:a="http://schemas.openxmlformats.org/drawingml/2006/main" xmlns:r="http://schemas.openxmlformats.org/officeDocument/2006/relationships" xmlns:p="http://schemas.openxmlformats.org/presentationml/2006/main">
   <p:cSld>
     <p:spTree>
       <p:nvGrpSpPr>
@@ -12904,7 +12978,7 @@
 </file>
 
 <file path=ppt/slides/slide22.xml><?xml version="1.0" encoding="utf-8"?>
-<p:sld xmlns:a="http://schemas.openxmlformats.org/drawingml/2006/main" xmlns:r="http://schemas.openxmlformats.org/officeDocument/2006/relationships" xmlns:mc="http://schemas.openxmlformats.org/markup-compatibility/2006" xmlns:mv="urn:schemas-microsoft-com:mac:vml" xmlns:p="http://schemas.openxmlformats.org/presentationml/2006/main" mc:Ignorable="mv" mc:PreserveAttributes="mv:*">
+<p:sld xmlns:a="http://schemas.openxmlformats.org/drawingml/2006/main" xmlns:r="http://schemas.openxmlformats.org/officeDocument/2006/relationships" xmlns:p="http://schemas.openxmlformats.org/presentationml/2006/main">
   <p:cSld>
     <p:spTree>
       <p:nvGrpSpPr>
@@ -12977,7 +13051,7 @@
 </file>
 
 <file path=ppt/slides/slide3.xml><?xml version="1.0" encoding="utf-8"?>
-<p:sld xmlns:a="http://schemas.openxmlformats.org/drawingml/2006/main" xmlns:r="http://schemas.openxmlformats.org/officeDocument/2006/relationships" xmlns:mc="http://schemas.openxmlformats.org/markup-compatibility/2006" xmlns:mv="urn:schemas-microsoft-com:mac:vml" xmlns:p="http://schemas.openxmlformats.org/presentationml/2006/main" mc:Ignorable="mv" mc:PreserveAttributes="mv:*">
+<p:sld xmlns:a="http://schemas.openxmlformats.org/drawingml/2006/main" xmlns:r="http://schemas.openxmlformats.org/officeDocument/2006/relationships" xmlns:p="http://schemas.openxmlformats.org/presentationml/2006/main">
   <p:cSld>
     <p:spTree>
       <p:nvGrpSpPr>
@@ -13063,7 +13137,7 @@
         </p:xfrm>
         <a:graphic>
           <a:graphicData uri="http://schemas.openxmlformats.org/presentationml/2006/ole">
-            <p:oleObj spid="_x0000_s114690" name="Worksheet" r:id="rId3" imgW="10375900" imgH="6781800" progId="Excel.Sheet.12">
+            <p:oleObj spid="_x0000_s114690" name="Worksheet" r:id="rId3" imgW="10399084" imgH="6787210" progId="Excel.Sheet.12">
               <p:embed/>
             </p:oleObj>
           </a:graphicData>
@@ -13083,7 +13157,7 @@
         </p:xfrm>
         <a:graphic>
           <a:graphicData uri="http://schemas.openxmlformats.org/presentationml/2006/ole">
-            <p:oleObj spid="_x0000_s114691" name="Worksheet" r:id="rId4" imgW="10566400" imgH="7670800" progId="Excel.Sheet.12">
+            <p:oleObj spid="_x0000_s114691" name="Worksheet" r:id="rId4" imgW="9782223" imgH="7096220" progId="Excel.Sheet.12">
               <p:embed/>
             </p:oleObj>
           </a:graphicData>
@@ -13468,7 +13542,7 @@
 </file>
 
 <file path=ppt/slides/slide4.xml><?xml version="1.0" encoding="utf-8"?>
-<p:sld xmlns:a="http://schemas.openxmlformats.org/drawingml/2006/main" xmlns:r="http://schemas.openxmlformats.org/officeDocument/2006/relationships" xmlns:mc="http://schemas.openxmlformats.org/markup-compatibility/2006" xmlns:mv="urn:schemas-microsoft-com:mac:vml" xmlns:p="http://schemas.openxmlformats.org/presentationml/2006/main" mc:Ignorable="mv" mc:PreserveAttributes="mv:*">
+<p:sld xmlns:a="http://schemas.openxmlformats.org/drawingml/2006/main" xmlns:r="http://schemas.openxmlformats.org/officeDocument/2006/relationships" xmlns:p="http://schemas.openxmlformats.org/presentationml/2006/main">
   <p:cSld>
     <p:spTree>
       <p:nvGrpSpPr>
@@ -13656,7 +13730,7 @@
 </file>
 
 <file path=ppt/slides/slide5.xml><?xml version="1.0" encoding="utf-8"?>
-<p:sld xmlns:a="http://schemas.openxmlformats.org/drawingml/2006/main" xmlns:r="http://schemas.openxmlformats.org/officeDocument/2006/relationships" xmlns:mc="http://schemas.openxmlformats.org/markup-compatibility/2006" xmlns:mv="urn:schemas-microsoft-com:mac:vml" xmlns:p="http://schemas.openxmlformats.org/presentationml/2006/main" mc:Ignorable="mv" mc:PreserveAttributes="mv:*">
+<p:sld xmlns:a="http://schemas.openxmlformats.org/drawingml/2006/main" xmlns:r="http://schemas.openxmlformats.org/officeDocument/2006/relationships" xmlns:p="http://schemas.openxmlformats.org/presentationml/2006/main">
   <p:cSld>
     <p:spTree>
       <p:nvGrpSpPr>
@@ -13908,7 +13982,7 @@
 </file>
 
 <file path=ppt/slides/slide6.xml><?xml version="1.0" encoding="utf-8"?>
-<p:sld xmlns:a="http://schemas.openxmlformats.org/drawingml/2006/main" xmlns:r="http://schemas.openxmlformats.org/officeDocument/2006/relationships" xmlns:mc="http://schemas.openxmlformats.org/markup-compatibility/2006" xmlns:mv="urn:schemas-microsoft-com:mac:vml" xmlns:p="http://schemas.openxmlformats.org/presentationml/2006/main" mc:Ignorable="mv" mc:PreserveAttributes="mv:*">
+<p:sld xmlns:a="http://schemas.openxmlformats.org/drawingml/2006/main" xmlns:r="http://schemas.openxmlformats.org/officeDocument/2006/relationships" xmlns:p="http://schemas.openxmlformats.org/presentationml/2006/main">
   <p:cSld>
     <p:spTree>
       <p:nvGrpSpPr>
@@ -14190,7 +14264,7 @@
 </file>
 
 <file path=ppt/slides/slide7.xml><?xml version="1.0" encoding="utf-8"?>
-<p:sld xmlns:a="http://schemas.openxmlformats.org/drawingml/2006/main" xmlns:r="http://schemas.openxmlformats.org/officeDocument/2006/relationships" xmlns:mc="http://schemas.openxmlformats.org/markup-compatibility/2006" xmlns:mv="urn:schemas-microsoft-com:mac:vml" xmlns:p="http://schemas.openxmlformats.org/presentationml/2006/main" mc:Ignorable="mv" mc:PreserveAttributes="mv:*">
+<p:sld xmlns:a="http://schemas.openxmlformats.org/drawingml/2006/main" xmlns:r="http://schemas.openxmlformats.org/officeDocument/2006/relationships" xmlns:p="http://schemas.openxmlformats.org/presentationml/2006/main">
   <p:cSld>
     <p:spTree>
       <p:nvGrpSpPr>
@@ -14246,101 +14320,13 @@
           <a:p>
             <a:r>
               <a:rPr lang="en-US" dirty="0" smtClean="0"/>
-              <a:t>Isolate:</a:t>
-            </a:r>
+              <a:t>Isolate: microorganisms (parasites) isolated froman environmental source (e.g.pool) or host material (e.g. human blood)</a:t>
+            </a:r>
+          </a:p>
+          <a:p>
             <a:r>
               <a:rPr lang="en-US" dirty="0" smtClean="0"/>
-              <a:t> microorganisms </a:t>
-            </a:r>
-            <a:r>
-              <a:rPr lang="en-US" dirty="0" smtClean="0"/>
-              <a:t>(</a:t>
-            </a:r>
-            <a:r>
-              <a:rPr lang="en-US" dirty="0" smtClean="0"/>
-              <a:t>parasites) </a:t>
-            </a:r>
-            <a:r>
-              <a:rPr lang="en-US" dirty="0" smtClean="0"/>
-              <a:t>isolated from</a:t>
-            </a:r>
-            <a:r>
-              <a:rPr lang="en-US" dirty="0" smtClean="0"/>
-              <a:t> </a:t>
-            </a:r>
-            <a:r>
-              <a:rPr lang="en-US" dirty="0" smtClean="0"/>
-              <a:t>an</a:t>
-            </a:r>
-            <a:r>
-              <a:rPr lang="en-US" dirty="0" smtClean="0"/>
-              <a:t> environmental source (e.g</a:t>
-            </a:r>
-            <a:r>
-              <a:rPr lang="en-US" dirty="0" smtClean="0"/>
-              <a:t>.</a:t>
-            </a:r>
-            <a:r>
-              <a:rPr lang="en-US" dirty="0" smtClean="0"/>
-              <a:t> </a:t>
-            </a:r>
-            <a:r>
-              <a:rPr lang="en-US" dirty="0" smtClean="0"/>
-              <a:t>pool</a:t>
-            </a:r>
-            <a:r>
-              <a:rPr lang="en-US" dirty="0" smtClean="0"/>
-              <a:t>) </a:t>
-            </a:r>
-            <a:r>
-              <a:rPr lang="en-US" dirty="0" smtClean="0"/>
-              <a:t>or host material (</a:t>
-            </a:r>
-            <a:r>
-              <a:rPr lang="en-US" dirty="0" smtClean="0"/>
-              <a:t>e.g</a:t>
-            </a:r>
-            <a:r>
-              <a:rPr lang="en-US" dirty="0" smtClean="0"/>
-              <a:t>. human blood)</a:t>
-            </a:r>
-          </a:p>
-          <a:p>
-            <a:r>
-              <a:rPr lang="en-US" dirty="0" smtClean="0"/>
-              <a:t>The</a:t>
-            </a:r>
-            <a:r>
-              <a:rPr lang="en-US" dirty="0" smtClean="0"/>
-              <a:t> genetic characteristics </a:t>
-            </a:r>
-            <a:r>
-              <a:rPr lang="en-US" dirty="0" smtClean="0"/>
-              <a:t>of</a:t>
-            </a:r>
-            <a:r>
-              <a:rPr lang="en-US" dirty="0" smtClean="0"/>
-              <a:t> an isolate </a:t>
-            </a:r>
-            <a:r>
-              <a:rPr lang="en-US" dirty="0" smtClean="0"/>
-              <a:t>can be </a:t>
-            </a:r>
-            <a:r>
-              <a:rPr lang="en-US" dirty="0" smtClean="0"/>
-              <a:t>identified </a:t>
-            </a:r>
-            <a:r>
-              <a:rPr lang="en-US" dirty="0" smtClean="0"/>
-              <a:t>through a</a:t>
-            </a:r>
-            <a:r>
-              <a:rPr lang="en-US" dirty="0" smtClean="0"/>
-              <a:t> </a:t>
-            </a:r>
-            <a:r>
-              <a:rPr lang="en-US" dirty="0" smtClean="0"/>
-              <a:t>genotyping assay</a:t>
+              <a:t>The genetic characteristics of an isolate can be identified through agenotyping assay</a:t>
             </a:r>
           </a:p>
           <a:p>
@@ -14697,10 +14683,6 @@
             <a:pPr algn="ctr"/>
             <a:r>
               <a:rPr lang="en-US" dirty="0" smtClean="0"/>
-              <a:t> </a:t>
-            </a:r>
-            <a:r>
-              <a:rPr lang="en-US" dirty="0" smtClean="0"/>
               <a:t>assay</a:t>
             </a:r>
             <a:endParaRPr lang="en-US" dirty="0"/>
@@ -14771,106 +14753,7 @@
                   </a:schemeClr>
                 </a:solidFill>
               </a:rPr>
-              <a:t>Which </a:t>
-            </a:r>
-            <a:r>
-              <a:rPr lang="en-US" dirty="0" smtClean="0">
-                <a:solidFill>
-                  <a:schemeClr val="accent1">
-                    <a:lumMod val="60000"/>
-                    <a:lumOff val="40000"/>
-                  </a:schemeClr>
-                </a:solidFill>
-              </a:rPr>
-              <a:t>type of parasite</a:t>
-            </a:r>
-            <a:r>
-              <a:rPr lang="en-US" dirty="0" smtClean="0">
-                <a:solidFill>
-                  <a:schemeClr val="accent1">
-                    <a:lumMod val="60000"/>
-                    <a:lumOff val="40000"/>
-                  </a:schemeClr>
-                </a:solidFill>
-              </a:rPr>
-              <a:t> </a:t>
-            </a:r>
-            <a:r>
-              <a:rPr lang="en-US" dirty="0" smtClean="0">
-                <a:solidFill>
-                  <a:schemeClr val="accent1">
-                    <a:lumMod val="60000"/>
-                    <a:lumOff val="40000"/>
-                  </a:schemeClr>
-                </a:solidFill>
-              </a:rPr>
-              <a:t>(</a:t>
-            </a:r>
-            <a:r>
-              <a:rPr lang="en-US" dirty="0" smtClean="0">
-                <a:solidFill>
-                  <a:schemeClr val="accent1">
-                    <a:lumMod val="60000"/>
-                    <a:lumOff val="40000"/>
-                  </a:schemeClr>
-                </a:solidFill>
-              </a:rPr>
-              <a:t>e.g</a:t>
-            </a:r>
-            <a:r>
-              <a:rPr lang="en-US" dirty="0" smtClean="0">
-                <a:solidFill>
-                  <a:schemeClr val="accent1">
-                    <a:lumMod val="60000"/>
-                    <a:lumOff val="40000"/>
-                  </a:schemeClr>
-                </a:solidFill>
-              </a:rPr>
-              <a:t>. species, subtype, strain, genotype</a:t>
-            </a:r>
-            <a:r>
-              <a:rPr lang="en-US" dirty="0" smtClean="0">
-                <a:solidFill>
-                  <a:schemeClr val="accent1">
-                    <a:lumMod val="60000"/>
-                    <a:lumOff val="40000"/>
-                  </a:schemeClr>
-                </a:solidFill>
-              </a:rPr>
-              <a:t>)</a:t>
-            </a:r>
-            <a:r>
-              <a:rPr lang="en-US" dirty="0" smtClean="0">
-                <a:solidFill>
-                  <a:schemeClr val="accent1">
-                    <a:lumMod val="60000"/>
-                    <a:lumOff val="40000"/>
-                  </a:schemeClr>
-                </a:solidFill>
-              </a:rPr>
-              <a:t> was</a:t>
-            </a:r>
-            <a:r>
-              <a:rPr lang="en-US" dirty="0" smtClean="0">
-                <a:solidFill>
-                  <a:schemeClr val="accent1">
-                    <a:lumMod val="60000"/>
-                    <a:lumOff val="40000"/>
-                  </a:schemeClr>
-                </a:solidFill>
-              </a:rPr>
-              <a:t> </a:t>
-            </a:r>
-            <a:r>
-              <a:rPr lang="en-US" dirty="0" smtClean="0">
-                <a:solidFill>
-                  <a:schemeClr val="accent1">
-                    <a:lumMod val="60000"/>
-                    <a:lumOff val="40000"/>
-                  </a:schemeClr>
-                </a:solidFill>
-              </a:rPr>
-              <a:t>in </a:t>
+              <a:t>Which type of parasite(e.g. species, subtype, strain, genotype) wasin </a:t>
             </a:r>
             <a:r>
               <a:rPr lang="en-US" smtClean="0">
@@ -14881,18 +14764,7 @@
                   </a:schemeClr>
                 </a:solidFill>
               </a:rPr>
-              <a:t>the</a:t>
-            </a:r>
-            <a:r>
-              <a:rPr lang="en-US" smtClean="0">
-                <a:solidFill>
-                  <a:schemeClr val="accent1">
-                    <a:lumMod val="60000"/>
-                    <a:lumOff val="40000"/>
-                  </a:schemeClr>
-                </a:solidFill>
-              </a:rPr>
-              <a:t> isolate specimen</a:t>
+              <a:t>the isolate specimen</a:t>
             </a:r>
             <a:r>
               <a:rPr lang="en-US" dirty="0" smtClean="0">
@@ -14925,7 +14797,7 @@
 </file>
 
 <file path=ppt/slides/slide8.xml><?xml version="1.0" encoding="utf-8"?>
-<p:sld xmlns:a="http://schemas.openxmlformats.org/drawingml/2006/main" xmlns:r="http://schemas.openxmlformats.org/officeDocument/2006/relationships" xmlns:mc="http://schemas.openxmlformats.org/markup-compatibility/2006" xmlns:mv="urn:schemas-microsoft-com:mac:vml" xmlns:p="http://schemas.openxmlformats.org/presentationml/2006/main" mc:Ignorable="mv" mc:PreserveAttributes="mv:*">
+<p:sld xmlns:a="http://schemas.openxmlformats.org/drawingml/2006/main" xmlns:r="http://schemas.openxmlformats.org/officeDocument/2006/relationships" xmlns:p="http://schemas.openxmlformats.org/presentationml/2006/main">
   <p:cSld>
     <p:spTree>
       <p:nvGrpSpPr>
@@ -15208,7 +15080,7 @@
 </file>
 
 <file path=ppt/slides/slide9.xml><?xml version="1.0" encoding="utf-8"?>
-<p:sld xmlns:a="http://schemas.openxmlformats.org/drawingml/2006/main" xmlns:r="http://schemas.openxmlformats.org/officeDocument/2006/relationships" xmlns:mc="http://schemas.openxmlformats.org/markup-compatibility/2006" xmlns:mv="urn:schemas-microsoft-com:mac:vml" xmlns:p="http://schemas.openxmlformats.org/presentationml/2006/main" mc:Ignorable="mv" mc:PreserveAttributes="mv:*">
+<p:sld xmlns:a="http://schemas.openxmlformats.org/drawingml/2006/main" xmlns:r="http://schemas.openxmlformats.org/officeDocument/2006/relationships" xmlns:p="http://schemas.openxmlformats.org/presentationml/2006/main">
   <p:cSld>
     <p:spTree>
       <p:nvGrpSpPr>
@@ -15397,7 +15269,7 @@
         </p:xfrm>
         <a:graphic>
           <a:graphicData uri="http://schemas.openxmlformats.org/presentationml/2006/ole">
-            <p:oleObj spid="_x0000_s3073" name="Worksheet" r:id="rId3" imgW="5448300" imgH="3263900" progId="Excel.Sheet.12">
+            <p:oleObj spid="_x0000_s3073" name="Worksheet" r:id="rId3" imgW="5458924" imgH="3263677" progId="Excel.Sheet.12">
               <p:embed/>
             </p:oleObj>
           </a:graphicData>

--- a/trunk/docs/presentations/OBI tutorial July 2011 ICBO/EuPathDB.pptx
+++ b/trunk/docs/presentations/OBI tutorial July 2011 ICBO/EuPathDB.pptx
@@ -5,7 +5,7 @@
     <p:sldMasterId id="2147483960" r:id="rId1"/>
   </p:sldMasterIdLst>
   <p:notesMasterIdLst>
-    <p:notesMasterId r:id="rId24"/>
+    <p:notesMasterId r:id="rId21"/>
   </p:notesMasterIdLst>
   <p:sldIdLst>
     <p:sldId id="256" r:id="rId2"/>
@@ -24,12 +24,9 @@
     <p:sldId id="305" r:id="rId15"/>
     <p:sldId id="298" r:id="rId16"/>
     <p:sldId id="306" r:id="rId17"/>
-    <p:sldId id="280" r:id="rId18"/>
-    <p:sldId id="310" r:id="rId19"/>
-    <p:sldId id="307" r:id="rId20"/>
-    <p:sldId id="308" r:id="rId21"/>
-    <p:sldId id="295" r:id="rId22"/>
-    <p:sldId id="301" r:id="rId23"/>
+    <p:sldId id="310" r:id="rId18"/>
+    <p:sldId id="295" r:id="rId19"/>
+    <p:sldId id="301" r:id="rId20"/>
   </p:sldIdLst>
   <p:sldSz cx="9144000" cy="6858000" type="screen4x3"/>
   <p:notesSz cx="6858000" cy="9144000"/>
@@ -682,139 +679,6 @@
 </p:notes>
 </file>
 
-<file path=ppt/notesSlides/notesSlide10.xml><?xml version="1.0" encoding="utf-8"?>
-<p:notes xmlns:a="http://schemas.openxmlformats.org/drawingml/2006/main" xmlns:r="http://schemas.openxmlformats.org/officeDocument/2006/relationships" xmlns:p="http://schemas.openxmlformats.org/presentationml/2006/main">
-  <p:cSld>
-    <p:spTree>
-      <p:nvGrpSpPr>
-        <p:cNvPr id="1" name=""/>
-        <p:cNvGrpSpPr/>
-        <p:nvPr/>
-      </p:nvGrpSpPr>
-      <p:grpSpPr>
-        <a:xfrm>
-          <a:off x="0" y="0"/>
-          <a:ext cx="0" cy="0"/>
-          <a:chOff x="0" y="0"/>
-          <a:chExt cx="0" cy="0"/>
-        </a:xfrm>
-      </p:grpSpPr>
-      <p:sp>
-        <p:nvSpPr>
-          <p:cNvPr id="27649" name="Slide Image Placeholder 1"/>
-          <p:cNvSpPr>
-            <a:spLocks noGrp="1" noRot="1" noChangeAspect="1"/>
-          </p:cNvSpPr>
-          <p:nvPr>
-            <p:ph type="sldImg"/>
-          </p:nvPr>
-        </p:nvSpPr>
-        <p:spPr bwMode="auto">
-          <a:noFill/>
-          <a:ln>
-            <a:solidFill>
-              <a:srgbClr val="000000"/>
-            </a:solidFill>
-            <a:miter lim="800000"/>
-            <a:headEnd/>
-            <a:tailEnd/>
-          </a:ln>
-        </p:spPr>
-      </p:sp>
-      <p:sp>
-        <p:nvSpPr>
-          <p:cNvPr id="27650" name="Notes Placeholder 2"/>
-          <p:cNvSpPr>
-            <a:spLocks noGrp="1"/>
-          </p:cNvSpPr>
-          <p:nvPr>
-            <p:ph type="body" idx="1"/>
-          </p:nvPr>
-        </p:nvSpPr>
-        <p:spPr bwMode="auto">
-          <a:noFill/>
-        </p:spPr>
-        <p:txBody>
-          <a:bodyPr/>
-          <a:lstStyle/>
-          <a:p>
-            <a:pPr>
-              <a:spcBef>
-                <a:spcPct val="0"/>
-              </a:spcBef>
-            </a:pPr>
-            <a:r>
-              <a:rPr lang="en-US" sz="1800" smtClean="0">
-                <a:latin typeface="Trebuchet MS" pitchFamily="34" charset="0"/>
-                <a:cs typeface="Arial" pitchFamily="34" charset="0"/>
-              </a:rPr>
-              <a:t>EupathDB, data we want to collect and issues we have now</a:t>
-            </a:r>
-          </a:p>
-        </p:txBody>
-      </p:sp>
-      <p:sp>
-        <p:nvSpPr>
-          <p:cNvPr id="27651" name="Slide Number Placeholder 3"/>
-          <p:cNvSpPr>
-            <a:spLocks noGrp="1"/>
-          </p:cNvSpPr>
-          <p:nvPr>
-            <p:ph type="sldNum" sz="quarter" idx="5"/>
-          </p:nvPr>
-        </p:nvSpPr>
-        <p:spPr bwMode="auto">
-          <a:noFill/>
-          <a:ln>
-            <a:miter lim="800000"/>
-            <a:headEnd/>
-            <a:tailEnd/>
-          </a:ln>
-        </p:spPr>
-        <p:txBody>
-          <a:bodyPr wrap="square" numCol="1" anchorCtr="0" compatLnSpc="1">
-            <a:prstTxWarp prst="textNoShape">
-              <a:avLst/>
-            </a:prstTxWarp>
-          </a:bodyPr>
-          <a:lstStyle/>
-          <a:p>
-            <a:pPr fontAlgn="base">
-              <a:spcBef>
-                <a:spcPct val="0"/>
-              </a:spcBef>
-              <a:spcAft>
-                <a:spcPct val="0"/>
-              </a:spcAft>
-            </a:pPr>
-            <a:fld id="{DFD20FA0-9931-4FA5-9123-F27539B85481}" type="slidenum">
-              <a:rPr lang="en-US">
-                <a:cs typeface="Arial" pitchFamily="34" charset="0"/>
-              </a:rPr>
-              <a:pPr fontAlgn="base">
-                <a:spcBef>
-                  <a:spcPct val="0"/>
-                </a:spcBef>
-                <a:spcAft>
-                  <a:spcPct val="0"/>
-                </a:spcAft>
-              </a:pPr>
-              <a:t>21</a:t>
-            </a:fld>
-            <a:endParaRPr lang="en-US">
-              <a:cs typeface="Arial" pitchFamily="34" charset="0"/>
-            </a:endParaRPr>
-          </a:p>
-        </p:txBody>
-      </p:sp>
-    </p:spTree>
-  </p:cSld>
-  <p:clrMapOvr>
-    <a:masterClrMapping/>
-  </p:clrMapOvr>
-</p:notes>
-</file>
-
 <file path=ppt/notesSlides/notesSlide2.xml><?xml version="1.0" encoding="utf-8"?>
 <p:notes xmlns:a="http://schemas.openxmlformats.org/drawingml/2006/main" xmlns:r="http://schemas.openxmlformats.org/officeDocument/2006/relationships" xmlns:p="http://schemas.openxmlformats.org/presentationml/2006/main">
   <p:cSld>
@@ -1739,7 +1603,7 @@
       </p:grpSpPr>
       <p:sp>
         <p:nvSpPr>
-          <p:cNvPr id="2" name="Slide Image Placeholder 1"/>
+          <p:cNvPr id="27649" name="Slide Image Placeholder 1"/>
           <p:cNvSpPr>
             <a:spLocks noGrp="1" noRot="1" noChangeAspect="1"/>
           </p:cNvSpPr>
@@ -1747,11 +1611,21 @@
             <p:ph type="sldImg"/>
           </p:nvPr>
         </p:nvSpPr>
-        <p:spPr/>
-      </p:sp>
-      <p:sp>
-        <p:nvSpPr>
-          <p:cNvPr id="3" name="Notes Placeholder 2"/>
+        <p:spPr bwMode="auto">
+          <a:noFill/>
+          <a:ln>
+            <a:solidFill>
+              <a:srgbClr val="000000"/>
+            </a:solidFill>
+            <a:miter lim="800000"/>
+            <a:headEnd/>
+            <a:tailEnd/>
+          </a:ln>
+        </p:spPr>
+      </p:sp>
+      <p:sp>
+        <p:nvSpPr>
+          <p:cNvPr id="27650" name="Notes Placeholder 2"/>
           <p:cNvSpPr>
             <a:spLocks noGrp="1"/>
           </p:cNvSpPr>
@@ -1759,1159 +1633,79 @@
             <p:ph type="body" idx="1"/>
           </p:nvPr>
         </p:nvSpPr>
-        <p:spPr/>
-        <p:txBody>
-          <a:bodyPr>
-            <a:normAutofit/>
+        <p:spPr bwMode="auto">
+          <a:noFill/>
+        </p:spPr>
+        <p:txBody>
+          <a:bodyPr/>
+          <a:lstStyle/>
+          <a:p>
+            <a:pPr>
+              <a:spcBef>
+                <a:spcPct val="0"/>
+              </a:spcBef>
+            </a:pPr>
+            <a:r>
+              <a:rPr lang="en-US" sz="1800" smtClean="0">
+                <a:latin typeface="Trebuchet MS" pitchFamily="34" charset="0"/>
+                <a:cs typeface="Arial" pitchFamily="34" charset="0"/>
+              </a:rPr>
+              <a:t>EupathDB, data we want to collect and issues we have now</a:t>
+            </a:r>
+          </a:p>
+        </p:txBody>
+      </p:sp>
+      <p:sp>
+        <p:nvSpPr>
+          <p:cNvPr id="27651" name="Slide Number Placeholder 3"/>
+          <p:cNvSpPr>
+            <a:spLocks noGrp="1"/>
+          </p:cNvSpPr>
+          <p:nvPr>
+            <p:ph type="sldNum" sz="quarter" idx="5"/>
+          </p:nvPr>
+        </p:nvSpPr>
+        <p:spPr bwMode="auto">
+          <a:noFill/>
+          <a:ln>
+            <a:miter lim="800000"/>
+            <a:headEnd/>
+            <a:tailEnd/>
+          </a:ln>
+        </p:spPr>
+        <p:txBody>
+          <a:bodyPr wrap="square" numCol="1" anchorCtr="0" compatLnSpc="1">
+            <a:prstTxWarp prst="textNoShape">
+              <a:avLst/>
+            </a:prstTxWarp>
           </a:bodyPr>
           <a:lstStyle/>
           <a:p>
-            <a:r>
-              <a:rPr lang="en-US" sz="1200" kern="1200" dirty="0" smtClean="0">
-                <a:solidFill>
-                  <a:schemeClr val="tx1"/>
-                </a:solidFill>
-                <a:latin typeface="+mn-lt"/>
-                <a:ea typeface="+mn-ea"/>
-                <a:cs typeface="+mn-cs"/>
-              </a:rPr>
-              <a:t>identifying novel intervention targets</a:t>
-            </a:r>
-          </a:p>
-          <a:p>
-            <a:r>
-              <a:rPr lang="en-US" sz="1200" kern="1200" dirty="0" smtClean="0">
-                <a:solidFill>
-                  <a:schemeClr val="tx1"/>
-                </a:solidFill>
-                <a:latin typeface="+mn-lt"/>
-                <a:ea typeface="+mn-ea"/>
-                <a:cs typeface="+mn-cs"/>
-              </a:rPr>
-              <a:t>localization of a parasite within its host at each lifecycle stage</a:t>
-            </a:r>
-          </a:p>
-          <a:p>
-            <a:r>
-              <a:rPr lang="en-US" sz="1200" kern="1200" dirty="0" smtClean="0">
-                <a:solidFill>
-                  <a:schemeClr val="tx1"/>
-                </a:solidFill>
-                <a:latin typeface="+mn-lt"/>
-                <a:ea typeface="+mn-ea"/>
-                <a:cs typeface="+mn-cs"/>
-              </a:rPr>
-              <a:t>host and vector information of parasites </a:t>
-            </a:r>
-          </a:p>
-          <a:p>
-            <a:r>
-              <a:rPr lang="en-US" sz="1200" kern="1200" dirty="0" smtClean="0">
-                <a:solidFill>
-                  <a:schemeClr val="tx1"/>
-                </a:solidFill>
-                <a:latin typeface="+mn-lt"/>
-                <a:ea typeface="+mn-ea"/>
-                <a:cs typeface="+mn-cs"/>
-              </a:rPr>
-              <a:t>several parasitic organism genomes, namely </a:t>
-            </a:r>
-            <a:r>
-              <a:rPr lang="en-US" sz="1200" i="1" kern="1200" dirty="0" err="1" smtClean="0">
-                <a:solidFill>
-                  <a:schemeClr val="tx1"/>
-                </a:solidFill>
-                <a:latin typeface="+mn-lt"/>
-                <a:ea typeface="+mn-ea"/>
-                <a:cs typeface="+mn-cs"/>
-              </a:rPr>
-              <a:t>Trypanosomabrucei</a:t>
-            </a:r>
-            <a:r>
-              <a:rPr lang="en-US" sz="1200" kern="1200" dirty="0" smtClean="0">
-                <a:solidFill>
-                  <a:schemeClr val="tx1"/>
-                </a:solidFill>
-                <a:latin typeface="+mn-lt"/>
-                <a:ea typeface="+mn-ea"/>
-                <a:cs typeface="+mn-cs"/>
-              </a:rPr>
-              <a:t>, </a:t>
-            </a:r>
-            <a:r>
-              <a:rPr lang="en-US" sz="1200" i="1" kern="1200" dirty="0" err="1" smtClean="0">
-                <a:solidFill>
-                  <a:schemeClr val="tx1"/>
-                </a:solidFill>
-                <a:latin typeface="+mn-lt"/>
-                <a:ea typeface="+mn-ea"/>
-                <a:cs typeface="+mn-cs"/>
-              </a:rPr>
-              <a:t>Trypanosomacruzi</a:t>
-            </a:r>
-            <a:r>
-              <a:rPr lang="en-US" sz="1200" kern="1200" dirty="0" smtClean="0">
-                <a:solidFill>
-                  <a:schemeClr val="tx1"/>
-                </a:solidFill>
-                <a:latin typeface="+mn-lt"/>
-                <a:ea typeface="+mn-ea"/>
-                <a:cs typeface="+mn-cs"/>
-              </a:rPr>
-              <a:t>, </a:t>
-            </a:r>
-            <a:r>
-              <a:rPr lang="en-US" sz="1200" i="1" kern="1200" dirty="0" err="1" smtClean="0">
-                <a:solidFill>
-                  <a:schemeClr val="tx1"/>
-                </a:solidFill>
-                <a:latin typeface="+mn-lt"/>
-                <a:ea typeface="+mn-ea"/>
-                <a:cs typeface="+mn-cs"/>
-              </a:rPr>
-              <a:t>Leishmania</a:t>
-            </a:r>
-            <a:r>
-              <a:rPr lang="en-US" sz="1200" i="1" kern="1200" dirty="0" smtClean="0">
-                <a:solidFill>
-                  <a:schemeClr val="tx1"/>
-                </a:solidFill>
-                <a:latin typeface="+mn-lt"/>
-                <a:ea typeface="+mn-ea"/>
-                <a:cs typeface="+mn-cs"/>
-              </a:rPr>
-              <a:t> major</a:t>
-            </a:r>
-            <a:r>
-              <a:rPr lang="en-US" sz="1200" kern="1200" dirty="0" smtClean="0">
-                <a:solidFill>
-                  <a:schemeClr val="tx1"/>
-                </a:solidFill>
-                <a:latin typeface="+mn-lt"/>
-                <a:ea typeface="+mn-ea"/>
-                <a:cs typeface="+mn-cs"/>
-              </a:rPr>
-              <a:t>, </a:t>
-            </a:r>
-            <a:r>
-              <a:rPr lang="en-US" sz="1200" i="1" kern="1200" dirty="0" smtClean="0">
-                <a:solidFill>
-                  <a:schemeClr val="tx1"/>
-                </a:solidFill>
-                <a:latin typeface="+mn-lt"/>
-                <a:ea typeface="+mn-ea"/>
-                <a:cs typeface="+mn-cs"/>
-              </a:rPr>
-              <a:t>Plasmodium </a:t>
-            </a:r>
-            <a:r>
-              <a:rPr lang="en-US" sz="1200" i="1" kern="1200" dirty="0" err="1" smtClean="0">
-                <a:solidFill>
-                  <a:schemeClr val="tx1"/>
-                </a:solidFill>
-                <a:latin typeface="+mn-lt"/>
-                <a:ea typeface="+mn-ea"/>
-                <a:cs typeface="+mn-cs"/>
-              </a:rPr>
-              <a:t>falciparum</a:t>
-            </a:r>
-            <a:r>
-              <a:rPr lang="en-US" sz="1200" kern="1200" dirty="0" smtClean="0">
-                <a:solidFill>
-                  <a:schemeClr val="tx1"/>
-                </a:solidFill>
-                <a:latin typeface="+mn-lt"/>
-                <a:ea typeface="+mn-ea"/>
-                <a:cs typeface="+mn-cs"/>
-              </a:rPr>
-              <a:t>, and </a:t>
-            </a:r>
-            <a:r>
-              <a:rPr lang="en-US" sz="1200" i="1" kern="1200" dirty="0" err="1" smtClean="0">
-                <a:solidFill>
-                  <a:schemeClr val="tx1"/>
-                </a:solidFill>
-                <a:latin typeface="+mn-lt"/>
-                <a:ea typeface="+mn-ea"/>
-                <a:cs typeface="+mn-cs"/>
-              </a:rPr>
-              <a:t>Schistosomamansoni</a:t>
-            </a:r>
-            <a:r>
-              <a:rPr lang="en-US" sz="1200" kern="1200" dirty="0" smtClean="0">
-                <a:solidFill>
-                  <a:schemeClr val="tx1"/>
-                </a:solidFill>
-                <a:latin typeface="+mn-lt"/>
-                <a:ea typeface="+mn-ea"/>
-                <a:cs typeface="+mn-cs"/>
-              </a:rPr>
-              <a:t>.</a:t>
-            </a:r>
-          </a:p>
-          <a:p>
-            <a:r>
-              <a:rPr lang="en-US" sz="1200" kern="1200" dirty="0" smtClean="0">
-                <a:solidFill>
-                  <a:schemeClr val="tx1"/>
-                </a:solidFill>
-                <a:latin typeface="+mn-lt"/>
-                <a:ea typeface="+mn-ea"/>
-                <a:cs typeface="+mn-cs"/>
-              </a:rPr>
-              <a:t>Since the majority of experiments carried out in parasitic organisms are done in a single lifecycle stage, it is important to annotate phenotype data with this information to enable users to analyze the data appropriately.</a:t>
-            </a:r>
-          </a:p>
-          <a:p>
-            <a:pPr marL="0" marR="0" indent="0" algn="l" defTabSz="914400" rtl="0" eaLnBrk="1" fontAlgn="base" latinLnBrk="0" hangingPunct="1">
-              <a:lnSpc>
-                <a:spcPct val="100000"/>
-              </a:lnSpc>
+            <a:pPr fontAlgn="base">
               <a:spcBef>
-                <a:spcPct val="30000"/>
+                <a:spcPct val="0"/>
               </a:spcBef>
               <a:spcAft>
                 <a:spcPct val="0"/>
               </a:spcAft>
-              <a:buClrTx/>
-              <a:buSzTx/>
-              <a:buFontTx/>
-              <a:buNone/>
-              <a:tabLst/>
-              <a:defRPr/>
             </a:pPr>
-            <a:r>
-              <a:rPr lang="en-US" sz="1200" kern="1200" dirty="0" smtClean="0">
-                <a:solidFill>
-                  <a:schemeClr val="tx1"/>
-                </a:solidFill>
-                <a:latin typeface="+mn-lt"/>
-                <a:ea typeface="+mn-ea"/>
-                <a:cs typeface="+mn-cs"/>
+            <a:fld id="{DFD20FA0-9931-4FA5-9123-F27539B85481}" type="slidenum">
+              <a:rPr lang="en-US">
+                <a:cs typeface="Arial" pitchFamily="34" charset="0"/>
               </a:rPr>
-              <a:t>lethal during bloodstream stage</a:t>
-            </a:r>
-          </a:p>
-          <a:p>
-            <a:endParaRPr lang="en-US" dirty="0"/>
-          </a:p>
-        </p:txBody>
-      </p:sp>
-      <p:sp>
-        <p:nvSpPr>
-          <p:cNvPr id="4" name="Slide Number Placeholder 3"/>
-          <p:cNvSpPr>
-            <a:spLocks noGrp="1"/>
-          </p:cNvSpPr>
-          <p:nvPr>
-            <p:ph type="sldNum" sz="quarter" idx="10"/>
-          </p:nvPr>
-        </p:nvSpPr>
-        <p:spPr/>
-        <p:txBody>
-          <a:bodyPr/>
-          <a:lstStyle/>
-          <a:p>
-            <a:pPr>
-              <a:defRPr/>
-            </a:pPr>
-            <a:fld id="{3A96576D-D51A-4E67-8DA5-9A6D61B288F8}" type="slidenum">
-              <a:rPr lang="en-US" smtClean="0"/>
-              <a:pPr>
-                <a:defRPr/>
-              </a:pPr>
-              <a:t>17</a:t>
-            </a:fld>
-            <a:endParaRPr lang="en-US"/>
-          </a:p>
-        </p:txBody>
-      </p:sp>
-    </p:spTree>
-  </p:cSld>
-  <p:clrMapOvr>
-    <a:masterClrMapping/>
-  </p:clrMapOvr>
-</p:notes>
-</file>
-
-<file path=ppt/notesSlides/notesSlide8.xml><?xml version="1.0" encoding="utf-8"?>
-<p:notes xmlns:a="http://schemas.openxmlformats.org/drawingml/2006/main" xmlns:r="http://schemas.openxmlformats.org/officeDocument/2006/relationships" xmlns:p="http://schemas.openxmlformats.org/presentationml/2006/main">
-  <p:cSld>
-    <p:spTree>
-      <p:nvGrpSpPr>
-        <p:cNvPr id="1" name=""/>
-        <p:cNvGrpSpPr/>
-        <p:nvPr/>
-      </p:nvGrpSpPr>
-      <p:grpSpPr>
-        <a:xfrm>
-          <a:off x="0" y="0"/>
-          <a:ext cx="0" cy="0"/>
-          <a:chOff x="0" y="0"/>
-          <a:chExt cx="0" cy="0"/>
-        </a:xfrm>
-      </p:grpSpPr>
-      <p:sp>
-        <p:nvSpPr>
-          <p:cNvPr id="2" name="Slide Image Placeholder 1"/>
-          <p:cNvSpPr>
-            <a:spLocks noGrp="1" noRot="1" noChangeAspect="1"/>
-          </p:cNvSpPr>
-          <p:nvPr>
-            <p:ph type="sldImg"/>
-          </p:nvPr>
-        </p:nvSpPr>
-        <p:spPr/>
-      </p:sp>
-      <p:sp>
-        <p:nvSpPr>
-          <p:cNvPr id="3" name="Notes Placeholder 2"/>
-          <p:cNvSpPr>
-            <a:spLocks noGrp="1"/>
-          </p:cNvSpPr>
-          <p:nvPr>
-            <p:ph type="body" idx="1"/>
-          </p:nvPr>
-        </p:nvSpPr>
-        <p:spPr/>
-        <p:txBody>
-          <a:bodyPr>
-            <a:normAutofit fontScale="92500"/>
-          </a:bodyPr>
-          <a:lstStyle/>
-          <a:p>
-            <a:pPr marL="0" marR="0" indent="0" algn="l" defTabSz="914400" rtl="0" eaLnBrk="1" fontAlgn="base" latinLnBrk="0" hangingPunct="1">
-              <a:lnSpc>
-                <a:spcPct val="100000"/>
-              </a:lnSpc>
-              <a:spcBef>
-                <a:spcPct val="30000"/>
-              </a:spcBef>
-              <a:spcAft>
-                <a:spcPct val="0"/>
-              </a:spcAft>
-              <a:buClrTx/>
-              <a:buSzTx/>
-              <a:buFontTx/>
-              <a:buNone/>
-              <a:tabLst/>
-              <a:defRPr/>
-            </a:pPr>
-            <a:r>
-              <a:rPr lang="en-US" dirty="0" smtClean="0"/>
-              <a:t>There are many types of parasites, and each one has variations to its life cycle. There are, however, similarities among the life cycles of all parasites. The one thing that all parasites have in common is that they are opportunistic organisms that live off the blood of other living organisms. Parasites are dangerous for two reasons. The first is that they can infiltrate the host to the point of consuming all of the body's food, clogging vessels or organs and killing the host, and the other is that they can pass deadly diseases to host organisms.</a:t>
-            </a:r>
-            <a:r>
-              <a:rPr lang="en-US" sz="1200" u="none" strike="noStrike" kern="1200" dirty="0" smtClean="0">
-                <a:solidFill>
-                  <a:schemeClr val="tx1"/>
-                </a:solidFill>
-                <a:latin typeface="+mn-lt"/>
-                <a:ea typeface="+mn-ea"/>
-                <a:cs typeface="+mn-cs"/>
-              </a:rPr>
-              <a:t/>
-            </a:r>
-            <a:br>
-              <a:rPr lang="en-US" sz="1200" u="none" strike="noStrike" kern="1200" dirty="0" smtClean="0">
-                <a:solidFill>
-                  <a:schemeClr val="tx1"/>
-                </a:solidFill>
-                <a:latin typeface="+mn-lt"/>
-                <a:ea typeface="+mn-ea"/>
-                <a:cs typeface="+mn-cs"/>
-              </a:rPr>
-            </a:br>
-            <a:r>
-              <a:rPr lang="en-US" sz="1200" u="none" strike="noStrike" kern="1200" dirty="0" smtClean="0">
-                <a:solidFill>
-                  <a:schemeClr val="tx1"/>
-                </a:solidFill>
-                <a:latin typeface="+mn-lt"/>
-                <a:ea typeface="+mn-ea"/>
-                <a:cs typeface="+mn-cs"/>
-              </a:rPr>
-              <a:t>Read more: </a:t>
-            </a:r>
-            <a:r>
-              <a:rPr lang="en-US" sz="1200" u="none" strike="noStrike" kern="1200" dirty="0" smtClean="0">
-                <a:solidFill>
-                  <a:schemeClr val="tx1"/>
-                </a:solidFill>
-                <a:latin typeface="+mn-lt"/>
-                <a:ea typeface="+mn-ea"/>
-                <a:cs typeface="+mn-cs"/>
-                <a:hlinkClick r:id="rId3"/>
-              </a:rPr>
-              <a:t>Life Cycle of a Parasite | eHow.comhttp://www.ehow.com/about_5339802_life-cycle-parasite.html#ixzz1S1N345mM</a:t>
-            </a:r>
-            <a:endParaRPr lang="en-US" sz="1200" u="none" strike="noStrike" kern="1200" dirty="0" smtClean="0">
-              <a:solidFill>
-                <a:schemeClr val="tx1"/>
-              </a:solidFill>
-              <a:latin typeface="+mn-lt"/>
-              <a:ea typeface="+mn-ea"/>
-              <a:cs typeface="+mn-cs"/>
-            </a:endParaRPr>
-          </a:p>
-          <a:p>
-            <a:pPr marL="0" marR="0" indent="0" algn="l" defTabSz="914400" rtl="0" eaLnBrk="1" fontAlgn="base" latinLnBrk="0" hangingPunct="1">
-              <a:lnSpc>
-                <a:spcPct val="100000"/>
-              </a:lnSpc>
-              <a:spcBef>
-                <a:spcPct val="30000"/>
-              </a:spcBef>
-              <a:spcAft>
-                <a:spcPct val="0"/>
-              </a:spcAft>
-              <a:buClrTx/>
-              <a:buSzTx/>
-              <a:buFontTx/>
-              <a:buNone/>
-              <a:tabLst/>
-              <a:defRPr/>
-            </a:pPr>
-            <a:endParaRPr lang="en-US" sz="1200" u="none" strike="noStrike" kern="1200" dirty="0" smtClean="0">
-              <a:solidFill>
-                <a:schemeClr val="tx1"/>
-              </a:solidFill>
-              <a:latin typeface="+mn-lt"/>
-              <a:ea typeface="+mn-ea"/>
-              <a:cs typeface="+mn-cs"/>
-            </a:endParaRPr>
-          </a:p>
-          <a:p>
-            <a:pPr marL="0" marR="0" indent="0" algn="l" defTabSz="914400" rtl="0" eaLnBrk="1" fontAlgn="base" latinLnBrk="0" hangingPunct="1">
-              <a:lnSpc>
-                <a:spcPct val="100000"/>
-              </a:lnSpc>
-              <a:spcBef>
-                <a:spcPct val="30000"/>
-              </a:spcBef>
-              <a:spcAft>
-                <a:spcPct val="0"/>
-              </a:spcAft>
-              <a:buClrTx/>
-              <a:buSzTx/>
-              <a:buFontTx/>
-              <a:buNone/>
-              <a:tabLst/>
-              <a:defRPr/>
-            </a:pPr>
-            <a:r>
-              <a:rPr lang="en-US" sz="1200" u="none" strike="noStrike" kern="1200" dirty="0" smtClean="0">
-                <a:solidFill>
-                  <a:schemeClr val="tx1"/>
-                </a:solidFill>
-                <a:latin typeface="+mn-lt"/>
-                <a:ea typeface="+mn-ea"/>
-                <a:cs typeface="+mn-cs"/>
-              </a:rPr>
-              <a:t>http://www.dpd.cdc.gov/dpdx/HTML/TrypanosomiasisAfrican.htm</a:t>
-            </a:r>
-          </a:p>
-          <a:p>
-            <a:pPr marL="0" marR="0" indent="0" algn="l" defTabSz="914400" rtl="0" eaLnBrk="1" fontAlgn="base" latinLnBrk="0" hangingPunct="1">
-              <a:lnSpc>
-                <a:spcPct val="100000"/>
-              </a:lnSpc>
-              <a:spcBef>
-                <a:spcPct val="30000"/>
-              </a:spcBef>
-              <a:spcAft>
-                <a:spcPct val="0"/>
-              </a:spcAft>
-              <a:buClrTx/>
-              <a:buSzTx/>
-              <a:buFontTx/>
-              <a:buNone/>
-              <a:tabLst/>
-              <a:defRPr/>
-            </a:pPr>
-            <a:r>
-              <a:rPr lang="en-US" dirty="0" smtClean="0"/>
-              <a:t>During a blood meal on the mammalian host, an infected tsetse fly (genus </a:t>
-            </a:r>
-            <a:r>
-              <a:rPr lang="en-US" i="1" dirty="0" err="1" smtClean="0"/>
-              <a:t>Glossina</a:t>
-            </a:r>
-            <a:r>
-              <a:rPr lang="en-US" dirty="0" smtClean="0"/>
-              <a:t>) injects </a:t>
-            </a:r>
-            <a:r>
-              <a:rPr lang="en-US" dirty="0" err="1" smtClean="0"/>
-              <a:t>metacyclictrypomastigotes</a:t>
-            </a:r>
-            <a:r>
-              <a:rPr lang="en-US" dirty="0" smtClean="0"/>
-              <a:t> into skin tissue.  The parasites enter the lymphatic system and pass into the bloodstream (1) .  Inside the host, they transform into bloodstream </a:t>
-            </a:r>
-            <a:r>
-              <a:rPr lang="en-US" dirty="0" err="1" smtClean="0"/>
-              <a:t>trypomastigotes</a:t>
-            </a:r>
-            <a:r>
-              <a:rPr lang="en-US" dirty="0" smtClean="0"/>
-              <a:t>  (2), are carried to other sites throughout the body, reach other blood fluids (e.g., lymph, spinal fluid), and continue the replication by binary fission (3).  The entire life cycle of African Trypanosomes is represented by extracellular stages.  The tsetse fly becomes infected with bloodstream </a:t>
-            </a:r>
-            <a:r>
-              <a:rPr lang="en-US" dirty="0" err="1" smtClean="0"/>
-              <a:t>trypomastigotes</a:t>
-            </a:r>
-            <a:r>
-              <a:rPr lang="en-US" dirty="0" smtClean="0"/>
-              <a:t> when taking a blood meal on an infected mammalian host (4,5).  In the fly’s </a:t>
-            </a:r>
-            <a:r>
-              <a:rPr lang="en-US" dirty="0" err="1" smtClean="0"/>
-              <a:t>midgut</a:t>
-            </a:r>
-            <a:r>
-              <a:rPr lang="en-US" dirty="0" smtClean="0"/>
-              <a:t>, the parasites transform into </a:t>
-            </a:r>
-            <a:r>
-              <a:rPr lang="en-US" dirty="0" err="1" smtClean="0"/>
-              <a:t>procyclictrypomastigotes</a:t>
-            </a:r>
-            <a:r>
-              <a:rPr lang="en-US" dirty="0" smtClean="0"/>
-              <a:t>, multiply by binary fission (6), leave the </a:t>
-            </a:r>
-            <a:r>
-              <a:rPr lang="en-US" dirty="0" err="1" smtClean="0"/>
-              <a:t>midgut</a:t>
-            </a:r>
-            <a:r>
-              <a:rPr lang="en-US" dirty="0" smtClean="0"/>
-              <a:t>, and transform into </a:t>
-            </a:r>
-            <a:r>
-              <a:rPr lang="en-US" dirty="0" err="1" smtClean="0"/>
-              <a:t>epimastigotes</a:t>
-            </a:r>
-            <a:r>
-              <a:rPr lang="en-US" dirty="0" smtClean="0"/>
-              <a:t> (7).  The </a:t>
-            </a:r>
-            <a:r>
-              <a:rPr lang="en-US" dirty="0" err="1" smtClean="0"/>
-              <a:t>epimastigotes</a:t>
-            </a:r>
-            <a:r>
-              <a:rPr lang="en-US" dirty="0" smtClean="0"/>
-              <a:t> reach the fly’s salivary glands and continue multiplication by binary fission (8).  The cycle in the fly takes approximately 3 weeks.  Humans are the main reservoir for </a:t>
-            </a:r>
-            <a:r>
-              <a:rPr lang="en-US" i="1" dirty="0" err="1" smtClean="0"/>
-              <a:t>Trypanosomabruceigambiense</a:t>
-            </a:r>
-            <a:r>
-              <a:rPr lang="en-US" dirty="0" smtClean="0"/>
-              <a:t>, but this species can also be found in animals.  Wild game animals are the main reservoir of </a:t>
-            </a:r>
-            <a:r>
-              <a:rPr lang="en-US" i="1" dirty="0" smtClean="0"/>
-              <a:t>T. b. </a:t>
-            </a:r>
-            <a:r>
-              <a:rPr lang="en-US" i="1" dirty="0" err="1" smtClean="0"/>
-              <a:t>rhodesiense</a:t>
-            </a:r>
-            <a:r>
-              <a:rPr lang="en-US" dirty="0" smtClean="0"/>
-              <a:t>.</a:t>
-            </a:r>
-          </a:p>
-          <a:p>
-            <a:pPr marL="0" marR="0" indent="0" algn="l" defTabSz="914400" rtl="0" eaLnBrk="1" fontAlgn="base" latinLnBrk="0" hangingPunct="1">
-              <a:lnSpc>
-                <a:spcPct val="100000"/>
-              </a:lnSpc>
-              <a:spcBef>
-                <a:spcPct val="30000"/>
-              </a:spcBef>
-              <a:spcAft>
-                <a:spcPct val="0"/>
-              </a:spcAft>
-              <a:buClrTx/>
-              <a:buSzTx/>
-              <a:buFontTx/>
-              <a:buNone/>
-              <a:tabLst/>
-              <a:defRPr/>
-            </a:pPr>
-            <a:endParaRPr lang="en-US" sz="1200" u="none" strike="noStrike" kern="1200" dirty="0" smtClean="0">
-              <a:solidFill>
-                <a:schemeClr val="tx1"/>
-              </a:solidFill>
-              <a:latin typeface="+mn-lt"/>
-              <a:ea typeface="+mn-ea"/>
-              <a:cs typeface="+mn-cs"/>
-            </a:endParaRPr>
-          </a:p>
-          <a:p>
-            <a:pPr marL="0" marR="0" indent="0" algn="l" defTabSz="914400" rtl="0" eaLnBrk="1" fontAlgn="base" latinLnBrk="0" hangingPunct="1">
-              <a:lnSpc>
-                <a:spcPct val="100000"/>
-              </a:lnSpc>
-              <a:spcBef>
-                <a:spcPct val="30000"/>
-              </a:spcBef>
-              <a:spcAft>
-                <a:spcPct val="0"/>
-              </a:spcAft>
-              <a:buClrTx/>
-              <a:buSzTx/>
-              <a:buFontTx/>
-              <a:buNone/>
-              <a:tabLst/>
-              <a:defRPr/>
-            </a:pPr>
-            <a:r>
-              <a:rPr lang="en-US" sz="1200" kern="1200" dirty="0" smtClean="0">
-                <a:solidFill>
-                  <a:schemeClr val="tx1"/>
-                </a:solidFill>
-                <a:latin typeface="+mn-lt"/>
-                <a:ea typeface="+mn-ea"/>
-                <a:cs typeface="+mn-cs"/>
-              </a:rPr>
-              <a:t>To illustrate the complexity of parasite lifecycle stages we consider </a:t>
-            </a:r>
-            <a:r>
-              <a:rPr lang="en-US" sz="1200" kern="1200" dirty="0" err="1" smtClean="0">
-                <a:solidFill>
-                  <a:schemeClr val="tx1"/>
-                </a:solidFill>
-                <a:latin typeface="+mn-lt"/>
-                <a:ea typeface="+mn-ea"/>
-                <a:cs typeface="+mn-cs"/>
-              </a:rPr>
-              <a:t>the</a:t>
-            </a:r>
-            <a:r>
-              <a:rPr lang="en-US" sz="1200" i="1" kern="1200" dirty="0" err="1" smtClean="0">
-                <a:solidFill>
-                  <a:schemeClr val="tx1"/>
-                </a:solidFill>
-                <a:latin typeface="+mn-lt"/>
-                <a:ea typeface="+mn-ea"/>
-                <a:cs typeface="+mn-cs"/>
-              </a:rPr>
-              <a:t>Trypanosomacruzi</a:t>
-            </a:r>
-            <a:r>
-              <a:rPr lang="en-US" sz="1200" kern="1200" dirty="0" err="1" smtClean="0">
-                <a:solidFill>
-                  <a:schemeClr val="tx1"/>
-                </a:solidFill>
-                <a:latin typeface="+mn-lt"/>
-                <a:ea typeface="+mn-ea"/>
-                <a:cs typeface="+mn-cs"/>
-              </a:rPr>
-              <a:t>parasite</a:t>
-            </a:r>
-            <a:r>
-              <a:rPr lang="en-US" sz="1200" kern="1200" dirty="0" smtClean="0">
-                <a:solidFill>
-                  <a:schemeClr val="tx1"/>
-                </a:solidFill>
-                <a:latin typeface="+mn-lt"/>
-                <a:ea typeface="+mn-ea"/>
-                <a:cs typeface="+mn-cs"/>
-              </a:rPr>
-              <a:t>, which has three stages, namely </a:t>
-            </a:r>
-            <a:r>
-              <a:rPr lang="en-US" sz="1200" kern="1200" dirty="0" err="1" smtClean="0">
-                <a:solidFill>
-                  <a:schemeClr val="tx1"/>
-                </a:solidFill>
-                <a:latin typeface="+mn-lt"/>
-                <a:ea typeface="+mn-ea"/>
-                <a:cs typeface="+mn-cs"/>
-              </a:rPr>
-              <a:t>amastigote</a:t>
-            </a:r>
-            <a:r>
-              <a:rPr lang="en-US" sz="1200" kern="1200" dirty="0" smtClean="0">
-                <a:solidFill>
-                  <a:schemeClr val="tx1"/>
-                </a:solidFill>
-                <a:latin typeface="+mn-lt"/>
-                <a:ea typeface="+mn-ea"/>
-                <a:cs typeface="+mn-cs"/>
-              </a:rPr>
-              <a:t>, </a:t>
-            </a:r>
-            <a:r>
-              <a:rPr lang="en-US" sz="1200" kern="1200" dirty="0" err="1" smtClean="0">
-                <a:solidFill>
-                  <a:schemeClr val="tx1"/>
-                </a:solidFill>
-                <a:latin typeface="+mn-lt"/>
-                <a:ea typeface="+mn-ea"/>
-                <a:cs typeface="+mn-cs"/>
-              </a:rPr>
-              <a:t>epimastigote</a:t>
-            </a:r>
-            <a:r>
-              <a:rPr lang="en-US" sz="1200" kern="1200" dirty="0" smtClean="0">
-                <a:solidFill>
-                  <a:schemeClr val="tx1"/>
-                </a:solidFill>
-                <a:latin typeface="+mn-lt"/>
-                <a:ea typeface="+mn-ea"/>
-                <a:cs typeface="+mn-cs"/>
-              </a:rPr>
-              <a:t>, and </a:t>
-            </a:r>
-            <a:r>
-              <a:rPr lang="en-US" sz="1200" kern="1200" dirty="0" err="1" smtClean="0">
-                <a:solidFill>
-                  <a:schemeClr val="tx1"/>
-                </a:solidFill>
-                <a:latin typeface="+mn-lt"/>
-                <a:ea typeface="+mn-ea"/>
-                <a:cs typeface="+mn-cs"/>
-              </a:rPr>
-              <a:t>trypomastigote</a:t>
-            </a:r>
-            <a:r>
-              <a:rPr lang="en-US" sz="1200" kern="1200" dirty="0" smtClean="0">
-                <a:solidFill>
-                  <a:schemeClr val="tx1"/>
-                </a:solidFill>
-                <a:latin typeface="+mn-lt"/>
-                <a:ea typeface="+mn-ea"/>
-                <a:cs typeface="+mn-cs"/>
-              </a:rPr>
-              <a:t>.  The </a:t>
-            </a:r>
-            <a:r>
-              <a:rPr lang="en-US" sz="1200" kern="1200" dirty="0" err="1" smtClean="0">
-                <a:solidFill>
-                  <a:schemeClr val="tx1"/>
-                </a:solidFill>
-                <a:latin typeface="+mn-lt"/>
-                <a:ea typeface="+mn-ea"/>
-                <a:cs typeface="+mn-cs"/>
-              </a:rPr>
-              <a:t>amastigote</a:t>
-            </a:r>
-            <a:r>
-              <a:rPr lang="en-US" sz="1200" kern="1200" dirty="0" smtClean="0">
-                <a:solidFill>
-                  <a:schemeClr val="tx1"/>
-                </a:solidFill>
-                <a:latin typeface="+mn-lt"/>
-                <a:ea typeface="+mn-ea"/>
-                <a:cs typeface="+mn-cs"/>
-              </a:rPr>
-              <a:t> is an intracellular form that is found in humans/vertebrate hosts of the parasite, the </a:t>
-            </a:r>
-            <a:r>
-              <a:rPr lang="en-US" sz="1200" kern="1200" dirty="0" err="1" smtClean="0">
-                <a:solidFill>
-                  <a:schemeClr val="tx1"/>
-                </a:solidFill>
-                <a:latin typeface="+mn-lt"/>
-                <a:ea typeface="+mn-ea"/>
-                <a:cs typeface="+mn-cs"/>
-              </a:rPr>
-              <a:t>epimastigote</a:t>
-            </a:r>
-            <a:r>
-              <a:rPr lang="en-US" sz="1200" kern="1200" dirty="0" smtClean="0">
-                <a:solidFill>
-                  <a:schemeClr val="tx1"/>
-                </a:solidFill>
-                <a:latin typeface="+mn-lt"/>
-                <a:ea typeface="+mn-ea"/>
-                <a:cs typeface="+mn-cs"/>
-              </a:rPr>
-              <a:t> is found in the </a:t>
-            </a:r>
-            <a:r>
-              <a:rPr lang="en-US" sz="1200" kern="1200" dirty="0" err="1" smtClean="0">
-                <a:solidFill>
-                  <a:schemeClr val="tx1"/>
-                </a:solidFill>
-                <a:latin typeface="+mn-lt"/>
-                <a:ea typeface="+mn-ea"/>
-                <a:cs typeface="+mn-cs"/>
-              </a:rPr>
-              <a:t>midgut</a:t>
-            </a:r>
-            <a:r>
-              <a:rPr lang="en-US" sz="1200" kern="1200" dirty="0" smtClean="0">
-                <a:solidFill>
-                  <a:schemeClr val="tx1"/>
-                </a:solidFill>
-                <a:latin typeface="+mn-lt"/>
-                <a:ea typeface="+mn-ea"/>
-                <a:cs typeface="+mn-cs"/>
-              </a:rPr>
-              <a:t> of an insect vector and the </a:t>
-            </a:r>
-            <a:r>
-              <a:rPr lang="en-US" sz="1200" kern="1200" dirty="0" err="1" smtClean="0">
-                <a:solidFill>
-                  <a:schemeClr val="tx1"/>
-                </a:solidFill>
-                <a:latin typeface="+mn-lt"/>
-                <a:ea typeface="+mn-ea"/>
-                <a:cs typeface="+mn-cs"/>
-              </a:rPr>
-              <a:t>trypomastigote</a:t>
-            </a:r>
-            <a:r>
-              <a:rPr lang="en-US" sz="1200" kern="1200" dirty="0" smtClean="0">
-                <a:solidFill>
-                  <a:schemeClr val="tx1"/>
-                </a:solidFill>
-                <a:latin typeface="+mn-lt"/>
-                <a:ea typeface="+mn-ea"/>
-                <a:cs typeface="+mn-cs"/>
-              </a:rPr>
-              <a:t> is found in the bloodstream of a vertebrate host.  Further, the similar lifecycle stage in different organisms may have different locations and vectors.  For example, the </a:t>
-            </a:r>
-            <a:r>
-              <a:rPr lang="en-US" sz="1200" kern="1200" dirty="0" err="1" smtClean="0">
-                <a:solidFill>
-                  <a:schemeClr val="tx1"/>
-                </a:solidFill>
-                <a:latin typeface="+mn-lt"/>
-                <a:ea typeface="+mn-ea"/>
-                <a:cs typeface="+mn-cs"/>
-              </a:rPr>
-              <a:t>epimastigote</a:t>
-            </a:r>
-            <a:r>
-              <a:rPr lang="en-US" sz="1200" kern="1200" dirty="0" smtClean="0">
-                <a:solidFill>
-                  <a:schemeClr val="tx1"/>
-                </a:solidFill>
-                <a:latin typeface="+mn-lt"/>
-                <a:ea typeface="+mn-ea"/>
-                <a:cs typeface="+mn-cs"/>
-              </a:rPr>
-              <a:t> stage of </a:t>
-            </a:r>
-            <a:r>
-              <a:rPr lang="en-US" sz="1200" i="1" kern="1200" dirty="0" smtClean="0">
-                <a:solidFill>
-                  <a:schemeClr val="tx1"/>
-                </a:solidFill>
-                <a:latin typeface="+mn-lt"/>
-                <a:ea typeface="+mn-ea"/>
-                <a:cs typeface="+mn-cs"/>
-              </a:rPr>
-              <a:t>T. </a:t>
-            </a:r>
-            <a:r>
-              <a:rPr lang="en-US" sz="1200" i="1" kern="1200" dirty="0" err="1" smtClean="0">
-                <a:solidFill>
-                  <a:schemeClr val="tx1"/>
-                </a:solidFill>
-                <a:latin typeface="+mn-lt"/>
-                <a:ea typeface="+mn-ea"/>
-                <a:cs typeface="+mn-cs"/>
-              </a:rPr>
-              <a:t>cruzi</a:t>
-            </a:r>
-            <a:r>
-              <a:rPr lang="en-US" sz="1200" kern="1200" dirty="0" smtClean="0">
-                <a:solidFill>
-                  <a:schemeClr val="tx1"/>
-                </a:solidFill>
-                <a:latin typeface="+mn-lt"/>
-                <a:ea typeface="+mn-ea"/>
-                <a:cs typeface="+mn-cs"/>
-              </a:rPr>
-              <a:t> occurs in the </a:t>
-            </a:r>
-            <a:r>
-              <a:rPr lang="en-US" sz="1200" kern="1200" dirty="0" err="1" smtClean="0">
-                <a:solidFill>
-                  <a:schemeClr val="tx1"/>
-                </a:solidFill>
-                <a:latin typeface="+mn-lt"/>
-                <a:ea typeface="+mn-ea"/>
-                <a:cs typeface="+mn-cs"/>
-              </a:rPr>
-              <a:t>midgut</a:t>
-            </a:r>
-            <a:r>
-              <a:rPr lang="en-US" sz="1200" kern="1200" dirty="0" smtClean="0">
-                <a:solidFill>
-                  <a:schemeClr val="tx1"/>
-                </a:solidFill>
-                <a:latin typeface="+mn-lt"/>
-                <a:ea typeface="+mn-ea"/>
-                <a:cs typeface="+mn-cs"/>
-              </a:rPr>
-              <a:t> of the </a:t>
-            </a:r>
-            <a:r>
-              <a:rPr lang="en-US" sz="1200" kern="1200" dirty="0" err="1" smtClean="0">
-                <a:solidFill>
-                  <a:schemeClr val="tx1"/>
-                </a:solidFill>
-                <a:latin typeface="+mn-lt"/>
-                <a:ea typeface="+mn-ea"/>
-                <a:cs typeface="+mn-cs"/>
-              </a:rPr>
-              <a:t>triatomine</a:t>
-            </a:r>
-            <a:r>
-              <a:rPr lang="en-US" sz="1200" kern="1200" dirty="0" smtClean="0">
-                <a:solidFill>
-                  <a:schemeClr val="tx1"/>
-                </a:solidFill>
-                <a:latin typeface="+mn-lt"/>
-                <a:ea typeface="+mn-ea"/>
-                <a:cs typeface="+mn-cs"/>
-              </a:rPr>
-              <a:t> kissing bug, but in </a:t>
-            </a:r>
-            <a:r>
-              <a:rPr lang="en-US" sz="1200" i="1" kern="1200" dirty="0" smtClean="0">
-                <a:solidFill>
-                  <a:schemeClr val="tx1"/>
-                </a:solidFill>
-                <a:latin typeface="+mn-lt"/>
-                <a:ea typeface="+mn-ea"/>
-                <a:cs typeface="+mn-cs"/>
-              </a:rPr>
-              <a:t>T. </a:t>
-            </a:r>
-            <a:r>
-              <a:rPr lang="en-US" sz="1200" i="1" kern="1200" dirty="0" err="1" smtClean="0">
-                <a:solidFill>
-                  <a:schemeClr val="tx1"/>
-                </a:solidFill>
-                <a:latin typeface="+mn-lt"/>
-                <a:ea typeface="+mn-ea"/>
-                <a:cs typeface="+mn-cs"/>
-              </a:rPr>
-              <a:t>brucei</a:t>
-            </a:r>
-            <a:r>
-              <a:rPr lang="en-US" sz="1200" kern="1200" dirty="0" smtClean="0">
-                <a:solidFill>
-                  <a:schemeClr val="tx1"/>
-                </a:solidFill>
-                <a:latin typeface="+mn-lt"/>
-                <a:ea typeface="+mn-ea"/>
-                <a:cs typeface="+mn-cs"/>
-              </a:rPr>
-              <a:t> it occurs in the salivary gland of the tsetse fly, </a:t>
-            </a:r>
-            <a:r>
-              <a:rPr lang="en-US" sz="1200" i="1" kern="1200" dirty="0" err="1" smtClean="0">
-                <a:solidFill>
-                  <a:schemeClr val="tx1"/>
-                </a:solidFill>
-                <a:latin typeface="+mn-lt"/>
-                <a:ea typeface="+mn-ea"/>
-                <a:cs typeface="+mn-cs"/>
-              </a:rPr>
-              <a:t>Glossinamorsitans</a:t>
-            </a:r>
-            <a:r>
-              <a:rPr lang="en-US" sz="1200" kern="1200" dirty="0" smtClean="0">
-                <a:solidFill>
-                  <a:schemeClr val="tx1"/>
-                </a:solidFill>
-                <a:latin typeface="+mn-lt"/>
-                <a:ea typeface="+mn-ea"/>
-                <a:cs typeface="+mn-cs"/>
-              </a:rPr>
-              <a:t>.  </a:t>
-            </a:r>
-          </a:p>
-          <a:p>
-            <a:pPr marL="0" marR="0" indent="0" algn="l" defTabSz="914400" rtl="0" eaLnBrk="1" fontAlgn="base" latinLnBrk="0" hangingPunct="1">
-              <a:lnSpc>
-                <a:spcPct val="100000"/>
-              </a:lnSpc>
-              <a:spcBef>
-                <a:spcPct val="30000"/>
-              </a:spcBef>
-              <a:spcAft>
-                <a:spcPct val="0"/>
-              </a:spcAft>
-              <a:buClrTx/>
-              <a:buSzTx/>
-              <a:buFontTx/>
-              <a:buNone/>
-              <a:tabLst/>
-              <a:defRPr/>
-            </a:pPr>
-            <a:endParaRPr lang="en-US" sz="1200" kern="1200" dirty="0" smtClean="0">
-              <a:solidFill>
-                <a:schemeClr val="tx1"/>
-              </a:solidFill>
-              <a:latin typeface="+mn-lt"/>
-              <a:ea typeface="+mn-ea"/>
-              <a:cs typeface="+mn-cs"/>
-            </a:endParaRPr>
-          </a:p>
-          <a:p>
-            <a:pPr marL="0" marR="0" indent="0" algn="l" defTabSz="914400" rtl="0" eaLnBrk="1" fontAlgn="base" latinLnBrk="0" hangingPunct="1">
-              <a:lnSpc>
-                <a:spcPct val="100000"/>
-              </a:lnSpc>
-              <a:spcBef>
-                <a:spcPct val="30000"/>
-              </a:spcBef>
-              <a:spcAft>
-                <a:spcPct val="0"/>
-              </a:spcAft>
-              <a:buClrTx/>
-              <a:buSzTx/>
-              <a:buFontTx/>
-              <a:buNone/>
-              <a:tabLst/>
-              <a:defRPr/>
-            </a:pPr>
-            <a:endParaRPr lang="en-US" sz="1200" u="none" strike="noStrike" kern="1200" dirty="0" smtClean="0">
-              <a:solidFill>
-                <a:schemeClr val="tx1"/>
-              </a:solidFill>
-              <a:latin typeface="+mn-lt"/>
-              <a:ea typeface="+mn-ea"/>
-              <a:cs typeface="+mn-cs"/>
-            </a:endParaRPr>
-          </a:p>
-        </p:txBody>
-      </p:sp>
-      <p:sp>
-        <p:nvSpPr>
-          <p:cNvPr id="4" name="Slide Number Placeholder 3"/>
-          <p:cNvSpPr>
-            <a:spLocks noGrp="1"/>
-          </p:cNvSpPr>
-          <p:nvPr>
-            <p:ph type="sldNum" sz="quarter" idx="10"/>
-          </p:nvPr>
-        </p:nvSpPr>
-        <p:spPr/>
-        <p:txBody>
-          <a:bodyPr/>
-          <a:lstStyle/>
-          <a:p>
-            <a:pPr>
-              <a:defRPr/>
-            </a:pPr>
-            <a:fld id="{3A96576D-D51A-4E67-8DA5-9A6D61B288F8}" type="slidenum">
-              <a:rPr lang="en-US" smtClean="0"/>
-              <a:pPr>
-                <a:defRPr/>
+              <a:pPr fontAlgn="base">
+                <a:spcBef>
+                  <a:spcPct val="0"/>
+                </a:spcBef>
+                <a:spcAft>
+                  <a:spcPct val="0"/>
+                </a:spcAft>
               </a:pPr>
               <a:t>18</a:t>
             </a:fld>
-            <a:endParaRPr lang="en-US"/>
-          </a:p>
-        </p:txBody>
-      </p:sp>
-    </p:spTree>
-  </p:cSld>
-  <p:clrMapOvr>
-    <a:masterClrMapping/>
-  </p:clrMapOvr>
-</p:notes>
-</file>
-
-<file path=ppt/notesSlides/notesSlide9.xml><?xml version="1.0" encoding="utf-8"?>
-<p:notes xmlns:a="http://schemas.openxmlformats.org/drawingml/2006/main" xmlns:r="http://schemas.openxmlformats.org/officeDocument/2006/relationships" xmlns:p="http://schemas.openxmlformats.org/presentationml/2006/main">
-  <p:cSld>
-    <p:spTree>
-      <p:nvGrpSpPr>
-        <p:cNvPr id="1" name=""/>
-        <p:cNvGrpSpPr/>
-        <p:nvPr/>
-      </p:nvGrpSpPr>
-      <p:grpSpPr>
-        <a:xfrm>
-          <a:off x="0" y="0"/>
-          <a:ext cx="0" cy="0"/>
-          <a:chOff x="0" y="0"/>
-          <a:chExt cx="0" cy="0"/>
-        </a:xfrm>
-      </p:grpSpPr>
-      <p:sp>
-        <p:nvSpPr>
-          <p:cNvPr id="2" name="Slide Image Placeholder 1"/>
-          <p:cNvSpPr>
-            <a:spLocks noGrp="1" noRot="1" noChangeAspect="1"/>
-          </p:cNvSpPr>
-          <p:nvPr>
-            <p:ph type="sldImg"/>
-          </p:nvPr>
-        </p:nvSpPr>
-        <p:spPr/>
-      </p:sp>
-      <p:sp>
-        <p:nvSpPr>
-          <p:cNvPr id="3" name="Notes Placeholder 2"/>
-          <p:cNvSpPr>
-            <a:spLocks noGrp="1"/>
-          </p:cNvSpPr>
-          <p:nvPr>
-            <p:ph type="body" idx="1"/>
-          </p:nvPr>
-        </p:nvSpPr>
-        <p:spPr/>
-        <p:txBody>
-          <a:bodyPr>
-            <a:normAutofit/>
-          </a:bodyPr>
-          <a:lstStyle/>
-          <a:p>
-            <a:r>
-              <a:rPr lang="en-US" dirty="0" smtClean="0"/>
-              <a:t>Around</a:t>
-            </a:r>
-            <a:r>
-              <a:rPr lang="en-US" baseline="0" dirty="0" smtClean="0"/>
-              <a:t> 300 terms, parasite lifecycle stage, where it takes place, vector and host of specific parasite, etc.</a:t>
-            </a:r>
-            <a:endParaRPr lang="en-US" dirty="0"/>
-          </a:p>
-        </p:txBody>
-      </p:sp>
-      <p:sp>
-        <p:nvSpPr>
-          <p:cNvPr id="4" name="Slide Number Placeholder 3"/>
-          <p:cNvSpPr>
-            <a:spLocks noGrp="1"/>
-          </p:cNvSpPr>
-          <p:nvPr>
-            <p:ph type="sldNum" sz="quarter" idx="10"/>
-          </p:nvPr>
-        </p:nvSpPr>
-        <p:spPr/>
-        <p:txBody>
-          <a:bodyPr/>
-          <a:lstStyle/>
-          <a:p>
-            <a:pPr>
-              <a:defRPr/>
-            </a:pPr>
-            <a:fld id="{3A96576D-D51A-4E67-8DA5-9A6D61B288F8}" type="slidenum">
-              <a:rPr lang="en-US" smtClean="0"/>
-              <a:pPr>
-                <a:defRPr/>
-              </a:pPr>
-              <a:t>19</a:t>
-            </a:fld>
-            <a:endParaRPr lang="en-US"/>
+            <a:endParaRPr lang="en-US">
+              <a:cs typeface="Arial" pitchFamily="34" charset="0"/>
+            </a:endParaRPr>
           </a:p>
         </p:txBody>
       </p:sp>
@@ -10955,6 +9749,9 @@
             <a:off x="152400" y="5867400"/>
             <a:ext cx="8229600" cy="838200"/>
           </a:xfrm>
+          <a:solidFill>
+            <a:srgbClr val="0070C0"/>
+          </a:solidFill>
         </p:spPr>
         <p:txBody>
           <a:bodyPr/>
@@ -10974,24 +9771,33 @@
           <a:p>
             <a:r>
               <a:rPr lang="en-US" sz="2000" dirty="0" smtClean="0">
+                <a:solidFill>
+                  <a:schemeClr val="bg1">
+                    <a:lumMod val="95000"/>
+                  </a:schemeClr>
+                </a:solidFill>
                 <a:latin typeface="Century Schoolbook" pitchFamily="18" charset="0"/>
               </a:rPr>
-              <a:t>Support </a:t>
-            </a:r>
-            <a:r>
-              <a:rPr lang="en-US" sz="2000" dirty="0" smtClean="0">
-                <a:latin typeface="Century Schoolbook" pitchFamily="18" charset="0"/>
-              </a:rPr>
-              <a:t>multiple sequences submission to </a:t>
+              <a:t>Support multiple sequences submission to </a:t>
             </a:r>
             <a:r>
               <a:rPr lang="en-US" sz="2000" dirty="0" err="1" smtClean="0">
+                <a:solidFill>
+                  <a:schemeClr val="bg1">
+                    <a:lumMod val="95000"/>
+                  </a:schemeClr>
+                </a:solidFill>
                 <a:latin typeface="Century Schoolbook" pitchFamily="18" charset="0"/>
               </a:rPr>
               <a:t>GenBank</a:t>
             </a:r>
             <a:r>
               <a:rPr lang="en-US" sz="2000" dirty="0" smtClean="0">
+                <a:solidFill>
+                  <a:schemeClr val="bg1">
+                    <a:lumMod val="95000"/>
+                  </a:schemeClr>
+                </a:solidFill>
                 <a:latin typeface="Century Schoolbook" pitchFamily="18" charset="0"/>
               </a:rPr>
               <a:t> with a parser</a:t>
@@ -11432,30 +10238,20 @@
           <a:p>
             <a:r>
               <a:rPr lang="en-US" dirty="0" smtClean="0"/>
-              <a:t>Example:</a:t>
+              <a:t>Example</a:t>
+            </a:r>
+            <a:r>
+              <a:rPr lang="en-US" dirty="0" smtClean="0"/>
+              <a:t>:</a:t>
             </a:r>
           </a:p>
           <a:p>
             <a:pPr lvl="1"/>
             <a:r>
               <a:rPr lang="en-US" dirty="0" smtClean="0"/>
-              <a:t>Ontology for Parasite Lifecycle (OPL) used in the annotation of Gene Manipulation and Phenotype Data</a:t>
-            </a:r>
-          </a:p>
-          <a:p>
-            <a:pPr lvl="2"/>
-            <a:r>
-              <a:rPr lang="en-US" dirty="0" smtClean="0"/>
-              <a:t>Project with Omar </a:t>
-            </a:r>
-            <a:r>
-              <a:rPr lang="en-US" dirty="0" err="1" smtClean="0"/>
-              <a:t>Harb</a:t>
-            </a:r>
-            <a:r>
-              <a:rPr lang="en-US" dirty="0" smtClean="0"/>
-              <a:t> and Chris Stoeckert</a:t>
-            </a:r>
+              <a:t>Assay</a:t>
+            </a:r>
+            <a:endParaRPr lang="en-US" dirty="0" smtClean="0"/>
           </a:p>
         </p:txBody>
       </p:sp>
@@ -11530,163 +10326,22 @@
             <p:ph type="title"/>
           </p:nvPr>
         </p:nvSpPr>
-        <p:spPr>
-          <a:xfrm>
-            <a:off x="76200" y="304800"/>
-            <a:ext cx="8763000" cy="715963"/>
-          </a:xfrm>
-        </p:spPr>
-        <p:txBody>
-          <a:bodyPr wrap="square" lIns="91440" tIns="45720" rIns="91440" bIns="45720" numCol="1" anchorCtr="0" compatLnSpc="1">
-            <a:prstTxWarp prst="textNoShape">
-              <a:avLst/>
-            </a:prstTxWarp>
-            <a:normAutofit fontScale="90000"/>
-          </a:bodyPr>
-          <a:lstStyle/>
-          <a:p>
-            <a:r>
-              <a:rPr lang="en-US" smtClean="0">
-                <a:solidFill>
-                  <a:srgbClr val="595959"/>
-                </a:solidFill>
-                <a:latin typeface="Helvetica"/>
-              </a:rPr>
-              <a:t>Genetic Manipulation and Phenotype Submission Form</a:t>
-            </a:r>
-          </a:p>
-        </p:txBody>
-      </p:sp>
-      <p:sp>
-        <p:nvSpPr>
-          <p:cNvPr id="60418" name="Content Placeholder 2"/>
-          <p:cNvSpPr>
-            <a:spLocks noGrp="1"/>
-          </p:cNvSpPr>
-          <p:nvPr>
-            <p:ph sz="quarter" idx="1"/>
-          </p:nvPr>
-        </p:nvSpPr>
-        <p:spPr>
-          <a:xfrm>
-            <a:off x="457200" y="1143000"/>
-            <a:ext cx="7467600" cy="5330825"/>
-          </a:xfrm>
-        </p:spPr>
+        <p:spPr/>
         <p:txBody>
           <a:bodyPr/>
           <a:lstStyle/>
           <a:p>
             <a:r>
-              <a:rPr lang="en-US" dirty="0" smtClean="0">
-                <a:latin typeface="Century Schoolbook" pitchFamily="18" charset="0"/>
-              </a:rPr>
-              <a:t>Genetic Manipulation </a:t>
-            </a:r>
-          </a:p>
-          <a:p>
-            <a:pPr lvl="1"/>
-            <a:r>
-              <a:rPr lang="en-US" dirty="0" smtClean="0">
-                <a:latin typeface="Century Schoolbook" pitchFamily="18" charset="0"/>
-              </a:rPr>
-              <a:t>Mutation method</a:t>
-            </a:r>
-          </a:p>
-          <a:p>
-            <a:pPr lvl="1"/>
-            <a:r>
-              <a:rPr lang="en-US" dirty="0" smtClean="0">
-                <a:latin typeface="Century Schoolbook" pitchFamily="18" charset="0"/>
-              </a:rPr>
-              <a:t>Mutation type (effect on gene function)</a:t>
-            </a:r>
-          </a:p>
-          <a:p>
-            <a:r>
-              <a:rPr lang="en-US" dirty="0" smtClean="0">
-                <a:latin typeface="Century Schoolbook" pitchFamily="18" charset="0"/>
-              </a:rPr>
-              <a:t>Phenotype data – impact of genetic manipulation on four possible observed features:</a:t>
-            </a:r>
-          </a:p>
-          <a:p>
-            <a:pPr lvl="1"/>
-            <a:r>
-              <a:rPr lang="en-US" dirty="0" smtClean="0">
-                <a:latin typeface="Century Schoolbook" pitchFamily="18" charset="0"/>
-              </a:rPr>
-              <a:t>Quality of the organism</a:t>
-            </a:r>
-          </a:p>
-          <a:p>
-            <a:pPr lvl="1"/>
-            <a:r>
-              <a:rPr lang="en-US" dirty="0" smtClean="0">
-                <a:latin typeface="Century Schoolbook" pitchFamily="18" charset="0"/>
-              </a:rPr>
-              <a:t>Cellular location of gene product</a:t>
-            </a:r>
-          </a:p>
-          <a:p>
-            <a:pPr lvl="1"/>
-            <a:r>
-              <a:rPr lang="en-US" dirty="0" smtClean="0">
-                <a:latin typeface="Century Schoolbook" pitchFamily="18" charset="0"/>
-              </a:rPr>
-              <a:t>Molecular function of gene product</a:t>
-            </a:r>
-          </a:p>
-          <a:p>
-            <a:pPr lvl="1"/>
-            <a:r>
-              <a:rPr lang="en-US" dirty="0" smtClean="0">
-                <a:latin typeface="Century Schoolbook" pitchFamily="18" charset="0"/>
-              </a:rPr>
-              <a:t>Biological process of gene product </a:t>
-            </a:r>
-          </a:p>
-          <a:p>
-            <a:r>
-              <a:rPr lang="en-US" dirty="0" smtClean="0">
-                <a:latin typeface="Century Schoolbook" pitchFamily="18" charset="0"/>
-              </a:rPr>
-              <a:t>Lifecycle stage: phenotype observed generally associated with a specific parasite lifecycle stage</a:t>
-            </a:r>
-          </a:p>
-          <a:p>
-            <a:pPr>
-              <a:buNone/>
-            </a:pPr>
-            <a:r>
-              <a:rPr lang="en-US" dirty="0" smtClean="0">
-                <a:latin typeface="Century Schoolbook" pitchFamily="18" charset="0"/>
-              </a:rPr>
-              <a:t>	(</a:t>
-            </a:r>
-            <a:r>
-              <a:rPr lang="en-US" dirty="0" err="1" smtClean="0">
-                <a:latin typeface="Century Schoolbook" pitchFamily="18" charset="0"/>
-              </a:rPr>
-              <a:t>eg</a:t>
-            </a:r>
-            <a:r>
-              <a:rPr lang="en-US" dirty="0" smtClean="0">
-                <a:latin typeface="Century Schoolbook" pitchFamily="18" charset="0"/>
-              </a:rPr>
-              <a:t>. lethal during bloodstream stage)</a:t>
-            </a:r>
-          </a:p>
-          <a:p>
-            <a:endParaRPr lang="en-US" dirty="0" smtClean="0">
-              <a:latin typeface="Century Schoolbook" pitchFamily="18" charset="0"/>
-            </a:endParaRPr>
-          </a:p>
-        </p:txBody>
-      </p:sp>
-      <p:sp>
-        <p:nvSpPr>
-          <p:cNvPr id="60419" name="Slide Number Placeholder 3"/>
+              <a:rPr lang="en-US" dirty="0" smtClean="0"/>
+              <a:t>Examples: Assay</a:t>
+            </a:r>
+            <a:endParaRPr lang="en-US" dirty="0"/>
+          </a:p>
+        </p:txBody>
+      </p:sp>
+      <p:sp>
+        <p:nvSpPr>
+          <p:cNvPr id="4" name="Slide Number Placeholder 3"/>
           <p:cNvSpPr>
             <a:spLocks noGrp="1"/>
           </p:cNvSpPr>
@@ -11694,49 +10349,191 @@
             <p:ph type="sldNum" sz="quarter" idx="11"/>
           </p:nvPr>
         </p:nvSpPr>
+        <p:spPr/>
+        <p:txBody>
+          <a:bodyPr/>
+          <a:lstStyle/>
+          <a:p>
+            <a:pPr>
+              <a:defRPr/>
+            </a:pPr>
+            <a:fld id="{C6587C3C-6210-43A2-897D-BAD9F5F0EE9E}" type="slidenum">
+              <a:rPr lang="en-US" smtClean="0"/>
+              <a:pPr>
+                <a:defRPr/>
+              </a:pPr>
+              <a:t>17</a:t>
+            </a:fld>
+            <a:endParaRPr lang="en-US"/>
+          </a:p>
+        </p:txBody>
+      </p:sp>
+      <p:pic>
+        <p:nvPicPr>
+          <p:cNvPr id="136194" name="Picture 2"/>
+          <p:cNvPicPr>
+            <a:picLocks noGrp="1" noChangeAspect="1" noChangeArrowheads="1"/>
+          </p:cNvPicPr>
+          <p:nvPr>
+            <p:ph sz="quarter" idx="1"/>
+          </p:nvPr>
+        </p:nvPicPr>
+        <p:blipFill>
+          <a:blip r:embed="rId2"/>
+          <a:srcRect/>
+          <a:stretch>
+            <a:fillRect/>
+          </a:stretch>
+        </p:blipFill>
         <p:spPr bwMode="auto">
+          <a:xfrm>
+            <a:off x="533400" y="3276600"/>
+            <a:ext cx="3152775" cy="3095625"/>
+          </a:xfrm>
+          <a:prstGeom prst="rect">
+            <a:avLst/>
+          </a:prstGeom>
           <a:noFill/>
-          <a:ln>
+          <a:ln w="9525">
+            <a:noFill/>
             <a:miter lim="800000"/>
             <a:headEnd/>
             <a:tailEnd/>
           </a:ln>
-        </p:spPr>
-        <p:txBody>
-          <a:bodyPr wrap="square" lIns="91440" tIns="45720" rIns="91440" bIns="45720" numCol="1" anchorCtr="0" compatLnSpc="1">
-            <a:prstTxWarp prst="textNoShape">
-              <a:avLst/>
-            </a:prstTxWarp>
+          <a:effectLst/>
+        </p:spPr>
+      </p:pic>
+      <p:pic>
+        <p:nvPicPr>
+          <p:cNvPr id="136195" name="Picture 3"/>
+          <p:cNvPicPr>
+            <a:picLocks noChangeAspect="1" noChangeArrowheads="1"/>
+          </p:cNvPicPr>
+          <p:nvPr/>
+        </p:nvPicPr>
+        <p:blipFill>
+          <a:blip r:embed="rId3"/>
+          <a:srcRect/>
+          <a:stretch>
+            <a:fillRect/>
+          </a:stretch>
+        </p:blipFill>
+        <p:spPr bwMode="auto">
+          <a:xfrm>
+            <a:off x="4267200" y="2028825"/>
+            <a:ext cx="4057650" cy="4676775"/>
+          </a:xfrm>
+          <a:prstGeom prst="rect">
+            <a:avLst/>
+          </a:prstGeom>
+          <a:noFill/>
+          <a:ln w="9525">
+            <a:noFill/>
+            <a:miter lim="800000"/>
+            <a:headEnd/>
+            <a:tailEnd/>
+          </a:ln>
+          <a:effectLst/>
+        </p:spPr>
+      </p:pic>
+      <p:sp>
+        <p:nvSpPr>
+          <p:cNvPr id="7" name="TextBox 6"/>
+          <p:cNvSpPr txBox="1"/>
+          <p:nvPr/>
+        </p:nvSpPr>
+        <p:spPr>
+          <a:xfrm>
+            <a:off x="533400" y="1447800"/>
+            <a:ext cx="2800831" cy="923330"/>
+          </a:xfrm>
+          <a:prstGeom prst="rect">
+            <a:avLst/>
+          </a:prstGeom>
+          <a:noFill/>
+        </p:spPr>
+        <p:txBody>
+          <a:bodyPr wrap="none" rtlCol="0">
+            <a:spAutoFit/>
           </a:bodyPr>
           <a:lstStyle/>
           <a:p>
-            <a:pPr fontAlgn="base">
-              <a:spcBef>
-                <a:spcPct val="0"/>
-              </a:spcBef>
-              <a:spcAft>
-                <a:spcPct val="0"/>
-              </a:spcAft>
-            </a:pPr>
-            <a:fld id="{E30609C8-3460-4A5A-8F4B-77DEB4666211}" type="slidenum">
-              <a:rPr lang="en-US">
-                <a:latin typeface="Century Schoolbook" pitchFamily="18" charset="0"/>
-                <a:cs typeface="Arial" pitchFamily="34" charset="0"/>
-              </a:rPr>
-              <a:pPr fontAlgn="base">
-                <a:spcBef>
-                  <a:spcPct val="0"/>
-                </a:spcBef>
-                <a:spcAft>
-                  <a:spcPct val="0"/>
-                </a:spcAft>
-              </a:pPr>
-              <a:t>17</a:t>
-            </a:fld>
-            <a:endParaRPr lang="en-US">
-              <a:latin typeface="Century Schoolbook" pitchFamily="18" charset="0"/>
-              <a:cs typeface="Arial" pitchFamily="34" charset="0"/>
-            </a:endParaRPr>
+            <a:r>
+              <a:rPr lang="en-US" dirty="0" smtClean="0"/>
+              <a:t>OBI – 3433 classes</a:t>
+            </a:r>
+          </a:p>
+          <a:p>
+            <a:r>
+              <a:rPr lang="en-US" dirty="0" smtClean="0"/>
+              <a:t>OBI: Assay – 351 classes</a:t>
+            </a:r>
+          </a:p>
+          <a:p>
+            <a:r>
+              <a:rPr lang="en-US" dirty="0" smtClean="0"/>
+              <a:t>DNA related OBI – 14</a:t>
+            </a:r>
+          </a:p>
+        </p:txBody>
+      </p:sp>
+      <p:sp>
+        <p:nvSpPr>
+          <p:cNvPr id="8" name="TextBox 7"/>
+          <p:cNvSpPr txBox="1"/>
+          <p:nvPr/>
+        </p:nvSpPr>
+        <p:spPr>
+          <a:xfrm>
+            <a:off x="1524000" y="2895600"/>
+            <a:ext cx="813043" cy="369332"/>
+          </a:xfrm>
+          <a:prstGeom prst="rect">
+            <a:avLst/>
+          </a:prstGeom>
+          <a:noFill/>
+        </p:spPr>
+        <p:txBody>
+          <a:bodyPr wrap="none" rtlCol="0">
+            <a:spAutoFit/>
+          </a:bodyPr>
+          <a:lstStyle/>
+          <a:p>
+            <a:r>
+              <a:rPr lang="en-US" dirty="0" smtClean="0"/>
+              <a:t>Assay</a:t>
+            </a:r>
+            <a:endParaRPr lang="en-US" dirty="0"/>
+          </a:p>
+        </p:txBody>
+      </p:sp>
+      <p:sp>
+        <p:nvSpPr>
+          <p:cNvPr id="9" name="TextBox 8"/>
+          <p:cNvSpPr txBox="1"/>
+          <p:nvPr/>
+        </p:nvSpPr>
+        <p:spPr>
+          <a:xfrm>
+            <a:off x="5029200" y="1600200"/>
+            <a:ext cx="2544286" cy="369332"/>
+          </a:xfrm>
+          <a:prstGeom prst="rect">
+            <a:avLst/>
+          </a:prstGeom>
+          <a:noFill/>
+        </p:spPr>
+        <p:txBody>
+          <a:bodyPr wrap="none" rtlCol="0">
+            <a:spAutoFit/>
+          </a:bodyPr>
+          <a:lstStyle/>
+          <a:p>
+            <a:r>
+              <a:rPr lang="en-US" dirty="0" smtClean="0"/>
+              <a:t>Assay with input - DNA</a:t>
+            </a:r>
+            <a:endParaRPr lang="en-US" dirty="0"/>
           </a:p>
         </p:txBody>
       </p:sp>
@@ -11745,13 +10542,6 @@
   <p:clrMapOvr>
     <a:masterClrMapping/>
   </p:clrMapOvr>
-  <p:timing>
-    <p:tnLst>
-      <p:par>
-        <p:cTn id="1" dur="indefinite" restart="never" nodeType="tmRoot"/>
-      </p:par>
-    </p:tnLst>
-  </p:timing>
 </p:sld>
 </file>
 
@@ -11772,32 +10562,6 @@
           <a:chExt cx="0" cy="0"/>
         </a:xfrm>
       </p:grpSpPr>
-      <p:pic>
-        <p:nvPicPr>
-          <p:cNvPr id="12" name="Picture 12" descr="http://wiki.knoesis.org/images/0/0a/Trypanosoma_cruzi.gif"/>
-          <p:cNvPicPr>
-            <a:picLocks noChangeAspect="1" noChangeArrowheads="1"/>
-          </p:cNvPicPr>
-          <p:nvPr/>
-        </p:nvPicPr>
-        <p:blipFill>
-          <a:blip r:embed="rId3"/>
-          <a:srcRect/>
-          <a:stretch>
-            <a:fillRect/>
-          </a:stretch>
-        </p:blipFill>
-        <p:spPr bwMode="auto">
-          <a:xfrm>
-            <a:off x="4419600" y="2559050"/>
-            <a:ext cx="4343400" cy="3308350"/>
-          </a:xfrm>
-          <a:prstGeom prst="rect">
-            <a:avLst/>
-          </a:prstGeom>
-          <a:noFill/>
-        </p:spPr>
-      </p:pic>
       <p:sp>
         <p:nvSpPr>
           <p:cNvPr id="2" name="Title 1"/>
@@ -11810,14 +10574,18 @@
         </p:nvSpPr>
         <p:spPr/>
         <p:txBody>
-          <a:bodyPr>
-            <a:normAutofit/>
-          </a:bodyPr>
+          <a:bodyPr/>
           <a:lstStyle/>
           <a:p>
+            <a:pPr fontAlgn="auto">
+              <a:spcAft>
+                <a:spcPts val="0"/>
+              </a:spcAft>
+              <a:defRPr/>
+            </a:pPr>
             <a:r>
               <a:rPr lang="en-US" dirty="0" smtClean="0"/>
-              <a:t>Parasite Lifecycle Stage</a:t>
+              <a:t>Summary – lessons from this use case</a:t>
             </a:r>
             <a:endParaRPr lang="en-US" dirty="0"/>
           </a:p>
@@ -11825,7 +10593,7 @@
       </p:sp>
       <p:sp>
         <p:nvSpPr>
-          <p:cNvPr id="3" name="Content Placeholder 2"/>
+          <p:cNvPr id="26626" name="Content Placeholder 2"/>
           <p:cNvSpPr>
             <a:spLocks noGrp="1"/>
           </p:cNvSpPr>
@@ -11833,62 +10601,107 @@
             <p:ph sz="quarter" idx="1"/>
           </p:nvPr>
         </p:nvSpPr>
-        <p:spPr/>
+        <p:spPr>
+          <a:xfrm>
+            <a:off x="457200" y="1143000"/>
+            <a:ext cx="7467600" cy="5330825"/>
+          </a:xfrm>
+        </p:spPr>
         <p:txBody>
           <a:bodyPr/>
           <a:lstStyle/>
           <a:p>
             <a:r>
-              <a:rPr lang="en-US" sz="1800" dirty="0" smtClean="0"/>
-              <a:t>Complexity – parasites may have multiple hosts and lifecycle stages which differ between parasite species</a:t>
-            </a:r>
-          </a:p>
-          <a:p>
-            <a:r>
-              <a:rPr lang="en-US" sz="1800" dirty="0" smtClean="0"/>
-              <a:t>Example: </a:t>
-            </a:r>
-            <a:r>
-              <a:rPr lang="en-US" sz="1800" i="1" dirty="0" err="1" smtClean="0"/>
-              <a:t>Trypanosomabrucei</a:t>
-            </a:r>
-            <a:r>
-              <a:rPr lang="en-US" sz="1800" dirty="0" smtClean="0"/>
-              <a:t>(causes African sleeping sickness), </a:t>
-            </a:r>
-            <a:r>
-              <a:rPr lang="en-US" sz="1800" i="1" dirty="0" err="1" smtClean="0"/>
-              <a:t>Trypanosoma</a:t>
-            </a:r>
-            <a:r>
-              <a:rPr lang="en-US" sz="1800" i="1" dirty="0" smtClean="0"/>
-              <a:t> </a:t>
-            </a:r>
-            <a:r>
-              <a:rPr lang="en-US" sz="1800" i="1" dirty="0" err="1" smtClean="0"/>
-              <a:t>cruzi</a:t>
-            </a:r>
-            <a:r>
-              <a:rPr lang="en-US" sz="1800" dirty="0" smtClean="0"/>
-              <a:t> (causes </a:t>
-            </a:r>
-            <a:r>
-              <a:rPr lang="en-US" sz="1800" dirty="0" err="1" smtClean="0"/>
-              <a:t>Chagas</a:t>
-            </a:r>
-            <a:r>
-              <a:rPr lang="en-US" sz="1800" dirty="0" smtClean="0"/>
-              <a:t> disease) </a:t>
-            </a:r>
-          </a:p>
-          <a:p>
-            <a:endParaRPr lang="en-US" dirty="0"/>
-          </a:p>
-        </p:txBody>
-      </p:sp>
-      <p:sp>
-        <p:nvSpPr>
-          <p:cNvPr id="4" name="Slide Number Placeholder 3"/>
+              <a:rPr lang="en-US" sz="2800" dirty="0" smtClean="0">
+                <a:latin typeface="Century Schoolbook" pitchFamily="18" charset="0"/>
+              </a:rPr>
+              <a:t>How to design a data collection form based on an ontology model </a:t>
+            </a:r>
+          </a:p>
+          <a:p>
+            <a:r>
+              <a:rPr lang="en-US" sz="2800" dirty="0" smtClean="0">
+                <a:latin typeface="Century Schoolbook" pitchFamily="18" charset="0"/>
+              </a:rPr>
+              <a:t>How to choose </a:t>
+            </a:r>
+            <a:r>
+              <a:rPr lang="en-US" sz="2800" dirty="0" err="1" smtClean="0">
+                <a:latin typeface="Century Schoolbook" pitchFamily="18" charset="0"/>
+              </a:rPr>
+              <a:t>ontologies</a:t>
+            </a:r>
+            <a:r>
+              <a:rPr lang="en-US" sz="2800" dirty="0" smtClean="0">
+                <a:latin typeface="Century Schoolbook" pitchFamily="18" charset="0"/>
+              </a:rPr>
+              <a:t> to be used for annotations collected in the </a:t>
+            </a:r>
+            <a:r>
+              <a:rPr lang="en-US" sz="2800" dirty="0" smtClean="0">
+                <a:latin typeface="Century Schoolbook" pitchFamily="18" charset="0"/>
+              </a:rPr>
+              <a:t>forms</a:t>
+            </a:r>
+          </a:p>
+          <a:p>
+            <a:r>
+              <a:rPr lang="en-US" sz="2800" dirty="0" smtClean="0">
+                <a:latin typeface="Century Schoolbook" pitchFamily="18" charset="0"/>
+              </a:rPr>
+              <a:t>Reduce </a:t>
+            </a:r>
+            <a:r>
+              <a:rPr lang="en-US" sz="2800" dirty="0" smtClean="0">
+                <a:latin typeface="Century Schoolbook" pitchFamily="18" charset="0"/>
+              </a:rPr>
+              <a:t>user’s efforts </a:t>
+            </a:r>
+            <a:r>
+              <a:rPr lang="en-US" sz="2800" dirty="0" smtClean="0">
+                <a:latin typeface="Century Schoolbook" pitchFamily="18" charset="0"/>
+              </a:rPr>
+              <a:t>in </a:t>
+            </a:r>
+            <a:r>
+              <a:rPr lang="en-US" sz="2800" dirty="0" smtClean="0">
+                <a:latin typeface="Century Schoolbook" pitchFamily="18" charset="0"/>
+              </a:rPr>
+              <a:t>finding ontology terms for annotation </a:t>
+            </a:r>
+            <a:r>
+              <a:rPr lang="en-US" sz="2800" dirty="0" smtClean="0">
+                <a:latin typeface="Century Schoolbook" pitchFamily="18" charset="0"/>
+              </a:rPr>
+              <a:t>using </a:t>
+            </a:r>
+            <a:r>
+              <a:rPr lang="en-US" sz="2800" dirty="0" smtClean="0">
+                <a:latin typeface="Century Schoolbook" pitchFamily="18" charset="0"/>
+              </a:rPr>
+              <a:t>restrictions defined </a:t>
+            </a:r>
+            <a:r>
+              <a:rPr lang="en-US" sz="2800" dirty="0" smtClean="0">
+                <a:latin typeface="Century Schoolbook" pitchFamily="18" charset="0"/>
+              </a:rPr>
+              <a:t>in </a:t>
+            </a:r>
+            <a:r>
+              <a:rPr lang="en-US" sz="2800" dirty="0" smtClean="0">
+                <a:latin typeface="Century Schoolbook" pitchFamily="18" charset="0"/>
+              </a:rPr>
+              <a:t>the ontology</a:t>
+            </a:r>
+            <a:endParaRPr lang="en-US" sz="2800" dirty="0" smtClean="0">
+              <a:latin typeface="Century Schoolbook" pitchFamily="18" charset="0"/>
+            </a:endParaRPr>
+          </a:p>
+        </p:txBody>
+      </p:sp>
+      <p:sp>
+        <p:nvSpPr>
+          <p:cNvPr id="26627" name="Slide Number Placeholder 3"/>
           <p:cNvSpPr>
             <a:spLocks noGrp="1"/>
           </p:cNvSpPr>
@@ -11896,330 +10709,49 @@
             <p:ph type="sldNum" sz="quarter" idx="11"/>
           </p:nvPr>
         </p:nvSpPr>
-        <p:spPr/>
-        <p:txBody>
-          <a:bodyPr/>
-          <a:lstStyle/>
-          <a:p>
-            <a:pPr>
-              <a:defRPr/>
-            </a:pPr>
-            <a:fld id="{C6587C3C-6210-43A2-897D-BAD9F5F0EE9E}" type="slidenum">
-              <a:rPr lang="en-US" smtClean="0"/>
-              <a:pPr>
-                <a:defRPr/>
-              </a:pPr>
-              <a:t>18</a:t>
-            </a:fld>
-            <a:endParaRPr lang="en-US"/>
-          </a:p>
-        </p:txBody>
-      </p:sp>
-      <p:grpSp>
-        <p:nvGrpSpPr>
-          <p:cNvPr id="19" name="Group 18"/>
-          <p:cNvGrpSpPr/>
-          <p:nvPr/>
-        </p:nvGrpSpPr>
-        <p:grpSpPr>
-          <a:xfrm>
-            <a:off x="152400" y="2635250"/>
-            <a:ext cx="4038600" cy="3124200"/>
-            <a:chOff x="1066800" y="2181225"/>
-            <a:chExt cx="5715000" cy="4143375"/>
-          </a:xfrm>
-        </p:grpSpPr>
-        <p:pic>
-          <p:nvPicPr>
-            <p:cNvPr id="147460" name="Picture 4"/>
-            <p:cNvPicPr>
-              <a:picLocks noChangeAspect="1" noChangeArrowheads="1"/>
-            </p:cNvPicPr>
-            <p:nvPr/>
-          </p:nvPicPr>
-          <p:blipFill>
-            <a:blip r:embed="rId4"/>
-            <a:srcRect/>
-            <a:stretch>
-              <a:fillRect/>
-            </a:stretch>
-          </p:blipFill>
-          <p:spPr bwMode="auto">
-            <a:xfrm>
-              <a:off x="1076325" y="2181225"/>
-              <a:ext cx="5705475" cy="4143375"/>
-            </a:xfrm>
-            <a:prstGeom prst="rect">
-              <a:avLst/>
-            </a:prstGeom>
-            <a:noFill/>
-            <a:ln w="9525">
-              <a:noFill/>
-              <a:miter lim="800000"/>
-              <a:headEnd/>
-              <a:tailEnd/>
-            </a:ln>
-            <a:effectLst/>
-          </p:spPr>
-        </p:pic>
-        <p:cxnSp>
-          <p:nvCxnSpPr>
-            <p:cNvPr id="9" name="Straight Connector 8"/>
-            <p:cNvCxnSpPr/>
-            <p:nvPr/>
-          </p:nvCxnSpPr>
-          <p:spPr>
-            <a:xfrm>
-              <a:off x="1219200" y="2514600"/>
-              <a:ext cx="609600" cy="1588"/>
-            </a:xfrm>
-            <a:prstGeom prst="line">
-              <a:avLst/>
-            </a:prstGeom>
-            <a:ln>
-              <a:solidFill>
-                <a:srgbClr val="C00000"/>
-              </a:solidFill>
-            </a:ln>
-          </p:spPr>
-          <p:style>
-            <a:lnRef idx="1">
-              <a:schemeClr val="accent1"/>
-            </a:lnRef>
-            <a:fillRef idx="0">
-              <a:schemeClr val="accent1"/>
-            </a:fillRef>
-            <a:effectRef idx="0">
-              <a:schemeClr val="accent1"/>
-            </a:effectRef>
-            <a:fontRef idx="minor">
-              <a:schemeClr val="tx1"/>
-            </a:fontRef>
-          </p:style>
-        </p:cxnSp>
-        <p:cxnSp>
-          <p:nvCxnSpPr>
-            <p:cNvPr id="11" name="Straight Connector 10"/>
-            <p:cNvCxnSpPr/>
-            <p:nvPr/>
-          </p:nvCxnSpPr>
-          <p:spPr>
-            <a:xfrm flipV="1">
-              <a:off x="1066800" y="4209854"/>
-              <a:ext cx="1066799" cy="1"/>
-            </a:xfrm>
-            <a:prstGeom prst="line">
-              <a:avLst/>
-            </a:prstGeom>
-            <a:ln>
-              <a:solidFill>
-                <a:srgbClr val="C00000"/>
-              </a:solidFill>
-            </a:ln>
-          </p:spPr>
-          <p:style>
-            <a:lnRef idx="1">
-              <a:schemeClr val="accent1"/>
-            </a:lnRef>
-            <a:fillRef idx="0">
-              <a:schemeClr val="accent1"/>
-            </a:fillRef>
-            <a:effectRef idx="0">
-              <a:schemeClr val="accent1"/>
-            </a:effectRef>
-            <a:fontRef idx="minor">
-              <a:schemeClr val="tx1"/>
-            </a:fontRef>
-          </p:style>
-        </p:cxnSp>
-        <p:cxnSp>
-          <p:nvCxnSpPr>
-            <p:cNvPr id="14" name="Straight Connector 13"/>
-            <p:cNvCxnSpPr/>
-            <p:nvPr/>
-          </p:nvCxnSpPr>
-          <p:spPr>
-            <a:xfrm>
-              <a:off x="1066800" y="5429838"/>
-              <a:ext cx="1295400" cy="1588"/>
-            </a:xfrm>
-            <a:prstGeom prst="line">
-              <a:avLst/>
-            </a:prstGeom>
-            <a:ln>
-              <a:solidFill>
-                <a:srgbClr val="C00000"/>
-              </a:solidFill>
-            </a:ln>
-          </p:spPr>
-          <p:style>
-            <a:lnRef idx="1">
-              <a:schemeClr val="accent1"/>
-            </a:lnRef>
-            <a:fillRef idx="0">
-              <a:schemeClr val="accent1"/>
-            </a:fillRef>
-            <a:effectRef idx="0">
-              <a:schemeClr val="accent1"/>
-            </a:effectRef>
-            <a:fontRef idx="minor">
-              <a:schemeClr val="tx1"/>
-            </a:fontRef>
-          </p:style>
-        </p:cxnSp>
-        <p:cxnSp>
-          <p:nvCxnSpPr>
-            <p:cNvPr id="16" name="Straight Connector 15"/>
-            <p:cNvCxnSpPr/>
-            <p:nvPr/>
-          </p:nvCxnSpPr>
-          <p:spPr>
-            <a:xfrm>
-              <a:off x="5791200" y="2648146"/>
-              <a:ext cx="457200" cy="1588"/>
-            </a:xfrm>
-            <a:prstGeom prst="line">
-              <a:avLst/>
-            </a:prstGeom>
-            <a:ln>
-              <a:solidFill>
-                <a:srgbClr val="C00000"/>
-              </a:solidFill>
-            </a:ln>
-          </p:spPr>
-          <p:style>
-            <a:lnRef idx="1">
-              <a:schemeClr val="accent1"/>
-            </a:lnRef>
-            <a:fillRef idx="0">
-              <a:schemeClr val="accent1"/>
-            </a:fillRef>
-            <a:effectRef idx="0">
-              <a:schemeClr val="accent1"/>
-            </a:effectRef>
-            <a:fontRef idx="minor">
-              <a:schemeClr val="tx1"/>
-            </a:fontRef>
-          </p:style>
-        </p:cxnSp>
-        <p:cxnSp>
-          <p:nvCxnSpPr>
-            <p:cNvPr id="18" name="Straight Connector 17"/>
-            <p:cNvCxnSpPr/>
-            <p:nvPr/>
-          </p:nvCxnSpPr>
-          <p:spPr>
-            <a:xfrm>
-              <a:off x="5429054" y="2762054"/>
-              <a:ext cx="685800" cy="1588"/>
-            </a:xfrm>
-            <a:prstGeom prst="line">
-              <a:avLst/>
-            </a:prstGeom>
-            <a:ln>
-              <a:solidFill>
-                <a:srgbClr val="C00000"/>
-              </a:solidFill>
-            </a:ln>
-          </p:spPr>
-          <p:style>
-            <a:lnRef idx="1">
-              <a:schemeClr val="accent1"/>
-            </a:lnRef>
-            <a:fillRef idx="0">
-              <a:schemeClr val="accent1"/>
-            </a:fillRef>
-            <a:effectRef idx="0">
-              <a:schemeClr val="accent1"/>
-            </a:effectRef>
-            <a:fontRef idx="minor">
-              <a:schemeClr val="tx1"/>
-            </a:fontRef>
-          </p:style>
-        </p:cxnSp>
-      </p:grpSp>
-      <p:sp>
-        <p:nvSpPr>
-          <p:cNvPr id="13" name="TextBox 24"/>
-          <p:cNvSpPr txBox="1">
-            <a:spLocks noChangeArrowheads="1"/>
-          </p:cNvSpPr>
-          <p:nvPr/>
-        </p:nvSpPr>
         <p:spPr bwMode="auto">
-          <a:xfrm>
-            <a:off x="920750" y="6034088"/>
-            <a:ext cx="2432050" cy="366712"/>
-          </a:xfrm>
-          <a:prstGeom prst="rect">
-            <a:avLst/>
-          </a:prstGeom>
           <a:noFill/>
-          <a:ln w="9525">
-            <a:noFill/>
+          <a:ln>
             <a:miter lim="800000"/>
             <a:headEnd/>
             <a:tailEnd/>
           </a:ln>
         </p:spPr>
         <p:txBody>
-          <a:bodyPr wrap="none">
-            <a:spAutoFit/>
+          <a:bodyPr wrap="square" lIns="91440" tIns="45720" rIns="91440" bIns="45720" numCol="1" anchorCtr="0" compatLnSpc="1">
+            <a:prstTxWarp prst="textNoShape">
+              <a:avLst/>
+            </a:prstTxWarp>
           </a:bodyPr>
           <a:lstStyle/>
           <a:p>
-            <a:pPr algn="ctr"/>
-            <a:r>
-              <a:rPr lang="en-US" b="1" i="1" dirty="0" err="1"/>
-              <a:t>Trypanosoma</a:t>
-            </a:r>
-            <a:r>
-              <a:rPr lang="en-US" b="1" i="1" dirty="0"/>
-              <a:t> </a:t>
-            </a:r>
-            <a:r>
-              <a:rPr lang="en-US" b="1" i="1" dirty="0" err="1"/>
-              <a:t>brucei</a:t>
-            </a:r>
-            <a:endParaRPr lang="en-US" b="1" i="1" dirty="0"/>
-          </a:p>
-        </p:txBody>
-      </p:sp>
-      <p:sp>
-        <p:nvSpPr>
-          <p:cNvPr id="15" name="TextBox 24"/>
-          <p:cNvSpPr txBox="1">
-            <a:spLocks noChangeArrowheads="1"/>
-          </p:cNvSpPr>
-          <p:nvPr/>
-        </p:nvSpPr>
-        <p:spPr bwMode="auto">
-          <a:xfrm>
-            <a:off x="5257800" y="6034088"/>
-            <a:ext cx="2279650" cy="366712"/>
-          </a:xfrm>
-          <a:prstGeom prst="rect">
-            <a:avLst/>
-          </a:prstGeom>
-          <a:noFill/>
-          <a:ln w="9525">
-            <a:noFill/>
-            <a:miter lim="800000"/>
-            <a:headEnd/>
-            <a:tailEnd/>
-          </a:ln>
-        </p:spPr>
-        <p:txBody>
-          <a:bodyPr wrap="none">
-            <a:spAutoFit/>
-          </a:bodyPr>
-          <a:lstStyle/>
-          <a:p>
-            <a:pPr algn="ctr"/>
-            <a:r>
-              <a:rPr lang="en-US" b="1" i="1"/>
-              <a:t>Trypanosoma cruzi</a:t>
-            </a:r>
+            <a:pPr fontAlgn="base">
+              <a:spcBef>
+                <a:spcPct val="0"/>
+              </a:spcBef>
+              <a:spcAft>
+                <a:spcPct val="0"/>
+              </a:spcAft>
+            </a:pPr>
+            <a:fld id="{1080BBD3-ED29-4DC8-81CF-7B96B60A5DB7}" type="slidenum">
+              <a:rPr lang="en-US">
+                <a:latin typeface="Century Schoolbook" pitchFamily="18" charset="0"/>
+                <a:cs typeface="Arial" pitchFamily="34" charset="0"/>
+              </a:rPr>
+              <a:pPr fontAlgn="base">
+                <a:spcBef>
+                  <a:spcPct val="0"/>
+                </a:spcBef>
+                <a:spcAft>
+                  <a:spcPct val="0"/>
+                </a:spcAft>
+              </a:pPr>
+              <a:t>18</a:t>
+            </a:fld>
+            <a:endParaRPr lang="en-US">
+              <a:latin typeface="Century Schoolbook" pitchFamily="18" charset="0"/>
+              <a:cs typeface="Arial" pitchFamily="34" charset="0"/>
+            </a:endParaRPr>
           </a:p>
         </p:txBody>
       </p:sp>
@@ -12262,157 +10794,40 @@
             <a:spLocks noGrp="1"/>
           </p:cNvSpPr>
           <p:nvPr>
-            <p:ph type="title"/>
+            <p:ph type="ctrTitle" idx="4294967295"/>
           </p:nvPr>
         </p:nvSpPr>
-        <p:spPr/>
-        <p:txBody>
-          <a:bodyPr>
-            <a:normAutofit fontScale="90000"/>
+        <p:spPr>
+          <a:xfrm>
+            <a:off x="2057400" y="1981200"/>
+            <a:ext cx="6019800" cy="2362200"/>
+          </a:xfrm>
+        </p:spPr>
+        <p:txBody>
+          <a:bodyPr wrap="square" lIns="91440" tIns="45720" rIns="91440" bIns="45720" numCol="1" anchor="t" anchorCtr="0" compatLnSpc="1">
+            <a:prstTxWarp prst="textNoShape">
+              <a:avLst/>
+            </a:prstTxWarp>
           </a:bodyPr>
           <a:lstStyle/>
           <a:p>
-            <a:r>
-              <a:rPr lang="en-US" sz="2400" dirty="0" smtClean="0"/>
-              <a:t>OPL: </a:t>
-            </a:r>
-            <a:r>
-              <a:rPr lang="en-US" sz="2000" b="0" dirty="0" err="1" smtClean="0"/>
-              <a:t>Priti</a:t>
-            </a:r>
-            <a:r>
-              <a:rPr lang="en-US" sz="2000" b="0" dirty="0" smtClean="0"/>
-              <a:t> Parikh, </a:t>
-            </a:r>
-            <a:r>
-              <a:rPr lang="en-US" sz="2000" b="0" dirty="0" err="1" smtClean="0"/>
-              <a:t>JieZheng</a:t>
-            </a:r>
-            <a:r>
-              <a:rPr lang="en-US" sz="2000" b="0" dirty="0" smtClean="0"/>
-              <a:t>, Flora Logan-</a:t>
-            </a:r>
-            <a:r>
-              <a:rPr lang="en-US" sz="2000" b="0" dirty="0" err="1" smtClean="0"/>
-              <a:t>Klumper</a:t>
-            </a:r>
-            <a:r>
-              <a:rPr lang="en-US" sz="2000" b="0" dirty="0" smtClean="0"/>
-              <a:t>, Christos Louis, Christian </a:t>
-            </a:r>
-            <a:r>
-              <a:rPr lang="en-US" sz="2000" b="0" dirty="0" err="1" smtClean="0"/>
-              <a:t>Stoeckert</a:t>
-            </a:r>
-            <a:r>
-              <a:rPr lang="en-US" sz="2000" b="0" dirty="0" smtClean="0"/>
-              <a:t>, </a:t>
-            </a:r>
-            <a:r>
-              <a:rPr lang="en-US" sz="2000" b="0" dirty="0" err="1" smtClean="0"/>
-              <a:t>AmitSheth</a:t>
-            </a:r>
-            <a:r>
-              <a:rPr lang="en-US" sz="2000" b="0" dirty="0" smtClean="0"/>
-              <a:t>, and </a:t>
-            </a:r>
-            <a:r>
-              <a:rPr lang="en-US" sz="2000" b="0" dirty="0" err="1" smtClean="0"/>
-              <a:t>Satya</a:t>
-            </a:r>
-            <a:r>
-              <a:rPr lang="en-US" sz="2000" b="0" dirty="0" smtClean="0"/>
-              <a:t> S. </a:t>
-            </a:r>
-            <a:r>
-              <a:rPr lang="en-US" sz="2000" b="0" dirty="0" err="1" smtClean="0"/>
-              <a:t>Sahoo</a:t>
-            </a:r>
-            <a:endParaRPr lang="en-US" sz="2000" b="0" dirty="0"/>
-          </a:p>
-        </p:txBody>
-      </p:sp>
-      <p:sp>
-        <p:nvSpPr>
-          <p:cNvPr id="3" name="Content Placeholder 2"/>
-          <p:cNvSpPr>
-            <a:spLocks noGrp="1"/>
-          </p:cNvSpPr>
-          <p:nvPr>
-            <p:ph sz="quarter" idx="1"/>
-          </p:nvPr>
-        </p:nvSpPr>
-        <p:spPr/>
-        <p:txBody>
-          <a:bodyPr/>
-          <a:lstStyle/>
-          <a:p>
-            <a:endParaRPr lang="en-US"/>
-          </a:p>
-        </p:txBody>
-      </p:sp>
-      <p:sp>
-        <p:nvSpPr>
-          <p:cNvPr id="4" name="Slide Number Placeholder 3"/>
-          <p:cNvSpPr>
-            <a:spLocks noGrp="1"/>
-          </p:cNvSpPr>
-          <p:nvPr>
-            <p:ph type="sldNum" sz="quarter" idx="11"/>
-          </p:nvPr>
-        </p:nvSpPr>
-        <p:spPr/>
-        <p:txBody>
-          <a:bodyPr/>
-          <a:lstStyle/>
-          <a:p>
-            <a:pPr>
-              <a:defRPr/>
+            <a:pPr algn="ctr">
+              <a:lnSpc>
+                <a:spcPct val="150000"/>
+              </a:lnSpc>
             </a:pPr>
-            <a:fld id="{C6587C3C-6210-43A2-897D-BAD9F5F0EE9E}" type="slidenum">
-              <a:rPr lang="en-US" smtClean="0"/>
-              <a:pPr>
-                <a:defRPr/>
-              </a:pPr>
-              <a:t>19</a:t>
-            </a:fld>
-            <a:endParaRPr lang="en-US"/>
-          </a:p>
-        </p:txBody>
-      </p:sp>
-      <p:pic>
-        <p:nvPicPr>
-          <p:cNvPr id="136195" name="Picture 3"/>
-          <p:cNvPicPr>
-            <a:picLocks noChangeAspect="1" noChangeArrowheads="1"/>
-          </p:cNvPicPr>
-          <p:nvPr/>
-        </p:nvPicPr>
-        <p:blipFill>
-          <a:blip r:embed="rId3"/>
-          <a:srcRect/>
-          <a:stretch>
-            <a:fillRect/>
-          </a:stretch>
-        </p:blipFill>
-        <p:spPr bwMode="auto">
-          <a:xfrm>
-            <a:off x="457200" y="1143000"/>
-            <a:ext cx="7991475" cy="5514975"/>
-          </a:xfrm>
-          <a:prstGeom prst="rect">
-            <a:avLst/>
-          </a:prstGeom>
-          <a:noFill/>
-          <a:ln w="9525">
-            <a:noFill/>
-            <a:miter lim="800000"/>
-            <a:headEnd/>
-            <a:tailEnd/>
-          </a:ln>
-          <a:effectLst/>
-        </p:spPr>
-      </p:pic>
+            <a:r>
+              <a:rPr lang="en-US" sz="4400" b="1" cap="none" smtClean="0">
+                <a:solidFill>
+                  <a:schemeClr val="accent1"/>
+                </a:solidFill>
+                <a:latin typeface="Geneva"/>
+              </a:rPr>
+              <a:t>Questions?</a:t>
+            </a:r>
+          </a:p>
+        </p:txBody>
+      </p:sp>
     </p:spTree>
   </p:cSld>
   <p:clrMapOvr>
@@ -12531,507 +10946,6 @@
               <a:t>2</a:t>
             </a:fld>
             <a:endParaRPr lang="en-US"/>
-          </a:p>
-        </p:txBody>
-      </p:sp>
-    </p:spTree>
-  </p:cSld>
-  <p:clrMapOvr>
-    <a:masterClrMapping/>
-  </p:clrMapOvr>
-  <p:timing>
-    <p:tnLst>
-      <p:par>
-        <p:cTn id="1" dur="indefinite" restart="never" nodeType="tmRoot"/>
-      </p:par>
-    </p:tnLst>
-  </p:timing>
-</p:sld>
-</file>
-
-<file path=ppt/slides/slide20.xml><?xml version="1.0" encoding="utf-8"?>
-<p:sld xmlns:a="http://schemas.openxmlformats.org/drawingml/2006/main" xmlns:r="http://schemas.openxmlformats.org/officeDocument/2006/relationships" xmlns:p="http://schemas.openxmlformats.org/presentationml/2006/main">
-  <p:cSld>
-    <p:spTree>
-      <p:nvGrpSpPr>
-        <p:cNvPr id="1" name=""/>
-        <p:cNvGrpSpPr/>
-        <p:nvPr/>
-      </p:nvGrpSpPr>
-      <p:grpSpPr>
-        <a:xfrm>
-          <a:off x="0" y="0"/>
-          <a:ext cx="0" cy="0"/>
-          <a:chOff x="0" y="0"/>
-          <a:chExt cx="0" cy="0"/>
-        </a:xfrm>
-      </p:grpSpPr>
-      <p:sp>
-        <p:nvSpPr>
-          <p:cNvPr id="2" name="Title 1"/>
-          <p:cNvSpPr>
-            <a:spLocks noGrp="1"/>
-          </p:cNvSpPr>
-          <p:nvPr>
-            <p:ph type="title"/>
-          </p:nvPr>
-        </p:nvSpPr>
-        <p:spPr/>
-        <p:txBody>
-          <a:bodyPr/>
-          <a:lstStyle/>
-          <a:p>
-            <a:r>
-              <a:rPr lang="en-US" dirty="0" smtClean="0"/>
-              <a:t>Lifecycle Stages for a Specific Parasite</a:t>
-            </a:r>
-            <a:endParaRPr lang="en-US" dirty="0"/>
-          </a:p>
-        </p:txBody>
-      </p:sp>
-      <p:sp>
-        <p:nvSpPr>
-          <p:cNvPr id="3" name="Content Placeholder 2"/>
-          <p:cNvSpPr>
-            <a:spLocks noGrp="1"/>
-          </p:cNvSpPr>
-          <p:nvPr>
-            <p:ph sz="quarter" idx="1"/>
-          </p:nvPr>
-        </p:nvSpPr>
-        <p:spPr/>
-        <p:txBody>
-          <a:bodyPr/>
-          <a:lstStyle/>
-          <a:p>
-            <a:r>
-              <a:rPr lang="en-US" dirty="0" smtClean="0"/>
-              <a:t>Over 100 terms -&gt; </a:t>
-            </a:r>
-            <a:r>
-              <a:rPr lang="en-US" dirty="0" smtClean="0"/>
-              <a:t>less than 10 terms</a:t>
-            </a:r>
-            <a:endParaRPr lang="en-US" dirty="0"/>
-          </a:p>
-        </p:txBody>
-      </p:sp>
-      <p:sp>
-        <p:nvSpPr>
-          <p:cNvPr id="4" name="Slide Number Placeholder 3"/>
-          <p:cNvSpPr>
-            <a:spLocks noGrp="1"/>
-          </p:cNvSpPr>
-          <p:nvPr>
-            <p:ph type="sldNum" sz="quarter" idx="11"/>
-          </p:nvPr>
-        </p:nvSpPr>
-        <p:spPr/>
-        <p:txBody>
-          <a:bodyPr/>
-          <a:lstStyle/>
-          <a:p>
-            <a:pPr>
-              <a:defRPr/>
-            </a:pPr>
-            <a:fld id="{C6587C3C-6210-43A2-897D-BAD9F5F0EE9E}" type="slidenum">
-              <a:rPr lang="en-US" smtClean="0"/>
-              <a:pPr>
-                <a:defRPr/>
-              </a:pPr>
-              <a:t>20</a:t>
-            </a:fld>
-            <a:endParaRPr lang="en-US"/>
-          </a:p>
-        </p:txBody>
-      </p:sp>
-      <p:pic>
-        <p:nvPicPr>
-          <p:cNvPr id="136194" name="Picture 2"/>
-          <p:cNvPicPr>
-            <a:picLocks noChangeAspect="1" noChangeArrowheads="1"/>
-          </p:cNvPicPr>
-          <p:nvPr/>
-        </p:nvPicPr>
-        <p:blipFill>
-          <a:blip r:embed="rId2"/>
-          <a:srcRect/>
-          <a:stretch>
-            <a:fillRect/>
-          </a:stretch>
-        </p:blipFill>
-        <p:spPr bwMode="auto">
-          <a:xfrm>
-            <a:off x="152400" y="2514600"/>
-            <a:ext cx="4283242" cy="3657600"/>
-          </a:xfrm>
-          <a:prstGeom prst="rect">
-            <a:avLst/>
-          </a:prstGeom>
-          <a:noFill/>
-          <a:ln w="9525">
-            <a:noFill/>
-            <a:miter lim="800000"/>
-            <a:headEnd/>
-            <a:tailEnd/>
-          </a:ln>
-          <a:effectLst/>
-        </p:spPr>
-      </p:pic>
-      <p:pic>
-        <p:nvPicPr>
-          <p:cNvPr id="136195" name="Picture 3"/>
-          <p:cNvPicPr>
-            <a:picLocks noChangeAspect="1" noChangeArrowheads="1"/>
-          </p:cNvPicPr>
-          <p:nvPr/>
-        </p:nvPicPr>
-        <p:blipFill>
-          <a:blip r:embed="rId3"/>
-          <a:srcRect/>
-          <a:stretch>
-            <a:fillRect/>
-          </a:stretch>
-        </p:blipFill>
-        <p:spPr bwMode="auto">
-          <a:xfrm>
-            <a:off x="4495800" y="2514600"/>
-            <a:ext cx="4150206" cy="3657600"/>
-          </a:xfrm>
-          <a:prstGeom prst="rect">
-            <a:avLst/>
-          </a:prstGeom>
-          <a:noFill/>
-          <a:ln w="9525">
-            <a:noFill/>
-            <a:miter lim="800000"/>
-            <a:headEnd/>
-            <a:tailEnd/>
-          </a:ln>
-          <a:effectLst/>
-        </p:spPr>
-      </p:pic>
-      <p:sp>
-        <p:nvSpPr>
-          <p:cNvPr id="8" name="TextBox 24"/>
-          <p:cNvSpPr txBox="1">
-            <a:spLocks noChangeArrowheads="1"/>
-          </p:cNvSpPr>
-          <p:nvPr/>
-        </p:nvSpPr>
-        <p:spPr bwMode="auto">
-          <a:xfrm>
-            <a:off x="990600" y="1905000"/>
-            <a:ext cx="2432050" cy="366712"/>
-          </a:xfrm>
-          <a:prstGeom prst="rect">
-            <a:avLst/>
-          </a:prstGeom>
-          <a:noFill/>
-          <a:ln w="9525">
-            <a:noFill/>
-            <a:miter lim="800000"/>
-            <a:headEnd/>
-            <a:tailEnd/>
-          </a:ln>
-        </p:spPr>
-        <p:txBody>
-          <a:bodyPr wrap="none">
-            <a:spAutoFit/>
-          </a:bodyPr>
-          <a:lstStyle/>
-          <a:p>
-            <a:pPr algn="ctr"/>
-            <a:r>
-              <a:rPr lang="en-US" b="1" i="1" dirty="0" err="1"/>
-              <a:t>Trypanosoma</a:t>
-            </a:r>
-            <a:r>
-              <a:rPr lang="en-US" b="1" i="1" dirty="0"/>
-              <a:t> </a:t>
-            </a:r>
-            <a:r>
-              <a:rPr lang="en-US" b="1" i="1" dirty="0" err="1"/>
-              <a:t>brucei</a:t>
-            </a:r>
-            <a:endParaRPr lang="en-US" b="1" i="1" dirty="0"/>
-          </a:p>
-        </p:txBody>
-      </p:sp>
-      <p:sp>
-        <p:nvSpPr>
-          <p:cNvPr id="9" name="TextBox 24"/>
-          <p:cNvSpPr txBox="1">
-            <a:spLocks noChangeArrowheads="1"/>
-          </p:cNvSpPr>
-          <p:nvPr/>
-        </p:nvSpPr>
-        <p:spPr bwMode="auto">
-          <a:xfrm>
-            <a:off x="5327650" y="1905000"/>
-            <a:ext cx="2279650" cy="366712"/>
-          </a:xfrm>
-          <a:prstGeom prst="rect">
-            <a:avLst/>
-          </a:prstGeom>
-          <a:noFill/>
-          <a:ln w="9525">
-            <a:noFill/>
-            <a:miter lim="800000"/>
-            <a:headEnd/>
-            <a:tailEnd/>
-          </a:ln>
-        </p:spPr>
-        <p:txBody>
-          <a:bodyPr wrap="none">
-            <a:spAutoFit/>
-          </a:bodyPr>
-          <a:lstStyle/>
-          <a:p>
-            <a:pPr algn="ctr"/>
-            <a:r>
-              <a:rPr lang="en-US" b="1" i="1"/>
-              <a:t>Trypanosoma cruzi</a:t>
-            </a:r>
-          </a:p>
-        </p:txBody>
-      </p:sp>
-    </p:spTree>
-  </p:cSld>
-  <p:clrMapOvr>
-    <a:masterClrMapping/>
-  </p:clrMapOvr>
-  <p:timing>
-    <p:tnLst>
-      <p:par>
-        <p:cTn id="1" dur="indefinite" restart="never" nodeType="tmRoot"/>
-      </p:par>
-    </p:tnLst>
-  </p:timing>
-</p:sld>
-</file>
-
-<file path=ppt/slides/slide21.xml><?xml version="1.0" encoding="utf-8"?>
-<p:sld xmlns:a="http://schemas.openxmlformats.org/drawingml/2006/main" xmlns:r="http://schemas.openxmlformats.org/officeDocument/2006/relationships" xmlns:p="http://schemas.openxmlformats.org/presentationml/2006/main">
-  <p:cSld>
-    <p:spTree>
-      <p:nvGrpSpPr>
-        <p:cNvPr id="1" name=""/>
-        <p:cNvGrpSpPr/>
-        <p:nvPr/>
-      </p:nvGrpSpPr>
-      <p:grpSpPr>
-        <a:xfrm>
-          <a:off x="0" y="0"/>
-          <a:ext cx="0" cy="0"/>
-          <a:chOff x="0" y="0"/>
-          <a:chExt cx="0" cy="0"/>
-        </a:xfrm>
-      </p:grpSpPr>
-      <p:sp>
-        <p:nvSpPr>
-          <p:cNvPr id="2" name="Title 1"/>
-          <p:cNvSpPr>
-            <a:spLocks noGrp="1"/>
-          </p:cNvSpPr>
-          <p:nvPr>
-            <p:ph type="title"/>
-          </p:nvPr>
-        </p:nvSpPr>
-        <p:spPr/>
-        <p:txBody>
-          <a:bodyPr/>
-          <a:lstStyle/>
-          <a:p>
-            <a:pPr fontAlgn="auto">
-              <a:spcAft>
-                <a:spcPts val="0"/>
-              </a:spcAft>
-              <a:defRPr/>
-            </a:pPr>
-            <a:r>
-              <a:rPr lang="en-US" dirty="0" smtClean="0"/>
-              <a:t>Summary – lessons from this use case</a:t>
-            </a:r>
-            <a:endParaRPr lang="en-US" dirty="0"/>
-          </a:p>
-        </p:txBody>
-      </p:sp>
-      <p:sp>
-        <p:nvSpPr>
-          <p:cNvPr id="26626" name="Content Placeholder 2"/>
-          <p:cNvSpPr>
-            <a:spLocks noGrp="1"/>
-          </p:cNvSpPr>
-          <p:nvPr>
-            <p:ph sz="quarter" idx="1"/>
-          </p:nvPr>
-        </p:nvSpPr>
-        <p:spPr>
-          <a:xfrm>
-            <a:off x="457200" y="1143000"/>
-            <a:ext cx="7467600" cy="5330825"/>
-          </a:xfrm>
-        </p:spPr>
-        <p:txBody>
-          <a:bodyPr/>
-          <a:lstStyle/>
-          <a:p>
-            <a:r>
-              <a:rPr lang="en-US" sz="2800" dirty="0" smtClean="0">
-                <a:latin typeface="Century Schoolbook" pitchFamily="18" charset="0"/>
-              </a:rPr>
-              <a:t>How to design a data collection form based on an ontology model </a:t>
-            </a:r>
-          </a:p>
-          <a:p>
-            <a:r>
-              <a:rPr lang="en-US" sz="2800" dirty="0" smtClean="0">
-                <a:latin typeface="Century Schoolbook" pitchFamily="18" charset="0"/>
-              </a:rPr>
-              <a:t>How to choose </a:t>
-            </a:r>
-            <a:r>
-              <a:rPr lang="en-US" sz="2800" dirty="0" err="1" smtClean="0">
-                <a:latin typeface="Century Schoolbook" pitchFamily="18" charset="0"/>
-              </a:rPr>
-              <a:t>ontologies</a:t>
-            </a:r>
-            <a:r>
-              <a:rPr lang="en-US" sz="2800" dirty="0" smtClean="0">
-                <a:latin typeface="Century Schoolbook" pitchFamily="18" charset="0"/>
-              </a:rPr>
-              <a:t> to be used for annotations collected in the forms</a:t>
-            </a:r>
-          </a:p>
-        </p:txBody>
-      </p:sp>
-      <p:sp>
-        <p:nvSpPr>
-          <p:cNvPr id="26627" name="Slide Number Placeholder 3"/>
-          <p:cNvSpPr>
-            <a:spLocks noGrp="1"/>
-          </p:cNvSpPr>
-          <p:nvPr>
-            <p:ph type="sldNum" sz="quarter" idx="11"/>
-          </p:nvPr>
-        </p:nvSpPr>
-        <p:spPr bwMode="auto">
-          <a:noFill/>
-          <a:ln>
-            <a:miter lim="800000"/>
-            <a:headEnd/>
-            <a:tailEnd/>
-          </a:ln>
-        </p:spPr>
-        <p:txBody>
-          <a:bodyPr wrap="square" lIns="91440" tIns="45720" rIns="91440" bIns="45720" numCol="1" anchorCtr="0" compatLnSpc="1">
-            <a:prstTxWarp prst="textNoShape">
-              <a:avLst/>
-            </a:prstTxWarp>
-          </a:bodyPr>
-          <a:lstStyle/>
-          <a:p>
-            <a:pPr fontAlgn="base">
-              <a:spcBef>
-                <a:spcPct val="0"/>
-              </a:spcBef>
-              <a:spcAft>
-                <a:spcPct val="0"/>
-              </a:spcAft>
-            </a:pPr>
-            <a:fld id="{1080BBD3-ED29-4DC8-81CF-7B96B60A5DB7}" type="slidenum">
-              <a:rPr lang="en-US">
-                <a:latin typeface="Century Schoolbook" pitchFamily="18" charset="0"/>
-                <a:cs typeface="Arial" pitchFamily="34" charset="0"/>
-              </a:rPr>
-              <a:pPr fontAlgn="base">
-                <a:spcBef>
-                  <a:spcPct val="0"/>
-                </a:spcBef>
-                <a:spcAft>
-                  <a:spcPct val="0"/>
-                </a:spcAft>
-              </a:pPr>
-              <a:t>21</a:t>
-            </a:fld>
-            <a:endParaRPr lang="en-US">
-              <a:latin typeface="Century Schoolbook" pitchFamily="18" charset="0"/>
-              <a:cs typeface="Arial" pitchFamily="34" charset="0"/>
-            </a:endParaRPr>
-          </a:p>
-        </p:txBody>
-      </p:sp>
-    </p:spTree>
-  </p:cSld>
-  <p:clrMapOvr>
-    <a:masterClrMapping/>
-  </p:clrMapOvr>
-  <p:timing>
-    <p:tnLst>
-      <p:par>
-        <p:cTn id="1" dur="indefinite" restart="never" nodeType="tmRoot"/>
-      </p:par>
-    </p:tnLst>
-  </p:timing>
-</p:sld>
-</file>
-
-<file path=ppt/slides/slide22.xml><?xml version="1.0" encoding="utf-8"?>
-<p:sld xmlns:a="http://schemas.openxmlformats.org/drawingml/2006/main" xmlns:r="http://schemas.openxmlformats.org/officeDocument/2006/relationships" xmlns:p="http://schemas.openxmlformats.org/presentationml/2006/main">
-  <p:cSld>
-    <p:spTree>
-      <p:nvGrpSpPr>
-        <p:cNvPr id="1" name=""/>
-        <p:cNvGrpSpPr/>
-        <p:nvPr/>
-      </p:nvGrpSpPr>
-      <p:grpSpPr>
-        <a:xfrm>
-          <a:off x="0" y="0"/>
-          <a:ext cx="0" cy="0"/>
-          <a:chOff x="0" y="0"/>
-          <a:chExt cx="0" cy="0"/>
-        </a:xfrm>
-      </p:grpSpPr>
-      <p:sp>
-        <p:nvSpPr>
-          <p:cNvPr id="2" name="Title 1"/>
-          <p:cNvSpPr>
-            <a:spLocks noGrp="1"/>
-          </p:cNvSpPr>
-          <p:nvPr>
-            <p:ph type="ctrTitle" idx="4294967295"/>
-          </p:nvPr>
-        </p:nvSpPr>
-        <p:spPr>
-          <a:xfrm>
-            <a:off x="2057400" y="1981200"/>
-            <a:ext cx="6019800" cy="2362200"/>
-          </a:xfrm>
-        </p:spPr>
-        <p:txBody>
-          <a:bodyPr wrap="square" lIns="91440" tIns="45720" rIns="91440" bIns="45720" numCol="1" anchor="t" anchorCtr="0" compatLnSpc="1">
-            <a:prstTxWarp prst="textNoShape">
-              <a:avLst/>
-            </a:prstTxWarp>
-          </a:bodyPr>
-          <a:lstStyle/>
-          <a:p>
-            <a:pPr algn="ctr">
-              <a:lnSpc>
-                <a:spcPct val="150000"/>
-              </a:lnSpc>
-            </a:pPr>
-            <a:r>
-              <a:rPr lang="en-US" sz="4400" b="1" cap="none" smtClean="0">
-                <a:solidFill>
-                  <a:schemeClr val="accent1"/>
-                </a:solidFill>
-                <a:latin typeface="Geneva"/>
-              </a:rPr>
-              <a:t>Questions?</a:t>
-            </a:r>
           </a:p>
         </p:txBody>
       </p:sp>

--- a/trunk/docs/presentations/OBI tutorial July 2011 ICBO/EuPathDB.pptx
+++ b/trunk/docs/presentations/OBI tutorial July 2011 ICBO/EuPathDB.pptx
@@ -9,9 +9,9 @@
   </p:notesMasterIdLst>
   <p:sldIdLst>
     <p:sldId id="256" r:id="rId2"/>
-    <p:sldId id="302" r:id="rId3"/>
-    <p:sldId id="303" r:id="rId4"/>
-    <p:sldId id="276" r:id="rId5"/>
+    <p:sldId id="276" r:id="rId3"/>
+    <p:sldId id="302" r:id="rId4"/>
+    <p:sldId id="303" r:id="rId5"/>
     <p:sldId id="297" r:id="rId6"/>
     <p:sldId id="274" r:id="rId7"/>
     <p:sldId id="309" r:id="rId8"/>
@@ -267,7 +267,7 @@
               <a:pPr>
                 <a:defRPr/>
               </a:pPr>
-              <a:t>7/21/2011</a:t>
+              <a:t>7/25/2011</a:t>
             </a:fld>
             <a:endParaRPr lang="en-US"/>
           </a:p>
@@ -638,6 +638,20 @@
           </a:bodyPr>
           <a:lstStyle/>
           <a:p>
+            <a:r>
+              <a:rPr lang="en-US" dirty="0" smtClean="0"/>
+              <a:t>Isolation</a:t>
+            </a:r>
+            <a:r>
+              <a:rPr lang="en-US" baseline="0" dirty="0" smtClean="0"/>
+              <a:t> source: 3. put in the note</a:t>
+            </a:r>
+          </a:p>
+          <a:p>
+            <a:r>
+              <a:rPr lang="en-US" baseline="0" dirty="0" smtClean="0"/>
+              <a:t>Host information: 1. get from Isolation source, </a:t>
+            </a:r>
             <a:endParaRPr lang="en-US" dirty="0"/>
           </a:p>
         </p:txBody>
@@ -665,7 +679,7 @@
               <a:pPr>
                 <a:defRPr/>
               </a:pPr>
-              <a:t>7</a:t>
+              <a:t>4</a:t>
             </a:fld>
             <a:endParaRPr lang="en-US"/>
           </a:p>
@@ -698,6 +712,93 @@
       </p:grpSpPr>
       <p:sp>
         <p:nvSpPr>
+          <p:cNvPr id="2" name="Slide Image Placeholder 1"/>
+          <p:cNvSpPr>
+            <a:spLocks noGrp="1" noRot="1" noChangeAspect="1"/>
+          </p:cNvSpPr>
+          <p:nvPr>
+            <p:ph type="sldImg"/>
+          </p:nvPr>
+        </p:nvSpPr>
+        <p:spPr/>
+      </p:sp>
+      <p:sp>
+        <p:nvSpPr>
+          <p:cNvPr id="3" name="Notes Placeholder 2"/>
+          <p:cNvSpPr>
+            <a:spLocks noGrp="1"/>
+          </p:cNvSpPr>
+          <p:nvPr>
+            <p:ph type="body" idx="1"/>
+          </p:nvPr>
+        </p:nvSpPr>
+        <p:spPr/>
+        <p:txBody>
+          <a:bodyPr>
+            <a:normAutofit/>
+          </a:bodyPr>
+          <a:lstStyle/>
+          <a:p>
+            <a:endParaRPr lang="en-US" dirty="0"/>
+          </a:p>
+        </p:txBody>
+      </p:sp>
+      <p:sp>
+        <p:nvSpPr>
+          <p:cNvPr id="4" name="Slide Number Placeholder 3"/>
+          <p:cNvSpPr>
+            <a:spLocks noGrp="1"/>
+          </p:cNvSpPr>
+          <p:nvPr>
+            <p:ph type="sldNum" sz="quarter" idx="10"/>
+          </p:nvPr>
+        </p:nvSpPr>
+        <p:spPr/>
+        <p:txBody>
+          <a:bodyPr/>
+          <a:lstStyle/>
+          <a:p>
+            <a:pPr>
+              <a:defRPr/>
+            </a:pPr>
+            <a:fld id="{3A96576D-D51A-4E67-8DA5-9A6D61B288F8}" type="slidenum">
+              <a:rPr lang="en-US" smtClean="0"/>
+              <a:pPr>
+                <a:defRPr/>
+              </a:pPr>
+              <a:t>7</a:t>
+            </a:fld>
+            <a:endParaRPr lang="en-US"/>
+          </a:p>
+        </p:txBody>
+      </p:sp>
+    </p:spTree>
+  </p:cSld>
+  <p:clrMapOvr>
+    <a:masterClrMapping/>
+  </p:clrMapOvr>
+</p:notes>
+</file>
+
+<file path=ppt/notesSlides/notesSlide3.xml><?xml version="1.0" encoding="utf-8"?>
+<p:notes xmlns:a="http://schemas.openxmlformats.org/drawingml/2006/main" xmlns:r="http://schemas.openxmlformats.org/officeDocument/2006/relationships" xmlns:p="http://schemas.openxmlformats.org/presentationml/2006/main">
+  <p:cSld>
+    <p:spTree>
+      <p:nvGrpSpPr>
+        <p:cNvPr id="1" name=""/>
+        <p:cNvGrpSpPr/>
+        <p:nvPr/>
+      </p:nvGrpSpPr>
+      <p:grpSpPr>
+        <a:xfrm>
+          <a:off x="0" y="0"/>
+          <a:ext cx="0" cy="0"/>
+          <a:chOff x="0" y="0"/>
+          <a:chExt cx="0" cy="0"/>
+        </a:xfrm>
+      </p:grpSpPr>
+      <p:sp>
+        <p:nvSpPr>
           <p:cNvPr id="31745" name="Slide Image Placeholder 1"/>
           <p:cNvSpPr>
             <a:spLocks noGrp="1" noRot="1" noChangeAspect="1"/>
@@ -823,7 +924,7 @@
 </p:notes>
 </file>
 
-<file path=ppt/notesSlides/notesSlide3.xml><?xml version="1.0" encoding="utf-8"?>
+<file path=ppt/notesSlides/notesSlide4.xml><?xml version="1.0" encoding="utf-8"?>
 <p:notes xmlns:a="http://schemas.openxmlformats.org/drawingml/2006/main" xmlns:r="http://schemas.openxmlformats.org/officeDocument/2006/relationships" xmlns:p="http://schemas.openxmlformats.org/presentationml/2006/main">
   <p:cSld>
     <p:spTree>
@@ -953,7 +1054,7 @@
 </p:notes>
 </file>
 
-<file path=ppt/notesSlides/notesSlide4.xml><?xml version="1.0" encoding="utf-8"?>
+<file path=ppt/notesSlides/notesSlide5.xml><?xml version="1.0" encoding="utf-8"?>
 <p:notes xmlns:a="http://schemas.openxmlformats.org/drawingml/2006/main" xmlns:r="http://schemas.openxmlformats.org/officeDocument/2006/relationships" xmlns:p="http://schemas.openxmlformats.org/presentationml/2006/main">
   <p:cSld>
     <p:spTree>
@@ -1086,7 +1187,7 @@
 </p:notes>
 </file>
 
-<file path=ppt/notesSlides/notesSlide5.xml><?xml version="1.0" encoding="utf-8"?>
+<file path=ppt/notesSlides/notesSlide6.xml><?xml version="1.0" encoding="utf-8"?>
 <p:notes xmlns:a="http://schemas.openxmlformats.org/drawingml/2006/main" xmlns:r="http://schemas.openxmlformats.org/officeDocument/2006/relationships" xmlns:p="http://schemas.openxmlformats.org/presentationml/2006/main">
   <p:cSld>
     <p:spTree>
@@ -1356,7 +1457,7 @@
 </p:notes>
 </file>
 
-<file path=ppt/notesSlides/notesSlide6.xml><?xml version="1.0" encoding="utf-8"?>
+<file path=ppt/notesSlides/notesSlide7.xml><?xml version="1.0" encoding="utf-8"?>
 <p:notes xmlns:a="http://schemas.openxmlformats.org/drawingml/2006/main" xmlns:r="http://schemas.openxmlformats.org/officeDocument/2006/relationships" xmlns:p="http://schemas.openxmlformats.org/presentationml/2006/main">
   <p:cSld>
     <p:spTree>
@@ -1584,7 +1685,7 @@
 </p:notes>
 </file>
 
-<file path=ppt/notesSlides/notesSlide7.xml><?xml version="1.0" encoding="utf-8"?>
+<file path=ppt/notesSlides/notesSlide8.xml><?xml version="1.0" encoding="utf-8"?>
 <p:notes xmlns:a="http://schemas.openxmlformats.org/drawingml/2006/main" xmlns:r="http://schemas.openxmlformats.org/officeDocument/2006/relationships" xmlns:p="http://schemas.openxmlformats.org/presentationml/2006/main">
   <p:cSld>
     <p:spTree>
@@ -2759,7 +2860,7 @@
               <a:pPr>
                 <a:defRPr/>
               </a:pPr>
-              <a:t>7/21/2011</a:t>
+              <a:t>7/25/2011</a:t>
             </a:fld>
             <a:endParaRPr lang="en-US"/>
           </a:p>
@@ -3324,7 +3425,7 @@
               <a:pPr>
                 <a:defRPr/>
               </a:pPr>
-              <a:t>7/21/2011</a:t>
+              <a:t>7/25/2011</a:t>
             </a:fld>
             <a:endParaRPr lang="en-US"/>
           </a:p>
@@ -3569,7 +3670,7 @@
               <a:pPr>
                 <a:defRPr/>
               </a:pPr>
-              <a:t>7/21/2011</a:t>
+              <a:t>7/25/2011</a:t>
             </a:fld>
             <a:endParaRPr lang="en-US"/>
           </a:p>
@@ -9875,7 +9976,7 @@
         </p:xfrm>
         <a:graphic>
           <a:graphicData uri="http://schemas.openxmlformats.org/presentationml/2006/ole">
-            <p:oleObj spid="_x0000_s109568" name="Worksheet" r:id="rId5" imgW="15267512" imgH="7652138" progId="Excel.Sheet.12">
+            <p:oleObj spid="_x0000_s109568" name="Worksheet" r:id="rId5" imgW="13220652" imgH="7905655" progId="Excel.Sheet.12">
               <p:embed/>
             </p:oleObj>
           </a:graphicData>
@@ -10147,7 +10248,7 @@
         </p:xfrm>
         <a:graphic>
           <a:graphicData uri="http://schemas.openxmlformats.org/presentationml/2006/ole">
-            <p:oleObj spid="_x0000_s110592" name="Worksheet" r:id="rId4" imgW="10743840" imgH="5816160" progId="Excel.Sheet.8">
+            <p:oleObj spid="_x0000_s110592" name="Worksheet" r:id="rId4" imgW="9096470" imgH="4924282" progId="Excel.Sheet.8">
               <p:embed/>
             </p:oleObj>
           </a:graphicData>
@@ -10238,11 +10339,7 @@
           <a:p>
             <a:r>
               <a:rPr lang="en-US" dirty="0" smtClean="0"/>
-              <a:t>Example</a:t>
-            </a:r>
-            <a:r>
-              <a:rPr lang="en-US" dirty="0" smtClean="0"/>
-              <a:t>:</a:t>
+              <a:t>Example:</a:t>
             </a:r>
           </a:p>
           <a:p>
@@ -10251,7 +10348,6 @@
               <a:rPr lang="en-US" dirty="0" smtClean="0"/>
               <a:t>Assay</a:t>
             </a:r>
-            <a:endParaRPr lang="en-US" dirty="0" smtClean="0"/>
           </a:p>
         </p:txBody>
       </p:sp>
@@ -10635,67 +10731,16 @@
               <a:rPr lang="en-US" sz="2800" dirty="0" smtClean="0">
                 <a:latin typeface="Century Schoolbook" pitchFamily="18" charset="0"/>
               </a:rPr>
-              <a:t> to be used for annotations collected in the </a:t>
-            </a:r>
+              <a:t> to be used for annotations collected in the forms</a:t>
+            </a:r>
+          </a:p>
+          <a:p>
             <a:r>
               <a:rPr lang="en-US" sz="2800" dirty="0" smtClean="0">
                 <a:latin typeface="Century Schoolbook" pitchFamily="18" charset="0"/>
               </a:rPr>
-              <a:t>forms</a:t>
-            </a:r>
-          </a:p>
-          <a:p>
-            <a:r>
-              <a:rPr lang="en-US" sz="2800" dirty="0" smtClean="0">
-                <a:latin typeface="Century Schoolbook" pitchFamily="18" charset="0"/>
-              </a:rPr>
-              <a:t>Reduce </a:t>
-            </a:r>
-            <a:r>
-              <a:rPr lang="en-US" sz="2800" dirty="0" smtClean="0">
-                <a:latin typeface="Century Schoolbook" pitchFamily="18" charset="0"/>
-              </a:rPr>
-              <a:t>user’s efforts </a:t>
-            </a:r>
-            <a:r>
-              <a:rPr lang="en-US" sz="2800" dirty="0" smtClean="0">
-                <a:latin typeface="Century Schoolbook" pitchFamily="18" charset="0"/>
-              </a:rPr>
-              <a:t>in </a:t>
-            </a:r>
-            <a:r>
-              <a:rPr lang="en-US" sz="2800" dirty="0" smtClean="0">
-                <a:latin typeface="Century Schoolbook" pitchFamily="18" charset="0"/>
-              </a:rPr>
-              <a:t>finding ontology terms for annotation </a:t>
-            </a:r>
-            <a:r>
-              <a:rPr lang="en-US" sz="2800" dirty="0" smtClean="0">
-                <a:latin typeface="Century Schoolbook" pitchFamily="18" charset="0"/>
-              </a:rPr>
-              <a:t>using </a:t>
-            </a:r>
-            <a:r>
-              <a:rPr lang="en-US" sz="2800" dirty="0" smtClean="0">
-                <a:latin typeface="Century Schoolbook" pitchFamily="18" charset="0"/>
-              </a:rPr>
-              <a:t>restrictions defined </a:t>
-            </a:r>
-            <a:r>
-              <a:rPr lang="en-US" sz="2800" dirty="0" smtClean="0">
-                <a:latin typeface="Century Schoolbook" pitchFamily="18" charset="0"/>
-              </a:rPr>
-              <a:t>in </a:t>
-            </a:r>
-            <a:r>
-              <a:rPr lang="en-US" sz="2800" dirty="0" smtClean="0">
-                <a:latin typeface="Century Schoolbook" pitchFamily="18" charset="0"/>
-              </a:rPr>
-              <a:t>the ontology</a:t>
-            </a:r>
-            <a:endParaRPr lang="en-US" sz="2800" dirty="0" smtClean="0">
-              <a:latin typeface="Century Schoolbook" pitchFamily="18" charset="0"/>
-            </a:endParaRPr>
+              <a:t>Reduce user’s efforts in finding ontology terms for annotation using restrictions defined in the ontology</a:t>
+            </a:r>
           </a:p>
         </p:txBody>
       </p:sp>
@@ -10875,9 +10920,15 @@
           <a:bodyPr/>
           <a:lstStyle/>
           <a:p>
+            <a:pPr fontAlgn="auto">
+              <a:spcAft>
+                <a:spcPts val="0"/>
+              </a:spcAft>
+              <a:defRPr/>
+            </a:pPr>
             <a:r>
               <a:rPr lang="en-US" dirty="0" smtClean="0"/>
-              <a:t>Issues Associated with Data Collection</a:t>
+              <a:t>What will be covered in this use case</a:t>
             </a:r>
             <a:endParaRPr lang="en-US" dirty="0"/>
           </a:p>
@@ -10885,7 +10936,7 @@
       </p:sp>
       <p:sp>
         <p:nvSpPr>
-          <p:cNvPr id="3" name="Content Placeholder 2"/>
+          <p:cNvPr id="32770" name="Content Placeholder 2"/>
           <p:cNvSpPr>
             <a:spLocks noGrp="1"/>
           </p:cNvSpPr>
@@ -10893,36 +10944,83 @@
             <p:ph sz="quarter" idx="1"/>
           </p:nvPr>
         </p:nvSpPr>
-        <p:spPr/>
+        <p:spPr>
+          <a:xfrm>
+            <a:off x="457200" y="1143000"/>
+            <a:ext cx="7467600" cy="5330825"/>
+          </a:xfrm>
+        </p:spPr>
         <p:txBody>
           <a:bodyPr/>
           <a:lstStyle/>
           <a:p>
             <a:r>
+              <a:rPr lang="en-US" dirty="0" smtClean="0">
+                <a:cs typeface="Arial" pitchFamily="34" charset="0"/>
+              </a:rPr>
+              <a:t>How to design a data submission form based on an ontology model</a:t>
+            </a:r>
+          </a:p>
+          <a:p>
+            <a:pPr lvl="1"/>
+            <a:r>
+              <a:rPr lang="en-US" dirty="0" smtClean="0">
+                <a:cs typeface="Arial" pitchFamily="34" charset="0"/>
+              </a:rPr>
+              <a:t>Example: Form to collect sequence data and information on isolates of pathogens</a:t>
+            </a:r>
+          </a:p>
+          <a:p>
+            <a:pPr lvl="1">
+              <a:buNone/>
+            </a:pPr>
+            <a:endParaRPr lang="en-US" dirty="0" smtClean="0">
+              <a:latin typeface="Century Schoolbook" pitchFamily="18" charset="0"/>
+            </a:endParaRPr>
+          </a:p>
+          <a:p>
+            <a:r>
               <a:rPr lang="en-US" dirty="0" smtClean="0"/>
-              <a:t>Heterogeneity of free text</a:t>
-            </a:r>
-          </a:p>
-          <a:p>
+              <a:t>How to reduce user effort in submission using restrictions defined in an ontology</a:t>
+            </a:r>
+          </a:p>
+          <a:p>
+            <a:pPr lvl="1"/>
             <a:r>
               <a:rPr lang="en-US" dirty="0" smtClean="0"/>
-              <a:t>Difficulty in data integration, requires human intervention</a:t>
-            </a:r>
-          </a:p>
-          <a:p>
+              <a:t>Example</a:t>
+            </a:r>
             <a:r>
               <a:rPr lang="en-US" dirty="0" smtClean="0"/>
-              <a:t>Complex queries are limited </a:t>
-            </a:r>
-          </a:p>
-          <a:p>
-            <a:endParaRPr lang="en-US" dirty="0"/>
-          </a:p>
-        </p:txBody>
-      </p:sp>
-      <p:sp>
-        <p:nvSpPr>
-          <p:cNvPr id="4" name="Slide Number Placeholder 3"/>
+              <a:t>: restrictions defined in </a:t>
+            </a:r>
+            <a:r>
+              <a:rPr lang="en-US" dirty="0" err="1" smtClean="0"/>
+              <a:t>OBI:assay</a:t>
+            </a:r>
+            <a:r>
+              <a:rPr lang="en-US" dirty="0" smtClean="0"/>
+              <a:t> and its subclasses</a:t>
+            </a:r>
+            <a:endParaRPr lang="en-US" dirty="0" smtClean="0"/>
+          </a:p>
+          <a:p>
+            <a:pPr lvl="1"/>
+            <a:endParaRPr lang="en-US" dirty="0" smtClean="0"/>
+          </a:p>
+          <a:p>
+            <a:pPr>
+              <a:buNone/>
+            </a:pPr>
+            <a:endParaRPr lang="en-US" dirty="0" smtClean="0">
+              <a:latin typeface="Century Schoolbook" pitchFamily="18" charset="0"/>
+            </a:endParaRPr>
+          </a:p>
+        </p:txBody>
+      </p:sp>
+      <p:sp>
+        <p:nvSpPr>
+          <p:cNvPr id="32771" name="Slide Number Placeholder 3"/>
           <p:cNvSpPr>
             <a:spLocks noGrp="1"/>
           </p:cNvSpPr>
@@ -10930,22 +11028,49 @@
             <p:ph type="sldNum" sz="quarter" idx="11"/>
           </p:nvPr>
         </p:nvSpPr>
-        <p:spPr/>
-        <p:txBody>
-          <a:bodyPr/>
+        <p:spPr bwMode="auto">
+          <a:noFill/>
+          <a:ln>
+            <a:miter lim="800000"/>
+            <a:headEnd/>
+            <a:tailEnd/>
+          </a:ln>
+        </p:spPr>
+        <p:txBody>
+          <a:bodyPr wrap="square" lIns="91440" tIns="45720" rIns="91440" bIns="45720" numCol="1" anchorCtr="0" compatLnSpc="1">
+            <a:prstTxWarp prst="textNoShape">
+              <a:avLst/>
+            </a:prstTxWarp>
+          </a:bodyPr>
           <a:lstStyle/>
           <a:p>
-            <a:pPr>
-              <a:defRPr/>
+            <a:pPr fontAlgn="base">
+              <a:spcBef>
+                <a:spcPct val="0"/>
+              </a:spcBef>
+              <a:spcAft>
+                <a:spcPct val="0"/>
+              </a:spcAft>
             </a:pPr>
-            <a:fld id="{C6587C3C-6210-43A2-897D-BAD9F5F0EE9E}" type="slidenum">
-              <a:rPr lang="en-US" smtClean="0"/>
-              <a:pPr>
-                <a:defRPr/>
+            <a:fld id="{BB415047-5AAC-4467-A383-5AFEF804DD74}" type="slidenum">
+              <a:rPr lang="en-US">
+                <a:latin typeface="Century Schoolbook" pitchFamily="18" charset="0"/>
+                <a:cs typeface="Arial" pitchFamily="34" charset="0"/>
+              </a:rPr>
+              <a:pPr fontAlgn="base">
+                <a:spcBef>
+                  <a:spcPct val="0"/>
+                </a:spcBef>
+                <a:spcAft>
+                  <a:spcPct val="0"/>
+                </a:spcAft>
               </a:pPr>
               <a:t>2</a:t>
             </a:fld>
-            <a:endParaRPr lang="en-US"/>
+            <a:endParaRPr lang="en-US">
+              <a:latin typeface="Century Schoolbook" pitchFamily="18" charset="0"/>
+              <a:cs typeface="Arial" pitchFamily="34" charset="0"/>
+            </a:endParaRPr>
           </a:p>
         </p:txBody>
       </p:sp>
@@ -10997,13 +11122,46 @@
           <a:lstStyle/>
           <a:p>
             <a:r>
-              <a:rPr lang="en-US" dirty="0" err="1" smtClean="0"/>
-              <a:t>GenBank</a:t>
-            </a:r>
-            <a:r>
               <a:rPr lang="en-US" dirty="0" smtClean="0"/>
-              <a:t> Sequence Data</a:t>
-            </a:r>
+              <a:t>Issues Associated with Data Collection</a:t>
+            </a:r>
+            <a:endParaRPr lang="en-US" dirty="0"/>
+          </a:p>
+        </p:txBody>
+      </p:sp>
+      <p:sp>
+        <p:nvSpPr>
+          <p:cNvPr id="3" name="Content Placeholder 2"/>
+          <p:cNvSpPr>
+            <a:spLocks noGrp="1"/>
+          </p:cNvSpPr>
+          <p:nvPr>
+            <p:ph sz="quarter" idx="1"/>
+          </p:nvPr>
+        </p:nvSpPr>
+        <p:spPr/>
+        <p:txBody>
+          <a:bodyPr/>
+          <a:lstStyle/>
+          <a:p>
+            <a:r>
+              <a:rPr lang="en-US" dirty="0" smtClean="0"/>
+              <a:t>Heterogeneity of free text</a:t>
+            </a:r>
+          </a:p>
+          <a:p>
+            <a:r>
+              <a:rPr lang="en-US" dirty="0" smtClean="0"/>
+              <a:t>Difficulty in data integration, requires human intervention</a:t>
+            </a:r>
+          </a:p>
+          <a:p>
+            <a:r>
+              <a:rPr lang="en-US" dirty="0" smtClean="0"/>
+              <a:t>Complex queries are limited </a:t>
+            </a:r>
+          </a:p>
+          <a:p>
             <a:endParaRPr lang="en-US" dirty="0"/>
           </a:p>
         </p:txBody>
@@ -11032,6 +11190,94 @@
                 <a:defRPr/>
               </a:pPr>
               <a:t>3</a:t>
+            </a:fld>
+            <a:endParaRPr lang="en-US"/>
+          </a:p>
+        </p:txBody>
+      </p:sp>
+    </p:spTree>
+  </p:cSld>
+  <p:clrMapOvr>
+    <a:masterClrMapping/>
+  </p:clrMapOvr>
+  <p:timing>
+    <p:tnLst>
+      <p:par>
+        <p:cTn id="1" dur="indefinite" restart="never" nodeType="tmRoot"/>
+      </p:par>
+    </p:tnLst>
+  </p:timing>
+</p:sld>
+</file>
+
+<file path=ppt/slides/slide4.xml><?xml version="1.0" encoding="utf-8"?>
+<p:sld xmlns:a="http://schemas.openxmlformats.org/drawingml/2006/main" xmlns:r="http://schemas.openxmlformats.org/officeDocument/2006/relationships" xmlns:p="http://schemas.openxmlformats.org/presentationml/2006/main">
+  <p:cSld>
+    <p:spTree>
+      <p:nvGrpSpPr>
+        <p:cNvPr id="1" name=""/>
+        <p:cNvGrpSpPr/>
+        <p:nvPr/>
+      </p:nvGrpSpPr>
+      <p:grpSpPr>
+        <a:xfrm>
+          <a:off x="0" y="0"/>
+          <a:ext cx="0" cy="0"/>
+          <a:chOff x="0" y="0"/>
+          <a:chExt cx="0" cy="0"/>
+        </a:xfrm>
+      </p:grpSpPr>
+      <p:sp>
+        <p:nvSpPr>
+          <p:cNvPr id="2" name="Title 1"/>
+          <p:cNvSpPr>
+            <a:spLocks noGrp="1"/>
+          </p:cNvSpPr>
+          <p:nvPr>
+            <p:ph type="title"/>
+          </p:nvPr>
+        </p:nvSpPr>
+        <p:spPr/>
+        <p:txBody>
+          <a:bodyPr/>
+          <a:lstStyle/>
+          <a:p>
+            <a:r>
+              <a:rPr lang="en-US" dirty="0" err="1" smtClean="0"/>
+              <a:t>GenBank</a:t>
+            </a:r>
+            <a:r>
+              <a:rPr lang="en-US" dirty="0" smtClean="0"/>
+              <a:t> Sequence Data</a:t>
+            </a:r>
+            <a:endParaRPr lang="en-US" dirty="0"/>
+          </a:p>
+        </p:txBody>
+      </p:sp>
+      <p:sp>
+        <p:nvSpPr>
+          <p:cNvPr id="4" name="Slide Number Placeholder 3"/>
+          <p:cNvSpPr>
+            <a:spLocks noGrp="1"/>
+          </p:cNvSpPr>
+          <p:nvPr>
+            <p:ph type="sldNum" sz="quarter" idx="11"/>
+          </p:nvPr>
+        </p:nvSpPr>
+        <p:spPr/>
+        <p:txBody>
+          <a:bodyPr/>
+          <a:lstStyle/>
+          <a:p>
+            <a:pPr>
+              <a:defRPr/>
+            </a:pPr>
+            <a:fld id="{C6587C3C-6210-43A2-897D-BAD9F5F0EE9E}" type="slidenum">
+              <a:rPr lang="en-US" smtClean="0"/>
+              <a:pPr>
+                <a:defRPr/>
+              </a:pPr>
+              <a:t>4</a:t>
             </a:fld>
             <a:endParaRPr lang="en-US"/>
           </a:p>
@@ -11051,7 +11297,7 @@
         </p:xfrm>
         <a:graphic>
           <a:graphicData uri="http://schemas.openxmlformats.org/presentationml/2006/ole">
-            <p:oleObj spid="_x0000_s114690" name="Worksheet" r:id="rId3" imgW="10399084" imgH="6787210" progId="Excel.Sheet.12">
+            <p:oleObj spid="_x0000_s114690" name="Worksheet" r:id="rId4" imgW="10399084" imgH="6787210" progId="Excel.Sheet.12">
               <p:embed/>
             </p:oleObj>
           </a:graphicData>
@@ -11071,7 +11317,7 @@
         </p:xfrm>
         <a:graphic>
           <a:graphicData uri="http://schemas.openxmlformats.org/presentationml/2006/ole">
-            <p:oleObj spid="_x0000_s114691" name="Worksheet" r:id="rId4" imgW="9782223" imgH="7096220" progId="Excel.Sheet.12">
+            <p:oleObj spid="_x0000_s114691" name="Worksheet" r:id="rId5" imgW="9782223" imgH="7096220" progId="Excel.Sheet.12">
               <p:embed/>
             </p:oleObj>
           </a:graphicData>
@@ -11255,7 +11501,7 @@
         </p:nvCxnSpPr>
         <p:spPr>
           <a:xfrm>
-            <a:off x="4114800" y="5029200"/>
+            <a:off x="4114800" y="4876800"/>
             <a:ext cx="1143000" cy="1588"/>
           </a:xfrm>
           <a:prstGeom prst="line">
@@ -11449,194 +11695,6 @@
             </p:seq>
           </p:childTnLst>
         </p:cTn>
-      </p:par>
-    </p:tnLst>
-  </p:timing>
-</p:sld>
-</file>
-
-<file path=ppt/slides/slide4.xml><?xml version="1.0" encoding="utf-8"?>
-<p:sld xmlns:a="http://schemas.openxmlformats.org/drawingml/2006/main" xmlns:r="http://schemas.openxmlformats.org/officeDocument/2006/relationships" xmlns:p="http://schemas.openxmlformats.org/presentationml/2006/main">
-  <p:cSld>
-    <p:spTree>
-      <p:nvGrpSpPr>
-        <p:cNvPr id="1" name=""/>
-        <p:cNvGrpSpPr/>
-        <p:nvPr/>
-      </p:nvGrpSpPr>
-      <p:grpSpPr>
-        <a:xfrm>
-          <a:off x="0" y="0"/>
-          <a:ext cx="0" cy="0"/>
-          <a:chOff x="0" y="0"/>
-          <a:chExt cx="0" cy="0"/>
-        </a:xfrm>
-      </p:grpSpPr>
-      <p:sp>
-        <p:nvSpPr>
-          <p:cNvPr id="2" name="Title 1"/>
-          <p:cNvSpPr>
-            <a:spLocks noGrp="1"/>
-          </p:cNvSpPr>
-          <p:nvPr>
-            <p:ph type="title"/>
-          </p:nvPr>
-        </p:nvSpPr>
-        <p:spPr/>
-        <p:txBody>
-          <a:bodyPr/>
-          <a:lstStyle/>
-          <a:p>
-            <a:pPr fontAlgn="auto">
-              <a:spcAft>
-                <a:spcPts val="0"/>
-              </a:spcAft>
-              <a:defRPr/>
-            </a:pPr>
-            <a:r>
-              <a:rPr lang="en-US" dirty="0" smtClean="0"/>
-              <a:t>What will be covered in this use case</a:t>
-            </a:r>
-            <a:endParaRPr lang="en-US" dirty="0"/>
-          </a:p>
-        </p:txBody>
-      </p:sp>
-      <p:sp>
-        <p:nvSpPr>
-          <p:cNvPr id="32770" name="Content Placeholder 2"/>
-          <p:cNvSpPr>
-            <a:spLocks noGrp="1"/>
-          </p:cNvSpPr>
-          <p:nvPr>
-            <p:ph sz="quarter" idx="1"/>
-          </p:nvPr>
-        </p:nvSpPr>
-        <p:spPr>
-          <a:xfrm>
-            <a:off x="457200" y="1143000"/>
-            <a:ext cx="7467600" cy="5330825"/>
-          </a:xfrm>
-        </p:spPr>
-        <p:txBody>
-          <a:bodyPr/>
-          <a:lstStyle/>
-          <a:p>
-            <a:r>
-              <a:rPr lang="en-US" dirty="0" smtClean="0">
-                <a:cs typeface="Arial" pitchFamily="34" charset="0"/>
-              </a:rPr>
-              <a:t>How to design a data submission form based on an ontology model</a:t>
-            </a:r>
-          </a:p>
-          <a:p>
-            <a:pPr lvl="1"/>
-            <a:r>
-              <a:rPr lang="en-US" dirty="0" smtClean="0">
-                <a:cs typeface="Arial" pitchFamily="34" charset="0"/>
-              </a:rPr>
-              <a:t>Example: Form to collect sequence data and information on isolates of pathogens</a:t>
-            </a:r>
-          </a:p>
-          <a:p>
-            <a:pPr lvl="1">
-              <a:buNone/>
-            </a:pPr>
-            <a:endParaRPr lang="en-US" dirty="0" smtClean="0">
-              <a:latin typeface="Century Schoolbook" pitchFamily="18" charset="0"/>
-            </a:endParaRPr>
-          </a:p>
-          <a:p>
-            <a:r>
-              <a:rPr lang="en-US" dirty="0" smtClean="0"/>
-              <a:t>How to reduce user effort in submission using restrictions defined in an ontology</a:t>
-            </a:r>
-          </a:p>
-          <a:p>
-            <a:pPr lvl="1"/>
-            <a:r>
-              <a:rPr lang="en-US" dirty="0" smtClean="0"/>
-              <a:t>Example: Use of the Ontology for Parasite Lifecycle (OPL) in the annotation of Gene Manipulation and Phenotype of Parasites submission form</a:t>
-            </a:r>
-          </a:p>
-          <a:p>
-            <a:pPr lvl="1"/>
-            <a:endParaRPr lang="en-US" dirty="0" smtClean="0"/>
-          </a:p>
-          <a:p>
-            <a:pPr>
-              <a:buNone/>
-            </a:pPr>
-            <a:endParaRPr lang="en-US" dirty="0" smtClean="0">
-              <a:latin typeface="Century Schoolbook" pitchFamily="18" charset="0"/>
-            </a:endParaRPr>
-          </a:p>
-        </p:txBody>
-      </p:sp>
-      <p:sp>
-        <p:nvSpPr>
-          <p:cNvPr id="32771" name="Slide Number Placeholder 3"/>
-          <p:cNvSpPr>
-            <a:spLocks noGrp="1"/>
-          </p:cNvSpPr>
-          <p:nvPr>
-            <p:ph type="sldNum" sz="quarter" idx="11"/>
-          </p:nvPr>
-        </p:nvSpPr>
-        <p:spPr bwMode="auto">
-          <a:noFill/>
-          <a:ln>
-            <a:miter lim="800000"/>
-            <a:headEnd/>
-            <a:tailEnd/>
-          </a:ln>
-        </p:spPr>
-        <p:txBody>
-          <a:bodyPr wrap="square" lIns="91440" tIns="45720" rIns="91440" bIns="45720" numCol="1" anchorCtr="0" compatLnSpc="1">
-            <a:prstTxWarp prst="textNoShape">
-              <a:avLst/>
-            </a:prstTxWarp>
-          </a:bodyPr>
-          <a:lstStyle/>
-          <a:p>
-            <a:pPr fontAlgn="base">
-              <a:spcBef>
-                <a:spcPct val="0"/>
-              </a:spcBef>
-              <a:spcAft>
-                <a:spcPct val="0"/>
-              </a:spcAft>
-            </a:pPr>
-            <a:fld id="{BB415047-5AAC-4467-A383-5AFEF804DD74}" type="slidenum">
-              <a:rPr lang="en-US">
-                <a:latin typeface="Century Schoolbook" pitchFamily="18" charset="0"/>
-                <a:cs typeface="Arial" pitchFamily="34" charset="0"/>
-              </a:rPr>
-              <a:pPr fontAlgn="base">
-                <a:spcBef>
-                  <a:spcPct val="0"/>
-                </a:spcBef>
-                <a:spcAft>
-                  <a:spcPct val="0"/>
-                </a:spcAft>
-              </a:pPr>
-              <a:t>4</a:t>
-            </a:fld>
-            <a:endParaRPr lang="en-US">
-              <a:latin typeface="Century Schoolbook" pitchFamily="18" charset="0"/>
-              <a:cs typeface="Arial" pitchFamily="34" charset="0"/>
-            </a:endParaRPr>
-          </a:p>
-        </p:txBody>
-      </p:sp>
-    </p:spTree>
-  </p:cSld>
-  <p:clrMapOvr>
-    <a:masterClrMapping/>
-  </p:clrMapOvr>
-  <p:timing>
-    <p:tnLst>
-      <p:par>
-        <p:cTn id="1" dur="indefinite" restart="never" nodeType="tmRoot"/>
       </p:par>
     </p:tnLst>
   </p:timing>
